--- a/프레젠테이션1.pptx
+++ b/프레젠테이션1.pptx
@@ -4636,16 +4636,17 @@
         </p:nvSpPr>
         <p:spPr>
           <a:xfrm>
-            <a:off x="3275856" y="1484784"/>
-            <a:ext cx="3168352" cy="1082551"/>
+            <a:off x="2267744" y="764704"/>
+            <a:ext cx="5256584" cy="2018655"/>
           </a:xfrm>
         </p:spPr>
         <p:txBody>
-          <a:bodyPr>
+          <a:bodyPr anchor="ctr">
             <a:normAutofit/>
           </a:bodyPr>
           <a:lstStyle/>
           <a:p>
+            <a:pPr algn="ctr"/>
             <a:r>
               <a:rPr lang="ko-KR" altLang="en-US" dirty="0" err="1" smtClean="0"/>
               <a:t>권오인</a:t>
@@ -4653,6 +4654,17 @@
             <a:r>
               <a:rPr lang="ko-KR" altLang="en-US" dirty="0" smtClean="0"/>
               <a:t> 컴퍼니</a:t>
+            </a:r>
+            <a:r>
+              <a:rPr lang="en-US" altLang="ko-KR" dirty="0" smtClean="0"/>
+              <a:t/>
+            </a:r>
+            <a:br>
+              <a:rPr lang="en-US" altLang="ko-KR" dirty="0" smtClean="0"/>
+            </a:br>
+            <a:r>
+              <a:rPr lang="en-US" altLang="ko-KR" dirty="0" smtClean="0"/>
+              <a:t>Fulfillment Service</a:t>
             </a:r>
             <a:endParaRPr lang="ko-KR" altLang="en-US" dirty="0"/>
           </a:p>
@@ -4670,8 +4682,8 @@
         </p:nvSpPr>
         <p:spPr>
           <a:xfrm>
-            <a:off x="6660232" y="4437112"/>
-            <a:ext cx="1440160" cy="1752600"/>
+            <a:off x="3347864" y="3645024"/>
+            <a:ext cx="5112568" cy="2904728"/>
           </a:xfrm>
         </p:spPr>
         <p:txBody>
@@ -4680,6 +4692,23 @@
           </a:bodyPr>
           <a:lstStyle/>
           <a:p>
+            <a:pPr algn="r"/>
+            <a:r>
+              <a:rPr lang="ko-KR" altLang="en-US" dirty="0" smtClean="0"/>
+              <a:t>전자정부표준프레임워크</a:t>
+            </a:r>
+            <a:endParaRPr lang="en-US" altLang="ko-KR" dirty="0" smtClean="0"/>
+          </a:p>
+          <a:p>
+            <a:pPr algn="r"/>
+            <a:r>
+              <a:rPr lang="en-US" altLang="ko-KR" dirty="0" smtClean="0"/>
+              <a:t>Project 01</a:t>
+            </a:r>
+            <a:endParaRPr lang="en-US" altLang="ko-KR" dirty="0" smtClean="0"/>
+          </a:p>
+          <a:p>
+            <a:pPr algn="r"/>
             <a:r>
               <a:rPr lang="ko-KR" altLang="en-US" dirty="0" err="1" smtClean="0"/>
               <a:t>권오인</a:t>
@@ -4687,6 +4716,7 @@
             <a:endParaRPr lang="en-US" altLang="ko-KR" dirty="0" smtClean="0"/>
           </a:p>
           <a:p>
+            <a:pPr algn="r"/>
             <a:r>
               <a:rPr lang="ko-KR" altLang="en-US" dirty="0" smtClean="0"/>
               <a:t>김성현</a:t>
@@ -4694,6 +4724,7 @@
             <a:endParaRPr lang="en-US" altLang="ko-KR" dirty="0" smtClean="0"/>
           </a:p>
           <a:p>
+            <a:pPr algn="r"/>
             <a:r>
               <a:rPr lang="ko-KR" altLang="en-US" dirty="0" smtClean="0"/>
               <a:t>은정</a:t>
@@ -4744,90 +4775,6 @@
       </p:grpSpPr>
       <p:sp>
         <p:nvSpPr>
-          <p:cNvPr id="13" name="모서리가 둥근 직사각형 12"/>
-          <p:cNvSpPr/>
-          <p:nvPr/>
-        </p:nvSpPr>
-        <p:spPr>
-          <a:xfrm>
-            <a:off x="2356772" y="669081"/>
-            <a:ext cx="5150536" cy="2225548"/>
-          </a:xfrm>
-          <a:prstGeom prst="roundRect">
-            <a:avLst/>
-          </a:prstGeom>
-          <a:solidFill>
-            <a:schemeClr val="bg1"/>
-          </a:solidFill>
-          <a:ln>
-            <a:solidFill>
-              <a:schemeClr val="accent2"/>
-            </a:solidFill>
-          </a:ln>
-        </p:spPr>
-        <p:style>
-          <a:lnRef idx="2">
-            <a:schemeClr val="accent2">
-              <a:shade val="50000"/>
-            </a:schemeClr>
-          </a:lnRef>
-          <a:fillRef idx="1">
-            <a:schemeClr val="accent2"/>
-          </a:fillRef>
-          <a:effectRef idx="0">
-            <a:schemeClr val="accent2"/>
-          </a:effectRef>
-          <a:fontRef idx="minor">
-            <a:schemeClr val="lt1"/>
-          </a:fontRef>
-        </p:style>
-        <p:txBody>
-          <a:bodyPr rtlCol="0" anchor="ctr"/>
-          <a:lstStyle/>
-          <a:p>
-            <a:pPr algn="ctr"/>
-            <a:r>
-              <a:rPr lang="ko-KR" altLang="en-US" dirty="0" smtClean="0">
-                <a:solidFill>
-                  <a:schemeClr val="tx1"/>
-                </a:solidFill>
-              </a:rPr>
-              <a:t>발주 내역이 </a:t>
-            </a:r>
-            <a:r>
-              <a:rPr lang="en-US" altLang="ko-KR" dirty="0" smtClean="0">
-                <a:solidFill>
-                  <a:schemeClr val="tx1"/>
-                </a:solidFill>
-              </a:rPr>
-              <a:t>CSV</a:t>
-            </a:r>
-            <a:r>
-              <a:rPr lang="ko-KR" altLang="en-US" dirty="0" smtClean="0">
-                <a:solidFill>
-                  <a:schemeClr val="tx1"/>
-                </a:solidFill>
-              </a:rPr>
-              <a:t>파일로 다운로드 되었습니다</a:t>
-            </a:r>
-            <a:r>
-              <a:rPr lang="en-US" altLang="ko-KR" dirty="0" smtClean="0">
-                <a:solidFill>
-                  <a:schemeClr val="tx1"/>
-                </a:solidFill>
-              </a:rPr>
-              <a:t>.</a:t>
-            </a:r>
-            <a:endParaRPr lang="ko-KR" altLang="en-US" dirty="0">
-              <a:solidFill>
-                <a:schemeClr val="tx1"/>
-              </a:solidFill>
-            </a:endParaRPr>
-          </a:p>
-        </p:txBody>
-      </p:sp>
-      <p:sp>
-        <p:nvSpPr>
           <p:cNvPr id="5" name="모서리가 둥근 직사각형 4">
             <a:hlinkClick r:id="rId2" action="ppaction://hlinksldjump"/>
           </p:cNvPr>
@@ -4866,11 +4813,7 @@
             <a:pPr algn="ctr"/>
             <a:r>
               <a:rPr lang="ko-KR" altLang="en-US" sz="1600" dirty="0" smtClean="0"/>
-              <a:t>전체 </a:t>
-            </a:r>
-            <a:r>
-              <a:rPr lang="ko-KR" altLang="en-US" sz="1600" dirty="0" smtClean="0"/>
-              <a:t>발주</a:t>
+              <a:t>전체 발주</a:t>
             </a:r>
             <a:endParaRPr lang="en-US" altLang="ko-KR" sz="1600" dirty="0" smtClean="0"/>
           </a:p>
@@ -5018,11 +4961,7 @@
             </a:r>
             <a:r>
               <a:rPr lang="en-US" altLang="ko-KR" sz="1600" dirty="0" smtClean="0"/>
-              <a:t>CS</a:t>
-            </a:r>
-            <a:r>
-              <a:rPr lang="en-US" altLang="ko-KR" sz="1600" dirty="0" smtClean="0"/>
-              <a:t>V</a:t>
+              <a:t>CSV</a:t>
             </a:r>
             <a:endParaRPr lang="en-US" altLang="ko-KR" sz="1600" dirty="0"/>
           </a:p>
@@ -5233,11 +5172,7 @@
             <a:p>
               <a:r>
                 <a:rPr lang="ko-KR" altLang="en-US" dirty="0" smtClean="0"/>
-                <a:t>        </a:t>
-              </a:r>
-              <a:r>
-                <a:rPr lang="ko-KR" altLang="en-US" dirty="0" smtClean="0"/>
-                <a:t>상품코드             상품명             개수           단가</a:t>
+                <a:t>        상품코드             상품명             개수           단가</a:t>
               </a:r>
               <a:r>
                 <a:rPr lang="en-US" altLang="ko-KR" dirty="0" smtClean="0"/>
@@ -5761,6 +5696,120 @@
               <a:rPr lang="ko-KR" altLang="en-US" dirty="0"/>
               <a:t> □</a:t>
             </a:r>
+          </a:p>
+        </p:txBody>
+      </p:sp>
+      <p:sp>
+        <p:nvSpPr>
+          <p:cNvPr id="13" name="모서리가 둥근 직사각형 12"/>
+          <p:cNvSpPr/>
+          <p:nvPr/>
+        </p:nvSpPr>
+        <p:spPr>
+          <a:xfrm>
+            <a:off x="2416170" y="525318"/>
+            <a:ext cx="5150536" cy="2225548"/>
+          </a:xfrm>
+          <a:prstGeom prst="roundRect">
+            <a:avLst/>
+          </a:prstGeom>
+          <a:solidFill>
+            <a:schemeClr val="bg1"/>
+          </a:solidFill>
+          <a:ln>
+            <a:solidFill>
+              <a:schemeClr val="accent2"/>
+            </a:solidFill>
+          </a:ln>
+        </p:spPr>
+        <p:style>
+          <a:lnRef idx="2">
+            <a:schemeClr val="accent2">
+              <a:shade val="50000"/>
+            </a:schemeClr>
+          </a:lnRef>
+          <a:fillRef idx="1">
+            <a:schemeClr val="accent2"/>
+          </a:fillRef>
+          <a:effectRef idx="0">
+            <a:schemeClr val="accent2"/>
+          </a:effectRef>
+          <a:fontRef idx="minor">
+            <a:schemeClr val="lt1"/>
+          </a:fontRef>
+        </p:style>
+        <p:txBody>
+          <a:bodyPr rtlCol="0" anchor="ctr"/>
+          <a:lstStyle/>
+          <a:p>
+            <a:pPr algn="ctr"/>
+            <a:r>
+              <a:rPr lang="ko-KR" altLang="en-US" dirty="0" smtClean="0">
+                <a:solidFill>
+                  <a:schemeClr val="tx1"/>
+                </a:solidFill>
+              </a:rPr>
+              <a:t>발주 내역이 </a:t>
+            </a:r>
+            <a:r>
+              <a:rPr lang="en-US" altLang="ko-KR" dirty="0" smtClean="0">
+                <a:solidFill>
+                  <a:schemeClr val="tx1"/>
+                </a:solidFill>
+              </a:rPr>
+              <a:t>CSV</a:t>
+            </a:r>
+            <a:r>
+              <a:rPr lang="ko-KR" altLang="en-US" dirty="0" smtClean="0">
+                <a:solidFill>
+                  <a:schemeClr val="tx1"/>
+                </a:solidFill>
+              </a:rPr>
+              <a:t>파일로 다운로드 되었습니다</a:t>
+            </a:r>
+            <a:r>
+              <a:rPr lang="en-US" altLang="ko-KR" dirty="0" smtClean="0">
+                <a:solidFill>
+                  <a:schemeClr val="tx1"/>
+                </a:solidFill>
+              </a:rPr>
+              <a:t>.</a:t>
+            </a:r>
+            <a:endParaRPr lang="ko-KR" altLang="en-US" dirty="0">
+              <a:solidFill>
+                <a:schemeClr val="tx1"/>
+              </a:solidFill>
+            </a:endParaRPr>
+          </a:p>
+        </p:txBody>
+      </p:sp>
+      <p:sp>
+        <p:nvSpPr>
+          <p:cNvPr id="20" name="TextBox 19"/>
+          <p:cNvSpPr txBox="1"/>
+          <p:nvPr/>
+        </p:nvSpPr>
+        <p:spPr>
+          <a:xfrm>
+            <a:off x="4716016" y="4981818"/>
+            <a:ext cx="720080" cy="369332"/>
+          </a:xfrm>
+          <a:prstGeom prst="rect">
+            <a:avLst/>
+          </a:prstGeom>
+          <a:noFill/>
+        </p:spPr>
+        <p:txBody>
+          <a:bodyPr wrap="square" rtlCol="0">
+            <a:spAutoFit/>
+          </a:bodyPr>
+          <a:lstStyle/>
+          <a:p>
+            <a:r>
+              <a:rPr lang="en-US" altLang="ko-KR" dirty="0" smtClean="0"/>
+              <a:t>- 1 -</a:t>
+            </a:r>
+            <a:endParaRPr lang="ko-KR" altLang="en-US" dirty="0"/>
           </a:p>
         </p:txBody>
       </p:sp>
@@ -12779,15 +12828,7 @@
                             <a:srgbClr val="FF0000"/>
                           </a:solidFill>
                         </a:rPr>
-                        <a:t>(</a:t>
-                      </a:r>
-                      <a:r>
-                        <a:rPr lang="en-US" altLang="ko-KR" dirty="0" smtClean="0">
-                          <a:solidFill>
-                            <a:srgbClr val="FF0000"/>
-                          </a:solidFill>
-                        </a:rPr>
-                        <a:t>S)</a:t>
+                        <a:t>(S)</a:t>
                       </a:r>
                       <a:r>
                         <a:rPr lang="en-US" altLang="ko-KR" dirty="0" err="1" smtClean="0">
@@ -13016,42 +13057,6 @@
           </a:graphicData>
         </a:graphic>
       </p:graphicFrame>
-      <p:sp>
-        <p:nvSpPr>
-          <p:cNvPr id="3" name="TextBox 2"/>
-          <p:cNvSpPr txBox="1"/>
-          <p:nvPr/>
-        </p:nvSpPr>
-        <p:spPr>
-          <a:xfrm>
-            <a:off x="375476" y="208363"/>
-            <a:ext cx="646331" cy="1200329"/>
-          </a:xfrm>
-          <a:prstGeom prst="rect">
-            <a:avLst/>
-          </a:prstGeom>
-          <a:noFill/>
-        </p:spPr>
-        <p:txBody>
-          <a:bodyPr vert="horz" wrap="square" rtlCol="0" anchor="t" anchorCtr="0">
-            <a:spAutoFit/>
-          </a:bodyPr>
-          <a:lstStyle/>
-          <a:p>
-            <a:r>
-              <a:rPr lang="en-US" altLang="ko-KR" sz="3600" dirty="0" smtClean="0"/>
-              <a:t>D</a:t>
-            </a:r>
-          </a:p>
-          <a:p>
-            <a:r>
-              <a:rPr lang="en-US" altLang="ko-KR" sz="3600" dirty="0" smtClean="0"/>
-              <a:t>B</a:t>
-            </a:r>
-            <a:endParaRPr lang="ko-KR" altLang="en-US" sz="3600" dirty="0"/>
-          </a:p>
-        </p:txBody>
-      </p:sp>
       <p:cxnSp>
         <p:nvCxnSpPr>
           <p:cNvPr id="10" name="꺾인 연결선 9"/>
@@ -13651,8 +13656,8 @@
         </p:nvSpPr>
         <p:spPr>
           <a:xfrm>
-            <a:off x="1978640" y="5319176"/>
-            <a:ext cx="330643" cy="288032"/>
+            <a:off x="2123142" y="5395376"/>
+            <a:ext cx="165322" cy="152400"/>
           </a:xfrm>
           <a:prstGeom prst="flowChartConnector">
             <a:avLst/>
@@ -13685,14 +13690,14 @@
       </p:sp>
       <p:sp>
         <p:nvSpPr>
-          <p:cNvPr id="14" name="순서도: 연결자 13"/>
+          <p:cNvPr id="16" name="순서도: 연결자 15"/>
           <p:cNvSpPr/>
           <p:nvPr/>
         </p:nvSpPr>
         <p:spPr>
           <a:xfrm>
-            <a:off x="3775204" y="5327560"/>
-            <a:ext cx="330643" cy="288032"/>
+            <a:off x="3914232" y="5386992"/>
+            <a:ext cx="165322" cy="152400"/>
           </a:xfrm>
           <a:prstGeom prst="flowChartConnector">
             <a:avLst/>
@@ -13725,14 +13730,14 @@
       </p:sp>
       <p:sp>
         <p:nvSpPr>
-          <p:cNvPr id="15" name="순서도: 연결자 14"/>
+          <p:cNvPr id="17" name="순서도: 연결자 16"/>
           <p:cNvSpPr/>
           <p:nvPr/>
         </p:nvSpPr>
         <p:spPr>
           <a:xfrm>
-            <a:off x="5652120" y="5318798"/>
-            <a:ext cx="330643" cy="288032"/>
+            <a:off x="5796136" y="5395376"/>
+            <a:ext cx="165322" cy="152400"/>
           </a:xfrm>
           <a:prstGeom prst="flowChartConnector">
             <a:avLst/>
@@ -14168,9 +14173,9 @@
           <p:grpSpPr>
             <a:xfrm>
               <a:off x="3994957" y="3999330"/>
-              <a:ext cx="4231377" cy="509802"/>
+              <a:ext cx="4231377" cy="462208"/>
               <a:chOff x="4013030" y="3852257"/>
-              <a:chExt cx="4231377" cy="509802"/>
+              <a:chExt cx="4231377" cy="462208"/>
             </a:xfrm>
           </p:grpSpPr>
           <p:sp>
@@ -14302,7 +14307,7 @@
             <p:spPr>
               <a:xfrm>
                 <a:off x="4013030" y="4023505"/>
-                <a:ext cx="4231377" cy="338554"/>
+                <a:ext cx="4231377" cy="290960"/>
               </a:xfrm>
               <a:prstGeom prst="rect">
                 <a:avLst/>
@@ -14317,15 +14322,19 @@
               <a:p>
                 <a:r>
                   <a:rPr lang="ko-KR" altLang="en-US" sz="1600" dirty="0" smtClean="0"/>
-                  <a:t>쇼핑몰운영자 </a:t>
+                  <a:t> 쇼핑몰운영자     </a:t>
                 </a:r>
                 <a:r>
                   <a:rPr lang="en-US" altLang="ko-KR" sz="1600" dirty="0" smtClean="0"/>
-                  <a:t>  </a:t>
+                  <a:t> </a:t>
                 </a:r>
                 <a:r>
                   <a:rPr lang="ko-KR" altLang="en-US" sz="1600" dirty="0" smtClean="0"/>
-                  <a:t>운송업체    구입처운영자</a:t>
+                  <a:t>운송업체      </a:t>
+                </a:r>
+                <a:r>
+                  <a:rPr lang="ko-KR" altLang="en-US" sz="1600" dirty="0" smtClean="0"/>
+                  <a:t>구입처운영자</a:t>
                 </a:r>
                 <a:endParaRPr lang="ko-KR" altLang="en-US" sz="1600" dirty="0"/>
               </a:p>
@@ -14341,9 +14350,9 @@
           <p:grpSpPr>
             <a:xfrm>
               <a:off x="4251744" y="4558801"/>
-              <a:ext cx="3871338" cy="513348"/>
+              <a:ext cx="3871338" cy="461427"/>
               <a:chOff x="4340952" y="4694102"/>
-              <a:chExt cx="3871338" cy="513348"/>
+              <a:chExt cx="3871338" cy="461427"/>
             </a:xfrm>
           </p:grpSpPr>
           <p:sp>
@@ -14515,7 +14524,7 @@
             <p:spPr>
               <a:xfrm>
                 <a:off x="4340952" y="4838118"/>
-                <a:ext cx="3871338" cy="369332"/>
+                <a:ext cx="3871338" cy="317411"/>
               </a:xfrm>
               <a:prstGeom prst="rect">
                 <a:avLst/>
@@ -14538,7 +14547,13 @@
                   <a:rPr lang="en-US" altLang="ko-KR" dirty="0" smtClean="0">
                     <a:latin typeface="+mn-ea"/>
                   </a:rPr>
-                  <a:t>     </a:t>
+                  <a:t> </a:t>
+                </a:r>
+                <a:r>
+                  <a:rPr lang="en-US" altLang="ko-KR" dirty="0" smtClean="0">
+                    <a:latin typeface="+mn-ea"/>
+                  </a:rPr>
+                  <a:t>      </a:t>
                 </a:r>
                 <a:r>
                   <a:rPr lang="ko-KR" altLang="en-US" dirty="0" smtClean="0">
@@ -14556,7 +14571,13 @@
                   <a:rPr lang="en-US" altLang="ko-KR" dirty="0" smtClean="0">
                     <a:latin typeface="+mn-ea"/>
                   </a:rPr>
-                  <a:t>     </a:t>
+                  <a:t>   </a:t>
+                </a:r>
+                <a:r>
+                  <a:rPr lang="en-US" altLang="ko-KR" dirty="0" smtClean="0">
+                    <a:latin typeface="+mn-ea"/>
+                  </a:rPr>
+                  <a:t>   </a:t>
                 </a:r>
                 <a:r>
                   <a:rPr lang="ko-KR" altLang="en-US" dirty="0" smtClean="0">
@@ -14574,7 +14595,13 @@
                   <a:rPr lang="en-US" altLang="ko-KR" dirty="0" smtClean="0">
                     <a:latin typeface="+mn-ea"/>
                   </a:rPr>
-                  <a:t>    </a:t>
+                  <a:t>   </a:t>
+                </a:r>
+                <a:r>
+                  <a:rPr lang="en-US" altLang="ko-KR" dirty="0" smtClean="0">
+                    <a:latin typeface="+mn-ea"/>
+                  </a:rPr>
+                  <a:t>  </a:t>
                 </a:r>
                 <a:r>
                   <a:rPr lang="ko-KR" altLang="en-US" dirty="0" smtClean="0">
@@ -14681,19 +14708,18 @@
       </p:grpSpPr>
       <p:sp>
         <p:nvSpPr>
-          <p:cNvPr id="7" name="모서리가 둥근 직사각형 6"/>
+          <p:cNvPr id="3" name="모서리가 둥근 직사각형 2"/>
           <p:cNvSpPr/>
           <p:nvPr/>
         </p:nvSpPr>
         <p:spPr>
           <a:xfrm>
-            <a:off x="2411760" y="258997"/>
-            <a:ext cx="4680000" cy="2160000"/>
+            <a:off x="1544312" y="1085542"/>
+            <a:ext cx="6916120" cy="4320480"/>
           </a:xfrm>
           <a:prstGeom prst="roundRect">
             <a:avLst/>
           </a:prstGeom>
-          <a:ln/>
         </p:spPr>
         <p:style>
           <a:lnRef idx="2">
@@ -14720,31 +14746,7 @@
                   <a:schemeClr val="tx1"/>
                 </a:solidFill>
               </a:rPr>
-              <a:t>송장이 </a:t>
-            </a:r>
-            <a:r>
-              <a:rPr lang="en-US" altLang="ko-KR" dirty="0" smtClean="0">
-                <a:solidFill>
-                  <a:schemeClr val="tx1"/>
-                </a:solidFill>
-              </a:rPr>
-              <a:t>CSV</a:t>
-            </a:r>
-            <a:r>
-              <a:rPr lang="ko-KR" altLang="en-US" dirty="0" smtClean="0">
-                <a:solidFill>
-                  <a:schemeClr val="tx1"/>
-                </a:solidFill>
-              </a:rPr>
-              <a:t>파일로 전송되었습니다</a:t>
-            </a:r>
-            <a:r>
-              <a:rPr lang="en-US" altLang="ko-KR" dirty="0" smtClean="0">
-                <a:solidFill>
-                  <a:schemeClr val="tx1"/>
-                </a:solidFill>
-              </a:rPr>
-              <a:t>.</a:t>
+              <a:t> </a:t>
             </a:r>
             <a:endParaRPr lang="ko-KR" altLang="en-US" dirty="0">
               <a:solidFill>
@@ -14754,570 +14756,6 @@
           </a:p>
         </p:txBody>
       </p:sp>
-      <p:grpSp>
-        <p:nvGrpSpPr>
-          <p:cNvPr id="18" name="그룹 17"/>
-          <p:cNvGrpSpPr/>
-          <p:nvPr/>
-        </p:nvGrpSpPr>
-        <p:grpSpPr>
-          <a:xfrm>
-            <a:off x="1544312" y="1085542"/>
-            <a:ext cx="7116154" cy="4320480"/>
-            <a:chOff x="1544312" y="1085542"/>
-            <a:chExt cx="7116154" cy="4320480"/>
-          </a:xfrm>
-        </p:grpSpPr>
-        <p:sp>
-          <p:nvSpPr>
-            <p:cNvPr id="3" name="모서리가 둥근 직사각형 2"/>
-            <p:cNvSpPr/>
-            <p:nvPr/>
-          </p:nvSpPr>
-          <p:spPr>
-            <a:xfrm>
-              <a:off x="1544312" y="1085542"/>
-              <a:ext cx="6916120" cy="4320480"/>
-            </a:xfrm>
-            <a:prstGeom prst="roundRect">
-              <a:avLst/>
-            </a:prstGeom>
-          </p:spPr>
-          <p:style>
-            <a:lnRef idx="2">
-              <a:schemeClr val="accent2"/>
-            </a:lnRef>
-            <a:fillRef idx="1">
-              <a:schemeClr val="lt1"/>
-            </a:fillRef>
-            <a:effectRef idx="0">
-              <a:schemeClr val="accent2"/>
-            </a:effectRef>
-            <a:fontRef idx="minor">
-              <a:schemeClr val="dk1"/>
-            </a:fontRef>
-          </p:style>
-          <p:txBody>
-            <a:bodyPr rtlCol="0" anchor="ctr"/>
-            <a:lstStyle/>
-            <a:p>
-              <a:pPr algn="ctr"/>
-              <a:r>
-                <a:rPr lang="ko-KR" altLang="en-US" dirty="0" smtClean="0">
-                  <a:solidFill>
-                    <a:schemeClr val="tx1"/>
-                  </a:solidFill>
-                </a:rPr>
-                <a:t> </a:t>
-              </a:r>
-              <a:endParaRPr lang="ko-KR" altLang="en-US" dirty="0">
-                <a:solidFill>
-                  <a:schemeClr val="tx1"/>
-                </a:solidFill>
-              </a:endParaRPr>
-            </a:p>
-          </p:txBody>
-        </p:sp>
-        <p:grpSp>
-          <p:nvGrpSpPr>
-            <p:cNvPr id="15" name="그룹 14"/>
-            <p:cNvGrpSpPr/>
-            <p:nvPr/>
-          </p:nvGrpSpPr>
-          <p:grpSpPr>
-            <a:xfrm>
-              <a:off x="1691680" y="1669450"/>
-              <a:ext cx="6968786" cy="3099826"/>
-              <a:chOff x="1691680" y="1669450"/>
-              <a:chExt cx="6968786" cy="3099826"/>
-            </a:xfrm>
-          </p:grpSpPr>
-          <p:grpSp>
-            <p:nvGrpSpPr>
-              <p:cNvPr id="13" name="그룹 12"/>
-              <p:cNvGrpSpPr/>
-              <p:nvPr/>
-            </p:nvGrpSpPr>
-            <p:grpSpPr>
-              <a:xfrm>
-                <a:off x="1691680" y="1669450"/>
-                <a:ext cx="6768752" cy="2730494"/>
-                <a:chOff x="1691680" y="1669450"/>
-                <a:chExt cx="6768752" cy="2730494"/>
-              </a:xfrm>
-            </p:grpSpPr>
-            <p:sp>
-              <p:nvSpPr>
-                <p:cNvPr id="8" name="TextBox 7"/>
-                <p:cNvSpPr txBox="1"/>
-                <p:nvPr/>
-              </p:nvSpPr>
-              <p:spPr>
-                <a:xfrm>
-                  <a:off x="1691680" y="1669450"/>
-                  <a:ext cx="6768752" cy="369332"/>
-                </a:xfrm>
-                <a:prstGeom prst="rect">
-                  <a:avLst/>
-                </a:prstGeom>
-                <a:noFill/>
-              </p:spPr>
-              <p:txBody>
-                <a:bodyPr wrap="square" rtlCol="0">
-                  <a:spAutoFit/>
-                </a:bodyPr>
-                <a:lstStyle/>
-                <a:p>
-                  <a:r>
-                    <a:rPr lang="ko-KR" altLang="en-US" dirty="0" smtClean="0"/>
-                    <a:t>          상품명                           개수  </a:t>
-                  </a:r>
-                  <a:r>
-                    <a:rPr lang="en-US" altLang="ko-KR" dirty="0" smtClean="0"/>
-                    <a:t>	</a:t>
-                  </a:r>
-                  <a:r>
-                    <a:rPr lang="ko-KR" altLang="en-US" dirty="0" smtClean="0"/>
-                    <a:t>              단가    </a:t>
-                  </a:r>
-                  <a:r>
-                    <a:rPr lang="en-US" altLang="ko-KR" dirty="0"/>
-                    <a:t> </a:t>
-                  </a:r>
-                  <a:r>
-                    <a:rPr lang="en-US" altLang="ko-KR" dirty="0" smtClean="0"/>
-                    <a:t>       </a:t>
-                  </a:r>
-                  <a:r>
-                    <a:rPr lang="ko-KR" altLang="en-US" dirty="0" smtClean="0"/>
-                    <a:t>    합계</a:t>
-                  </a:r>
-                  <a:endParaRPr lang="en-US" altLang="ko-KR" dirty="0" smtClean="0"/>
-                </a:p>
-              </p:txBody>
-            </p:sp>
-            <p:sp>
-              <p:nvSpPr>
-                <p:cNvPr id="9" name="TextBox 8"/>
-                <p:cNvSpPr txBox="1"/>
-                <p:nvPr/>
-              </p:nvSpPr>
-              <p:spPr>
-                <a:xfrm>
-                  <a:off x="1691680" y="2091620"/>
-                  <a:ext cx="2232248" cy="2308324"/>
-                </a:xfrm>
-                <a:prstGeom prst="rect">
-                  <a:avLst/>
-                </a:prstGeom>
-                <a:noFill/>
-              </p:spPr>
-              <p:txBody>
-                <a:bodyPr wrap="square" rtlCol="0">
-                  <a:spAutoFit/>
-                </a:bodyPr>
-                <a:lstStyle/>
-                <a:p>
-                  <a:pPr marL="342900" indent="-342900">
-                    <a:buAutoNum type="arabicPeriod"/>
-                  </a:pPr>
-                  <a:r>
-                    <a:rPr lang="ko-KR" altLang="en-US" dirty="0" smtClean="0"/>
-                    <a:t>삼겹살 </a:t>
-                  </a:r>
-                  <a:r>
-                    <a:rPr lang="en-US" altLang="ko-KR" dirty="0" smtClean="0"/>
-                    <a:t>1kg</a:t>
-                  </a:r>
-                </a:p>
-                <a:p>
-                  <a:pPr marL="342900" indent="-342900">
-                    <a:buAutoNum type="arabicPeriod"/>
-                  </a:pPr>
-                  <a:r>
-                    <a:rPr lang="ko-KR" altLang="en-US" dirty="0" smtClean="0"/>
-                    <a:t>목살   </a:t>
-                  </a:r>
-                  <a:r>
-                    <a:rPr lang="en-US" altLang="ko-KR" dirty="0" smtClean="0"/>
-                    <a:t>1kg</a:t>
-                  </a:r>
-                </a:p>
-                <a:p>
-                  <a:pPr marL="342900" indent="-342900">
-                    <a:buAutoNum type="arabicPeriod"/>
-                  </a:pPr>
-                  <a:r>
-                    <a:rPr lang="ko-KR" altLang="en-US" dirty="0" smtClean="0"/>
-                    <a:t>대파   </a:t>
-                  </a:r>
-                  <a:r>
-                    <a:rPr lang="en-US" altLang="ko-KR" dirty="0" smtClean="0"/>
-                    <a:t>1</a:t>
-                  </a:r>
-                  <a:r>
-                    <a:rPr lang="ko-KR" altLang="en-US" dirty="0" smtClean="0"/>
-                    <a:t>단</a:t>
-                  </a:r>
-                  <a:endParaRPr lang="en-US" altLang="ko-KR" dirty="0" smtClean="0"/>
-                </a:p>
-                <a:p>
-                  <a:pPr marL="342900" indent="-342900">
-                    <a:buAutoNum type="arabicPeriod"/>
-                  </a:pPr>
-                  <a:r>
-                    <a:rPr lang="ko-KR" altLang="en-US" dirty="0" smtClean="0"/>
-                    <a:t>쌈장   </a:t>
-                  </a:r>
-                  <a:r>
-                    <a:rPr lang="en-US" altLang="ko-KR" dirty="0" smtClean="0"/>
-                    <a:t>150g</a:t>
-                  </a:r>
-                </a:p>
-                <a:p>
-                  <a:pPr marL="342900" indent="-342900">
-                    <a:buAutoNum type="arabicPeriod"/>
-                  </a:pPr>
-                  <a:r>
-                    <a:rPr lang="ko-KR" altLang="en-US" dirty="0" smtClean="0"/>
-                    <a:t>젓가락 </a:t>
-                  </a:r>
-                  <a:r>
-                    <a:rPr lang="en-US" altLang="ko-KR" dirty="0" smtClean="0"/>
-                    <a:t>50</a:t>
-                  </a:r>
-                  <a:r>
-                    <a:rPr lang="ko-KR" altLang="en-US" dirty="0" smtClean="0"/>
-                    <a:t>개</a:t>
-                  </a:r>
-                  <a:endParaRPr lang="en-US" altLang="ko-KR" dirty="0" smtClean="0"/>
-                </a:p>
-                <a:p>
-                  <a:pPr marL="342900" indent="-342900">
-                    <a:buAutoNum type="arabicPeriod"/>
-                  </a:pPr>
-                  <a:r>
-                    <a:rPr lang="ko-KR" altLang="en-US" dirty="0" smtClean="0"/>
-                    <a:t>일회용용기 </a:t>
-                  </a:r>
-                  <a:r>
-                    <a:rPr lang="en-US" altLang="ko-KR" dirty="0" smtClean="0"/>
-                    <a:t>50</a:t>
-                  </a:r>
-                  <a:r>
-                    <a:rPr lang="ko-KR" altLang="en-US" dirty="0" smtClean="0"/>
-                    <a:t>개</a:t>
-                  </a:r>
-                  <a:endParaRPr lang="en-US" altLang="ko-KR" dirty="0" smtClean="0"/>
-                </a:p>
-                <a:p>
-                  <a:pPr marL="342900" indent="-342900">
-                    <a:buAutoNum type="arabicPeriod"/>
-                  </a:pPr>
-                  <a:r>
-                    <a:rPr lang="ko-KR" altLang="en-US" dirty="0" smtClean="0"/>
-                    <a:t>콜라   </a:t>
-                  </a:r>
-                  <a:r>
-                    <a:rPr lang="en-US" altLang="ko-KR" dirty="0" smtClean="0"/>
-                    <a:t>1.5L</a:t>
-                  </a:r>
-                </a:p>
-                <a:p>
-                  <a:pPr marL="342900" indent="-342900">
-                    <a:buAutoNum type="arabicPeriod"/>
-                  </a:pPr>
-                  <a:endParaRPr lang="ko-KR" altLang="en-US" dirty="0"/>
-                </a:p>
-              </p:txBody>
-            </p:sp>
-            <p:sp>
-              <p:nvSpPr>
-                <p:cNvPr id="10" name="TextBox 9"/>
-                <p:cNvSpPr txBox="1"/>
-                <p:nvPr/>
-              </p:nvSpPr>
-              <p:spPr>
-                <a:xfrm>
-                  <a:off x="4935392" y="2091619"/>
-                  <a:ext cx="281328" cy="2031325"/>
-                </a:xfrm>
-                <a:prstGeom prst="rect">
-                  <a:avLst/>
-                </a:prstGeom>
-                <a:noFill/>
-              </p:spPr>
-              <p:txBody>
-                <a:bodyPr wrap="square" rtlCol="0">
-                  <a:spAutoFit/>
-                </a:bodyPr>
-                <a:lstStyle/>
-                <a:p>
-                  <a:r>
-                    <a:rPr lang="en-US" altLang="ko-KR" dirty="0" smtClean="0"/>
-                    <a:t>2</a:t>
-                  </a:r>
-                </a:p>
-                <a:p>
-                  <a:r>
-                    <a:rPr lang="en-US" altLang="ko-KR" dirty="0" smtClean="0"/>
-                    <a:t>1</a:t>
-                  </a:r>
-                </a:p>
-                <a:p>
-                  <a:r>
-                    <a:rPr lang="en-US" altLang="ko-KR" dirty="0" smtClean="0"/>
-                    <a:t>1</a:t>
-                  </a:r>
-                </a:p>
-                <a:p>
-                  <a:r>
-                    <a:rPr lang="en-US" altLang="ko-KR" dirty="0" smtClean="0"/>
-                    <a:t>2</a:t>
-                  </a:r>
-                </a:p>
-                <a:p>
-                  <a:r>
-                    <a:rPr lang="en-US" altLang="ko-KR" dirty="0" smtClean="0"/>
-                    <a:t>1</a:t>
-                  </a:r>
-                </a:p>
-                <a:p>
-                  <a:r>
-                    <a:rPr lang="en-US" altLang="ko-KR" dirty="0" smtClean="0"/>
-                    <a:t>1</a:t>
-                  </a:r>
-                </a:p>
-                <a:p>
-                  <a:r>
-                    <a:rPr lang="en-US" altLang="ko-KR" dirty="0"/>
-                    <a:t>1</a:t>
-                  </a:r>
-                  <a:endParaRPr lang="en-US" altLang="ko-KR" dirty="0" smtClean="0"/>
-                </a:p>
-              </p:txBody>
-            </p:sp>
-            <p:sp>
-              <p:nvSpPr>
-                <p:cNvPr id="11" name="TextBox 10"/>
-                <p:cNvSpPr txBox="1"/>
-                <p:nvPr/>
-              </p:nvSpPr>
-              <p:spPr>
-                <a:xfrm>
-                  <a:off x="5850094" y="2091620"/>
-                  <a:ext cx="1026162" cy="2031325"/>
-                </a:xfrm>
-                <a:prstGeom prst="rect">
-                  <a:avLst/>
-                </a:prstGeom>
-                <a:noFill/>
-              </p:spPr>
-              <p:txBody>
-                <a:bodyPr wrap="square" rtlCol="0">
-                  <a:spAutoFit/>
-                </a:bodyPr>
-                <a:lstStyle/>
-                <a:p>
-                  <a:pPr algn="r"/>
-                  <a:r>
-                    <a:rPr lang="en-US" altLang="ko-KR" dirty="0" smtClean="0"/>
-                    <a:t>5000</a:t>
-                  </a:r>
-                </a:p>
-                <a:p>
-                  <a:pPr algn="r"/>
-                  <a:r>
-                    <a:rPr lang="en-US" altLang="ko-KR" dirty="0" smtClean="0"/>
-                    <a:t>7000</a:t>
-                  </a:r>
-                </a:p>
-                <a:p>
-                  <a:pPr algn="r"/>
-                  <a:r>
-                    <a:rPr lang="en-US" altLang="ko-KR" dirty="0" smtClean="0"/>
-                    <a:t>3000</a:t>
-                  </a:r>
-                </a:p>
-                <a:p>
-                  <a:pPr algn="r"/>
-                  <a:r>
-                    <a:rPr lang="en-US" altLang="ko-KR" dirty="0" smtClean="0"/>
-                    <a:t>4000</a:t>
-                  </a:r>
-                </a:p>
-                <a:p>
-                  <a:pPr algn="r"/>
-                  <a:r>
-                    <a:rPr lang="en-US" altLang="ko-KR" dirty="0"/>
-                    <a:t>1</a:t>
-                  </a:r>
-                  <a:r>
-                    <a:rPr lang="en-US" altLang="ko-KR" dirty="0" smtClean="0"/>
-                    <a:t>500</a:t>
-                  </a:r>
-                </a:p>
-                <a:p>
-                  <a:pPr algn="r"/>
-                  <a:r>
-                    <a:rPr lang="en-US" altLang="ko-KR" dirty="0" smtClean="0"/>
-                    <a:t>2500</a:t>
-                  </a:r>
-                </a:p>
-                <a:p>
-                  <a:pPr algn="r"/>
-                  <a:r>
-                    <a:rPr lang="en-US" altLang="ko-KR" dirty="0" smtClean="0"/>
-                    <a:t>2500</a:t>
-                  </a:r>
-                  <a:endParaRPr lang="ko-KR" altLang="en-US" dirty="0"/>
-                </a:p>
-              </p:txBody>
-            </p:sp>
-            <p:sp>
-              <p:nvSpPr>
-                <p:cNvPr id="12" name="TextBox 11"/>
-                <p:cNvSpPr txBox="1"/>
-                <p:nvPr/>
-              </p:nvSpPr>
-              <p:spPr>
-                <a:xfrm>
-                  <a:off x="7254346" y="2091620"/>
-                  <a:ext cx="1152128" cy="2031325"/>
-                </a:xfrm>
-                <a:prstGeom prst="rect">
-                  <a:avLst/>
-                </a:prstGeom>
-                <a:noFill/>
-              </p:spPr>
-              <p:txBody>
-                <a:bodyPr wrap="square" rtlCol="0">
-                  <a:spAutoFit/>
-                </a:bodyPr>
-                <a:lstStyle/>
-                <a:p>
-                  <a:pPr algn="r"/>
-                  <a:r>
-                    <a:rPr lang="en-US" altLang="ko-KR" dirty="0" smtClean="0"/>
-                    <a:t>10000</a:t>
-                  </a:r>
-                </a:p>
-                <a:p>
-                  <a:pPr algn="r"/>
-                  <a:r>
-                    <a:rPr lang="en-US" altLang="ko-KR" dirty="0" smtClean="0"/>
-                    <a:t>7000</a:t>
-                  </a:r>
-                </a:p>
-                <a:p>
-                  <a:pPr algn="r"/>
-                  <a:r>
-                    <a:rPr lang="en-US" altLang="ko-KR" dirty="0" smtClean="0"/>
-                    <a:t>3000</a:t>
-                  </a:r>
-                </a:p>
-                <a:p>
-                  <a:pPr algn="r"/>
-                  <a:r>
-                    <a:rPr lang="en-US" altLang="ko-KR" dirty="0" smtClean="0"/>
-                    <a:t>8000</a:t>
-                  </a:r>
-                </a:p>
-                <a:p>
-                  <a:pPr algn="r"/>
-                  <a:r>
-                    <a:rPr lang="en-US" altLang="ko-KR" dirty="0" smtClean="0"/>
-                    <a:t>1500</a:t>
-                  </a:r>
-                </a:p>
-                <a:p>
-                  <a:pPr algn="r"/>
-                  <a:r>
-                    <a:rPr lang="en-US" altLang="ko-KR" dirty="0" smtClean="0"/>
-                    <a:t>2500</a:t>
-                  </a:r>
-                </a:p>
-                <a:p>
-                  <a:pPr algn="r"/>
-                  <a:r>
-                    <a:rPr lang="en-US" altLang="ko-KR" dirty="0" smtClean="0"/>
-                    <a:t>2500</a:t>
-                  </a:r>
-                  <a:endParaRPr lang="ko-KR" altLang="en-US" dirty="0"/>
-                </a:p>
-              </p:txBody>
-            </p:sp>
-          </p:grpSp>
-          <p:sp>
-            <p:nvSpPr>
-              <p:cNvPr id="14" name="TextBox 13"/>
-              <p:cNvSpPr txBox="1"/>
-              <p:nvPr/>
-            </p:nvSpPr>
-            <p:spPr>
-              <a:xfrm>
-                <a:off x="6032270" y="4399944"/>
-                <a:ext cx="2628196" cy="369332"/>
-              </a:xfrm>
-              <a:prstGeom prst="rect">
-                <a:avLst/>
-              </a:prstGeom>
-              <a:noFill/>
-            </p:spPr>
-            <p:txBody>
-              <a:bodyPr wrap="square" rtlCol="0">
-                <a:spAutoFit/>
-              </a:bodyPr>
-              <a:lstStyle/>
-              <a:p>
-                <a:r>
-                  <a:rPr lang="ko-KR" altLang="en-US" dirty="0" smtClean="0"/>
-                  <a:t>   총액               </a:t>
-                </a:r>
-                <a:r>
-                  <a:rPr lang="en-US" altLang="ko-KR" dirty="0" smtClean="0"/>
-                  <a:t>34500</a:t>
-                </a:r>
-                <a:endParaRPr lang="ko-KR" altLang="en-US" dirty="0"/>
-              </a:p>
-            </p:txBody>
-          </p:sp>
-        </p:grpSp>
-        <p:sp>
-          <p:nvSpPr>
-            <p:cNvPr id="17" name="TextBox 16"/>
-            <p:cNvSpPr txBox="1"/>
-            <p:nvPr/>
-          </p:nvSpPr>
-          <p:spPr>
-            <a:xfrm>
-              <a:off x="2051720" y="1268760"/>
-              <a:ext cx="3384376" cy="369332"/>
-            </a:xfrm>
-            <a:prstGeom prst="rect">
-              <a:avLst/>
-            </a:prstGeom>
-            <a:noFill/>
-          </p:spPr>
-          <p:txBody>
-            <a:bodyPr wrap="square" rtlCol="0">
-              <a:spAutoFit/>
-            </a:bodyPr>
-            <a:lstStyle/>
-            <a:p>
-              <a:r>
-                <a:rPr lang="ko-KR" altLang="en-US" dirty="0" smtClean="0"/>
-                <a:t>송장번호 </a:t>
-              </a:r>
-              <a:r>
-                <a:rPr lang="en-US" altLang="ko-KR" dirty="0" smtClean="0"/>
-                <a:t>a1002</a:t>
-              </a:r>
-              <a:endParaRPr lang="ko-KR" altLang="en-US" dirty="0"/>
-            </a:p>
-          </p:txBody>
-        </p:sp>
-      </p:grpSp>
       <p:sp>
         <p:nvSpPr>
           <p:cNvPr id="16" name="모서리가 둥근 직사각형 15">
@@ -15527,33 +14965,637 @@
           </a:p>
         </p:txBody>
       </p:sp>
+      <p:grpSp>
+        <p:nvGrpSpPr>
+          <p:cNvPr id="4" name="그룹 3"/>
+          <p:cNvGrpSpPr/>
+          <p:nvPr/>
+        </p:nvGrpSpPr>
+        <p:grpSpPr>
+          <a:xfrm>
+            <a:off x="1691680" y="1268760"/>
+            <a:ext cx="6968786" cy="4082390"/>
+            <a:chOff x="1691680" y="1268760"/>
+            <a:chExt cx="6968786" cy="4082390"/>
+          </a:xfrm>
+        </p:grpSpPr>
+        <p:grpSp>
+          <p:nvGrpSpPr>
+            <p:cNvPr id="2" name="그룹 1"/>
+            <p:cNvGrpSpPr/>
+            <p:nvPr/>
+          </p:nvGrpSpPr>
+          <p:grpSpPr>
+            <a:xfrm>
+              <a:off x="1691680" y="1268760"/>
+              <a:ext cx="6968786" cy="3500516"/>
+              <a:chOff x="1691680" y="1268760"/>
+              <a:chExt cx="6968786" cy="3500516"/>
+            </a:xfrm>
+          </p:grpSpPr>
+          <p:grpSp>
+            <p:nvGrpSpPr>
+              <p:cNvPr id="15" name="그룹 14"/>
+              <p:cNvGrpSpPr/>
+              <p:nvPr/>
+            </p:nvGrpSpPr>
+            <p:grpSpPr>
+              <a:xfrm>
+                <a:off x="1691680" y="1669450"/>
+                <a:ext cx="6968786" cy="3099826"/>
+                <a:chOff x="1691680" y="1669450"/>
+                <a:chExt cx="6968786" cy="3099826"/>
+              </a:xfrm>
+            </p:grpSpPr>
+            <p:grpSp>
+              <p:nvGrpSpPr>
+                <p:cNvPr id="13" name="그룹 12"/>
+                <p:cNvGrpSpPr/>
+                <p:nvPr/>
+              </p:nvGrpSpPr>
+              <p:grpSpPr>
+                <a:xfrm>
+                  <a:off x="1691680" y="1669450"/>
+                  <a:ext cx="6768752" cy="2730494"/>
+                  <a:chOff x="1691680" y="1669450"/>
+                  <a:chExt cx="6768752" cy="2730494"/>
+                </a:xfrm>
+              </p:grpSpPr>
+              <p:sp>
+                <p:nvSpPr>
+                  <p:cNvPr id="8" name="TextBox 7"/>
+                  <p:cNvSpPr txBox="1"/>
+                  <p:nvPr/>
+                </p:nvSpPr>
+                <p:spPr>
+                  <a:xfrm>
+                    <a:off x="1691680" y="1669450"/>
+                    <a:ext cx="6768752" cy="369332"/>
+                  </a:xfrm>
+                  <a:prstGeom prst="rect">
+                    <a:avLst/>
+                  </a:prstGeom>
+                  <a:noFill/>
+                </p:spPr>
+                <p:txBody>
+                  <a:bodyPr wrap="square" rtlCol="0">
+                    <a:spAutoFit/>
+                  </a:bodyPr>
+                  <a:lstStyle/>
+                  <a:p>
+                    <a:r>
+                      <a:rPr lang="ko-KR" altLang="en-US" dirty="0" smtClean="0"/>
+                      <a:t>          상품명                           개수  </a:t>
+                    </a:r>
+                    <a:r>
+                      <a:rPr lang="en-US" altLang="ko-KR" dirty="0" smtClean="0"/>
+                      <a:t>	</a:t>
+                    </a:r>
+                    <a:r>
+                      <a:rPr lang="ko-KR" altLang="en-US" dirty="0" smtClean="0"/>
+                      <a:t>              단가    </a:t>
+                    </a:r>
+                    <a:r>
+                      <a:rPr lang="en-US" altLang="ko-KR" dirty="0"/>
+                      <a:t> </a:t>
+                    </a:r>
+                    <a:r>
+                      <a:rPr lang="en-US" altLang="ko-KR" dirty="0" smtClean="0"/>
+                      <a:t>       </a:t>
+                    </a:r>
+                    <a:r>
+                      <a:rPr lang="ko-KR" altLang="en-US" dirty="0" smtClean="0"/>
+                      <a:t>    합계</a:t>
+                    </a:r>
+                    <a:endParaRPr lang="en-US" altLang="ko-KR" dirty="0" smtClean="0"/>
+                  </a:p>
+                </p:txBody>
+              </p:sp>
+              <p:sp>
+                <p:nvSpPr>
+                  <p:cNvPr id="9" name="TextBox 8"/>
+                  <p:cNvSpPr txBox="1"/>
+                  <p:nvPr/>
+                </p:nvSpPr>
+                <p:spPr>
+                  <a:xfrm>
+                    <a:off x="1691680" y="2091620"/>
+                    <a:ext cx="2232248" cy="2308324"/>
+                  </a:xfrm>
+                  <a:prstGeom prst="rect">
+                    <a:avLst/>
+                  </a:prstGeom>
+                  <a:noFill/>
+                </p:spPr>
+                <p:txBody>
+                  <a:bodyPr wrap="square" rtlCol="0">
+                    <a:spAutoFit/>
+                  </a:bodyPr>
+                  <a:lstStyle/>
+                  <a:p>
+                    <a:pPr marL="342900" indent="-342900">
+                      <a:buAutoNum type="arabicPeriod"/>
+                    </a:pPr>
+                    <a:r>
+                      <a:rPr lang="ko-KR" altLang="en-US" dirty="0" smtClean="0"/>
+                      <a:t>삼겹살 </a:t>
+                    </a:r>
+                    <a:r>
+                      <a:rPr lang="en-US" altLang="ko-KR" dirty="0" smtClean="0"/>
+                      <a:t>1kg</a:t>
+                    </a:r>
+                  </a:p>
+                  <a:p>
+                    <a:pPr marL="342900" indent="-342900">
+                      <a:buAutoNum type="arabicPeriod"/>
+                    </a:pPr>
+                    <a:r>
+                      <a:rPr lang="ko-KR" altLang="en-US" dirty="0" smtClean="0"/>
+                      <a:t>목살   </a:t>
+                    </a:r>
+                    <a:r>
+                      <a:rPr lang="en-US" altLang="ko-KR" dirty="0" smtClean="0"/>
+                      <a:t>1kg</a:t>
+                    </a:r>
+                  </a:p>
+                  <a:p>
+                    <a:pPr marL="342900" indent="-342900">
+                      <a:buAutoNum type="arabicPeriod"/>
+                    </a:pPr>
+                    <a:r>
+                      <a:rPr lang="ko-KR" altLang="en-US" dirty="0" smtClean="0"/>
+                      <a:t>대파   </a:t>
+                    </a:r>
+                    <a:r>
+                      <a:rPr lang="en-US" altLang="ko-KR" dirty="0" smtClean="0"/>
+                      <a:t>1</a:t>
+                    </a:r>
+                    <a:r>
+                      <a:rPr lang="ko-KR" altLang="en-US" dirty="0" smtClean="0"/>
+                      <a:t>단</a:t>
+                    </a:r>
+                    <a:endParaRPr lang="en-US" altLang="ko-KR" dirty="0" smtClean="0"/>
+                  </a:p>
+                  <a:p>
+                    <a:pPr marL="342900" indent="-342900">
+                      <a:buAutoNum type="arabicPeriod"/>
+                    </a:pPr>
+                    <a:r>
+                      <a:rPr lang="ko-KR" altLang="en-US" dirty="0" smtClean="0"/>
+                      <a:t>쌈장   </a:t>
+                    </a:r>
+                    <a:r>
+                      <a:rPr lang="en-US" altLang="ko-KR" dirty="0" smtClean="0"/>
+                      <a:t>150g</a:t>
+                    </a:r>
+                  </a:p>
+                  <a:p>
+                    <a:pPr marL="342900" indent="-342900">
+                      <a:buAutoNum type="arabicPeriod"/>
+                    </a:pPr>
+                    <a:r>
+                      <a:rPr lang="ko-KR" altLang="en-US" dirty="0" smtClean="0"/>
+                      <a:t>젓가락 </a:t>
+                    </a:r>
+                    <a:r>
+                      <a:rPr lang="en-US" altLang="ko-KR" dirty="0" smtClean="0"/>
+                      <a:t>50</a:t>
+                    </a:r>
+                    <a:r>
+                      <a:rPr lang="ko-KR" altLang="en-US" dirty="0" smtClean="0"/>
+                      <a:t>개</a:t>
+                    </a:r>
+                    <a:endParaRPr lang="en-US" altLang="ko-KR" dirty="0" smtClean="0"/>
+                  </a:p>
+                  <a:p>
+                    <a:pPr marL="342900" indent="-342900">
+                      <a:buAutoNum type="arabicPeriod"/>
+                    </a:pPr>
+                    <a:r>
+                      <a:rPr lang="ko-KR" altLang="en-US" dirty="0" smtClean="0"/>
+                      <a:t>일회용용기 </a:t>
+                    </a:r>
+                    <a:r>
+                      <a:rPr lang="en-US" altLang="ko-KR" dirty="0" smtClean="0"/>
+                      <a:t>50</a:t>
+                    </a:r>
+                    <a:r>
+                      <a:rPr lang="ko-KR" altLang="en-US" dirty="0" smtClean="0"/>
+                      <a:t>개</a:t>
+                    </a:r>
+                    <a:endParaRPr lang="en-US" altLang="ko-KR" dirty="0" smtClean="0"/>
+                  </a:p>
+                  <a:p>
+                    <a:pPr marL="342900" indent="-342900">
+                      <a:buAutoNum type="arabicPeriod"/>
+                    </a:pPr>
+                    <a:r>
+                      <a:rPr lang="ko-KR" altLang="en-US" dirty="0" smtClean="0"/>
+                      <a:t>콜라   </a:t>
+                    </a:r>
+                    <a:r>
+                      <a:rPr lang="en-US" altLang="ko-KR" dirty="0" smtClean="0"/>
+                      <a:t>1.5L</a:t>
+                    </a:r>
+                  </a:p>
+                  <a:p>
+                    <a:pPr marL="342900" indent="-342900">
+                      <a:buAutoNum type="arabicPeriod"/>
+                    </a:pPr>
+                    <a:endParaRPr lang="ko-KR" altLang="en-US" dirty="0"/>
+                  </a:p>
+                </p:txBody>
+              </p:sp>
+              <p:sp>
+                <p:nvSpPr>
+                  <p:cNvPr id="10" name="TextBox 9"/>
+                  <p:cNvSpPr txBox="1"/>
+                  <p:nvPr/>
+                </p:nvSpPr>
+                <p:spPr>
+                  <a:xfrm>
+                    <a:off x="4935392" y="2091619"/>
+                    <a:ext cx="281328" cy="2031325"/>
+                  </a:xfrm>
+                  <a:prstGeom prst="rect">
+                    <a:avLst/>
+                  </a:prstGeom>
+                  <a:noFill/>
+                </p:spPr>
+                <p:txBody>
+                  <a:bodyPr wrap="square" rtlCol="0">
+                    <a:spAutoFit/>
+                  </a:bodyPr>
+                  <a:lstStyle/>
+                  <a:p>
+                    <a:r>
+                      <a:rPr lang="en-US" altLang="ko-KR" dirty="0" smtClean="0"/>
+                      <a:t>2</a:t>
+                    </a:r>
+                  </a:p>
+                  <a:p>
+                    <a:r>
+                      <a:rPr lang="en-US" altLang="ko-KR" dirty="0" smtClean="0"/>
+                      <a:t>1</a:t>
+                    </a:r>
+                  </a:p>
+                  <a:p>
+                    <a:r>
+                      <a:rPr lang="en-US" altLang="ko-KR" dirty="0" smtClean="0"/>
+                      <a:t>1</a:t>
+                    </a:r>
+                  </a:p>
+                  <a:p>
+                    <a:r>
+                      <a:rPr lang="en-US" altLang="ko-KR" dirty="0" smtClean="0"/>
+                      <a:t>2</a:t>
+                    </a:r>
+                  </a:p>
+                  <a:p>
+                    <a:r>
+                      <a:rPr lang="en-US" altLang="ko-KR" dirty="0" smtClean="0"/>
+                      <a:t>1</a:t>
+                    </a:r>
+                  </a:p>
+                  <a:p>
+                    <a:r>
+                      <a:rPr lang="en-US" altLang="ko-KR" dirty="0" smtClean="0"/>
+                      <a:t>1</a:t>
+                    </a:r>
+                  </a:p>
+                  <a:p>
+                    <a:r>
+                      <a:rPr lang="en-US" altLang="ko-KR" dirty="0"/>
+                      <a:t>1</a:t>
+                    </a:r>
+                    <a:endParaRPr lang="en-US" altLang="ko-KR" dirty="0" smtClean="0"/>
+                  </a:p>
+                </p:txBody>
+              </p:sp>
+              <p:sp>
+                <p:nvSpPr>
+                  <p:cNvPr id="11" name="TextBox 10"/>
+                  <p:cNvSpPr txBox="1"/>
+                  <p:nvPr/>
+                </p:nvSpPr>
+                <p:spPr>
+                  <a:xfrm>
+                    <a:off x="5850094" y="2091620"/>
+                    <a:ext cx="1026162" cy="2031325"/>
+                  </a:xfrm>
+                  <a:prstGeom prst="rect">
+                    <a:avLst/>
+                  </a:prstGeom>
+                  <a:noFill/>
+                </p:spPr>
+                <p:txBody>
+                  <a:bodyPr wrap="square" rtlCol="0">
+                    <a:spAutoFit/>
+                  </a:bodyPr>
+                  <a:lstStyle/>
+                  <a:p>
+                    <a:pPr algn="r"/>
+                    <a:r>
+                      <a:rPr lang="en-US" altLang="ko-KR" dirty="0" smtClean="0"/>
+                      <a:t>5000</a:t>
+                    </a:r>
+                  </a:p>
+                  <a:p>
+                    <a:pPr algn="r"/>
+                    <a:r>
+                      <a:rPr lang="en-US" altLang="ko-KR" dirty="0" smtClean="0"/>
+                      <a:t>7000</a:t>
+                    </a:r>
+                  </a:p>
+                  <a:p>
+                    <a:pPr algn="r"/>
+                    <a:r>
+                      <a:rPr lang="en-US" altLang="ko-KR" dirty="0" smtClean="0"/>
+                      <a:t>3000</a:t>
+                    </a:r>
+                  </a:p>
+                  <a:p>
+                    <a:pPr algn="r"/>
+                    <a:r>
+                      <a:rPr lang="en-US" altLang="ko-KR" dirty="0" smtClean="0"/>
+                      <a:t>4000</a:t>
+                    </a:r>
+                  </a:p>
+                  <a:p>
+                    <a:pPr algn="r"/>
+                    <a:r>
+                      <a:rPr lang="en-US" altLang="ko-KR" dirty="0"/>
+                      <a:t>1</a:t>
+                    </a:r>
+                    <a:r>
+                      <a:rPr lang="en-US" altLang="ko-KR" dirty="0" smtClean="0"/>
+                      <a:t>500</a:t>
+                    </a:r>
+                  </a:p>
+                  <a:p>
+                    <a:pPr algn="r"/>
+                    <a:r>
+                      <a:rPr lang="en-US" altLang="ko-KR" dirty="0" smtClean="0"/>
+                      <a:t>2500</a:t>
+                    </a:r>
+                  </a:p>
+                  <a:p>
+                    <a:pPr algn="r"/>
+                    <a:r>
+                      <a:rPr lang="en-US" altLang="ko-KR" dirty="0" smtClean="0"/>
+                      <a:t>2500</a:t>
+                    </a:r>
+                    <a:endParaRPr lang="ko-KR" altLang="en-US" dirty="0"/>
+                  </a:p>
+                </p:txBody>
+              </p:sp>
+              <p:sp>
+                <p:nvSpPr>
+                  <p:cNvPr id="12" name="TextBox 11"/>
+                  <p:cNvSpPr txBox="1"/>
+                  <p:nvPr/>
+                </p:nvSpPr>
+                <p:spPr>
+                  <a:xfrm>
+                    <a:off x="7254346" y="2091620"/>
+                    <a:ext cx="1152128" cy="2031325"/>
+                  </a:xfrm>
+                  <a:prstGeom prst="rect">
+                    <a:avLst/>
+                  </a:prstGeom>
+                  <a:noFill/>
+                </p:spPr>
+                <p:txBody>
+                  <a:bodyPr wrap="square" rtlCol="0">
+                    <a:spAutoFit/>
+                  </a:bodyPr>
+                  <a:lstStyle/>
+                  <a:p>
+                    <a:pPr algn="r"/>
+                    <a:r>
+                      <a:rPr lang="en-US" altLang="ko-KR" dirty="0" smtClean="0"/>
+                      <a:t>10000</a:t>
+                    </a:r>
+                  </a:p>
+                  <a:p>
+                    <a:pPr algn="r"/>
+                    <a:r>
+                      <a:rPr lang="en-US" altLang="ko-KR" dirty="0" smtClean="0"/>
+                      <a:t>7000</a:t>
+                    </a:r>
+                  </a:p>
+                  <a:p>
+                    <a:pPr algn="r"/>
+                    <a:r>
+                      <a:rPr lang="en-US" altLang="ko-KR" dirty="0" smtClean="0"/>
+                      <a:t>3000</a:t>
+                    </a:r>
+                  </a:p>
+                  <a:p>
+                    <a:pPr algn="r"/>
+                    <a:r>
+                      <a:rPr lang="en-US" altLang="ko-KR" dirty="0" smtClean="0"/>
+                      <a:t>8000</a:t>
+                    </a:r>
+                  </a:p>
+                  <a:p>
+                    <a:pPr algn="r"/>
+                    <a:r>
+                      <a:rPr lang="en-US" altLang="ko-KR" dirty="0" smtClean="0"/>
+                      <a:t>1500</a:t>
+                    </a:r>
+                  </a:p>
+                  <a:p>
+                    <a:pPr algn="r"/>
+                    <a:r>
+                      <a:rPr lang="en-US" altLang="ko-KR" dirty="0" smtClean="0"/>
+                      <a:t>2500</a:t>
+                    </a:r>
+                  </a:p>
+                  <a:p>
+                    <a:pPr algn="r"/>
+                    <a:r>
+                      <a:rPr lang="en-US" altLang="ko-KR" dirty="0" smtClean="0"/>
+                      <a:t>2500</a:t>
+                    </a:r>
+                    <a:endParaRPr lang="ko-KR" altLang="en-US" dirty="0"/>
+                  </a:p>
+                </p:txBody>
+              </p:sp>
+            </p:grpSp>
+            <p:sp>
+              <p:nvSpPr>
+                <p:cNvPr id="14" name="TextBox 13"/>
+                <p:cNvSpPr txBox="1"/>
+                <p:nvPr/>
+              </p:nvSpPr>
+              <p:spPr>
+                <a:xfrm>
+                  <a:off x="6032270" y="4399944"/>
+                  <a:ext cx="2628196" cy="369332"/>
+                </a:xfrm>
+                <a:prstGeom prst="rect">
+                  <a:avLst/>
+                </a:prstGeom>
+                <a:noFill/>
+              </p:spPr>
+              <p:txBody>
+                <a:bodyPr wrap="square" rtlCol="0">
+                  <a:spAutoFit/>
+                </a:bodyPr>
+                <a:lstStyle/>
+                <a:p>
+                  <a:r>
+                    <a:rPr lang="ko-KR" altLang="en-US" dirty="0" smtClean="0"/>
+                    <a:t>   총액               </a:t>
+                  </a:r>
+                  <a:r>
+                    <a:rPr lang="en-US" altLang="ko-KR" dirty="0" smtClean="0"/>
+                    <a:t>34500</a:t>
+                  </a:r>
+                  <a:endParaRPr lang="ko-KR" altLang="en-US" dirty="0"/>
+                </a:p>
+              </p:txBody>
+            </p:sp>
+          </p:grpSp>
+          <p:sp>
+            <p:nvSpPr>
+              <p:cNvPr id="17" name="TextBox 16"/>
+              <p:cNvSpPr txBox="1"/>
+              <p:nvPr/>
+            </p:nvSpPr>
+            <p:spPr>
+              <a:xfrm>
+                <a:off x="2051720" y="1268760"/>
+                <a:ext cx="3384376" cy="369332"/>
+              </a:xfrm>
+              <a:prstGeom prst="rect">
+                <a:avLst/>
+              </a:prstGeom>
+              <a:noFill/>
+            </p:spPr>
+            <p:txBody>
+              <a:bodyPr wrap="square" rtlCol="0">
+                <a:spAutoFit/>
+              </a:bodyPr>
+              <a:lstStyle/>
+              <a:p>
+                <a:r>
+                  <a:rPr lang="ko-KR" altLang="en-US" dirty="0" smtClean="0"/>
+                  <a:t>송장번호 </a:t>
+                </a:r>
+                <a:r>
+                  <a:rPr lang="en-US" altLang="ko-KR" dirty="0" smtClean="0"/>
+                  <a:t>a1002</a:t>
+                </a:r>
+                <a:endParaRPr lang="ko-KR" altLang="en-US" dirty="0"/>
+              </a:p>
+            </p:txBody>
+          </p:sp>
+        </p:grpSp>
+        <p:sp>
+          <p:nvSpPr>
+            <p:cNvPr id="20" name="TextBox 19"/>
+            <p:cNvSpPr txBox="1"/>
+            <p:nvPr/>
+          </p:nvSpPr>
+          <p:spPr>
+            <a:xfrm>
+              <a:off x="4644008" y="4981818"/>
+              <a:ext cx="720080" cy="369332"/>
+            </a:xfrm>
+            <a:prstGeom prst="rect">
+              <a:avLst/>
+            </a:prstGeom>
+            <a:noFill/>
+          </p:spPr>
+          <p:txBody>
+            <a:bodyPr wrap="square" rtlCol="0">
+              <a:spAutoFit/>
+            </a:bodyPr>
+            <a:lstStyle/>
+            <a:p>
+              <a:r>
+                <a:rPr lang="en-US" altLang="ko-KR" dirty="0" smtClean="0"/>
+                <a:t>- 1 -</a:t>
+              </a:r>
+              <a:endParaRPr lang="ko-KR" altLang="en-US" dirty="0"/>
+            </a:p>
+          </p:txBody>
+        </p:sp>
+      </p:grpSp>
       <p:sp>
         <p:nvSpPr>
-          <p:cNvPr id="20" name="TextBox 19"/>
-          <p:cNvSpPr txBox="1"/>
+          <p:cNvPr id="7" name="모서리가 둥근 직사각형 6"/>
+          <p:cNvSpPr/>
           <p:nvPr/>
         </p:nvSpPr>
         <p:spPr>
           <a:xfrm>
-            <a:off x="4644008" y="4981818"/>
-            <a:ext cx="720080" cy="369332"/>
+            <a:off x="2411760" y="258997"/>
+            <a:ext cx="4680000" cy="2160000"/>
           </a:xfrm>
-          <a:prstGeom prst="rect">
+          <a:prstGeom prst="roundRect">
             <a:avLst/>
           </a:prstGeom>
-          <a:noFill/>
+          <a:ln/>
         </p:spPr>
+        <p:style>
+          <a:lnRef idx="2">
+            <a:schemeClr val="accent2"/>
+          </a:lnRef>
+          <a:fillRef idx="1">
+            <a:schemeClr val="lt1"/>
+          </a:fillRef>
+          <a:effectRef idx="0">
+            <a:schemeClr val="accent2"/>
+          </a:effectRef>
+          <a:fontRef idx="minor">
+            <a:schemeClr val="dk1"/>
+          </a:fontRef>
+        </p:style>
         <p:txBody>
-          <a:bodyPr wrap="square" rtlCol="0">
-            <a:spAutoFit/>
-          </a:bodyPr>
+          <a:bodyPr rtlCol="0" anchor="ctr"/>
           <a:lstStyle/>
           <a:p>
-            <a:r>
-              <a:rPr lang="en-US" altLang="ko-KR" dirty="0" smtClean="0"/>
-              <a:t>- 1 -</a:t>
-            </a:r>
-            <a:endParaRPr lang="ko-KR" altLang="en-US" dirty="0"/>
+            <a:pPr algn="ctr"/>
+            <a:r>
+              <a:rPr lang="ko-KR" altLang="en-US" dirty="0" smtClean="0">
+                <a:solidFill>
+                  <a:schemeClr val="tx1"/>
+                </a:solidFill>
+              </a:rPr>
+              <a:t>송장이 </a:t>
+            </a:r>
+            <a:r>
+              <a:rPr lang="en-US" altLang="ko-KR" dirty="0" smtClean="0">
+                <a:solidFill>
+                  <a:schemeClr val="tx1"/>
+                </a:solidFill>
+              </a:rPr>
+              <a:t>CSV</a:t>
+            </a:r>
+            <a:r>
+              <a:rPr lang="ko-KR" altLang="en-US" dirty="0" smtClean="0">
+                <a:solidFill>
+                  <a:schemeClr val="tx1"/>
+                </a:solidFill>
+              </a:rPr>
+              <a:t>파일로 전송되었습니다</a:t>
+            </a:r>
+            <a:r>
+              <a:rPr lang="en-US" altLang="ko-KR" dirty="0" smtClean="0">
+                <a:solidFill>
+                  <a:schemeClr val="tx1"/>
+                </a:solidFill>
+              </a:rPr>
+              <a:t>.</a:t>
+            </a:r>
+            <a:endParaRPr lang="ko-KR" altLang="en-US" dirty="0">
+              <a:solidFill>
+                <a:schemeClr val="tx1"/>
+              </a:solidFill>
+            </a:endParaRPr>
           </a:p>
         </p:txBody>
       </p:sp>
@@ -15705,6 +15747,41 @@
                                   </p:childTnLst>
                                 </p:cTn>
                               </p:par>
+                              <p:par>
+                                <p:cTn id="13" presetID="10" presetClass="entr" presetSubtype="0" fill="hold" nodeType="withEffect">
+                                  <p:stCondLst>
+                                    <p:cond delay="0"/>
+                                  </p:stCondLst>
+                                  <p:childTnLst>
+                                    <p:set>
+                                      <p:cBhvr>
+                                        <p:cTn id="14" dur="1" fill="hold">
+                                          <p:stCondLst>
+                                            <p:cond delay="0"/>
+                                          </p:stCondLst>
+                                        </p:cTn>
+                                        <p:tgtEl>
+                                          <p:spTgt spid="4"/>
+                                        </p:tgtEl>
+                                        <p:attrNameLst>
+                                          <p:attrName>style.visibility</p:attrName>
+                                        </p:attrNameLst>
+                                      </p:cBhvr>
+                                      <p:to>
+                                        <p:strVal val="visible"/>
+                                      </p:to>
+                                    </p:set>
+                                    <p:animEffect transition="in" filter="fade">
+                                      <p:cBhvr>
+                                        <p:cTn id="15" dur="500"/>
+                                        <p:tgtEl>
+                                          <p:spTgt spid="4"/>
+                                        </p:tgtEl>
+                                      </p:cBhvr>
+                                    </p:animEffect>
+                                  </p:childTnLst>
+                                </p:cTn>
+                              </p:par>
                             </p:childTnLst>
                           </p:cTn>
                         </p:par>
@@ -15996,7 +16073,7 @@
         <p:spPr>
           <a:xfrm>
             <a:off x="1607996" y="2058921"/>
-            <a:ext cx="6912768" cy="646331"/>
+            <a:ext cx="6912768" cy="1200329"/>
           </a:xfrm>
           <a:prstGeom prst="rect">
             <a:avLst/>
@@ -16014,7 +16091,42 @@
             </a:pPr>
             <a:r>
               <a:rPr lang="en-US" altLang="ko-KR" dirty="0" smtClean="0"/>
-              <a:t>    a1001		2019-04-15		  21,500</a:t>
+              <a:t>    b1021</a:t>
+            </a:r>
+            <a:r>
+              <a:rPr lang="en-US" altLang="ko-KR" dirty="0"/>
+              <a:t>	 </a:t>
+            </a:r>
+            <a:r>
+              <a:rPr lang="en-US" altLang="ko-KR" dirty="0" smtClean="0"/>
+              <a:t>             2019-04-02                            11,000</a:t>
+            </a:r>
+          </a:p>
+          <a:p>
+            <a:pPr marL="342900" indent="-342900">
+              <a:buAutoNum type="arabicPeriod"/>
+            </a:pPr>
+            <a:r>
+              <a:rPr lang="en-US" altLang="ko-KR" dirty="0"/>
+              <a:t> </a:t>
+            </a:r>
+            <a:r>
+              <a:rPr lang="en-US" altLang="ko-KR" dirty="0" smtClean="0"/>
+              <a:t>   c1007                         2019-04-14                            27,000</a:t>
+            </a:r>
+            <a:endParaRPr lang="en-US" altLang="ko-KR" dirty="0"/>
+          </a:p>
+          <a:p>
+            <a:pPr marL="342900" indent="-342900">
+              <a:buAutoNum type="arabicPeriod"/>
+            </a:pPr>
+            <a:r>
+              <a:rPr lang="en-US" altLang="ko-KR" dirty="0" smtClean="0"/>
+              <a:t>    a1001</a:t>
+            </a:r>
+            <a:r>
+              <a:rPr lang="en-US" altLang="ko-KR" dirty="0" smtClean="0"/>
+              <a:t>		2019-04-15		  21,500</a:t>
             </a:r>
           </a:p>
           <a:p>
@@ -16105,6 +16217,52 @@
           </a:p>
         </p:txBody>
       </p:sp>
+      <p:sp>
+        <p:nvSpPr>
+          <p:cNvPr id="11" name="TextBox 10"/>
+          <p:cNvSpPr txBox="1"/>
+          <p:nvPr/>
+        </p:nvSpPr>
+        <p:spPr>
+          <a:xfrm>
+            <a:off x="1610716" y="2058921"/>
+            <a:ext cx="6912768" cy="646331"/>
+          </a:xfrm>
+          <a:prstGeom prst="rect">
+            <a:avLst/>
+          </a:prstGeom>
+          <a:noFill/>
+        </p:spPr>
+        <p:txBody>
+          <a:bodyPr wrap="square" rtlCol="0">
+            <a:spAutoFit/>
+          </a:bodyPr>
+          <a:lstStyle/>
+          <a:p>
+            <a:pPr marL="342900" indent="-342900">
+              <a:buAutoNum type="arabicPeriod"/>
+            </a:pPr>
+            <a:r>
+              <a:rPr lang="en-US" altLang="ko-KR" dirty="0" smtClean="0"/>
+              <a:t>    a1001</a:t>
+            </a:r>
+            <a:r>
+              <a:rPr lang="en-US" altLang="ko-KR" dirty="0" smtClean="0"/>
+              <a:t>		2019-04-15		  21,500</a:t>
+            </a:r>
+          </a:p>
+          <a:p>
+            <a:pPr marL="342900" indent="-342900">
+              <a:buAutoNum type="arabicPeriod"/>
+            </a:pPr>
+            <a:r>
+              <a:rPr lang="en-US" altLang="ko-KR" dirty="0" smtClean="0"/>
+              <a:t>    a1002		2019-05-01		  34,500</a:t>
+            </a:r>
+            <a:endParaRPr lang="ko-KR" altLang="en-US" dirty="0"/>
+          </a:p>
+        </p:txBody>
+      </p:sp>
     </p:spTree>
     <p:extLst>
       <p:ext uri="{BB962C8B-B14F-4D97-AF65-F5344CB8AC3E}">
@@ -16118,9 +16276,116 @@
   <p:timing>
     <p:tnLst>
       <p:par>
-        <p:cTn id="1" dur="indefinite" restart="never" nodeType="tmRoot"/>
+        <p:cTn id="1" dur="indefinite" restart="never" nodeType="tmRoot">
+          <p:childTnLst>
+            <p:seq concurrent="1" nextAc="seek">
+              <p:cTn id="2" dur="indefinite" nodeType="mainSeq">
+                <p:childTnLst>
+                  <p:par>
+                    <p:cTn id="3" fill="hold">
+                      <p:stCondLst>
+                        <p:cond delay="indefinite"/>
+                      </p:stCondLst>
+                      <p:childTnLst>
+                        <p:par>
+                          <p:cTn id="4" fill="hold">
+                            <p:stCondLst>
+                              <p:cond delay="0"/>
+                            </p:stCondLst>
+                            <p:childTnLst>
+                              <p:par>
+                                <p:cTn id="5" presetID="1" presetClass="exit" presetSubtype="0" fill="hold" grpId="0" nodeType="clickEffect">
+                                  <p:stCondLst>
+                                    <p:cond delay="0"/>
+                                  </p:stCondLst>
+                                  <p:childTnLst>
+                                    <p:set>
+                                      <p:cBhvr>
+                                        <p:cTn id="6" dur="1" fill="hold">
+                                          <p:stCondLst>
+                                            <p:cond delay="0"/>
+                                          </p:stCondLst>
+                                        </p:cTn>
+                                        <p:tgtEl>
+                                          <p:spTgt spid="8"/>
+                                        </p:tgtEl>
+                                        <p:attrNameLst>
+                                          <p:attrName>style.visibility</p:attrName>
+                                        </p:attrNameLst>
+                                      </p:cBhvr>
+                                      <p:to>
+                                        <p:strVal val="hidden"/>
+                                      </p:to>
+                                    </p:set>
+                                  </p:childTnLst>
+                                </p:cTn>
+                              </p:par>
+                              <p:par>
+                                <p:cTn id="7" presetID="10" presetClass="entr" presetSubtype="0" fill="hold" grpId="0" nodeType="withEffect">
+                                  <p:stCondLst>
+                                    <p:cond delay="0"/>
+                                  </p:stCondLst>
+                                  <p:childTnLst>
+                                    <p:set>
+                                      <p:cBhvr>
+                                        <p:cTn id="8" dur="1" fill="hold">
+                                          <p:stCondLst>
+                                            <p:cond delay="0"/>
+                                          </p:stCondLst>
+                                        </p:cTn>
+                                        <p:tgtEl>
+                                          <p:spTgt spid="11"/>
+                                        </p:tgtEl>
+                                        <p:attrNameLst>
+                                          <p:attrName>style.visibility</p:attrName>
+                                        </p:attrNameLst>
+                                      </p:cBhvr>
+                                      <p:to>
+                                        <p:strVal val="visible"/>
+                                      </p:to>
+                                    </p:set>
+                                    <p:animEffect transition="in" filter="fade">
+                                      <p:cBhvr>
+                                        <p:cTn id="9" dur="500"/>
+                                        <p:tgtEl>
+                                          <p:spTgt spid="11"/>
+                                        </p:tgtEl>
+                                      </p:cBhvr>
+                                    </p:animEffect>
+                                  </p:childTnLst>
+                                </p:cTn>
+                              </p:par>
+                            </p:childTnLst>
+                          </p:cTn>
+                        </p:par>
+                      </p:childTnLst>
+                    </p:cTn>
+                  </p:par>
+                </p:childTnLst>
+              </p:cTn>
+              <p:prevCondLst>
+                <p:cond evt="onPrev" delay="0">
+                  <p:tgtEl>
+                    <p:sldTgt/>
+                  </p:tgtEl>
+                </p:cond>
+              </p:prevCondLst>
+              <p:nextCondLst>
+                <p:cond evt="onNext" delay="0">
+                  <p:tgtEl>
+                    <p:sldTgt/>
+                  </p:tgtEl>
+                </p:cond>
+              </p:nextCondLst>
+            </p:seq>
+          </p:childTnLst>
+        </p:cTn>
       </p:par>
     </p:tnLst>
+    <p:bldLst>
+      <p:bldP spid="8" grpId="0"/>
+      <p:bldP spid="11" grpId="0"/>
+    </p:bldLst>
   </p:timing>
 </p:sld>
 </file>
@@ -16278,7 +16543,6 @@
               <a:rPr lang="en-US" altLang="ko-KR" dirty="0" smtClean="0"/>
               <a:t>ransport</a:t>
             </a:r>
-            <a:endParaRPr lang="en-US" altLang="ko-KR" dirty="0" smtClean="0"/>
           </a:p>
         </p:txBody>
       </p:sp>
@@ -16398,10 +16662,10 @@
           </p:nvGrpSpPr>
           <p:grpSpPr>
             <a:xfrm>
-              <a:off x="1544312" y="1669450"/>
-              <a:ext cx="6916120" cy="878701"/>
-              <a:chOff x="1544312" y="1669450"/>
-              <a:chExt cx="6916120" cy="878701"/>
+              <a:off x="1547664" y="1669450"/>
+              <a:ext cx="6912768" cy="1762674"/>
+              <a:chOff x="1547664" y="1669450"/>
+              <a:chExt cx="6912768" cy="1762674"/>
             </a:xfrm>
           </p:grpSpPr>
           <p:sp>
@@ -16428,11 +16692,7 @@
               <a:p>
                 <a:r>
                   <a:rPr lang="ko-KR" altLang="en-US" dirty="0" smtClean="0"/>
-                  <a:t>   </a:t>
-                </a:r>
-                <a:r>
-                  <a:rPr lang="ko-KR" altLang="en-US" dirty="0" smtClean="0"/>
-                  <a:t>고객명                            </a:t>
+                  <a:t>   고객명                            </a:t>
                 </a:r>
                 <a:r>
                   <a:rPr lang="en-US" altLang="ko-KR" dirty="0" smtClean="0"/>
@@ -16462,8 +16722,8 @@
             </p:nvSpPr>
             <p:spPr>
               <a:xfrm>
-                <a:off x="1544312" y="2240374"/>
-                <a:ext cx="4827888" cy="307777"/>
+                <a:off x="1547664" y="2908904"/>
+                <a:ext cx="5616624" cy="523220"/>
               </a:xfrm>
               <a:prstGeom prst="rect">
                 <a:avLst/>
@@ -16482,7 +16742,11 @@
                 </a:r>
                 <a:r>
                   <a:rPr lang="en-US" altLang="ko-KR" sz="1400" dirty="0" smtClean="0"/>
-                  <a:t>      </a:t>
+                  <a:t>    </a:t>
+                </a:r>
+                <a:r>
+                  <a:rPr lang="en-US" altLang="ko-KR" sz="1400" dirty="0" smtClean="0"/>
+                  <a:t>   </a:t>
                 </a:r>
                 <a:r>
                   <a:rPr lang="ko-KR" altLang="en-US" sz="1400" dirty="0" err="1" smtClean="0"/>
@@ -16490,7 +16754,11 @@
                 </a:r>
                 <a:r>
                   <a:rPr lang="en-US" altLang="ko-KR" sz="1400" dirty="0" smtClean="0"/>
-                  <a:t>     </a:t>
+                  <a:t>   </a:t>
+                </a:r>
+                <a:r>
+                  <a:rPr lang="en-US" altLang="ko-KR" sz="1400" dirty="0" smtClean="0"/>
+                  <a:t>          </a:t>
                 </a:r>
                 <a:r>
                   <a:rPr lang="ko-KR" altLang="en-US" sz="1400" dirty="0" smtClean="0"/>
@@ -16528,7 +16796,6 @@
                   <a:rPr lang="en-US" altLang="ko-KR" sz="1400" dirty="0" smtClean="0"/>
                   <a:t>	</a:t>
                 </a:r>
-                <a:endParaRPr lang="en-US" altLang="ko-KR" sz="1400" dirty="0" smtClean="0"/>
               </a:p>
             </p:txBody>
           </p:sp>
@@ -17098,7 +17365,6 @@
               <a:rPr lang="en-US" altLang="ko-KR" sz="1600" dirty="0" smtClean="0"/>
               <a:t>Transport Invoice</a:t>
             </a:r>
-            <a:endParaRPr lang="en-US" altLang="ko-KR" sz="1600" dirty="0" smtClean="0"/>
           </a:p>
         </p:txBody>
       </p:sp>
@@ -17154,133 +17420,6 @@
       </p:sp>
       <p:sp>
         <p:nvSpPr>
-          <p:cNvPr id="11" name="TextBox 10"/>
-          <p:cNvSpPr txBox="1"/>
-          <p:nvPr/>
-        </p:nvSpPr>
-        <p:spPr>
-          <a:xfrm>
-            <a:off x="1475656" y="2058921"/>
-            <a:ext cx="6912768" cy="523220"/>
-          </a:xfrm>
-          <a:prstGeom prst="rect">
-            <a:avLst/>
-          </a:prstGeom>
-          <a:noFill/>
-        </p:spPr>
-        <p:txBody>
-          <a:bodyPr wrap="square" rtlCol="0">
-            <a:spAutoFit/>
-          </a:bodyPr>
-          <a:lstStyle/>
-          <a:p>
-            <a:pPr marL="342900" indent="-342900">
-              <a:buAutoNum type="arabicPeriod"/>
-            </a:pPr>
-            <a:r>
-              <a:rPr lang="en-US" altLang="ko-KR" sz="1400" dirty="0" smtClean="0"/>
-              <a:t>    a1001	   </a:t>
-            </a:r>
-            <a:r>
-              <a:rPr lang="ko-KR" altLang="en-US" sz="1400" dirty="0" smtClean="0"/>
-              <a:t>파이</a:t>
-            </a:r>
-            <a:r>
-              <a:rPr lang="ko-KR" altLang="en-US" sz="1400" dirty="0"/>
-              <a:t>선</a:t>
-            </a:r>
-            <a:r>
-              <a:rPr lang="ko-KR" altLang="en-US" sz="1400" dirty="0" smtClean="0"/>
-              <a:t>          대전광역시 </a:t>
-            </a:r>
-            <a:r>
-              <a:rPr lang="ko-KR" altLang="en-US" sz="1400" dirty="0"/>
-              <a:t>서구 </a:t>
-            </a:r>
-            <a:r>
-              <a:rPr lang="ko-KR" altLang="en-US" sz="1400" dirty="0" err="1"/>
-              <a:t>월평동</a:t>
-            </a:r>
-            <a:r>
-              <a:rPr lang="ko-KR" altLang="en-US" sz="1400" dirty="0"/>
-              <a:t> </a:t>
-            </a:r>
-            <a:r>
-              <a:rPr lang="en-US" altLang="ko-KR" sz="1400" dirty="0"/>
-              <a:t>243 </a:t>
-            </a:r>
-            <a:r>
-              <a:rPr lang="ko-KR" altLang="en-US" sz="1400" dirty="0" err="1"/>
-              <a:t>스타게이트</a:t>
-            </a:r>
-            <a:r>
-              <a:rPr lang="ko-KR" altLang="en-US" sz="1400" dirty="0"/>
-              <a:t> </a:t>
-            </a:r>
-            <a:r>
-              <a:rPr lang="en-US" altLang="ko-KR" sz="1400" dirty="0"/>
-              <a:t>7</a:t>
-            </a:r>
-            <a:r>
-              <a:rPr lang="ko-KR" altLang="en-US" sz="1400" dirty="0"/>
-              <a:t>층</a:t>
-            </a:r>
-            <a:endParaRPr lang="en-US" altLang="ko-KR" sz="1400" dirty="0" smtClean="0"/>
-          </a:p>
-          <a:p>
-            <a:pPr marL="342900" indent="-342900">
-              <a:buAutoNum type="arabicPeriod"/>
-            </a:pPr>
-            <a:r>
-              <a:rPr lang="en-US" altLang="ko-KR" sz="1400" dirty="0" smtClean="0"/>
-              <a:t>    a1002	   </a:t>
-            </a:r>
-            <a:r>
-              <a:rPr lang="ko-KR" altLang="en-US" sz="1400" dirty="0" err="1" smtClean="0"/>
-              <a:t>김자</a:t>
-            </a:r>
-            <a:r>
-              <a:rPr lang="ko-KR" altLang="en-US" sz="1400" dirty="0" err="1"/>
-              <a:t>바</a:t>
-            </a:r>
-            <a:r>
-              <a:rPr lang="ko-KR" altLang="en-US" sz="1400" dirty="0" smtClean="0"/>
-              <a:t>          대전광역시 서구 </a:t>
-            </a:r>
-            <a:r>
-              <a:rPr lang="ko-KR" altLang="en-US" sz="1400" dirty="0" err="1" smtClean="0"/>
-              <a:t>갈마동</a:t>
-            </a:r>
-            <a:r>
-              <a:rPr lang="ko-KR" altLang="en-US" sz="1400" dirty="0" smtClean="0"/>
-              <a:t> </a:t>
-            </a:r>
-            <a:r>
-              <a:rPr lang="en-US" altLang="ko-KR" sz="1400" dirty="0" smtClean="0"/>
-              <a:t>123 </a:t>
-            </a:r>
-            <a:r>
-              <a:rPr lang="ko-KR" altLang="en-US" sz="1400" dirty="0" err="1" smtClean="0"/>
-              <a:t>사오륙빌딩</a:t>
-            </a:r>
-            <a:r>
-              <a:rPr lang="ko-KR" altLang="en-US" sz="1400" dirty="0" smtClean="0"/>
-              <a:t> </a:t>
-            </a:r>
-            <a:r>
-              <a:rPr lang="en-US" altLang="ko-KR" sz="1400" dirty="0" smtClean="0"/>
-              <a:t>7</a:t>
-            </a:r>
-            <a:r>
-              <a:rPr lang="ko-KR" altLang="en-US" sz="1400" dirty="0" smtClean="0"/>
-              <a:t>층</a:t>
-            </a:r>
-            <a:endParaRPr lang="ko-KR" altLang="en-US" sz="1400" dirty="0"/>
-          </a:p>
-        </p:txBody>
-      </p:sp>
-      <p:sp>
-        <p:nvSpPr>
           <p:cNvPr id="12" name="TextBox 11"/>
           <p:cNvSpPr txBox="1"/>
           <p:nvPr/>
@@ -17309,6 +17448,280 @@
           </a:p>
         </p:txBody>
       </p:sp>
+      <p:grpSp>
+        <p:nvGrpSpPr>
+          <p:cNvPr id="13" name="그룹 12"/>
+          <p:cNvGrpSpPr/>
+          <p:nvPr/>
+        </p:nvGrpSpPr>
+        <p:grpSpPr>
+          <a:xfrm>
+            <a:off x="1628055" y="2211321"/>
+            <a:ext cx="6712626" cy="1412793"/>
+            <a:chOff x="1475655" y="2058921"/>
+            <a:chExt cx="6712626" cy="1412793"/>
+          </a:xfrm>
+        </p:grpSpPr>
+        <p:sp>
+          <p:nvSpPr>
+            <p:cNvPr id="14" name="TextBox 13"/>
+            <p:cNvSpPr txBox="1"/>
+            <p:nvPr/>
+          </p:nvSpPr>
+          <p:spPr>
+            <a:xfrm>
+              <a:off x="1475655" y="2058921"/>
+              <a:ext cx="2968209" cy="1169551"/>
+            </a:xfrm>
+            <a:prstGeom prst="rect">
+              <a:avLst/>
+            </a:prstGeom>
+            <a:noFill/>
+          </p:spPr>
+          <p:txBody>
+            <a:bodyPr wrap="square" rtlCol="0">
+              <a:spAutoFit/>
+            </a:bodyPr>
+            <a:lstStyle/>
+            <a:p>
+              <a:pPr marL="342900" indent="-342900">
+                <a:buAutoNum type="arabicPeriod"/>
+              </a:pPr>
+              <a:r>
+                <a:rPr lang="en-US" altLang="ko-KR" sz="1400" dirty="0"/>
+                <a:t> </a:t>
+              </a:r>
+              <a:r>
+                <a:rPr lang="en-US" altLang="ko-KR" sz="1400" dirty="0" smtClean="0"/>
+                <a:t>   b1021	   </a:t>
+              </a:r>
+              <a:r>
+                <a:rPr lang="ko-KR" altLang="en-US" sz="1400" dirty="0" err="1" smtClean="0"/>
+                <a:t>냥냥이</a:t>
+              </a:r>
+              <a:endParaRPr lang="en-US" altLang="ko-KR" sz="1400" dirty="0" smtClean="0"/>
+            </a:p>
+            <a:p>
+              <a:pPr marL="342900" indent="-342900">
+                <a:buAutoNum type="arabicPeriod"/>
+              </a:pPr>
+              <a:r>
+                <a:rPr lang="en-US" altLang="ko-KR" sz="1400" dirty="0"/>
+                <a:t> </a:t>
+              </a:r>
+              <a:r>
+                <a:rPr lang="en-US" altLang="ko-KR" sz="1400" dirty="0" smtClean="0"/>
+                <a:t>   c1007                    </a:t>
+              </a:r>
+              <a:r>
+                <a:rPr lang="ko-KR" altLang="en-US" sz="1400" dirty="0" err="1"/>
+                <a:t>댕</a:t>
+              </a:r>
+              <a:r>
+                <a:rPr lang="ko-KR" altLang="en-US" sz="1400" dirty="0" err="1" smtClean="0"/>
+                <a:t>댕이</a:t>
+              </a:r>
+              <a:r>
+                <a:rPr lang="en-US" altLang="ko-KR" sz="1400" dirty="0" smtClean="0"/>
+                <a:t>	 </a:t>
+              </a:r>
+            </a:p>
+            <a:p>
+              <a:pPr marL="342900" indent="-342900">
+                <a:buAutoNum type="arabicPeriod"/>
+              </a:pPr>
+              <a:r>
+                <a:rPr lang="en-US" altLang="ko-KR" sz="1400" dirty="0"/>
+                <a:t> </a:t>
+              </a:r>
+              <a:r>
+                <a:rPr lang="en-US" altLang="ko-KR" sz="1400" dirty="0" smtClean="0"/>
+                <a:t>   a1001</a:t>
+              </a:r>
+              <a:r>
+                <a:rPr lang="en-US" altLang="ko-KR" sz="1400" dirty="0" smtClean="0"/>
+                <a:t>	   </a:t>
+              </a:r>
+              <a:r>
+                <a:rPr lang="ko-KR" altLang="en-US" sz="1400" dirty="0" smtClean="0"/>
+                <a:t>파이</a:t>
+              </a:r>
+              <a:r>
+                <a:rPr lang="ko-KR" altLang="en-US" sz="1400" dirty="0"/>
+                <a:t>선</a:t>
+              </a:r>
+              <a:r>
+                <a:rPr lang="ko-KR" altLang="en-US" sz="1400" dirty="0" smtClean="0"/>
+                <a:t> </a:t>
+              </a:r>
+              <a:endParaRPr lang="en-US" altLang="ko-KR" sz="1400" dirty="0" smtClean="0"/>
+            </a:p>
+            <a:p>
+              <a:pPr marL="342900" indent="-342900">
+                <a:buAutoNum type="arabicPeriod"/>
+              </a:pPr>
+              <a:r>
+                <a:rPr lang="en-US" altLang="ko-KR" sz="1400" dirty="0"/>
+                <a:t> </a:t>
+              </a:r>
+              <a:r>
+                <a:rPr lang="en-US" altLang="ko-KR" sz="1400" dirty="0" smtClean="0"/>
+                <a:t>   </a:t>
+              </a:r>
+              <a:r>
+                <a:rPr lang="en-US" altLang="ko-KR" sz="1400" dirty="0" smtClean="0"/>
+                <a:t>a1002</a:t>
+              </a:r>
+              <a:r>
+                <a:rPr lang="en-US" altLang="ko-KR" sz="1400" dirty="0" smtClean="0"/>
+                <a:t>	   </a:t>
+              </a:r>
+              <a:r>
+                <a:rPr lang="ko-KR" altLang="en-US" sz="1400" dirty="0" err="1" smtClean="0"/>
+                <a:t>김자바</a:t>
+              </a:r>
+              <a:endParaRPr lang="en-US" altLang="ko-KR" sz="1400" dirty="0" smtClean="0"/>
+            </a:p>
+            <a:p>
+              <a:endParaRPr lang="ko-KR" altLang="en-US" sz="1400" dirty="0"/>
+            </a:p>
+          </p:txBody>
+        </p:sp>
+        <p:sp>
+          <p:nvSpPr>
+            <p:cNvPr id="15" name="TextBox 14"/>
+            <p:cNvSpPr txBox="1"/>
+            <p:nvPr/>
+          </p:nvSpPr>
+          <p:spPr>
+            <a:xfrm>
+              <a:off x="4443865" y="2086719"/>
+              <a:ext cx="3744416" cy="1384995"/>
+            </a:xfrm>
+            <a:prstGeom prst="rect">
+              <a:avLst/>
+            </a:prstGeom>
+            <a:noFill/>
+          </p:spPr>
+          <p:txBody>
+            <a:bodyPr wrap="square" rtlCol="0">
+              <a:spAutoFit/>
+            </a:bodyPr>
+            <a:lstStyle/>
+            <a:p>
+              <a:pPr algn="ctr"/>
+              <a:r>
+                <a:rPr lang="ko-KR" altLang="en-US" sz="1400" dirty="0"/>
+                <a:t>서울특별시 강남구 역삼동 </a:t>
+              </a:r>
+              <a:r>
+                <a:rPr lang="en-US" altLang="ko-KR" sz="1400" dirty="0"/>
+                <a:t>333 </a:t>
+              </a:r>
+              <a:endParaRPr lang="en-US" altLang="ko-KR" sz="1400" dirty="0" smtClean="0"/>
+            </a:p>
+            <a:p>
+              <a:pPr algn="ctr"/>
+              <a:r>
+                <a:rPr lang="ko-KR" altLang="en-US" sz="1400" dirty="0" smtClean="0"/>
+                <a:t>부산광역시 중구 </a:t>
+              </a:r>
+              <a:r>
+                <a:rPr lang="ko-KR" altLang="en-US" sz="1400" dirty="0" err="1" smtClean="0"/>
+                <a:t>남포동</a:t>
+              </a:r>
+              <a:r>
+                <a:rPr lang="ko-KR" altLang="en-US" sz="1400" dirty="0" smtClean="0"/>
+                <a:t> </a:t>
+              </a:r>
+              <a:r>
+                <a:rPr lang="en-US" altLang="ko-KR" sz="1400" dirty="0" smtClean="0"/>
+                <a:t>987</a:t>
+              </a:r>
+            </a:p>
+            <a:p>
+              <a:pPr algn="ctr"/>
+              <a:r>
+                <a:rPr lang="ko-KR" altLang="en-US" sz="1400" dirty="0"/>
+                <a:t>대전광역시 서구 </a:t>
+              </a:r>
+              <a:r>
+                <a:rPr lang="ko-KR" altLang="en-US" sz="1400" dirty="0" err="1"/>
+                <a:t>월평동</a:t>
+              </a:r>
+              <a:r>
+                <a:rPr lang="ko-KR" altLang="en-US" sz="1400" dirty="0"/>
+                <a:t> </a:t>
+              </a:r>
+              <a:r>
+                <a:rPr lang="en-US" altLang="ko-KR" sz="1400" dirty="0"/>
+                <a:t>243 </a:t>
+              </a:r>
+              <a:r>
+                <a:rPr lang="ko-KR" altLang="en-US" sz="1400" dirty="0" err="1"/>
+                <a:t>스타게이트</a:t>
+              </a:r>
+              <a:r>
+                <a:rPr lang="ko-KR" altLang="en-US" sz="1400" dirty="0"/>
+                <a:t> </a:t>
+              </a:r>
+              <a:r>
+                <a:rPr lang="en-US" altLang="ko-KR" sz="1400" dirty="0"/>
+                <a:t>7</a:t>
+              </a:r>
+              <a:r>
+                <a:rPr lang="ko-KR" altLang="en-US" sz="1400" dirty="0" smtClean="0"/>
+                <a:t>층</a:t>
+              </a:r>
+              <a:endParaRPr lang="en-US" altLang="ko-KR" sz="1400" dirty="0" smtClean="0"/>
+            </a:p>
+            <a:p>
+              <a:pPr algn="ctr"/>
+              <a:r>
+                <a:rPr lang="ko-KR" altLang="en-US" sz="1400" dirty="0"/>
+                <a:t>대전광역시 서구 </a:t>
+              </a:r>
+              <a:r>
+                <a:rPr lang="ko-KR" altLang="en-US" sz="1400" dirty="0" err="1"/>
+                <a:t>갈마동</a:t>
+              </a:r>
+              <a:r>
+                <a:rPr lang="ko-KR" altLang="en-US" sz="1400" dirty="0"/>
+                <a:t> </a:t>
+              </a:r>
+              <a:r>
+                <a:rPr lang="en-US" altLang="ko-KR" sz="1400" dirty="0"/>
+                <a:t>123 </a:t>
+              </a:r>
+              <a:r>
+                <a:rPr lang="ko-KR" altLang="en-US" sz="1400" dirty="0" err="1"/>
+                <a:t>사오륙빌딩</a:t>
+              </a:r>
+              <a:r>
+                <a:rPr lang="ko-KR" altLang="en-US" sz="1400" dirty="0"/>
+                <a:t> </a:t>
+              </a:r>
+              <a:r>
+                <a:rPr lang="en-US" altLang="ko-KR" sz="1400" dirty="0"/>
+                <a:t>7</a:t>
+              </a:r>
+              <a:r>
+                <a:rPr lang="ko-KR" altLang="en-US" sz="1400" dirty="0" smtClean="0"/>
+                <a:t>층</a:t>
+              </a:r>
+              <a:endParaRPr lang="en-US" altLang="ko-KR" sz="1400" dirty="0"/>
+            </a:p>
+            <a:p>
+              <a:pPr algn="ctr"/>
+              <a:endParaRPr lang="en-US" altLang="ko-KR" sz="1400" dirty="0"/>
+            </a:p>
+            <a:p>
+              <a:pPr algn="ctr"/>
+              <a:endParaRPr lang="ko-KR" altLang="en-US" sz="1400" dirty="0"/>
+            </a:p>
+          </p:txBody>
+        </p:sp>
+      </p:grpSp>
     </p:spTree>
     <p:extLst>
       <p:ext uri="{BB962C8B-B14F-4D97-AF65-F5344CB8AC3E}">
@@ -17322,7 +17735,75 @@
   <p:timing>
     <p:tnLst>
       <p:par>
-        <p:cTn id="1" dur="indefinite" restart="never" nodeType="tmRoot"/>
+        <p:cTn id="1" dur="indefinite" restart="never" nodeType="tmRoot">
+          <p:childTnLst>
+            <p:seq concurrent="1" nextAc="seek">
+              <p:cTn id="2" dur="indefinite" nodeType="mainSeq">
+                <p:childTnLst>
+                  <p:par>
+                    <p:cTn id="3" fill="hold">
+                      <p:stCondLst>
+                        <p:cond delay="indefinite"/>
+                      </p:stCondLst>
+                      <p:childTnLst>
+                        <p:par>
+                          <p:cTn id="4" fill="hold">
+                            <p:stCondLst>
+                              <p:cond delay="0"/>
+                            </p:stCondLst>
+                            <p:childTnLst>
+                              <p:par>
+                                <p:cTn id="5" presetID="1" presetClass="exit" presetSubtype="0" fill="hold" nodeType="clickEffect">
+                                  <p:stCondLst>
+                                    <p:cond delay="0"/>
+                                  </p:stCondLst>
+                                  <p:childTnLst>
+                                    <p:set>
+                                      <p:cBhvr>
+                                        <p:cTn id="6" dur="1" fill="hold">
+                                          <p:stCondLst>
+                                            <p:cond delay="0"/>
+                                          </p:stCondLst>
+                                        </p:cTn>
+                                        <p:tgtEl>
+                                          <p:spTgt spid="13"/>
+                                        </p:tgtEl>
+                                        <p:attrNameLst>
+                                          <p:attrName>style.visibility</p:attrName>
+                                        </p:attrNameLst>
+                                      </p:cBhvr>
+                                      <p:to>
+                                        <p:strVal val="hidden"/>
+                                      </p:to>
+                                    </p:set>
+                                  </p:childTnLst>
+                                </p:cTn>
+                              </p:par>
+                            </p:childTnLst>
+                          </p:cTn>
+                        </p:par>
+                      </p:childTnLst>
+                    </p:cTn>
+                  </p:par>
+                </p:childTnLst>
+              </p:cTn>
+              <p:prevCondLst>
+                <p:cond evt="onPrev" delay="0">
+                  <p:tgtEl>
+                    <p:sldTgt/>
+                  </p:tgtEl>
+                </p:cond>
+              </p:prevCondLst>
+              <p:nextCondLst>
+                <p:cond evt="onNext" delay="0">
+                  <p:tgtEl>
+                    <p:sldTgt/>
+                  </p:tgtEl>
+                </p:cond>
+              </p:nextCondLst>
+            </p:seq>
+          </p:childTnLst>
+        </p:cTn>
       </p:par>
     </p:tnLst>
   </p:timing>

--- a/프레젠테이션1.pptx
+++ b/프레젠테이션1.pptx
@@ -4705,7 +4705,6 @@
               <a:rPr lang="en-US" altLang="ko-KR" dirty="0" smtClean="0"/>
               <a:t>Project 01</a:t>
             </a:r>
-            <a:endParaRPr lang="en-US" altLang="ko-KR" dirty="0" smtClean="0"/>
           </a:p>
           <a:p>
             <a:pPr algn="r"/>
@@ -5701,6 +5700,36 @@
       </p:sp>
       <p:sp>
         <p:nvSpPr>
+          <p:cNvPr id="20" name="TextBox 19"/>
+          <p:cNvSpPr txBox="1"/>
+          <p:nvPr/>
+        </p:nvSpPr>
+        <p:spPr>
+          <a:xfrm>
+            <a:off x="4716016" y="4981818"/>
+            <a:ext cx="720080" cy="369332"/>
+          </a:xfrm>
+          <a:prstGeom prst="rect">
+            <a:avLst/>
+          </a:prstGeom>
+          <a:noFill/>
+        </p:spPr>
+        <p:txBody>
+          <a:bodyPr wrap="square" rtlCol="0">
+            <a:spAutoFit/>
+          </a:bodyPr>
+          <a:lstStyle/>
+          <a:p>
+            <a:r>
+              <a:rPr lang="en-US" altLang="ko-KR" dirty="0" smtClean="0"/>
+              <a:t>- 1 -</a:t>
+            </a:r>
+            <a:endParaRPr lang="ko-KR" altLang="en-US" dirty="0"/>
+          </a:p>
+        </p:txBody>
+      </p:sp>
+      <p:sp>
+        <p:nvSpPr>
           <p:cNvPr id="13" name="모서리가 둥근 직사각형 12"/>
           <p:cNvSpPr/>
           <p:nvPr/>
@@ -5780,36 +5809,6 @@
                 <a:schemeClr val="tx1"/>
               </a:solidFill>
             </a:endParaRPr>
-          </a:p>
-        </p:txBody>
-      </p:sp>
-      <p:sp>
-        <p:nvSpPr>
-          <p:cNvPr id="20" name="TextBox 19"/>
-          <p:cNvSpPr txBox="1"/>
-          <p:nvPr/>
-        </p:nvSpPr>
-        <p:spPr>
-          <a:xfrm>
-            <a:off x="4716016" y="4981818"/>
-            <a:ext cx="720080" cy="369332"/>
-          </a:xfrm>
-          <a:prstGeom prst="rect">
-            <a:avLst/>
-          </a:prstGeom>
-          <a:noFill/>
-        </p:spPr>
-        <p:txBody>
-          <a:bodyPr wrap="square" rtlCol="0">
-            <a:spAutoFit/>
-          </a:bodyPr>
-          <a:lstStyle/>
-          <a:p>
-            <a:r>
-              <a:rPr lang="en-US" altLang="ko-KR" dirty="0" smtClean="0"/>
-              <a:t>- 1 -</a:t>
-            </a:r>
-            <a:endParaRPr lang="ko-KR" altLang="en-US" dirty="0"/>
           </a:p>
         </p:txBody>
       </p:sp>
@@ -6185,30 +6184,6 @@
           <a:lstStyle/>
           <a:p>
             <a:pPr algn="ctr"/>
-            <a:r>
-              <a:rPr lang="ko-KR" altLang="en-US" dirty="0" smtClean="0">
-                <a:solidFill>
-                  <a:schemeClr val="tx1"/>
-                </a:solidFill>
-              </a:rPr>
-              <a:t>전체 발주 내역 </a:t>
-            </a:r>
-            <a:r>
-              <a:rPr lang="en-US" altLang="ko-KR" dirty="0" smtClean="0">
-                <a:solidFill>
-                  <a:schemeClr val="tx1"/>
-                </a:solidFill>
-              </a:rPr>
-              <a:t>&amp; </a:t>
-            </a:r>
-            <a:r>
-              <a:rPr lang="ko-KR" altLang="en-US" dirty="0" smtClean="0">
-                <a:solidFill>
-                  <a:schemeClr val="tx1"/>
-                </a:solidFill>
-              </a:rPr>
-              <a:t>정산</a:t>
-            </a:r>
             <a:endParaRPr lang="ko-KR" altLang="en-US" dirty="0">
               <a:solidFill>
                 <a:schemeClr val="tx1"/>
@@ -6277,6 +6252,346 @@
           </a:p>
         </p:txBody>
       </p:sp>
+      <p:sp>
+        <p:nvSpPr>
+          <p:cNvPr id="11" name="TextBox 10"/>
+          <p:cNvSpPr txBox="1"/>
+          <p:nvPr/>
+        </p:nvSpPr>
+        <p:spPr>
+          <a:xfrm>
+            <a:off x="1763688" y="1516106"/>
+            <a:ext cx="6336704" cy="369332"/>
+          </a:xfrm>
+          <a:prstGeom prst="rect">
+            <a:avLst/>
+          </a:prstGeom>
+          <a:noFill/>
+        </p:spPr>
+        <p:txBody>
+          <a:bodyPr wrap="square" rtlCol="0">
+            <a:spAutoFit/>
+          </a:bodyPr>
+          <a:lstStyle/>
+          <a:p>
+            <a:r>
+              <a:rPr lang="ko-KR" altLang="en-US" dirty="0" smtClean="0"/>
+              <a:t>발주 코드 </a:t>
+            </a:r>
+            <a:r>
+              <a:rPr lang="ko-KR" altLang="en-US" dirty="0" smtClean="0"/>
+              <a:t>                            날짜                                  금액</a:t>
+            </a:r>
+            <a:endParaRPr lang="ko-KR" altLang="en-US" dirty="0"/>
+          </a:p>
+        </p:txBody>
+      </p:sp>
+      <p:grpSp>
+        <p:nvGrpSpPr>
+          <p:cNvPr id="17" name="그룹 16"/>
+          <p:cNvGrpSpPr/>
+          <p:nvPr/>
+        </p:nvGrpSpPr>
+        <p:grpSpPr>
+          <a:xfrm>
+            <a:off x="1475656" y="2204864"/>
+            <a:ext cx="6701608" cy="2776954"/>
+            <a:chOff x="1475656" y="2204864"/>
+            <a:chExt cx="6701608" cy="2776954"/>
+          </a:xfrm>
+        </p:grpSpPr>
+        <p:sp>
+          <p:nvSpPr>
+            <p:cNvPr id="2" name="TextBox 1"/>
+            <p:cNvSpPr txBox="1"/>
+            <p:nvPr/>
+          </p:nvSpPr>
+          <p:spPr>
+            <a:xfrm>
+              <a:off x="1475656" y="2204864"/>
+              <a:ext cx="2088232" cy="2031325"/>
+            </a:xfrm>
+            <a:prstGeom prst="rect">
+              <a:avLst/>
+            </a:prstGeom>
+            <a:noFill/>
+          </p:spPr>
+          <p:txBody>
+            <a:bodyPr wrap="square" rtlCol="0">
+              <a:spAutoFit/>
+            </a:bodyPr>
+            <a:lstStyle/>
+            <a:p>
+              <a:r>
+                <a:rPr lang="en-US" altLang="ko-KR" dirty="0" smtClean="0"/>
+                <a:t>1.  </a:t>
+              </a:r>
+            </a:p>
+            <a:p>
+              <a:r>
+                <a:rPr lang="en-US" altLang="ko-KR" dirty="0" smtClean="0"/>
+                <a:t>2. </a:t>
+              </a:r>
+            </a:p>
+            <a:p>
+              <a:r>
+                <a:rPr lang="en-US" altLang="ko-KR" dirty="0" smtClean="0"/>
+                <a:t>3.</a:t>
+              </a:r>
+            </a:p>
+            <a:p>
+              <a:r>
+                <a:rPr lang="en-US" altLang="ko-KR" dirty="0" smtClean="0"/>
+                <a:t>4.</a:t>
+              </a:r>
+            </a:p>
+            <a:p>
+              <a:r>
+                <a:rPr lang="en-US" altLang="ko-KR" dirty="0" smtClean="0"/>
+                <a:t>5.</a:t>
+              </a:r>
+            </a:p>
+            <a:p>
+              <a:r>
+                <a:rPr lang="en-US" altLang="ko-KR" dirty="0" smtClean="0"/>
+                <a:t>6.</a:t>
+              </a:r>
+            </a:p>
+            <a:p>
+              <a:r>
+                <a:rPr lang="en-US" altLang="ko-KR" dirty="0" smtClean="0"/>
+                <a:t>7.</a:t>
+              </a:r>
+            </a:p>
+          </p:txBody>
+        </p:sp>
+        <p:sp>
+          <p:nvSpPr>
+            <p:cNvPr id="3" name="TextBox 2"/>
+            <p:cNvSpPr txBox="1"/>
+            <p:nvPr/>
+          </p:nvSpPr>
+          <p:spPr>
+            <a:xfrm>
+              <a:off x="3743908" y="2204864"/>
+              <a:ext cx="2376264" cy="2031325"/>
+            </a:xfrm>
+            <a:prstGeom prst="rect">
+              <a:avLst/>
+            </a:prstGeom>
+            <a:noFill/>
+          </p:spPr>
+          <p:txBody>
+            <a:bodyPr wrap="square" rtlCol="0">
+              <a:spAutoFit/>
+            </a:bodyPr>
+            <a:lstStyle/>
+            <a:p>
+              <a:pPr algn="ctr"/>
+              <a:r>
+                <a:rPr lang="en-US" altLang="ko-KR" dirty="0" smtClean="0"/>
+                <a:t>2019-02-02</a:t>
+              </a:r>
+            </a:p>
+            <a:p>
+              <a:pPr algn="ctr"/>
+              <a:r>
+                <a:rPr lang="en-US" altLang="ko-KR" dirty="0" smtClean="0"/>
+                <a:t>2019-02-17</a:t>
+              </a:r>
+            </a:p>
+            <a:p>
+              <a:pPr algn="ctr"/>
+              <a:r>
+                <a:rPr lang="en-US" altLang="ko-KR" dirty="0" smtClean="0"/>
+                <a:t>2019-03-04</a:t>
+              </a:r>
+            </a:p>
+            <a:p>
+              <a:pPr algn="ctr"/>
+              <a:r>
+                <a:rPr lang="en-US" altLang="ko-KR" dirty="0" smtClean="0"/>
+                <a:t>2019-03-16</a:t>
+              </a:r>
+            </a:p>
+            <a:p>
+              <a:pPr algn="ctr"/>
+              <a:r>
+                <a:rPr lang="en-US" altLang="ko-KR" dirty="0" smtClean="0"/>
+                <a:t>2019-04-03</a:t>
+              </a:r>
+            </a:p>
+            <a:p>
+              <a:pPr algn="ctr"/>
+              <a:r>
+                <a:rPr lang="en-US" altLang="ko-KR" dirty="0" smtClean="0"/>
+                <a:t>2019-04-15</a:t>
+              </a:r>
+            </a:p>
+            <a:p>
+              <a:pPr algn="ctr"/>
+              <a:r>
+                <a:rPr lang="en-US" altLang="ko-KR" dirty="0" smtClean="0"/>
+                <a:t>2019-05-01</a:t>
+              </a:r>
+              <a:endParaRPr lang="ko-KR" altLang="en-US" dirty="0"/>
+            </a:p>
+          </p:txBody>
+        </p:sp>
+        <p:sp>
+          <p:nvSpPr>
+            <p:cNvPr id="12" name="TextBox 11"/>
+            <p:cNvSpPr txBox="1"/>
+            <p:nvPr/>
+          </p:nvSpPr>
+          <p:spPr>
+            <a:xfrm>
+              <a:off x="6300192" y="2204864"/>
+              <a:ext cx="1656184" cy="2031325"/>
+            </a:xfrm>
+            <a:prstGeom prst="rect">
+              <a:avLst/>
+            </a:prstGeom>
+            <a:noFill/>
+          </p:spPr>
+          <p:txBody>
+            <a:bodyPr wrap="square" rtlCol="0">
+              <a:spAutoFit/>
+            </a:bodyPr>
+            <a:lstStyle/>
+            <a:p>
+              <a:pPr algn="r"/>
+              <a:r>
+                <a:rPr lang="en-US" altLang="ko-KR" dirty="0" smtClean="0"/>
+                <a:t>1,310,000</a:t>
+              </a:r>
+            </a:p>
+            <a:p>
+              <a:pPr algn="r"/>
+              <a:r>
+                <a:rPr lang="en-US" altLang="ko-KR" dirty="0" smtClean="0"/>
+                <a:t>2,424,500</a:t>
+              </a:r>
+            </a:p>
+            <a:p>
+              <a:pPr algn="r"/>
+              <a:r>
+                <a:rPr lang="en-US" altLang="ko-KR" dirty="0" smtClean="0"/>
+                <a:t>1,905,000</a:t>
+              </a:r>
+            </a:p>
+            <a:p>
+              <a:pPr algn="r"/>
+              <a:r>
+                <a:rPr lang="en-US" altLang="ko-KR" dirty="0" smtClean="0"/>
+                <a:t>2,754,000</a:t>
+              </a:r>
+            </a:p>
+            <a:p>
+              <a:pPr algn="r"/>
+              <a:r>
+                <a:rPr lang="en-US" altLang="ko-KR" dirty="0" smtClean="0"/>
+                <a:t>2,156,500</a:t>
+              </a:r>
+            </a:p>
+            <a:p>
+              <a:pPr algn="r"/>
+              <a:r>
+                <a:rPr lang="en-US" altLang="ko-KR" dirty="0" smtClean="0"/>
+                <a:t>2,540,500</a:t>
+              </a:r>
+            </a:p>
+            <a:p>
+              <a:pPr algn="r"/>
+              <a:r>
+                <a:rPr lang="en-US" altLang="ko-KR" dirty="0" smtClean="0"/>
+                <a:t>2,350,000</a:t>
+              </a:r>
+              <a:endParaRPr lang="en-US" altLang="ko-KR" dirty="0"/>
+            </a:p>
+          </p:txBody>
+        </p:sp>
+        <p:sp>
+          <p:nvSpPr>
+            <p:cNvPr id="13" name="TextBox 12"/>
+            <p:cNvSpPr txBox="1"/>
+            <p:nvPr/>
+          </p:nvSpPr>
+          <p:spPr>
+            <a:xfrm>
+              <a:off x="4788024" y="4612486"/>
+              <a:ext cx="3389240" cy="369332"/>
+            </a:xfrm>
+            <a:prstGeom prst="rect">
+              <a:avLst/>
+            </a:prstGeom>
+            <a:noFill/>
+          </p:spPr>
+          <p:txBody>
+            <a:bodyPr wrap="square" rtlCol="0">
+              <a:spAutoFit/>
+            </a:bodyPr>
+            <a:lstStyle/>
+            <a:p>
+              <a:r>
+                <a:rPr lang="ko-KR" altLang="en-US" dirty="0"/>
+                <a:t> </a:t>
+              </a:r>
+              <a:r>
+                <a:rPr lang="ko-KR" altLang="en-US" dirty="0" smtClean="0"/>
+                <a:t>      총액                </a:t>
+              </a:r>
+              <a:r>
+                <a:rPr lang="en-US" altLang="ko-KR" dirty="0" smtClean="0"/>
+                <a:t>15,440,500</a:t>
+              </a:r>
+              <a:endParaRPr lang="ko-KR" altLang="en-US" dirty="0"/>
+            </a:p>
+          </p:txBody>
+        </p:sp>
+      </p:grpSp>
+      <p:sp>
+        <p:nvSpPr>
+          <p:cNvPr id="16" name="TextBox 15"/>
+          <p:cNvSpPr txBox="1"/>
+          <p:nvPr/>
+        </p:nvSpPr>
+        <p:spPr>
+          <a:xfrm>
+            <a:off x="1475656" y="2204864"/>
+            <a:ext cx="6624736" cy="646331"/>
+          </a:xfrm>
+          <a:prstGeom prst="rect">
+            <a:avLst/>
+          </a:prstGeom>
+          <a:noFill/>
+        </p:spPr>
+        <p:txBody>
+          <a:bodyPr wrap="square" rtlCol="0">
+            <a:spAutoFit/>
+          </a:bodyPr>
+          <a:lstStyle/>
+          <a:p>
+            <a:pPr marL="342900" indent="-342900">
+              <a:buAutoNum type="arabicPeriod"/>
+            </a:pPr>
+            <a:r>
+              <a:rPr lang="en-US" altLang="ko-KR" dirty="0" smtClean="0"/>
+              <a:t>                                       2019-04-03                       2,156,500</a:t>
+            </a:r>
+          </a:p>
+          <a:p>
+            <a:pPr marL="342900" indent="-342900">
+              <a:buAutoNum type="arabicPeriod"/>
+            </a:pPr>
+            <a:r>
+              <a:rPr lang="en-US" altLang="ko-KR" dirty="0" smtClean="0"/>
+              <a:t>                                       2019-04-15                       2,540,500</a:t>
+            </a:r>
+            <a:endParaRPr lang="ko-KR" altLang="en-US" dirty="0"/>
+          </a:p>
+        </p:txBody>
+      </p:sp>
     </p:spTree>
     <p:extLst>
       <p:ext uri="{BB962C8B-B14F-4D97-AF65-F5344CB8AC3E}">
@@ -6290,9 +6605,115 @@
   <p:timing>
     <p:tnLst>
       <p:par>
-        <p:cTn id="1" dur="indefinite" restart="never" nodeType="tmRoot"/>
+        <p:cTn id="1" dur="indefinite" restart="never" nodeType="tmRoot">
+          <p:childTnLst>
+            <p:seq concurrent="1" nextAc="seek">
+              <p:cTn id="2" dur="indefinite" nodeType="mainSeq">
+                <p:childTnLst>
+                  <p:par>
+                    <p:cTn id="3" fill="hold">
+                      <p:stCondLst>
+                        <p:cond delay="indefinite"/>
+                      </p:stCondLst>
+                      <p:childTnLst>
+                        <p:par>
+                          <p:cTn id="4" fill="hold">
+                            <p:stCondLst>
+                              <p:cond delay="0"/>
+                            </p:stCondLst>
+                            <p:childTnLst>
+                              <p:par>
+                                <p:cTn id="5" presetID="1" presetClass="exit" presetSubtype="0" fill="hold" nodeType="clickEffect">
+                                  <p:stCondLst>
+                                    <p:cond delay="0"/>
+                                  </p:stCondLst>
+                                  <p:childTnLst>
+                                    <p:set>
+                                      <p:cBhvr>
+                                        <p:cTn id="6" dur="1" fill="hold">
+                                          <p:stCondLst>
+                                            <p:cond delay="0"/>
+                                          </p:stCondLst>
+                                        </p:cTn>
+                                        <p:tgtEl>
+                                          <p:spTgt spid="17"/>
+                                        </p:tgtEl>
+                                        <p:attrNameLst>
+                                          <p:attrName>style.visibility</p:attrName>
+                                        </p:attrNameLst>
+                                      </p:cBhvr>
+                                      <p:to>
+                                        <p:strVal val="hidden"/>
+                                      </p:to>
+                                    </p:set>
+                                  </p:childTnLst>
+                                </p:cTn>
+                              </p:par>
+                              <p:par>
+                                <p:cTn id="7" presetID="10" presetClass="entr" presetSubtype="0" fill="hold" grpId="0" nodeType="withEffect">
+                                  <p:stCondLst>
+                                    <p:cond delay="0"/>
+                                  </p:stCondLst>
+                                  <p:childTnLst>
+                                    <p:set>
+                                      <p:cBhvr>
+                                        <p:cTn id="8" dur="1" fill="hold">
+                                          <p:stCondLst>
+                                            <p:cond delay="0"/>
+                                          </p:stCondLst>
+                                        </p:cTn>
+                                        <p:tgtEl>
+                                          <p:spTgt spid="16"/>
+                                        </p:tgtEl>
+                                        <p:attrNameLst>
+                                          <p:attrName>style.visibility</p:attrName>
+                                        </p:attrNameLst>
+                                      </p:cBhvr>
+                                      <p:to>
+                                        <p:strVal val="visible"/>
+                                      </p:to>
+                                    </p:set>
+                                    <p:animEffect transition="in" filter="fade">
+                                      <p:cBhvr>
+                                        <p:cTn id="9" dur="500"/>
+                                        <p:tgtEl>
+                                          <p:spTgt spid="16"/>
+                                        </p:tgtEl>
+                                      </p:cBhvr>
+                                    </p:animEffect>
+                                  </p:childTnLst>
+                                </p:cTn>
+                              </p:par>
+                            </p:childTnLst>
+                          </p:cTn>
+                        </p:par>
+                      </p:childTnLst>
+                    </p:cTn>
+                  </p:par>
+                </p:childTnLst>
+              </p:cTn>
+              <p:prevCondLst>
+                <p:cond evt="onPrev" delay="0">
+                  <p:tgtEl>
+                    <p:sldTgt/>
+                  </p:tgtEl>
+                </p:cond>
+              </p:prevCondLst>
+              <p:nextCondLst>
+                <p:cond evt="onNext" delay="0">
+                  <p:tgtEl>
+                    <p:sldTgt/>
+                  </p:tgtEl>
+                </p:cond>
+              </p:nextCondLst>
+            </p:seq>
+          </p:childTnLst>
+        </p:cTn>
       </p:par>
     </p:tnLst>
+    <p:bldLst>
+      <p:bldP spid="16" grpId="0"/>
+    </p:bldLst>
   </p:timing>
 </p:sld>
 </file>
@@ -14330,11 +14751,7 @@
                 </a:r>
                 <a:r>
                   <a:rPr lang="ko-KR" altLang="en-US" sz="1600" dirty="0" smtClean="0"/>
-                  <a:t>운송업체      </a:t>
-                </a:r>
-                <a:r>
-                  <a:rPr lang="ko-KR" altLang="en-US" sz="1600" dirty="0" smtClean="0"/>
-                  <a:t>구입처운영자</a:t>
+                  <a:t>운송업체      구입처운영자</a:t>
                 </a:r>
                 <a:endParaRPr lang="ko-KR" altLang="en-US" sz="1600" dirty="0"/>
               </a:p>
@@ -14547,13 +14964,7 @@
                   <a:rPr lang="en-US" altLang="ko-KR" dirty="0" smtClean="0">
                     <a:latin typeface="+mn-ea"/>
                   </a:rPr>
-                  <a:t> </a:t>
-                </a:r>
-                <a:r>
-                  <a:rPr lang="en-US" altLang="ko-KR" dirty="0" smtClean="0">
-                    <a:latin typeface="+mn-ea"/>
-                  </a:rPr>
-                  <a:t>      </a:t>
+                  <a:t>       </a:t>
                 </a:r>
                 <a:r>
                   <a:rPr lang="ko-KR" altLang="en-US" dirty="0" smtClean="0">
@@ -14571,13 +14982,7 @@
                   <a:rPr lang="en-US" altLang="ko-KR" dirty="0" smtClean="0">
                     <a:latin typeface="+mn-ea"/>
                   </a:rPr>
-                  <a:t>   </a:t>
-                </a:r>
-                <a:r>
-                  <a:rPr lang="en-US" altLang="ko-KR" dirty="0" smtClean="0">
-                    <a:latin typeface="+mn-ea"/>
-                  </a:rPr>
-                  <a:t>   </a:t>
+                  <a:t>      </a:t>
                 </a:r>
                 <a:r>
                   <a:rPr lang="ko-KR" altLang="en-US" dirty="0" smtClean="0">
@@ -14595,13 +15000,7 @@
                   <a:rPr lang="en-US" altLang="ko-KR" dirty="0" smtClean="0">
                     <a:latin typeface="+mn-ea"/>
                   </a:rPr>
-                  <a:t>   </a:t>
-                </a:r>
-                <a:r>
-                  <a:rPr lang="en-US" altLang="ko-KR" dirty="0" smtClean="0">
-                    <a:latin typeface="+mn-ea"/>
-                  </a:rPr>
-                  <a:t>  </a:t>
+                  <a:t>     </a:t>
                 </a:r>
                 <a:r>
                   <a:rPr lang="ko-KR" altLang="en-US" dirty="0" smtClean="0">
@@ -16122,11 +16521,7 @@
             </a:pPr>
             <a:r>
               <a:rPr lang="en-US" altLang="ko-KR" dirty="0" smtClean="0"/>
-              <a:t>    a1001</a:t>
-            </a:r>
-            <a:r>
-              <a:rPr lang="en-US" altLang="ko-KR" dirty="0" smtClean="0"/>
-              <a:t>		2019-04-15		  21,500</a:t>
+              <a:t>    a1001		2019-04-15		  21,500</a:t>
             </a:r>
           </a:p>
           <a:p>
@@ -16244,11 +16639,7 @@
             </a:pPr>
             <a:r>
               <a:rPr lang="en-US" altLang="ko-KR" dirty="0" smtClean="0"/>
-              <a:t>    a1001</a:t>
-            </a:r>
-            <a:r>
-              <a:rPr lang="en-US" altLang="ko-KR" dirty="0" smtClean="0"/>
-              <a:t>		2019-04-15		  21,500</a:t>
+              <a:t>    a1001		2019-04-15		  21,500</a:t>
             </a:r>
           </a:p>
           <a:p>
@@ -16742,11 +17133,7 @@
                 </a:r>
                 <a:r>
                   <a:rPr lang="en-US" altLang="ko-KR" sz="1400" dirty="0" smtClean="0"/>
-                  <a:t>    </a:t>
-                </a:r>
-                <a:r>
-                  <a:rPr lang="en-US" altLang="ko-KR" sz="1400" dirty="0" smtClean="0"/>
-                  <a:t>   </a:t>
+                  <a:t>       </a:t>
                 </a:r>
                 <a:r>
                   <a:rPr lang="ko-KR" altLang="en-US" sz="1400" dirty="0" err="1" smtClean="0"/>
@@ -16754,11 +17141,7 @@
                 </a:r>
                 <a:r>
                   <a:rPr lang="en-US" altLang="ko-KR" sz="1400" dirty="0" smtClean="0"/>
-                  <a:t>   </a:t>
-                </a:r>
-                <a:r>
-                  <a:rPr lang="en-US" altLang="ko-KR" sz="1400" dirty="0" smtClean="0"/>
-                  <a:t>          </a:t>
+                  <a:t>             </a:t>
                 </a:r>
                 <a:r>
                   <a:rPr lang="ko-KR" altLang="en-US" sz="1400" dirty="0" smtClean="0"/>
@@ -16921,7 +17304,7 @@
         </p:nvSpPr>
         <p:spPr>
           <a:xfrm>
-            <a:off x="2267744" y="393244"/>
+            <a:off x="2575571" y="369332"/>
             <a:ext cx="4680000" cy="2160000"/>
           </a:xfrm>
           <a:prstGeom prst="roundRect">
@@ -17536,11 +17919,7 @@
               </a:r>
               <a:r>
                 <a:rPr lang="en-US" altLang="ko-KR" sz="1400" dirty="0" smtClean="0"/>
-                <a:t>   a1001</a:t>
-              </a:r>
-              <a:r>
-                <a:rPr lang="en-US" altLang="ko-KR" sz="1400" dirty="0" smtClean="0"/>
-                <a:t>	   </a:t>
+                <a:t>   a1001	   </a:t>
               </a:r>
               <a:r>
                 <a:rPr lang="ko-KR" altLang="en-US" sz="1400" dirty="0" smtClean="0"/>
@@ -17566,15 +17945,7 @@
               </a:r>
               <a:r>
                 <a:rPr lang="en-US" altLang="ko-KR" sz="1400" dirty="0" smtClean="0"/>
-                <a:t>   </a:t>
-              </a:r>
-              <a:r>
-                <a:rPr lang="en-US" altLang="ko-KR" sz="1400" dirty="0" smtClean="0"/>
-                <a:t>a1002</a:t>
-              </a:r>
-              <a:r>
-                <a:rPr lang="en-US" altLang="ko-KR" sz="1400" dirty="0" smtClean="0"/>
-                <a:t>	   </a:t>
+                <a:t>   a1002	   </a:t>
               </a:r>
               <a:r>
                 <a:rPr lang="ko-KR" altLang="en-US" sz="1400" dirty="0" err="1" smtClean="0"/>

--- a/프레젠테이션1.pptx
+++ b/프레젠테이션1.pptx
@@ -6276,11 +6276,7 @@
           <a:p>
             <a:r>
               <a:rPr lang="ko-KR" altLang="en-US" dirty="0" smtClean="0"/>
-              <a:t>발주 코드 </a:t>
-            </a:r>
-            <a:r>
-              <a:rPr lang="ko-KR" altLang="en-US" dirty="0" smtClean="0"/>
-              <a:t>                            날짜                                  금액</a:t>
+              <a:t>발주 코드                             날짜                                  금액</a:t>
             </a:r>
             <a:endParaRPr lang="ko-KR" altLang="en-US" dirty="0"/>
           </a:p>
@@ -14309,188 +14305,253 @@
           </a:p>
         </p:txBody>
       </p:sp>
+      <p:sp>
+        <p:nvSpPr>
+          <p:cNvPr id="3" name="모서리가 둥근 직사각형 2"/>
+          <p:cNvSpPr/>
+          <p:nvPr/>
+        </p:nvSpPr>
+        <p:spPr>
+          <a:xfrm>
+            <a:off x="1763688" y="836712"/>
+            <a:ext cx="6688539" cy="4680519"/>
+          </a:xfrm>
+          <a:prstGeom prst="roundRect">
+            <a:avLst/>
+          </a:prstGeom>
+          <a:ln/>
+        </p:spPr>
+        <p:style>
+          <a:lnRef idx="2">
+            <a:schemeClr val="accent2"/>
+          </a:lnRef>
+          <a:fillRef idx="1">
+            <a:schemeClr val="lt1"/>
+          </a:fillRef>
+          <a:effectRef idx="0">
+            <a:schemeClr val="accent2"/>
+          </a:effectRef>
+          <a:fontRef idx="minor">
+            <a:schemeClr val="dk1"/>
+          </a:fontRef>
+        </p:style>
+        <p:txBody>
+          <a:bodyPr rtlCol="0" anchor="ctr"/>
+          <a:lstStyle/>
+          <a:p>
+            <a:pPr algn="ctr"/>
+            <a:endParaRPr lang="ko-KR" altLang="en-US" b="1" dirty="0">
+              <a:solidFill>
+                <a:schemeClr val="tx1"/>
+              </a:solidFill>
+            </a:endParaRPr>
+          </a:p>
+        </p:txBody>
+      </p:sp>
+      <p:sp>
+        <p:nvSpPr>
+          <p:cNvPr id="6" name="TextBox 5"/>
+          <p:cNvSpPr txBox="1"/>
+          <p:nvPr/>
+        </p:nvSpPr>
+        <p:spPr>
+          <a:xfrm>
+            <a:off x="2251984" y="1672859"/>
+            <a:ext cx="1631351" cy="2308324"/>
+          </a:xfrm>
+          <a:prstGeom prst="rect">
+            <a:avLst/>
+          </a:prstGeom>
+          <a:noFill/>
+        </p:spPr>
+        <p:txBody>
+          <a:bodyPr wrap="square" rtlCol="0">
+            <a:spAutoFit/>
+          </a:bodyPr>
+          <a:lstStyle/>
+          <a:p>
+            <a:pPr algn="r"/>
+            <a:r>
+              <a:rPr lang="ko-KR" altLang="en-US" smtClean="0"/>
+              <a:t>이름 </a:t>
+            </a:r>
+            <a:r>
+              <a:rPr lang="en-US" altLang="ko-KR" dirty="0" smtClean="0"/>
+              <a:t>:</a:t>
+            </a:r>
+          </a:p>
+          <a:p>
+            <a:pPr algn="r"/>
+            <a:endParaRPr lang="en-US" altLang="ko-KR" dirty="0" smtClean="0"/>
+          </a:p>
+          <a:p>
+            <a:pPr algn="r"/>
+            <a:r>
+              <a:rPr lang="ko-KR" altLang="en-US" dirty="0" smtClean="0"/>
+              <a:t>비밀번호 </a:t>
+            </a:r>
+            <a:r>
+              <a:rPr lang="en-US" altLang="ko-KR" dirty="0" smtClean="0"/>
+              <a:t>:</a:t>
+            </a:r>
+          </a:p>
+          <a:p>
+            <a:pPr algn="r"/>
+            <a:endParaRPr lang="en-US" altLang="ko-KR" dirty="0" smtClean="0"/>
+          </a:p>
+          <a:p>
+            <a:pPr algn="r"/>
+            <a:endParaRPr lang="en-US" altLang="ko-KR" dirty="0" smtClean="0"/>
+          </a:p>
+          <a:p>
+            <a:pPr algn="r"/>
+            <a:r>
+              <a:rPr lang="ko-KR" altLang="en-US" dirty="0" smtClean="0"/>
+              <a:t>사용자유형 </a:t>
+            </a:r>
+            <a:r>
+              <a:rPr lang="en-US" altLang="ko-KR" dirty="0" smtClean="0"/>
+              <a:t>:</a:t>
+            </a:r>
+          </a:p>
+          <a:p>
+            <a:pPr algn="r"/>
+            <a:endParaRPr lang="en-US" altLang="ko-KR" dirty="0"/>
+          </a:p>
+          <a:p>
+            <a:pPr algn="r"/>
+            <a:r>
+              <a:rPr lang="ko-KR" altLang="en-US" dirty="0" smtClean="0"/>
+              <a:t>지역 </a:t>
+            </a:r>
+            <a:r>
+              <a:rPr lang="en-US" altLang="ko-KR" dirty="0" smtClean="0"/>
+              <a:t>:</a:t>
+            </a:r>
+            <a:endParaRPr lang="ko-KR" altLang="en-US" dirty="0"/>
+          </a:p>
+        </p:txBody>
+      </p:sp>
+      <p:sp>
+        <p:nvSpPr>
+          <p:cNvPr id="9" name="직사각형 8"/>
+          <p:cNvSpPr/>
+          <p:nvPr/>
+        </p:nvSpPr>
+        <p:spPr>
+          <a:xfrm>
+            <a:off x="4373849" y="1556792"/>
+            <a:ext cx="3099567" cy="502647"/>
+          </a:xfrm>
+          <a:prstGeom prst="rect">
+            <a:avLst/>
+          </a:prstGeom>
+        </p:spPr>
+        <p:style>
+          <a:lnRef idx="2">
+            <a:schemeClr val="accent2">
+              <a:shade val="50000"/>
+            </a:schemeClr>
+          </a:lnRef>
+          <a:fillRef idx="1">
+            <a:schemeClr val="accent2"/>
+          </a:fillRef>
+          <a:effectRef idx="0">
+            <a:schemeClr val="accent2"/>
+          </a:effectRef>
+          <a:fontRef idx="minor">
+            <a:schemeClr val="lt1"/>
+          </a:fontRef>
+        </p:style>
+        <p:txBody>
+          <a:bodyPr rtlCol="0" anchor="ctr"/>
+          <a:lstStyle/>
+          <a:p>
+            <a:pPr algn="ctr"/>
+            <a:endParaRPr lang="ko-KR" altLang="en-US"/>
+          </a:p>
+        </p:txBody>
+      </p:sp>
+      <p:sp>
+        <p:nvSpPr>
+          <p:cNvPr id="10" name="직사각형 9"/>
+          <p:cNvSpPr/>
+          <p:nvPr/>
+        </p:nvSpPr>
+        <p:spPr>
+          <a:xfrm>
+            <a:off x="4373849" y="2204864"/>
+            <a:ext cx="3099567" cy="502647"/>
+          </a:xfrm>
+          <a:prstGeom prst="rect">
+            <a:avLst/>
+          </a:prstGeom>
+        </p:spPr>
+        <p:style>
+          <a:lnRef idx="2">
+            <a:schemeClr val="accent2">
+              <a:shade val="50000"/>
+            </a:schemeClr>
+          </a:lnRef>
+          <a:fillRef idx="1">
+            <a:schemeClr val="accent2"/>
+          </a:fillRef>
+          <a:effectRef idx="0">
+            <a:schemeClr val="accent2"/>
+          </a:effectRef>
+          <a:fontRef idx="minor">
+            <a:schemeClr val="lt1"/>
+          </a:fontRef>
+        </p:style>
+        <p:txBody>
+          <a:bodyPr rtlCol="0" anchor="ctr"/>
+          <a:lstStyle/>
+          <a:p>
+            <a:pPr algn="ctr"/>
+            <a:endParaRPr lang="ko-KR" altLang="en-US"/>
+          </a:p>
+        </p:txBody>
+      </p:sp>
       <p:grpSp>
         <p:nvGrpSpPr>
-          <p:cNvPr id="31" name="그룹 30"/>
+          <p:cNvPr id="29" name="그룹 28"/>
           <p:cNvGrpSpPr/>
           <p:nvPr/>
         </p:nvGrpSpPr>
         <p:grpSpPr>
           <a:xfrm>
-            <a:off x="1763688" y="836712"/>
-            <a:ext cx="6912768" cy="4680519"/>
-            <a:chOff x="2123728" y="1347211"/>
-            <a:chExt cx="6102606" cy="4022524"/>
+            <a:off x="3883335" y="3179217"/>
+            <a:ext cx="4793121" cy="537815"/>
+            <a:chOff x="4013030" y="3852257"/>
+            <a:chExt cx="4231377" cy="462208"/>
           </a:xfrm>
         </p:grpSpPr>
         <p:sp>
           <p:nvSpPr>
-            <p:cNvPr id="3" name="모서리가 둥근 직사각형 2"/>
+            <p:cNvPr id="15" name="순서도: 연결자 14"/>
             <p:cNvSpPr/>
             <p:nvPr/>
           </p:nvSpPr>
           <p:spPr>
             <a:xfrm>
-              <a:off x="2123728" y="1347211"/>
-              <a:ext cx="5904656" cy="4022524"/>
+              <a:off x="4608004" y="3852257"/>
+              <a:ext cx="144016" cy="144016"/>
             </a:xfrm>
-            <a:prstGeom prst="roundRect">
-              <a:avLst/>
-            </a:prstGeom>
-            <a:ln/>
-          </p:spPr>
-          <p:style>
-            <a:lnRef idx="2">
-              <a:schemeClr val="accent2"/>
-            </a:lnRef>
-            <a:fillRef idx="1">
-              <a:schemeClr val="lt1"/>
-            </a:fillRef>
-            <a:effectRef idx="0">
-              <a:schemeClr val="accent2"/>
-            </a:effectRef>
-            <a:fontRef idx="minor">
-              <a:schemeClr val="dk1"/>
-            </a:fontRef>
-          </p:style>
-          <p:txBody>
-            <a:bodyPr rtlCol="0" anchor="ctr"/>
-            <a:lstStyle/>
-            <a:p>
-              <a:pPr algn="ctr"/>
-              <a:endParaRPr lang="ko-KR" altLang="en-US" b="1" dirty="0">
-                <a:solidFill>
-                  <a:schemeClr val="tx1"/>
-                </a:solidFill>
-              </a:endParaRPr>
-            </a:p>
-          </p:txBody>
-        </p:sp>
-        <p:sp>
-          <p:nvSpPr>
-            <p:cNvPr id="6" name="TextBox 5"/>
-            <p:cNvSpPr txBox="1"/>
-            <p:nvPr/>
-          </p:nvSpPr>
-          <p:spPr>
-            <a:xfrm>
-              <a:off x="2554797" y="2065811"/>
-              <a:ext cx="1440160" cy="2862322"/>
-            </a:xfrm>
-            <a:prstGeom prst="rect">
-              <a:avLst/>
-            </a:prstGeom>
-            <a:noFill/>
-          </p:spPr>
-          <p:txBody>
-            <a:bodyPr wrap="square" rtlCol="0">
-              <a:spAutoFit/>
-            </a:bodyPr>
-            <a:lstStyle/>
-            <a:p>
-              <a:pPr algn="r"/>
-              <a:r>
-                <a:rPr lang="ko-KR" altLang="en-US" dirty="0" smtClean="0"/>
-                <a:t>아이디 </a:t>
-              </a:r>
-              <a:r>
-                <a:rPr lang="en-US" altLang="ko-KR" dirty="0" smtClean="0"/>
-                <a:t>:</a:t>
-              </a:r>
-            </a:p>
-            <a:p>
-              <a:pPr algn="r"/>
-              <a:endParaRPr lang="en-US" altLang="ko-KR" dirty="0" smtClean="0"/>
-            </a:p>
-            <a:p>
-              <a:pPr algn="r"/>
-              <a:r>
-                <a:rPr lang="ko-KR" altLang="en-US" dirty="0" smtClean="0"/>
-                <a:t>이름 </a:t>
-              </a:r>
-              <a:r>
-                <a:rPr lang="en-US" altLang="ko-KR" dirty="0" smtClean="0"/>
-                <a:t>:</a:t>
-              </a:r>
-            </a:p>
-            <a:p>
-              <a:pPr algn="r"/>
-              <a:endParaRPr lang="en-US" altLang="ko-KR" dirty="0" smtClean="0"/>
-            </a:p>
-            <a:p>
-              <a:pPr algn="r"/>
-              <a:r>
-                <a:rPr lang="ko-KR" altLang="en-US" dirty="0" smtClean="0"/>
-                <a:t>비밀번호 </a:t>
-              </a:r>
-              <a:r>
-                <a:rPr lang="en-US" altLang="ko-KR" dirty="0" smtClean="0"/>
-                <a:t>:</a:t>
-              </a:r>
-            </a:p>
-            <a:p>
-              <a:pPr algn="r"/>
-              <a:endParaRPr lang="en-US" altLang="ko-KR" dirty="0" smtClean="0"/>
-            </a:p>
-            <a:p>
-              <a:pPr algn="r"/>
-              <a:endParaRPr lang="en-US" altLang="ko-KR" dirty="0" smtClean="0"/>
-            </a:p>
-            <a:p>
-              <a:pPr algn="r"/>
-              <a:r>
-                <a:rPr lang="ko-KR" altLang="en-US" dirty="0" smtClean="0"/>
-                <a:t>사용자유형 </a:t>
-              </a:r>
-              <a:r>
-                <a:rPr lang="en-US" altLang="ko-KR" dirty="0" smtClean="0"/>
-                <a:t>:</a:t>
-              </a:r>
-            </a:p>
-            <a:p>
-              <a:pPr algn="r"/>
-              <a:endParaRPr lang="en-US" altLang="ko-KR" dirty="0"/>
-            </a:p>
-            <a:p>
-              <a:pPr algn="r"/>
-              <a:r>
-                <a:rPr lang="ko-KR" altLang="en-US" dirty="0" smtClean="0"/>
-                <a:t>지역 </a:t>
-              </a:r>
-              <a:r>
-                <a:rPr lang="en-US" altLang="ko-KR" dirty="0" smtClean="0"/>
-                <a:t>:</a:t>
-              </a:r>
-              <a:endParaRPr lang="ko-KR" altLang="en-US" dirty="0"/>
-            </a:p>
-          </p:txBody>
-        </p:sp>
-        <p:sp>
-          <p:nvSpPr>
-            <p:cNvPr id="9" name="직사각형 8"/>
-            <p:cNvSpPr/>
-            <p:nvPr/>
-          </p:nvSpPr>
-          <p:spPr>
-            <a:xfrm>
-              <a:off x="4427984" y="2060976"/>
-              <a:ext cx="2736304" cy="431984"/>
-            </a:xfrm>
-            <a:prstGeom prst="rect">
+            <a:prstGeom prst="flowChartConnector">
               <a:avLst/>
             </a:prstGeom>
           </p:spPr>
           <p:style>
             <a:lnRef idx="2">
-              <a:schemeClr val="accent2">
+              <a:schemeClr val="accent1">
                 <a:shade val="50000"/>
               </a:schemeClr>
             </a:lnRef>
             <a:fillRef idx="1">
-              <a:schemeClr val="accent2"/>
+              <a:schemeClr val="accent1"/>
             </a:fillRef>
             <a:effectRef idx="0">
-              <a:schemeClr val="accent2"/>
+              <a:schemeClr val="accent1"/>
             </a:effectRef>
             <a:fontRef idx="minor">
               <a:schemeClr val="lt1"/>
@@ -14507,30 +14568,30 @@
         </p:sp>
         <p:sp>
           <p:nvSpPr>
-            <p:cNvPr id="10" name="직사각형 9"/>
+            <p:cNvPr id="16" name="순서도: 연결자 15"/>
             <p:cNvSpPr/>
             <p:nvPr/>
           </p:nvSpPr>
           <p:spPr>
             <a:xfrm>
-              <a:off x="4427984" y="2564904"/>
-              <a:ext cx="2736304" cy="431984"/>
+              <a:off x="5813231" y="3852257"/>
+              <a:ext cx="144016" cy="144016"/>
             </a:xfrm>
-            <a:prstGeom prst="rect">
+            <a:prstGeom prst="flowChartConnector">
               <a:avLst/>
             </a:prstGeom>
           </p:spPr>
           <p:style>
             <a:lnRef idx="2">
-              <a:schemeClr val="accent2">
+              <a:schemeClr val="accent1">
                 <a:shade val="50000"/>
               </a:schemeClr>
             </a:lnRef>
             <a:fillRef idx="1">
-              <a:schemeClr val="accent2"/>
+              <a:schemeClr val="accent1"/>
             </a:fillRef>
             <a:effectRef idx="0">
-              <a:schemeClr val="accent2"/>
+              <a:schemeClr val="accent1"/>
             </a:effectRef>
             <a:fontRef idx="minor">
               <a:schemeClr val="lt1"/>
@@ -14547,30 +14608,30 @@
         </p:sp>
         <p:sp>
           <p:nvSpPr>
-            <p:cNvPr id="11" name="직사각형 10"/>
+            <p:cNvPr id="17" name="순서도: 연결자 16"/>
             <p:cNvSpPr/>
             <p:nvPr/>
           </p:nvSpPr>
           <p:spPr>
             <a:xfrm>
-              <a:off x="4427984" y="3142481"/>
-              <a:ext cx="2736304" cy="431984"/>
+              <a:off x="7018458" y="3852257"/>
+              <a:ext cx="144016" cy="144016"/>
             </a:xfrm>
-            <a:prstGeom prst="rect">
+            <a:prstGeom prst="flowChartConnector">
               <a:avLst/>
             </a:prstGeom>
           </p:spPr>
           <p:style>
             <a:lnRef idx="2">
-              <a:schemeClr val="accent2">
+              <a:schemeClr val="accent1">
                 <a:shade val="50000"/>
               </a:schemeClr>
             </a:lnRef>
             <a:fillRef idx="1">
-              <a:schemeClr val="accent2"/>
+              <a:schemeClr val="accent1"/>
             </a:fillRef>
             <a:effectRef idx="0">
-              <a:schemeClr val="accent2"/>
+              <a:schemeClr val="accent1"/>
             </a:effectRef>
             <a:fontRef idx="minor">
               <a:schemeClr val="lt1"/>
@@ -14585,434 +14646,299 @@
             </a:p>
           </p:txBody>
         </p:sp>
-        <p:grpSp>
-          <p:nvGrpSpPr>
-            <p:cNvPr id="29" name="그룹 28"/>
-            <p:cNvGrpSpPr/>
+        <p:sp>
+          <p:nvSpPr>
+            <p:cNvPr id="23" name="TextBox 22"/>
+            <p:cNvSpPr txBox="1"/>
             <p:nvPr/>
-          </p:nvGrpSpPr>
-          <p:grpSpPr>
+          </p:nvSpPr>
+          <p:spPr>
             <a:xfrm>
-              <a:off x="3994957" y="3999330"/>
-              <a:ext cx="4231377" cy="462208"/>
-              <a:chOff x="4013030" y="3852257"/>
-              <a:chExt cx="4231377" cy="462208"/>
+              <a:off x="4013030" y="4023505"/>
+              <a:ext cx="4231377" cy="290960"/>
             </a:xfrm>
-          </p:grpSpPr>
-          <p:sp>
-            <p:nvSpPr>
-              <p:cNvPr id="15" name="순서도: 연결자 14"/>
-              <p:cNvSpPr/>
-              <p:nvPr/>
-            </p:nvSpPr>
-            <p:spPr>
-              <a:xfrm>
-                <a:off x="4608004" y="3852257"/>
-                <a:ext cx="144016" cy="144016"/>
-              </a:xfrm>
-              <a:prstGeom prst="flowChartConnector">
-                <a:avLst/>
-              </a:prstGeom>
-            </p:spPr>
-            <p:style>
-              <a:lnRef idx="2">
-                <a:schemeClr val="accent1">
-                  <a:shade val="50000"/>
-                </a:schemeClr>
-              </a:lnRef>
-              <a:fillRef idx="1">
-                <a:schemeClr val="accent1"/>
-              </a:fillRef>
-              <a:effectRef idx="0">
-                <a:schemeClr val="accent1"/>
-              </a:effectRef>
-              <a:fontRef idx="minor">
-                <a:schemeClr val="lt1"/>
-              </a:fontRef>
-            </p:style>
-            <p:txBody>
-              <a:bodyPr rtlCol="0" anchor="ctr"/>
-              <a:lstStyle/>
-              <a:p>
-                <a:pPr algn="ctr"/>
-                <a:endParaRPr lang="ko-KR" altLang="en-US"/>
-              </a:p>
-            </p:txBody>
-          </p:sp>
-          <p:sp>
-            <p:nvSpPr>
-              <p:cNvPr id="16" name="순서도: 연결자 15"/>
-              <p:cNvSpPr/>
-              <p:nvPr/>
-            </p:nvSpPr>
-            <p:spPr>
-              <a:xfrm>
-                <a:off x="5813231" y="3852257"/>
-                <a:ext cx="144016" cy="144016"/>
-              </a:xfrm>
-              <a:prstGeom prst="flowChartConnector">
-                <a:avLst/>
-              </a:prstGeom>
-            </p:spPr>
-            <p:style>
-              <a:lnRef idx="2">
-                <a:schemeClr val="accent1">
-                  <a:shade val="50000"/>
-                </a:schemeClr>
-              </a:lnRef>
-              <a:fillRef idx="1">
-                <a:schemeClr val="accent1"/>
-              </a:fillRef>
-              <a:effectRef idx="0">
-                <a:schemeClr val="accent1"/>
-              </a:effectRef>
-              <a:fontRef idx="minor">
-                <a:schemeClr val="lt1"/>
-              </a:fontRef>
-            </p:style>
-            <p:txBody>
-              <a:bodyPr rtlCol="0" anchor="ctr"/>
-              <a:lstStyle/>
-              <a:p>
-                <a:pPr algn="ctr"/>
-                <a:endParaRPr lang="ko-KR" altLang="en-US"/>
-              </a:p>
-            </p:txBody>
-          </p:sp>
-          <p:sp>
-            <p:nvSpPr>
-              <p:cNvPr id="17" name="순서도: 연결자 16"/>
-              <p:cNvSpPr/>
-              <p:nvPr/>
-            </p:nvSpPr>
-            <p:spPr>
-              <a:xfrm>
-                <a:off x="7018458" y="3852257"/>
-                <a:ext cx="144016" cy="144016"/>
-              </a:xfrm>
-              <a:prstGeom prst="flowChartConnector">
-                <a:avLst/>
-              </a:prstGeom>
-            </p:spPr>
-            <p:style>
-              <a:lnRef idx="2">
-                <a:schemeClr val="accent1">
-                  <a:shade val="50000"/>
-                </a:schemeClr>
-              </a:lnRef>
-              <a:fillRef idx="1">
-                <a:schemeClr val="accent1"/>
-              </a:fillRef>
-              <a:effectRef idx="0">
-                <a:schemeClr val="accent1"/>
-              </a:effectRef>
-              <a:fontRef idx="minor">
-                <a:schemeClr val="lt1"/>
-              </a:fontRef>
-            </p:style>
-            <p:txBody>
-              <a:bodyPr rtlCol="0" anchor="ctr"/>
-              <a:lstStyle/>
-              <a:p>
-                <a:pPr algn="ctr"/>
-                <a:endParaRPr lang="ko-KR" altLang="en-US"/>
-              </a:p>
-            </p:txBody>
-          </p:sp>
-          <p:sp>
-            <p:nvSpPr>
-              <p:cNvPr id="23" name="TextBox 22"/>
-              <p:cNvSpPr txBox="1"/>
-              <p:nvPr/>
-            </p:nvSpPr>
-            <p:spPr>
-              <a:xfrm>
-                <a:off x="4013030" y="4023505"/>
-                <a:ext cx="4231377" cy="290960"/>
-              </a:xfrm>
-              <a:prstGeom prst="rect">
-                <a:avLst/>
-              </a:prstGeom>
-              <a:noFill/>
-            </p:spPr>
-            <p:txBody>
-              <a:bodyPr wrap="square" rtlCol="0">
-                <a:spAutoFit/>
-              </a:bodyPr>
-              <a:lstStyle/>
-              <a:p>
-                <a:r>
-                  <a:rPr lang="ko-KR" altLang="en-US" sz="1600" dirty="0" smtClean="0"/>
-                  <a:t> 쇼핑몰운영자     </a:t>
-                </a:r>
-                <a:r>
-                  <a:rPr lang="en-US" altLang="ko-KR" sz="1600" dirty="0" smtClean="0"/>
-                  <a:t> </a:t>
-                </a:r>
-                <a:r>
-                  <a:rPr lang="ko-KR" altLang="en-US" sz="1600" dirty="0" smtClean="0"/>
-                  <a:t>운송업체      구입처운영자</a:t>
-                </a:r>
-                <a:endParaRPr lang="ko-KR" altLang="en-US" sz="1600" dirty="0"/>
-              </a:p>
-            </p:txBody>
-          </p:sp>
-        </p:grpSp>
-        <p:grpSp>
-          <p:nvGrpSpPr>
-            <p:cNvPr id="26" name="그룹 25"/>
-            <p:cNvGrpSpPr/>
+            <a:prstGeom prst="rect">
+              <a:avLst/>
+            </a:prstGeom>
+            <a:noFill/>
+          </p:spPr>
+          <p:txBody>
+            <a:bodyPr wrap="square" rtlCol="0">
+              <a:spAutoFit/>
+            </a:bodyPr>
+            <a:lstStyle/>
+            <a:p>
+              <a:r>
+                <a:rPr lang="ko-KR" altLang="en-US" sz="1600" dirty="0" smtClean="0"/>
+                <a:t> 쇼핑몰운영자     </a:t>
+              </a:r>
+              <a:r>
+                <a:rPr lang="en-US" altLang="ko-KR" sz="1600" dirty="0" smtClean="0"/>
+                <a:t> </a:t>
+              </a:r>
+              <a:r>
+                <a:rPr lang="ko-KR" altLang="en-US" sz="1600" dirty="0" smtClean="0"/>
+                <a:t>운송업체      구입처운영자</a:t>
+              </a:r>
+              <a:endParaRPr lang="ko-KR" altLang="en-US" sz="1600" dirty="0"/>
+            </a:p>
+          </p:txBody>
+        </p:sp>
+      </p:grpSp>
+      <p:grpSp>
+        <p:nvGrpSpPr>
+          <p:cNvPr id="26" name="그룹 25"/>
+          <p:cNvGrpSpPr/>
+          <p:nvPr/>
+        </p:nvGrpSpPr>
+        <p:grpSpPr>
+          <a:xfrm>
+            <a:off x="4174212" y="3756190"/>
+            <a:ext cx="4385284" cy="536906"/>
+            <a:chOff x="4340952" y="4694102"/>
+            <a:chExt cx="3871338" cy="461427"/>
+          </a:xfrm>
+        </p:grpSpPr>
+        <p:sp>
+          <p:nvSpPr>
+            <p:cNvPr id="14" name="순서도: 연결자 13"/>
+            <p:cNvSpPr/>
             <p:nvPr/>
-          </p:nvGrpSpPr>
-          <p:grpSpPr>
+          </p:nvSpPr>
+          <p:spPr>
             <a:xfrm>
-              <a:off x="4251744" y="4558801"/>
-              <a:ext cx="3871338" cy="461427"/>
-              <a:chOff x="4340952" y="4694102"/>
-              <a:chExt cx="3871338" cy="461427"/>
+              <a:off x="4550900" y="4694102"/>
+              <a:ext cx="144016" cy="144016"/>
             </a:xfrm>
-          </p:grpSpPr>
-          <p:sp>
-            <p:nvSpPr>
-              <p:cNvPr id="14" name="순서도: 연결자 13"/>
-              <p:cNvSpPr/>
-              <p:nvPr/>
-            </p:nvSpPr>
-            <p:spPr>
-              <a:xfrm>
-                <a:off x="4550900" y="4694102"/>
-                <a:ext cx="144016" cy="144016"/>
-              </a:xfrm>
-              <a:prstGeom prst="flowChartConnector">
-                <a:avLst/>
-              </a:prstGeom>
-            </p:spPr>
-            <p:style>
-              <a:lnRef idx="2">
-                <a:schemeClr val="accent1">
-                  <a:shade val="50000"/>
-                </a:schemeClr>
-              </a:lnRef>
-              <a:fillRef idx="1">
-                <a:schemeClr val="accent1"/>
-              </a:fillRef>
-              <a:effectRef idx="0">
-                <a:schemeClr val="accent1"/>
-              </a:effectRef>
-              <a:fontRef idx="minor">
-                <a:schemeClr val="lt1"/>
-              </a:fontRef>
-            </p:style>
-            <p:txBody>
-              <a:bodyPr rtlCol="0" anchor="ctr"/>
-              <a:lstStyle/>
-              <a:p>
-                <a:pPr algn="ctr"/>
-                <a:endParaRPr lang="ko-KR" altLang="en-US"/>
-              </a:p>
-            </p:txBody>
-          </p:sp>
-          <p:sp>
-            <p:nvSpPr>
-              <p:cNvPr id="20" name="순서도: 연결자 19"/>
-              <p:cNvSpPr/>
-              <p:nvPr/>
-            </p:nvSpPr>
-            <p:spPr>
-              <a:xfrm>
-                <a:off x="7164288" y="4694102"/>
-                <a:ext cx="144016" cy="144016"/>
-              </a:xfrm>
-              <a:prstGeom prst="flowChartConnector">
-                <a:avLst/>
-              </a:prstGeom>
-            </p:spPr>
-            <p:style>
-              <a:lnRef idx="2">
-                <a:schemeClr val="accent1">
-                  <a:shade val="50000"/>
-                </a:schemeClr>
-              </a:lnRef>
-              <a:fillRef idx="1">
-                <a:schemeClr val="accent1"/>
-              </a:fillRef>
-              <a:effectRef idx="0">
-                <a:schemeClr val="accent1"/>
-              </a:effectRef>
-              <a:fontRef idx="minor">
-                <a:schemeClr val="lt1"/>
-              </a:fontRef>
-            </p:style>
-            <p:txBody>
-              <a:bodyPr rtlCol="0" anchor="ctr"/>
-              <a:lstStyle/>
-              <a:p>
-                <a:pPr algn="ctr"/>
-                <a:endParaRPr lang="ko-KR" altLang="en-US"/>
-              </a:p>
-            </p:txBody>
-          </p:sp>
-          <p:sp>
-            <p:nvSpPr>
-              <p:cNvPr id="21" name="순서도: 연결자 20"/>
-              <p:cNvSpPr/>
-              <p:nvPr/>
-            </p:nvSpPr>
-            <p:spPr>
-              <a:xfrm>
-                <a:off x="6293158" y="4694102"/>
-                <a:ext cx="144016" cy="144016"/>
-              </a:xfrm>
-              <a:prstGeom prst="flowChartConnector">
-                <a:avLst/>
-              </a:prstGeom>
-            </p:spPr>
-            <p:style>
-              <a:lnRef idx="2">
-                <a:schemeClr val="accent1">
-                  <a:shade val="50000"/>
-                </a:schemeClr>
-              </a:lnRef>
-              <a:fillRef idx="1">
-                <a:schemeClr val="accent1"/>
-              </a:fillRef>
-              <a:effectRef idx="0">
-                <a:schemeClr val="accent1"/>
-              </a:effectRef>
-              <a:fontRef idx="minor">
-                <a:schemeClr val="lt1"/>
-              </a:fontRef>
-            </p:style>
-            <p:txBody>
-              <a:bodyPr rtlCol="0" anchor="ctr"/>
-              <a:lstStyle/>
-              <a:p>
-                <a:pPr algn="ctr"/>
-                <a:endParaRPr lang="ko-KR" altLang="en-US"/>
-              </a:p>
-            </p:txBody>
-          </p:sp>
-          <p:sp>
-            <p:nvSpPr>
-              <p:cNvPr id="22" name="순서도: 연결자 21"/>
-              <p:cNvSpPr/>
-              <p:nvPr/>
-            </p:nvSpPr>
-            <p:spPr>
-              <a:xfrm>
-                <a:off x="5422029" y="4694102"/>
-                <a:ext cx="144016" cy="144016"/>
-              </a:xfrm>
-              <a:prstGeom prst="flowChartConnector">
-                <a:avLst/>
-              </a:prstGeom>
-            </p:spPr>
-            <p:style>
-              <a:lnRef idx="2">
-                <a:schemeClr val="accent1">
-                  <a:shade val="50000"/>
-                </a:schemeClr>
-              </a:lnRef>
-              <a:fillRef idx="1">
-                <a:schemeClr val="accent1"/>
-              </a:fillRef>
-              <a:effectRef idx="0">
-                <a:schemeClr val="accent1"/>
-              </a:effectRef>
-              <a:fontRef idx="minor">
-                <a:schemeClr val="lt1"/>
-              </a:fontRef>
-            </p:style>
-            <p:txBody>
-              <a:bodyPr rtlCol="0" anchor="ctr"/>
-              <a:lstStyle/>
-              <a:p>
-                <a:pPr algn="ctr"/>
-                <a:endParaRPr lang="ko-KR" altLang="en-US"/>
-              </a:p>
-            </p:txBody>
-          </p:sp>
-          <p:sp>
-            <p:nvSpPr>
-              <p:cNvPr id="25" name="TextBox 24"/>
-              <p:cNvSpPr txBox="1"/>
-              <p:nvPr/>
-            </p:nvSpPr>
-            <p:spPr>
-              <a:xfrm>
-                <a:off x="4340952" y="4838118"/>
-                <a:ext cx="3871338" cy="317411"/>
-              </a:xfrm>
-              <a:prstGeom prst="rect">
-                <a:avLst/>
-              </a:prstGeom>
-              <a:noFill/>
-            </p:spPr>
-            <p:txBody>
-              <a:bodyPr wrap="square" rtlCol="0">
-                <a:spAutoFit/>
-              </a:bodyPr>
-              <a:lstStyle/>
-              <a:p>
-                <a:r>
-                  <a:rPr lang="ko-KR" altLang="en-US" dirty="0" smtClean="0">
-                    <a:latin typeface="+mn-ea"/>
-                  </a:rPr>
-                  <a:t>경기</a:t>
-                </a:r>
-                <a:r>
-                  <a:rPr lang="en-US" altLang="ko-KR" dirty="0" smtClean="0">
-                    <a:latin typeface="+mn-ea"/>
-                  </a:rPr>
-                  <a:t>       </a:t>
-                </a:r>
-                <a:r>
-                  <a:rPr lang="ko-KR" altLang="en-US" dirty="0" smtClean="0">
-                    <a:latin typeface="+mn-ea"/>
-                  </a:rPr>
-                  <a:t>중부</a:t>
-                </a:r>
-                <a:r>
-                  <a:rPr lang="en-US" altLang="ko-KR" dirty="0">
-                    <a:latin typeface="+mn-ea"/>
-                  </a:rPr>
-                  <a:t> </a:t>
-                </a:r>
-                <a:r>
-                  <a:rPr lang="en-US" altLang="ko-KR" dirty="0" smtClean="0">
-                    <a:latin typeface="+mn-ea"/>
-                  </a:rPr>
-                  <a:t>      </a:t>
-                </a:r>
-                <a:r>
-                  <a:rPr lang="ko-KR" altLang="en-US" dirty="0" smtClean="0">
-                    <a:latin typeface="+mn-ea"/>
-                  </a:rPr>
-                  <a:t>영남</a:t>
-                </a:r>
-                <a:r>
-                  <a:rPr lang="en-US" altLang="ko-KR" dirty="0">
-                    <a:latin typeface="+mn-ea"/>
-                  </a:rPr>
-                  <a:t> </a:t>
-                </a:r>
-                <a:r>
-                  <a:rPr lang="en-US" altLang="ko-KR" dirty="0" smtClean="0">
-                    <a:latin typeface="+mn-ea"/>
-                  </a:rPr>
-                  <a:t>     </a:t>
-                </a:r>
-                <a:r>
-                  <a:rPr lang="ko-KR" altLang="en-US" dirty="0" smtClean="0">
-                    <a:latin typeface="+mn-ea"/>
-                  </a:rPr>
-                  <a:t>서부</a:t>
-                </a:r>
-                <a:endParaRPr lang="ko-KR" altLang="en-US" dirty="0"/>
-              </a:p>
-            </p:txBody>
-          </p:sp>
-        </p:grpSp>
+            <a:prstGeom prst="flowChartConnector">
+              <a:avLst/>
+            </a:prstGeom>
+          </p:spPr>
+          <p:style>
+            <a:lnRef idx="2">
+              <a:schemeClr val="accent1">
+                <a:shade val="50000"/>
+              </a:schemeClr>
+            </a:lnRef>
+            <a:fillRef idx="1">
+              <a:schemeClr val="accent1"/>
+            </a:fillRef>
+            <a:effectRef idx="0">
+              <a:schemeClr val="accent1"/>
+            </a:effectRef>
+            <a:fontRef idx="minor">
+              <a:schemeClr val="lt1"/>
+            </a:fontRef>
+          </p:style>
+          <p:txBody>
+            <a:bodyPr rtlCol="0" anchor="ctr"/>
+            <a:lstStyle/>
+            <a:p>
+              <a:pPr algn="ctr"/>
+              <a:endParaRPr lang="ko-KR" altLang="en-US"/>
+            </a:p>
+          </p:txBody>
+        </p:sp>
+        <p:sp>
+          <p:nvSpPr>
+            <p:cNvPr id="20" name="순서도: 연결자 19"/>
+            <p:cNvSpPr/>
+            <p:nvPr/>
+          </p:nvSpPr>
+          <p:spPr>
+            <a:xfrm>
+              <a:off x="7164288" y="4694102"/>
+              <a:ext cx="144016" cy="144016"/>
+            </a:xfrm>
+            <a:prstGeom prst="flowChartConnector">
+              <a:avLst/>
+            </a:prstGeom>
+          </p:spPr>
+          <p:style>
+            <a:lnRef idx="2">
+              <a:schemeClr val="accent1">
+                <a:shade val="50000"/>
+              </a:schemeClr>
+            </a:lnRef>
+            <a:fillRef idx="1">
+              <a:schemeClr val="accent1"/>
+            </a:fillRef>
+            <a:effectRef idx="0">
+              <a:schemeClr val="accent1"/>
+            </a:effectRef>
+            <a:fontRef idx="minor">
+              <a:schemeClr val="lt1"/>
+            </a:fontRef>
+          </p:style>
+          <p:txBody>
+            <a:bodyPr rtlCol="0" anchor="ctr"/>
+            <a:lstStyle/>
+            <a:p>
+              <a:pPr algn="ctr"/>
+              <a:endParaRPr lang="ko-KR" altLang="en-US"/>
+            </a:p>
+          </p:txBody>
+        </p:sp>
+        <p:sp>
+          <p:nvSpPr>
+            <p:cNvPr id="21" name="순서도: 연결자 20"/>
+            <p:cNvSpPr/>
+            <p:nvPr/>
+          </p:nvSpPr>
+          <p:spPr>
+            <a:xfrm>
+              <a:off x="6293158" y="4694102"/>
+              <a:ext cx="144016" cy="144016"/>
+            </a:xfrm>
+            <a:prstGeom prst="flowChartConnector">
+              <a:avLst/>
+            </a:prstGeom>
+          </p:spPr>
+          <p:style>
+            <a:lnRef idx="2">
+              <a:schemeClr val="accent1">
+                <a:shade val="50000"/>
+              </a:schemeClr>
+            </a:lnRef>
+            <a:fillRef idx="1">
+              <a:schemeClr val="accent1"/>
+            </a:fillRef>
+            <a:effectRef idx="0">
+              <a:schemeClr val="accent1"/>
+            </a:effectRef>
+            <a:fontRef idx="minor">
+              <a:schemeClr val="lt1"/>
+            </a:fontRef>
+          </p:style>
+          <p:txBody>
+            <a:bodyPr rtlCol="0" anchor="ctr"/>
+            <a:lstStyle/>
+            <a:p>
+              <a:pPr algn="ctr"/>
+              <a:endParaRPr lang="ko-KR" altLang="en-US"/>
+            </a:p>
+          </p:txBody>
+        </p:sp>
+        <p:sp>
+          <p:nvSpPr>
+            <p:cNvPr id="22" name="순서도: 연결자 21"/>
+            <p:cNvSpPr/>
+            <p:nvPr/>
+          </p:nvSpPr>
+          <p:spPr>
+            <a:xfrm>
+              <a:off x="5422029" y="4694102"/>
+              <a:ext cx="144016" cy="144016"/>
+            </a:xfrm>
+            <a:prstGeom prst="flowChartConnector">
+              <a:avLst/>
+            </a:prstGeom>
+          </p:spPr>
+          <p:style>
+            <a:lnRef idx="2">
+              <a:schemeClr val="accent1">
+                <a:shade val="50000"/>
+              </a:schemeClr>
+            </a:lnRef>
+            <a:fillRef idx="1">
+              <a:schemeClr val="accent1"/>
+            </a:fillRef>
+            <a:effectRef idx="0">
+              <a:schemeClr val="accent1"/>
+            </a:effectRef>
+            <a:fontRef idx="minor">
+              <a:schemeClr val="lt1"/>
+            </a:fontRef>
+          </p:style>
+          <p:txBody>
+            <a:bodyPr rtlCol="0" anchor="ctr"/>
+            <a:lstStyle/>
+            <a:p>
+              <a:pPr algn="ctr"/>
+              <a:endParaRPr lang="ko-KR" altLang="en-US"/>
+            </a:p>
+          </p:txBody>
+        </p:sp>
+        <p:sp>
+          <p:nvSpPr>
+            <p:cNvPr id="25" name="TextBox 24"/>
+            <p:cNvSpPr txBox="1"/>
+            <p:nvPr/>
+          </p:nvSpPr>
+          <p:spPr>
+            <a:xfrm>
+              <a:off x="4340952" y="4838118"/>
+              <a:ext cx="3871338" cy="317411"/>
+            </a:xfrm>
+            <a:prstGeom prst="rect">
+              <a:avLst/>
+            </a:prstGeom>
+            <a:noFill/>
+          </p:spPr>
+          <p:txBody>
+            <a:bodyPr wrap="square" rtlCol="0">
+              <a:spAutoFit/>
+            </a:bodyPr>
+            <a:lstStyle/>
+            <a:p>
+              <a:r>
+                <a:rPr lang="ko-KR" altLang="en-US" dirty="0" smtClean="0">
+                  <a:latin typeface="+mn-ea"/>
+                </a:rPr>
+                <a:t>경기</a:t>
+              </a:r>
+              <a:r>
+                <a:rPr lang="en-US" altLang="ko-KR" dirty="0" smtClean="0">
+                  <a:latin typeface="+mn-ea"/>
+                </a:rPr>
+                <a:t>       </a:t>
+              </a:r>
+              <a:r>
+                <a:rPr lang="ko-KR" altLang="en-US" dirty="0" smtClean="0">
+                  <a:latin typeface="+mn-ea"/>
+                </a:rPr>
+                <a:t>중부</a:t>
+              </a:r>
+              <a:r>
+                <a:rPr lang="en-US" altLang="ko-KR" dirty="0">
+                  <a:latin typeface="+mn-ea"/>
+                </a:rPr>
+                <a:t> </a:t>
+              </a:r>
+              <a:r>
+                <a:rPr lang="en-US" altLang="ko-KR" dirty="0" smtClean="0">
+                  <a:latin typeface="+mn-ea"/>
+                </a:rPr>
+                <a:t>      </a:t>
+              </a:r>
+              <a:r>
+                <a:rPr lang="ko-KR" altLang="en-US" dirty="0" smtClean="0">
+                  <a:latin typeface="+mn-ea"/>
+                </a:rPr>
+                <a:t>영남</a:t>
+              </a:r>
+              <a:r>
+                <a:rPr lang="en-US" altLang="ko-KR" dirty="0">
+                  <a:latin typeface="+mn-ea"/>
+                </a:rPr>
+                <a:t> </a:t>
+              </a:r>
+              <a:r>
+                <a:rPr lang="en-US" altLang="ko-KR" dirty="0" smtClean="0">
+                  <a:latin typeface="+mn-ea"/>
+                </a:rPr>
+                <a:t>     </a:t>
+              </a:r>
+              <a:r>
+                <a:rPr lang="ko-KR" altLang="en-US" dirty="0" smtClean="0">
+                  <a:latin typeface="+mn-ea"/>
+                </a:rPr>
+                <a:t>서부</a:t>
+              </a:r>
+              <a:endParaRPr lang="ko-KR" altLang="en-US" dirty="0"/>
+            </a:p>
+          </p:txBody>
+        </p:sp>
       </p:grpSp>
       <p:sp>
         <p:nvSpPr>

--- a/프레젠테이션1.pptx
+++ b/프레젠테이션1.pptx
@@ -6276,11 +6276,7 @@
           <a:p>
             <a:r>
               <a:rPr lang="ko-KR" altLang="en-US" dirty="0" smtClean="0"/>
-              <a:t>발주 코드 </a:t>
-            </a:r>
-            <a:r>
-              <a:rPr lang="ko-KR" altLang="en-US" dirty="0" smtClean="0"/>
-              <a:t>                            날짜                                  금액</a:t>
+              <a:t>발주 코드                             날짜                                  금액</a:t>
             </a:r>
             <a:endParaRPr lang="ko-KR" altLang="en-US" dirty="0"/>
           </a:p>

--- a/프레젠테이션1.pptx
+++ b/프레젠테이션1.pptx
@@ -13,12 +13,12 @@
     <p:sldId id="269" r:id="rId4"/>
     <p:sldId id="264" r:id="rId5"/>
     <p:sldId id="267" r:id="rId6"/>
-    <p:sldId id="258" r:id="rId7"/>
-    <p:sldId id="265" r:id="rId8"/>
-    <p:sldId id="259" r:id="rId9"/>
-    <p:sldId id="268" r:id="rId10"/>
-    <p:sldId id="261" r:id="rId11"/>
-    <p:sldId id="266" r:id="rId12"/>
+    <p:sldId id="265" r:id="rId7"/>
+    <p:sldId id="258" r:id="rId8"/>
+    <p:sldId id="268" r:id="rId9"/>
+    <p:sldId id="259" r:id="rId10"/>
+    <p:sldId id="266" r:id="rId11"/>
+    <p:sldId id="261" r:id="rId12"/>
     <p:sldId id="262" r:id="rId13"/>
   </p:sldIdLst>
   <p:sldSz cx="9144000" cy="6858000" type="screen4x3"/>
@@ -132,20 +132,20 @@
         </p14:section>
         <p14:section name="쇼핑몰" id="{A1B3F7CB-75D6-47A4-BB77-A94A7E11D96A}">
           <p14:sldIdLst>
+            <p14:sldId id="265"/>
             <p14:sldId id="258"/>
-            <p14:sldId id="265"/>
           </p14:sldIdLst>
         </p14:section>
         <p14:section name="운송사" id="{3FD22FC3-44A4-48F3-A66C-4BDCB94C6E77}">
           <p14:sldIdLst>
+            <p14:sldId id="268"/>
             <p14:sldId id="259"/>
-            <p14:sldId id="268"/>
           </p14:sldIdLst>
         </p14:section>
         <p14:section name="구매처" id="{CB95D1E6-BC65-4795-B19A-4F156459EA64}">
           <p14:sldIdLst>
+            <p14:sldId id="266"/>
             <p14:sldId id="261"/>
-            <p14:sldId id="266"/>
             <p14:sldId id="262"/>
           </p14:sldIdLst>
         </p14:section>
@@ -237,7 +237,7 @@
           <a:p>
             <a:fld id="{B1AC4F1E-7C5C-4AF3-8078-9105627E20EC}" type="datetimeFigureOut">
               <a:rPr lang="ko-KR" altLang="en-US" smtClean="0"/>
-              <a:t>2019-05-01</a:t>
+              <a:t>2019-05-02</a:t>
             </a:fld>
             <a:endParaRPr lang="ko-KR" altLang="en-US"/>
           </a:p>
@@ -570,7 +570,7 @@
           <a:p>
             <a:fld id="{EA4B52D3-C720-4AC2-895A-51F11AF5463E}" type="slidenum">
               <a:rPr lang="ko-KR" altLang="en-US" smtClean="0"/>
-              <a:t>6</a:t>
+              <a:t>7</a:t>
             </a:fld>
             <a:endParaRPr lang="ko-KR" altLang="en-US"/>
           </a:p>
@@ -723,7 +723,7 @@
           <a:p>
             <a:fld id="{5461D8C1-8742-4899-8C54-88F14E68CB8A}" type="datetimeFigureOut">
               <a:rPr lang="ko-KR" altLang="en-US" smtClean="0"/>
-              <a:t>2019-05-01</a:t>
+              <a:t>2019-05-02</a:t>
             </a:fld>
             <a:endParaRPr lang="ko-KR" altLang="en-US"/>
           </a:p>
@@ -1036,7 +1036,7 @@
           <a:p>
             <a:fld id="{5461D8C1-8742-4899-8C54-88F14E68CB8A}" type="datetimeFigureOut">
               <a:rPr lang="ko-KR" altLang="en-US" smtClean="0"/>
-              <a:t>2019-05-01</a:t>
+              <a:t>2019-05-02</a:t>
             </a:fld>
             <a:endParaRPr lang="ko-KR" altLang="en-US"/>
           </a:p>
@@ -1221,7 +1221,7 @@
           <a:p>
             <a:fld id="{5461D8C1-8742-4899-8C54-88F14E68CB8A}" type="datetimeFigureOut">
               <a:rPr lang="ko-KR" altLang="en-US" smtClean="0"/>
-              <a:t>2019-05-01</a:t>
+              <a:t>2019-05-02</a:t>
             </a:fld>
             <a:endParaRPr lang="ko-KR" altLang="en-US"/>
           </a:p>
@@ -1396,7 +1396,7 @@
           <a:p>
             <a:fld id="{5461D8C1-8742-4899-8C54-88F14E68CB8A}" type="datetimeFigureOut">
               <a:rPr lang="ko-KR" altLang="en-US" smtClean="0"/>
-              <a:t>2019-05-01</a:t>
+              <a:t>2019-05-02</a:t>
             </a:fld>
             <a:endParaRPr lang="ko-KR" altLang="en-US"/>
           </a:p>
@@ -1664,7 +1664,7 @@
           <a:p>
             <a:fld id="{5461D8C1-8742-4899-8C54-88F14E68CB8A}" type="datetimeFigureOut">
               <a:rPr lang="ko-KR" altLang="en-US" smtClean="0"/>
-              <a:t>2019-05-01</a:t>
+              <a:t>2019-05-02</a:t>
             </a:fld>
             <a:endParaRPr lang="ko-KR" altLang="en-US"/>
           </a:p>
@@ -2132,7 +2132,7 @@
           <a:p>
             <a:fld id="{5461D8C1-8742-4899-8C54-88F14E68CB8A}" type="datetimeFigureOut">
               <a:rPr lang="ko-KR" altLang="en-US" smtClean="0"/>
-              <a:t>2019-05-01</a:t>
+              <a:t>2019-05-02</a:t>
             </a:fld>
             <a:endParaRPr lang="ko-KR" altLang="en-US"/>
           </a:p>
@@ -2621,7 +2621,7 @@
           <a:p>
             <a:fld id="{5461D8C1-8742-4899-8C54-88F14E68CB8A}" type="datetimeFigureOut">
               <a:rPr lang="ko-KR" altLang="en-US" smtClean="0"/>
-              <a:t>2019-05-01</a:t>
+              <a:t>2019-05-02</a:t>
             </a:fld>
             <a:endParaRPr lang="ko-KR" altLang="en-US"/>
           </a:p>
@@ -2747,7 +2747,7 @@
           <a:p>
             <a:fld id="{5461D8C1-8742-4899-8C54-88F14E68CB8A}" type="datetimeFigureOut">
               <a:rPr lang="ko-KR" altLang="en-US" smtClean="0"/>
-              <a:t>2019-05-01</a:t>
+              <a:t>2019-05-02</a:t>
             </a:fld>
             <a:endParaRPr lang="ko-KR" altLang="en-US"/>
           </a:p>
@@ -2891,7 +2891,7 @@
           <a:p>
             <a:fld id="{5461D8C1-8742-4899-8C54-88F14E68CB8A}" type="datetimeFigureOut">
               <a:rPr lang="ko-KR" altLang="en-US" smtClean="0"/>
-              <a:t>2019-05-01</a:t>
+              <a:t>2019-05-02</a:t>
             </a:fld>
             <a:endParaRPr lang="ko-KR" altLang="en-US"/>
           </a:p>
@@ -3213,7 +3213,7 @@
           <a:p>
             <a:fld id="{5461D8C1-8742-4899-8C54-88F14E68CB8A}" type="datetimeFigureOut">
               <a:rPr lang="ko-KR" altLang="en-US" smtClean="0"/>
-              <a:t>2019-05-01</a:t>
+              <a:t>2019-05-02</a:t>
             </a:fld>
             <a:endParaRPr lang="ko-KR" altLang="en-US"/>
           </a:p>
@@ -3347,7 +3347,7 @@
           <a:p>
             <a:fld id="{5461D8C1-8742-4899-8C54-88F14E68CB8A}" type="datetimeFigureOut">
               <a:rPr lang="ko-KR" altLang="en-US" smtClean="0"/>
-              <a:t>2019-05-01</a:t>
+              <a:t>2019-05-02</a:t>
             </a:fld>
             <a:endParaRPr lang="ko-KR" altLang="en-US"/>
           </a:p>
@@ -4128,7 +4128,7 @@
           <a:p>
             <a:fld id="{5461D8C1-8742-4899-8C54-88F14E68CB8A}" type="datetimeFigureOut">
               <a:rPr lang="ko-KR" altLang="en-US" smtClean="0"/>
-              <a:t>2019-05-01</a:t>
+              <a:t>2019-05-02</a:t>
             </a:fld>
             <a:endParaRPr lang="ko-KR" altLang="en-US"/>
           </a:p>
@@ -4774,1254 +4774,6 @@
       </p:grpSpPr>
       <p:sp>
         <p:nvSpPr>
-          <p:cNvPr id="5" name="모서리가 둥근 직사각형 4">
-            <a:hlinkClick r:id="rId2" action="ppaction://hlinksldjump"/>
-          </p:cNvPr>
-          <p:cNvSpPr/>
-          <p:nvPr/>
-        </p:nvSpPr>
-        <p:spPr>
-          <a:xfrm>
-            <a:off x="1403648" y="5733256"/>
-            <a:ext cx="1620000" cy="612000"/>
-          </a:xfrm>
-          <a:prstGeom prst="roundRect">
-            <a:avLst/>
-          </a:prstGeom>
-        </p:spPr>
-        <p:style>
-          <a:lnRef idx="2">
-            <a:schemeClr val="accent2">
-              <a:shade val="50000"/>
-            </a:schemeClr>
-          </a:lnRef>
-          <a:fillRef idx="1">
-            <a:schemeClr val="accent2"/>
-          </a:fillRef>
-          <a:effectRef idx="0">
-            <a:schemeClr val="accent2"/>
-          </a:effectRef>
-          <a:fontRef idx="minor">
-            <a:schemeClr val="lt1"/>
-          </a:fontRef>
-        </p:style>
-        <p:txBody>
-          <a:bodyPr rtlCol="0" anchor="ctr"/>
-          <a:lstStyle/>
-          <a:p>
-            <a:pPr algn="ctr"/>
-            <a:r>
-              <a:rPr lang="ko-KR" altLang="en-US" sz="1600" dirty="0" smtClean="0"/>
-              <a:t>전체 발주</a:t>
-            </a:r>
-            <a:endParaRPr lang="en-US" altLang="ko-KR" sz="1600" dirty="0" smtClean="0"/>
-          </a:p>
-          <a:p>
-            <a:pPr algn="ctr"/>
-            <a:r>
-              <a:rPr lang="ko-KR" altLang="en-US" sz="1600" dirty="0" smtClean="0"/>
-              <a:t>리스트</a:t>
-            </a:r>
-            <a:endParaRPr lang="ko-KR" altLang="en-US" sz="1600" dirty="0"/>
-          </a:p>
-        </p:txBody>
-      </p:sp>
-      <p:sp>
-        <p:nvSpPr>
-          <p:cNvPr id="7" name="모서리가 둥근 직사각형 6">
-            <a:hlinkClick r:id="rId3" action="ppaction://hlinksldjump"/>
-          </p:cNvPr>
-          <p:cNvSpPr/>
-          <p:nvPr/>
-        </p:nvSpPr>
-        <p:spPr>
-          <a:xfrm>
-            <a:off x="6840432" y="258520"/>
-            <a:ext cx="1620000" cy="612000"/>
-          </a:xfrm>
-          <a:prstGeom prst="roundRect">
-            <a:avLst/>
-          </a:prstGeom>
-        </p:spPr>
-        <p:style>
-          <a:lnRef idx="2">
-            <a:schemeClr val="accent2">
-              <a:shade val="50000"/>
-            </a:schemeClr>
-          </a:lnRef>
-          <a:fillRef idx="1">
-            <a:schemeClr val="accent2"/>
-          </a:fillRef>
-          <a:effectRef idx="0">
-            <a:schemeClr val="accent2"/>
-          </a:effectRef>
-          <a:fontRef idx="minor">
-            <a:schemeClr val="lt1"/>
-          </a:fontRef>
-        </p:style>
-        <p:txBody>
-          <a:bodyPr rtlCol="0" anchor="ctr"/>
-          <a:lstStyle/>
-          <a:p>
-            <a:pPr algn="ctr"/>
-            <a:r>
-              <a:rPr lang="ko-KR" altLang="en-US" dirty="0" smtClean="0"/>
-              <a:t>로그아웃</a:t>
-            </a:r>
-            <a:endParaRPr lang="ko-KR" altLang="en-US" dirty="0"/>
-          </a:p>
-        </p:txBody>
-      </p:sp>
-      <p:sp>
-        <p:nvSpPr>
-          <p:cNvPr id="8" name="모서리가 둥근 직사각형 7">
-            <a:hlinkClick r:id="rId4" action="ppaction://hlinksldjump"/>
-          </p:cNvPr>
-          <p:cNvSpPr/>
-          <p:nvPr/>
-        </p:nvSpPr>
-        <p:spPr>
-          <a:xfrm>
-            <a:off x="6840432" y="5733257"/>
-            <a:ext cx="1620000" cy="612000"/>
-          </a:xfrm>
-          <a:prstGeom prst="roundRect">
-            <a:avLst/>
-          </a:prstGeom>
-        </p:spPr>
-        <p:style>
-          <a:lnRef idx="2">
-            <a:schemeClr val="accent2">
-              <a:shade val="50000"/>
-            </a:schemeClr>
-          </a:lnRef>
-          <a:fillRef idx="1">
-            <a:schemeClr val="accent2"/>
-          </a:fillRef>
-          <a:effectRef idx="0">
-            <a:schemeClr val="accent2"/>
-          </a:effectRef>
-          <a:fontRef idx="minor">
-            <a:schemeClr val="lt1"/>
-          </a:fontRef>
-        </p:style>
-        <p:txBody>
-          <a:bodyPr rtlCol="0" anchor="ctr"/>
-          <a:lstStyle/>
-          <a:p>
-            <a:pPr algn="ctr"/>
-            <a:r>
-              <a:rPr lang="ko-KR" altLang="en-US" dirty="0" err="1" smtClean="0"/>
-              <a:t>뒤로가기</a:t>
-            </a:r>
-            <a:endParaRPr lang="ko-KR" altLang="en-US" dirty="0"/>
-          </a:p>
-        </p:txBody>
-      </p:sp>
-      <p:sp>
-        <p:nvSpPr>
-          <p:cNvPr id="12" name="모서리가 둥근 직사각형 11"/>
-          <p:cNvSpPr/>
-          <p:nvPr/>
-        </p:nvSpPr>
-        <p:spPr>
-          <a:xfrm>
-            <a:off x="3215909" y="5733256"/>
-            <a:ext cx="1620000" cy="612000"/>
-          </a:xfrm>
-          <a:prstGeom prst="roundRect">
-            <a:avLst/>
-          </a:prstGeom>
-        </p:spPr>
-        <p:style>
-          <a:lnRef idx="2">
-            <a:schemeClr val="accent2">
-              <a:shade val="50000"/>
-            </a:schemeClr>
-          </a:lnRef>
-          <a:fillRef idx="1">
-            <a:schemeClr val="accent2"/>
-          </a:fillRef>
-          <a:effectRef idx="0">
-            <a:schemeClr val="accent2"/>
-          </a:effectRef>
-          <a:fontRef idx="minor">
-            <a:schemeClr val="lt1"/>
-          </a:fontRef>
-        </p:style>
-        <p:txBody>
-          <a:bodyPr rtlCol="0" anchor="ctr"/>
-          <a:lstStyle/>
-          <a:p>
-            <a:pPr algn="ctr"/>
-            <a:r>
-              <a:rPr lang="ko-KR" altLang="en-US" sz="1600" dirty="0" smtClean="0"/>
-              <a:t>발주 </a:t>
-            </a:r>
-            <a:r>
-              <a:rPr lang="en-US" altLang="ko-KR" sz="1600" dirty="0" smtClean="0"/>
-              <a:t>CSV</a:t>
-            </a:r>
-            <a:endParaRPr lang="en-US" altLang="ko-KR" sz="1600" dirty="0"/>
-          </a:p>
-          <a:p>
-            <a:pPr algn="ctr"/>
-            <a:r>
-              <a:rPr lang="ko-KR" altLang="en-US" sz="1600" dirty="0" smtClean="0"/>
-              <a:t>다운로드</a:t>
-            </a:r>
-            <a:endParaRPr lang="en-US" altLang="ko-KR" sz="1600" dirty="0" smtClean="0"/>
-          </a:p>
-        </p:txBody>
-      </p:sp>
-      <p:sp>
-        <p:nvSpPr>
-          <p:cNvPr id="14" name="TextBox 13"/>
-          <p:cNvSpPr txBox="1"/>
-          <p:nvPr/>
-        </p:nvSpPr>
-        <p:spPr>
-          <a:xfrm>
-            <a:off x="971600" y="0"/>
-            <a:ext cx="2736304" cy="369332"/>
-          </a:xfrm>
-          <a:prstGeom prst="rect">
-            <a:avLst/>
-          </a:prstGeom>
-          <a:noFill/>
-        </p:spPr>
-        <p:txBody>
-          <a:bodyPr wrap="square" rtlCol="0">
-            <a:spAutoFit/>
-          </a:bodyPr>
-          <a:lstStyle/>
-          <a:p>
-            <a:r>
-              <a:rPr lang="en-US" altLang="ko-KR" dirty="0" smtClean="0"/>
-              <a:t>Supplier</a:t>
-            </a:r>
-            <a:endParaRPr lang="ko-KR" altLang="en-US" dirty="0"/>
-          </a:p>
-        </p:txBody>
-      </p:sp>
-      <p:sp>
-        <p:nvSpPr>
-          <p:cNvPr id="15" name="모서리가 둥근 직사각형 14">
-            <a:hlinkClick r:id="rId5" action="ppaction://hlinksldjump"/>
-          </p:cNvPr>
-          <p:cNvSpPr/>
-          <p:nvPr/>
-        </p:nvSpPr>
-        <p:spPr>
-          <a:xfrm>
-            <a:off x="5028170" y="5733256"/>
-            <a:ext cx="1620000" cy="612001"/>
-          </a:xfrm>
-          <a:prstGeom prst="roundRect">
-            <a:avLst/>
-          </a:prstGeom>
-        </p:spPr>
-        <p:style>
-          <a:lnRef idx="2">
-            <a:schemeClr val="accent2">
-              <a:shade val="50000"/>
-            </a:schemeClr>
-          </a:lnRef>
-          <a:fillRef idx="1">
-            <a:schemeClr val="accent2"/>
-          </a:fillRef>
-          <a:effectRef idx="0">
-            <a:schemeClr val="accent2"/>
-          </a:effectRef>
-          <a:fontRef idx="minor">
-            <a:schemeClr val="lt1"/>
-          </a:fontRef>
-        </p:style>
-        <p:txBody>
-          <a:bodyPr rtlCol="0" anchor="ctr"/>
-          <a:lstStyle/>
-          <a:p>
-            <a:pPr algn="ctr"/>
-            <a:r>
-              <a:rPr lang="ko-KR" altLang="en-US" dirty="0" smtClean="0"/>
-              <a:t>납품내</a:t>
-            </a:r>
-            <a:r>
-              <a:rPr lang="ko-KR" altLang="en-US" dirty="0"/>
-              <a:t>역</a:t>
-            </a:r>
-          </a:p>
-        </p:txBody>
-      </p:sp>
-      <p:sp>
-        <p:nvSpPr>
-          <p:cNvPr id="16" name="TextBox 15"/>
-          <p:cNvSpPr txBox="1"/>
-          <p:nvPr/>
-        </p:nvSpPr>
-        <p:spPr>
-          <a:xfrm>
-            <a:off x="4644008" y="4981818"/>
-            <a:ext cx="720080" cy="369332"/>
-          </a:xfrm>
-          <a:prstGeom prst="rect">
-            <a:avLst/>
-          </a:prstGeom>
-          <a:noFill/>
-        </p:spPr>
-        <p:txBody>
-          <a:bodyPr wrap="square" rtlCol="0">
-            <a:spAutoFit/>
-          </a:bodyPr>
-          <a:lstStyle/>
-          <a:p>
-            <a:r>
-              <a:rPr lang="en-US" altLang="ko-KR" dirty="0" smtClean="0"/>
-              <a:t>- 1 -</a:t>
-            </a:r>
-            <a:endParaRPr lang="ko-KR" altLang="en-US" dirty="0"/>
-          </a:p>
-        </p:txBody>
-      </p:sp>
-      <p:grpSp>
-        <p:nvGrpSpPr>
-          <p:cNvPr id="18" name="그룹 17"/>
-          <p:cNvGrpSpPr/>
-          <p:nvPr/>
-        </p:nvGrpSpPr>
-        <p:grpSpPr>
-          <a:xfrm>
-            <a:off x="1545988" y="1110094"/>
-            <a:ext cx="6916120" cy="4320480"/>
-            <a:chOff x="1545988" y="1110094"/>
-            <a:chExt cx="6916120" cy="4320480"/>
-          </a:xfrm>
-        </p:grpSpPr>
-        <p:sp>
-          <p:nvSpPr>
-            <p:cNvPr id="19" name="모서리가 둥근 직사각형 18"/>
-            <p:cNvSpPr/>
-            <p:nvPr/>
-          </p:nvSpPr>
-          <p:spPr>
-            <a:xfrm>
-              <a:off x="1545988" y="1110094"/>
-              <a:ext cx="6916120" cy="4320480"/>
-            </a:xfrm>
-            <a:prstGeom prst="roundRect">
-              <a:avLst/>
-            </a:prstGeom>
-          </p:spPr>
-          <p:style>
-            <a:lnRef idx="2">
-              <a:schemeClr val="accent2"/>
-            </a:lnRef>
-            <a:fillRef idx="1">
-              <a:schemeClr val="lt1"/>
-            </a:fillRef>
-            <a:effectRef idx="0">
-              <a:schemeClr val="accent2"/>
-            </a:effectRef>
-            <a:fontRef idx="minor">
-              <a:schemeClr val="dk1"/>
-            </a:fontRef>
-          </p:style>
-          <p:txBody>
-            <a:bodyPr rtlCol="0" anchor="ctr"/>
-            <a:lstStyle/>
-            <a:p>
-              <a:pPr algn="ctr"/>
-              <a:r>
-                <a:rPr lang="ko-KR" altLang="en-US" dirty="0" smtClean="0">
-                  <a:solidFill>
-                    <a:schemeClr val="tx1"/>
-                  </a:solidFill>
-                </a:rPr>
-                <a:t> </a:t>
-              </a:r>
-              <a:endParaRPr lang="ko-KR" altLang="en-US" dirty="0">
-                <a:solidFill>
-                  <a:schemeClr val="tx1"/>
-                </a:solidFill>
-              </a:endParaRPr>
-            </a:p>
-          </p:txBody>
-        </p:sp>
-        <p:sp>
-          <p:nvSpPr>
-            <p:cNvPr id="24" name="TextBox 23"/>
-            <p:cNvSpPr txBox="1"/>
-            <p:nvPr/>
-          </p:nvSpPr>
-          <p:spPr>
-            <a:xfrm>
-              <a:off x="1691680" y="1669450"/>
-              <a:ext cx="6768752" cy="369332"/>
-            </a:xfrm>
-            <a:prstGeom prst="rect">
-              <a:avLst/>
-            </a:prstGeom>
-            <a:noFill/>
-          </p:spPr>
-          <p:txBody>
-            <a:bodyPr wrap="square" rtlCol="0">
-              <a:spAutoFit/>
-            </a:bodyPr>
-            <a:lstStyle/>
-            <a:p>
-              <a:r>
-                <a:rPr lang="ko-KR" altLang="en-US" dirty="0" smtClean="0"/>
-                <a:t>        상품코드             상품명             개수           단가</a:t>
-              </a:r>
-              <a:r>
-                <a:rPr lang="en-US" altLang="ko-KR" dirty="0" smtClean="0"/>
-                <a:t>      </a:t>
-              </a:r>
-              <a:r>
-                <a:rPr lang="ko-KR" altLang="en-US" dirty="0" smtClean="0"/>
-                <a:t>  합계</a:t>
-              </a:r>
-              <a:endParaRPr lang="en-US" altLang="ko-KR" dirty="0" smtClean="0"/>
-            </a:p>
-          </p:txBody>
-        </p:sp>
-      </p:grpSp>
-      <p:sp>
-        <p:nvSpPr>
-          <p:cNvPr id="30" name="TextBox 29"/>
-          <p:cNvSpPr txBox="1"/>
-          <p:nvPr/>
-        </p:nvSpPr>
-        <p:spPr>
-          <a:xfrm>
-            <a:off x="1763688" y="2204864"/>
-            <a:ext cx="1656184" cy="2031325"/>
-          </a:xfrm>
-          <a:prstGeom prst="rect">
-            <a:avLst/>
-          </a:prstGeom>
-          <a:noFill/>
-        </p:spPr>
-        <p:txBody>
-          <a:bodyPr wrap="square" rtlCol="0">
-            <a:spAutoFit/>
-          </a:bodyPr>
-          <a:lstStyle/>
-          <a:p>
-            <a:pPr marL="342900" indent="-342900">
-              <a:buAutoNum type="arabicPeriod"/>
-            </a:pPr>
-            <a:r>
-              <a:rPr lang="en-US" altLang="ko-KR" dirty="0" smtClean="0"/>
-              <a:t>    A1002</a:t>
-            </a:r>
-          </a:p>
-          <a:p>
-            <a:pPr marL="342900" indent="-342900">
-              <a:buAutoNum type="arabicPeriod"/>
-            </a:pPr>
-            <a:r>
-              <a:rPr lang="en-US" altLang="ko-KR" dirty="0" smtClean="0"/>
-              <a:t>    A1004</a:t>
-            </a:r>
-          </a:p>
-          <a:p>
-            <a:pPr marL="342900" indent="-342900">
-              <a:buAutoNum type="arabicPeriod"/>
-            </a:pPr>
-            <a:r>
-              <a:rPr lang="en-US" altLang="ko-KR" dirty="0"/>
-              <a:t> </a:t>
-            </a:r>
-            <a:r>
-              <a:rPr lang="en-US" altLang="ko-KR" dirty="0" smtClean="0"/>
-              <a:t>   A1012</a:t>
-            </a:r>
-          </a:p>
-          <a:p>
-            <a:pPr marL="342900" indent="-342900">
-              <a:buAutoNum type="arabicPeriod"/>
-            </a:pPr>
-            <a:r>
-              <a:rPr lang="en-US" altLang="ko-KR" dirty="0"/>
-              <a:t> </a:t>
-            </a:r>
-            <a:r>
-              <a:rPr lang="en-US" altLang="ko-KR" dirty="0" smtClean="0"/>
-              <a:t>   B1001</a:t>
-            </a:r>
-          </a:p>
-          <a:p>
-            <a:pPr marL="342900" indent="-342900">
-              <a:buAutoNum type="arabicPeriod"/>
-            </a:pPr>
-            <a:r>
-              <a:rPr lang="en-US" altLang="ko-KR" dirty="0"/>
-              <a:t> </a:t>
-            </a:r>
-            <a:r>
-              <a:rPr lang="en-US" altLang="ko-KR" dirty="0" smtClean="0"/>
-              <a:t>   C1011</a:t>
-            </a:r>
-          </a:p>
-          <a:p>
-            <a:pPr marL="342900" indent="-342900">
-              <a:buAutoNum type="arabicPeriod"/>
-            </a:pPr>
-            <a:r>
-              <a:rPr lang="en-US" altLang="ko-KR" dirty="0"/>
-              <a:t> </a:t>
-            </a:r>
-            <a:r>
-              <a:rPr lang="en-US" altLang="ko-KR" dirty="0" smtClean="0"/>
-              <a:t>   D1001</a:t>
-            </a:r>
-          </a:p>
-          <a:p>
-            <a:pPr marL="342900" indent="-342900">
-              <a:buAutoNum type="arabicPeriod"/>
-            </a:pPr>
-            <a:r>
-              <a:rPr lang="en-US" altLang="ko-KR" dirty="0"/>
-              <a:t> </a:t>
-            </a:r>
-            <a:r>
-              <a:rPr lang="en-US" altLang="ko-KR" dirty="0" smtClean="0"/>
-              <a:t>   D1010</a:t>
-            </a:r>
-          </a:p>
-        </p:txBody>
-      </p:sp>
-      <p:sp>
-        <p:nvSpPr>
-          <p:cNvPr id="31" name="TextBox 30"/>
-          <p:cNvSpPr txBox="1"/>
-          <p:nvPr/>
-        </p:nvSpPr>
-        <p:spPr>
-          <a:xfrm>
-            <a:off x="3419872" y="2204864"/>
-            <a:ext cx="2304256" cy="2031325"/>
-          </a:xfrm>
-          <a:prstGeom prst="rect">
-            <a:avLst/>
-          </a:prstGeom>
-          <a:noFill/>
-        </p:spPr>
-        <p:txBody>
-          <a:bodyPr wrap="square" rtlCol="0">
-            <a:spAutoFit/>
-          </a:bodyPr>
-          <a:lstStyle/>
-          <a:p>
-            <a:r>
-              <a:rPr lang="ko-KR" altLang="en-US" dirty="0" smtClean="0"/>
-              <a:t>삼겹살 </a:t>
-            </a:r>
-            <a:r>
-              <a:rPr lang="en-US" altLang="ko-KR" dirty="0" smtClean="0"/>
-              <a:t>1kg</a:t>
-            </a:r>
-          </a:p>
-          <a:p>
-            <a:r>
-              <a:rPr lang="ko-KR" altLang="en-US" dirty="0" smtClean="0"/>
-              <a:t>목살 </a:t>
-            </a:r>
-            <a:r>
-              <a:rPr lang="en-US" altLang="ko-KR" dirty="0" smtClean="0"/>
-              <a:t>1kg</a:t>
-            </a:r>
-          </a:p>
-          <a:p>
-            <a:r>
-              <a:rPr lang="ko-KR" altLang="en-US" dirty="0" smtClean="0"/>
-              <a:t>대파 </a:t>
-            </a:r>
-            <a:r>
-              <a:rPr lang="en-US" altLang="ko-KR" dirty="0" smtClean="0"/>
-              <a:t>1</a:t>
-            </a:r>
-            <a:r>
-              <a:rPr lang="ko-KR" altLang="en-US" dirty="0" smtClean="0"/>
-              <a:t>단</a:t>
-            </a:r>
-            <a:endParaRPr lang="en-US" altLang="ko-KR" dirty="0" smtClean="0"/>
-          </a:p>
-          <a:p>
-            <a:r>
-              <a:rPr lang="ko-KR" altLang="en-US" dirty="0" smtClean="0"/>
-              <a:t>쌈장 </a:t>
-            </a:r>
-            <a:r>
-              <a:rPr lang="en-US" altLang="ko-KR" dirty="0" smtClean="0"/>
-              <a:t>150g</a:t>
-            </a:r>
-          </a:p>
-          <a:p>
-            <a:r>
-              <a:rPr lang="ko-KR" altLang="en-US" dirty="0" smtClean="0"/>
-              <a:t>일회용젓가락 </a:t>
-            </a:r>
-            <a:r>
-              <a:rPr lang="en-US" altLang="ko-KR" dirty="0" smtClean="0"/>
-              <a:t>50</a:t>
-            </a:r>
-            <a:r>
-              <a:rPr lang="ko-KR" altLang="en-US" dirty="0" smtClean="0"/>
-              <a:t>개</a:t>
-            </a:r>
-            <a:endParaRPr lang="en-US" altLang="ko-KR" dirty="0" smtClean="0"/>
-          </a:p>
-          <a:p>
-            <a:r>
-              <a:rPr lang="ko-KR" altLang="en-US" dirty="0" smtClean="0"/>
-              <a:t>일회용 용기 </a:t>
-            </a:r>
-            <a:r>
-              <a:rPr lang="en-US" altLang="ko-KR" dirty="0" smtClean="0"/>
-              <a:t>50</a:t>
-            </a:r>
-            <a:r>
-              <a:rPr lang="ko-KR" altLang="en-US" dirty="0" smtClean="0"/>
-              <a:t>개</a:t>
-            </a:r>
-            <a:endParaRPr lang="en-US" altLang="ko-KR" dirty="0" smtClean="0"/>
-          </a:p>
-          <a:p>
-            <a:r>
-              <a:rPr lang="ko-KR" altLang="en-US" dirty="0" smtClean="0"/>
-              <a:t>콜라 </a:t>
-            </a:r>
-            <a:r>
-              <a:rPr lang="en-US" altLang="ko-KR" dirty="0" smtClean="0"/>
-              <a:t>1.5L</a:t>
-            </a:r>
-            <a:endParaRPr lang="ko-KR" altLang="en-US" dirty="0"/>
-          </a:p>
-        </p:txBody>
-      </p:sp>
-      <p:sp>
-        <p:nvSpPr>
-          <p:cNvPr id="32" name="TextBox 31"/>
-          <p:cNvSpPr txBox="1"/>
-          <p:nvPr/>
-        </p:nvSpPr>
-        <p:spPr>
-          <a:xfrm>
-            <a:off x="5580112" y="2204864"/>
-            <a:ext cx="576064" cy="2031325"/>
-          </a:xfrm>
-          <a:prstGeom prst="rect">
-            <a:avLst/>
-          </a:prstGeom>
-          <a:noFill/>
-        </p:spPr>
-        <p:txBody>
-          <a:bodyPr wrap="square" rtlCol="0">
-            <a:spAutoFit/>
-          </a:bodyPr>
-          <a:lstStyle/>
-          <a:p>
-            <a:r>
-              <a:rPr lang="en-US" altLang="ko-KR" dirty="0" smtClean="0"/>
-              <a:t>100</a:t>
-            </a:r>
-          </a:p>
-          <a:p>
-            <a:r>
-              <a:rPr lang="en-US" altLang="ko-KR" dirty="0" smtClean="0"/>
-              <a:t>100</a:t>
-            </a:r>
-          </a:p>
-          <a:p>
-            <a:r>
-              <a:rPr lang="en-US" altLang="ko-KR" dirty="0" smtClean="0"/>
-              <a:t>100</a:t>
-            </a:r>
-          </a:p>
-          <a:p>
-            <a:r>
-              <a:rPr lang="en-US" altLang="ko-KR" dirty="0" smtClean="0"/>
-              <a:t>100</a:t>
-            </a:r>
-          </a:p>
-          <a:p>
-            <a:r>
-              <a:rPr lang="en-US" altLang="ko-KR" dirty="0" smtClean="0"/>
-              <a:t>100</a:t>
-            </a:r>
-          </a:p>
-          <a:p>
-            <a:r>
-              <a:rPr lang="en-US" altLang="ko-KR" dirty="0" smtClean="0"/>
-              <a:t>100</a:t>
-            </a:r>
-          </a:p>
-          <a:p>
-            <a:r>
-              <a:rPr lang="en-US" altLang="ko-KR" dirty="0" smtClean="0"/>
-              <a:t>100</a:t>
-            </a:r>
-            <a:endParaRPr lang="ko-KR" altLang="en-US" dirty="0"/>
-          </a:p>
-        </p:txBody>
-      </p:sp>
-      <p:sp>
-        <p:nvSpPr>
-          <p:cNvPr id="33" name="TextBox 32"/>
-          <p:cNvSpPr txBox="1"/>
-          <p:nvPr/>
-        </p:nvSpPr>
-        <p:spPr>
-          <a:xfrm>
-            <a:off x="6036102" y="2204864"/>
-            <a:ext cx="1224136" cy="2308324"/>
-          </a:xfrm>
-          <a:prstGeom prst="rect">
-            <a:avLst/>
-          </a:prstGeom>
-          <a:noFill/>
-        </p:spPr>
-        <p:txBody>
-          <a:bodyPr wrap="square" rtlCol="0">
-            <a:spAutoFit/>
-          </a:bodyPr>
-          <a:lstStyle/>
-          <a:p>
-            <a:pPr algn="r"/>
-            <a:r>
-              <a:rPr lang="en-US" altLang="ko-KR" dirty="0" smtClean="0"/>
-              <a:t>5,000</a:t>
-            </a:r>
-          </a:p>
-          <a:p>
-            <a:pPr algn="r"/>
-            <a:r>
-              <a:rPr lang="en-US" altLang="ko-KR" dirty="0" smtClean="0"/>
-              <a:t>7,000</a:t>
-            </a:r>
-          </a:p>
-          <a:p>
-            <a:pPr algn="r"/>
-            <a:r>
-              <a:rPr lang="en-US" altLang="ko-KR" dirty="0" smtClean="0"/>
-              <a:t>3,000</a:t>
-            </a:r>
-          </a:p>
-          <a:p>
-            <a:pPr algn="r"/>
-            <a:r>
-              <a:rPr lang="en-US" altLang="ko-KR" dirty="0" smtClean="0"/>
-              <a:t>2,000</a:t>
-            </a:r>
-          </a:p>
-          <a:p>
-            <a:pPr algn="r"/>
-            <a:r>
-              <a:rPr lang="en-US" altLang="ko-KR" dirty="0" smtClean="0"/>
-              <a:t>1,500</a:t>
-            </a:r>
-          </a:p>
-          <a:p>
-            <a:pPr algn="r"/>
-            <a:r>
-              <a:rPr lang="en-US" altLang="ko-KR" dirty="0" smtClean="0"/>
-              <a:t>2,500</a:t>
-            </a:r>
-          </a:p>
-          <a:p>
-            <a:pPr algn="r"/>
-            <a:r>
-              <a:rPr lang="en-US" altLang="ko-KR" dirty="0" smtClean="0"/>
-              <a:t>2,500</a:t>
-            </a:r>
-          </a:p>
-          <a:p>
-            <a:pPr algn="r"/>
-            <a:endParaRPr lang="ko-KR" altLang="en-US" dirty="0"/>
-          </a:p>
-        </p:txBody>
-      </p:sp>
-      <p:sp>
-        <p:nvSpPr>
-          <p:cNvPr id="37" name="TextBox 36"/>
-          <p:cNvSpPr txBox="1"/>
-          <p:nvPr/>
-        </p:nvSpPr>
-        <p:spPr>
-          <a:xfrm>
-            <a:off x="7314868" y="2204864"/>
-            <a:ext cx="954800" cy="2031325"/>
-          </a:xfrm>
-          <a:prstGeom prst="rect">
-            <a:avLst/>
-          </a:prstGeom>
-          <a:noFill/>
-        </p:spPr>
-        <p:txBody>
-          <a:bodyPr wrap="square" rtlCol="0">
-            <a:spAutoFit/>
-          </a:bodyPr>
-          <a:lstStyle/>
-          <a:p>
-            <a:pPr algn="r"/>
-            <a:r>
-              <a:rPr lang="en-US" altLang="ko-KR" dirty="0" smtClean="0"/>
-              <a:t>500000</a:t>
-            </a:r>
-          </a:p>
-          <a:p>
-            <a:pPr algn="r"/>
-            <a:r>
-              <a:rPr lang="en-US" altLang="ko-KR" dirty="0" smtClean="0"/>
-              <a:t>700000</a:t>
-            </a:r>
-          </a:p>
-          <a:p>
-            <a:pPr algn="r"/>
-            <a:r>
-              <a:rPr lang="en-US" altLang="ko-KR" dirty="0" smtClean="0"/>
-              <a:t>300000</a:t>
-            </a:r>
-          </a:p>
-          <a:p>
-            <a:pPr algn="r"/>
-            <a:r>
-              <a:rPr lang="en-US" altLang="ko-KR" dirty="0" smtClean="0"/>
-              <a:t>200000</a:t>
-            </a:r>
-          </a:p>
-          <a:p>
-            <a:pPr algn="r"/>
-            <a:r>
-              <a:rPr lang="en-US" altLang="ko-KR" dirty="0" smtClean="0"/>
-              <a:t>150000</a:t>
-            </a:r>
-          </a:p>
-          <a:p>
-            <a:pPr algn="r"/>
-            <a:r>
-              <a:rPr lang="en-US" altLang="ko-KR" dirty="0" smtClean="0"/>
-              <a:t>250000</a:t>
-            </a:r>
-          </a:p>
-          <a:p>
-            <a:pPr algn="r"/>
-            <a:r>
-              <a:rPr lang="en-US" altLang="ko-KR" dirty="0" smtClean="0"/>
-              <a:t>250000</a:t>
-            </a:r>
-          </a:p>
-        </p:txBody>
-      </p:sp>
-      <p:sp>
-        <p:nvSpPr>
-          <p:cNvPr id="38" name="TextBox 37"/>
-          <p:cNvSpPr txBox="1"/>
-          <p:nvPr/>
-        </p:nvSpPr>
-        <p:spPr>
-          <a:xfrm>
-            <a:off x="5902991" y="4531878"/>
-            <a:ext cx="2629998" cy="369332"/>
-          </a:xfrm>
-          <a:prstGeom prst="rect">
-            <a:avLst/>
-          </a:prstGeom>
-          <a:noFill/>
-        </p:spPr>
-        <p:txBody>
-          <a:bodyPr wrap="square" rtlCol="0">
-            <a:spAutoFit/>
-          </a:bodyPr>
-          <a:lstStyle/>
-          <a:p>
-            <a:r>
-              <a:rPr lang="ko-KR" altLang="en-US" dirty="0" smtClean="0"/>
-              <a:t>       총액</a:t>
-            </a:r>
-            <a:r>
-              <a:rPr lang="en-US" altLang="ko-KR" dirty="0" smtClean="0"/>
-              <a:t>      2,350,000</a:t>
-            </a:r>
-            <a:endParaRPr lang="ko-KR" altLang="en-US" dirty="0"/>
-          </a:p>
-        </p:txBody>
-      </p:sp>
-      <p:sp>
-        <p:nvSpPr>
-          <p:cNvPr id="39" name="TextBox 38"/>
-          <p:cNvSpPr txBox="1"/>
-          <p:nvPr/>
-        </p:nvSpPr>
-        <p:spPr>
-          <a:xfrm>
-            <a:off x="1835696" y="1268760"/>
-            <a:ext cx="2664296" cy="369332"/>
-          </a:xfrm>
-          <a:prstGeom prst="rect">
-            <a:avLst/>
-          </a:prstGeom>
-          <a:noFill/>
-        </p:spPr>
-        <p:txBody>
-          <a:bodyPr wrap="square" rtlCol="0">
-            <a:spAutoFit/>
-          </a:bodyPr>
-          <a:lstStyle/>
-          <a:p>
-            <a:r>
-              <a:rPr lang="ko-KR" altLang="en-US" dirty="0" smtClean="0"/>
-              <a:t>발주 코드   □</a:t>
-            </a:r>
-            <a:r>
-              <a:rPr lang="ko-KR" altLang="en-US" dirty="0"/>
-              <a:t> </a:t>
-            </a:r>
-            <a:r>
-              <a:rPr lang="ko-KR" altLang="en-US" dirty="0" smtClean="0"/>
-              <a:t>□</a:t>
-            </a:r>
-            <a:r>
-              <a:rPr lang="ko-KR" altLang="en-US" dirty="0"/>
-              <a:t> </a:t>
-            </a:r>
-            <a:r>
-              <a:rPr lang="ko-KR" altLang="en-US" dirty="0" smtClean="0"/>
-              <a:t>□</a:t>
-            </a:r>
-            <a:r>
-              <a:rPr lang="ko-KR" altLang="en-US" dirty="0"/>
-              <a:t> □</a:t>
-            </a:r>
-          </a:p>
-        </p:txBody>
-      </p:sp>
-      <p:sp>
-        <p:nvSpPr>
-          <p:cNvPr id="20" name="TextBox 19"/>
-          <p:cNvSpPr txBox="1"/>
-          <p:nvPr/>
-        </p:nvSpPr>
-        <p:spPr>
-          <a:xfrm>
-            <a:off x="4716016" y="4981818"/>
-            <a:ext cx="720080" cy="369332"/>
-          </a:xfrm>
-          <a:prstGeom prst="rect">
-            <a:avLst/>
-          </a:prstGeom>
-          <a:noFill/>
-        </p:spPr>
-        <p:txBody>
-          <a:bodyPr wrap="square" rtlCol="0">
-            <a:spAutoFit/>
-          </a:bodyPr>
-          <a:lstStyle/>
-          <a:p>
-            <a:r>
-              <a:rPr lang="en-US" altLang="ko-KR" dirty="0" smtClean="0"/>
-              <a:t>- 1 -</a:t>
-            </a:r>
-            <a:endParaRPr lang="ko-KR" altLang="en-US" dirty="0"/>
-          </a:p>
-        </p:txBody>
-      </p:sp>
-      <p:sp>
-        <p:nvSpPr>
-          <p:cNvPr id="13" name="모서리가 둥근 직사각형 12"/>
-          <p:cNvSpPr/>
-          <p:nvPr/>
-        </p:nvSpPr>
-        <p:spPr>
-          <a:xfrm>
-            <a:off x="2416170" y="525318"/>
-            <a:ext cx="5150536" cy="2225548"/>
-          </a:xfrm>
-          <a:prstGeom prst="roundRect">
-            <a:avLst/>
-          </a:prstGeom>
-          <a:solidFill>
-            <a:schemeClr val="bg1"/>
-          </a:solidFill>
-          <a:ln>
-            <a:solidFill>
-              <a:schemeClr val="accent2"/>
-            </a:solidFill>
-          </a:ln>
-        </p:spPr>
-        <p:style>
-          <a:lnRef idx="2">
-            <a:schemeClr val="accent2">
-              <a:shade val="50000"/>
-            </a:schemeClr>
-          </a:lnRef>
-          <a:fillRef idx="1">
-            <a:schemeClr val="accent2"/>
-          </a:fillRef>
-          <a:effectRef idx="0">
-            <a:schemeClr val="accent2"/>
-          </a:effectRef>
-          <a:fontRef idx="minor">
-            <a:schemeClr val="lt1"/>
-          </a:fontRef>
-        </p:style>
-        <p:txBody>
-          <a:bodyPr rtlCol="0" anchor="ctr"/>
-          <a:lstStyle/>
-          <a:p>
-            <a:pPr algn="ctr"/>
-            <a:r>
-              <a:rPr lang="ko-KR" altLang="en-US" dirty="0" smtClean="0">
-                <a:solidFill>
-                  <a:schemeClr val="tx1"/>
-                </a:solidFill>
-              </a:rPr>
-              <a:t>발주 내역이 </a:t>
-            </a:r>
-            <a:r>
-              <a:rPr lang="en-US" altLang="ko-KR" dirty="0" smtClean="0">
-                <a:solidFill>
-                  <a:schemeClr val="tx1"/>
-                </a:solidFill>
-              </a:rPr>
-              <a:t>CSV</a:t>
-            </a:r>
-            <a:r>
-              <a:rPr lang="ko-KR" altLang="en-US" dirty="0" smtClean="0">
-                <a:solidFill>
-                  <a:schemeClr val="tx1"/>
-                </a:solidFill>
-              </a:rPr>
-              <a:t>파일로 다운로드 되었습니다</a:t>
-            </a:r>
-            <a:r>
-              <a:rPr lang="en-US" altLang="ko-KR" dirty="0" smtClean="0">
-                <a:solidFill>
-                  <a:schemeClr val="tx1"/>
-                </a:solidFill>
-              </a:rPr>
-              <a:t>.</a:t>
-            </a:r>
-            <a:endParaRPr lang="ko-KR" altLang="en-US" dirty="0">
-              <a:solidFill>
-                <a:schemeClr val="tx1"/>
-              </a:solidFill>
-            </a:endParaRPr>
-          </a:p>
-        </p:txBody>
-      </p:sp>
-    </p:spTree>
-    <p:extLst>
-      <p:ext uri="{BB962C8B-B14F-4D97-AF65-F5344CB8AC3E}">
-        <p14:creationId xmlns:p14="http://schemas.microsoft.com/office/powerpoint/2010/main" val="1379266464"/>
-      </p:ext>
-    </p:extLst>
-  </p:cSld>
-  <p:clrMapOvr>
-    <a:masterClrMapping/>
-  </p:clrMapOvr>
-  <mc:AlternateContent xmlns:mc="http://schemas.openxmlformats.org/markup-compatibility/2006" xmlns:p14="http://schemas.microsoft.com/office/powerpoint/2010/main">
-    <mc:Choice Requires="p14">
-      <p:transition spd="slow" p14:dur="2000"/>
-    </mc:Choice>
-    <mc:Fallback xmlns="">
-      <p:transition spd="slow"/>
-    </mc:Fallback>
-  </mc:AlternateContent>
-  <p:timing>
-    <p:tnLst>
-      <p:par>
-        <p:cTn id="1" dur="indefinite" restart="never" nodeType="tmRoot">
-          <p:childTnLst>
-            <p:seq concurrent="1" nextAc="seek">
-              <p:cTn id="2" dur="indefinite" nodeType="mainSeq">
-                <p:childTnLst>
-                  <p:par>
-                    <p:cTn id="3" fill="hold">
-                      <p:stCondLst>
-                        <p:cond delay="indefinite"/>
-                      </p:stCondLst>
-                      <p:childTnLst>
-                        <p:par>
-                          <p:cTn id="4" fill="hold">
-                            <p:stCondLst>
-                              <p:cond delay="0"/>
-                            </p:stCondLst>
-                            <p:childTnLst>
-                              <p:par>
-                                <p:cTn id="5" presetID="2" presetClass="entr" presetSubtype="1" fill="hold" grpId="0" nodeType="clickEffect">
-                                  <p:stCondLst>
-                                    <p:cond delay="0"/>
-                                  </p:stCondLst>
-                                  <p:childTnLst>
-                                    <p:set>
-                                      <p:cBhvr>
-                                        <p:cTn id="6" dur="1" fill="hold">
-                                          <p:stCondLst>
-                                            <p:cond delay="0"/>
-                                          </p:stCondLst>
-                                        </p:cTn>
-                                        <p:tgtEl>
-                                          <p:spTgt spid="13"/>
-                                        </p:tgtEl>
-                                        <p:attrNameLst>
-                                          <p:attrName>style.visibility</p:attrName>
-                                        </p:attrNameLst>
-                                      </p:cBhvr>
-                                      <p:to>
-                                        <p:strVal val="visible"/>
-                                      </p:to>
-                                    </p:set>
-                                    <p:anim calcmode="lin" valueType="num">
-                                      <p:cBhvr additive="base">
-                                        <p:cTn id="7" dur="500" fill="hold"/>
-                                        <p:tgtEl>
-                                          <p:spTgt spid="13"/>
-                                        </p:tgtEl>
-                                        <p:attrNameLst>
-                                          <p:attrName>ppt_x</p:attrName>
-                                        </p:attrNameLst>
-                                      </p:cBhvr>
-                                      <p:tavLst>
-                                        <p:tav tm="0">
-                                          <p:val>
-                                            <p:strVal val="#ppt_x"/>
-                                          </p:val>
-                                        </p:tav>
-                                        <p:tav tm="100000">
-                                          <p:val>
-                                            <p:strVal val="#ppt_x"/>
-                                          </p:val>
-                                        </p:tav>
-                                      </p:tavLst>
-                                    </p:anim>
-                                    <p:anim calcmode="lin" valueType="num">
-                                      <p:cBhvr additive="base">
-                                        <p:cTn id="8" dur="500" fill="hold"/>
-                                        <p:tgtEl>
-                                          <p:spTgt spid="13"/>
-                                        </p:tgtEl>
-                                        <p:attrNameLst>
-                                          <p:attrName>ppt_y</p:attrName>
-                                        </p:attrNameLst>
-                                      </p:cBhvr>
-                                      <p:tavLst>
-                                        <p:tav tm="0">
-                                          <p:val>
-                                            <p:strVal val="0-#ppt_h/2"/>
-                                          </p:val>
-                                        </p:tav>
-                                        <p:tav tm="100000">
-                                          <p:val>
-                                            <p:strVal val="#ppt_y"/>
-                                          </p:val>
-                                        </p:tav>
-                                      </p:tavLst>
-                                    </p:anim>
-                                  </p:childTnLst>
-                                </p:cTn>
-                              </p:par>
-                            </p:childTnLst>
-                          </p:cTn>
-                        </p:par>
-                      </p:childTnLst>
-                    </p:cTn>
-                  </p:par>
-                  <p:par>
-                    <p:cTn id="9" fill="hold">
-                      <p:stCondLst>
-                        <p:cond delay="indefinite"/>
-                      </p:stCondLst>
-                      <p:childTnLst>
-                        <p:par>
-                          <p:cTn id="10" fill="hold">
-                            <p:stCondLst>
-                              <p:cond delay="0"/>
-                            </p:stCondLst>
-                            <p:childTnLst>
-                              <p:par>
-                                <p:cTn id="11" presetID="1" presetClass="exit" presetSubtype="0" fill="hold" grpId="1" nodeType="clickEffect">
-                                  <p:stCondLst>
-                                    <p:cond delay="0"/>
-                                  </p:stCondLst>
-                                  <p:childTnLst>
-                                    <p:set>
-                                      <p:cBhvr>
-                                        <p:cTn id="12" dur="1" fill="hold">
-                                          <p:stCondLst>
-                                            <p:cond delay="0"/>
-                                          </p:stCondLst>
-                                        </p:cTn>
-                                        <p:tgtEl>
-                                          <p:spTgt spid="13"/>
-                                        </p:tgtEl>
-                                        <p:attrNameLst>
-                                          <p:attrName>style.visibility</p:attrName>
-                                        </p:attrNameLst>
-                                      </p:cBhvr>
-                                      <p:to>
-                                        <p:strVal val="hidden"/>
-                                      </p:to>
-                                    </p:set>
-                                  </p:childTnLst>
-                                </p:cTn>
-                              </p:par>
-                            </p:childTnLst>
-                          </p:cTn>
-                        </p:par>
-                      </p:childTnLst>
-                    </p:cTn>
-                  </p:par>
-                </p:childTnLst>
-              </p:cTn>
-              <p:prevCondLst>
-                <p:cond evt="onPrev" delay="0">
-                  <p:tgtEl>
-                    <p:sldTgt/>
-                  </p:tgtEl>
-                </p:cond>
-              </p:prevCondLst>
-              <p:nextCondLst>
-                <p:cond evt="onNext" delay="0">
-                  <p:tgtEl>
-                    <p:sldTgt/>
-                  </p:tgtEl>
-                </p:cond>
-              </p:nextCondLst>
-            </p:seq>
-          </p:childTnLst>
-        </p:cTn>
-      </p:par>
-    </p:tnLst>
-    <p:bldLst>
-      <p:bldP spid="13" grpId="0" animBg="1"/>
-      <p:bldP spid="13" grpId="1" animBg="1"/>
-    </p:bldLst>
-  </p:timing>
-</p:sld>
-</file>
-
-<file path=ppt/slides/slide11.xml><?xml version="1.0" encoding="utf-8"?>
-<p:sld xmlns:a="http://schemas.openxmlformats.org/drawingml/2006/main" xmlns:r="http://schemas.openxmlformats.org/officeDocument/2006/relationships" xmlns:p="http://schemas.openxmlformats.org/presentationml/2006/main">
-  <p:cSld>
-    <p:spTree>
-      <p:nvGrpSpPr>
-        <p:cNvPr id="1" name=""/>
-        <p:cNvGrpSpPr/>
-        <p:nvPr/>
-      </p:nvGrpSpPr>
-      <p:grpSpPr>
-        <a:xfrm>
-          <a:off x="0" y="0"/>
-          <a:ext cx="0" cy="0"/>
-          <a:chOff x="0" y="0"/>
-          <a:chExt cx="0" cy="0"/>
-        </a:xfrm>
-      </p:grpSpPr>
-      <p:sp>
-        <p:nvSpPr>
           <p:cNvPr id="5" name="TextBox 4"/>
           <p:cNvSpPr txBox="1"/>
           <p:nvPr/>
@@ -6588,6 +5340,50 @@
           </a:p>
         </p:txBody>
       </p:sp>
+      <p:sp>
+        <p:nvSpPr>
+          <p:cNvPr id="15" name="모서리가 둥근 직사각형 14"/>
+          <p:cNvSpPr/>
+          <p:nvPr/>
+        </p:nvSpPr>
+        <p:spPr>
+          <a:xfrm>
+            <a:off x="4925941" y="5733255"/>
+            <a:ext cx="1620000" cy="612000"/>
+          </a:xfrm>
+          <a:prstGeom prst="roundRect">
+            <a:avLst/>
+          </a:prstGeom>
+        </p:spPr>
+        <p:style>
+          <a:lnRef idx="2">
+            <a:schemeClr val="accent2">
+              <a:shade val="50000"/>
+            </a:schemeClr>
+          </a:lnRef>
+          <a:fillRef idx="1">
+            <a:schemeClr val="accent2"/>
+          </a:fillRef>
+          <a:effectRef idx="0">
+            <a:schemeClr val="accent2"/>
+          </a:effectRef>
+          <a:fontRef idx="minor">
+            <a:schemeClr val="lt1"/>
+          </a:fontRef>
+        </p:style>
+        <p:txBody>
+          <a:bodyPr rtlCol="0" anchor="ctr"/>
+          <a:lstStyle/>
+          <a:p>
+            <a:pPr algn="ctr"/>
+            <a:r>
+              <a:rPr lang="ko-KR" altLang="en-US" dirty="0" smtClean="0"/>
+              <a:t>검색</a:t>
+            </a:r>
+            <a:endParaRPr lang="ko-KR" altLang="en-US" dirty="0"/>
+          </a:p>
+        </p:txBody>
+      </p:sp>
     </p:spTree>
     <p:extLst>
       <p:ext uri="{BB962C8B-B14F-4D97-AF65-F5344CB8AC3E}">
@@ -6709,6 +5505,1254 @@
     </p:tnLst>
     <p:bldLst>
       <p:bldP spid="16" grpId="0"/>
+    </p:bldLst>
+  </p:timing>
+</p:sld>
+</file>
+
+<file path=ppt/slides/slide11.xml><?xml version="1.0" encoding="utf-8"?>
+<p:sld xmlns:a="http://schemas.openxmlformats.org/drawingml/2006/main" xmlns:r="http://schemas.openxmlformats.org/officeDocument/2006/relationships" xmlns:p="http://schemas.openxmlformats.org/presentationml/2006/main">
+  <p:cSld>
+    <p:spTree>
+      <p:nvGrpSpPr>
+        <p:cNvPr id="1" name=""/>
+        <p:cNvGrpSpPr/>
+        <p:nvPr/>
+      </p:nvGrpSpPr>
+      <p:grpSpPr>
+        <a:xfrm>
+          <a:off x="0" y="0"/>
+          <a:ext cx="0" cy="0"/>
+          <a:chOff x="0" y="0"/>
+          <a:chExt cx="0" cy="0"/>
+        </a:xfrm>
+      </p:grpSpPr>
+      <p:sp>
+        <p:nvSpPr>
+          <p:cNvPr id="13" name="모서리가 둥근 직사각형 12"/>
+          <p:cNvSpPr/>
+          <p:nvPr/>
+        </p:nvSpPr>
+        <p:spPr>
+          <a:xfrm>
+            <a:off x="2416170" y="525318"/>
+            <a:ext cx="5150536" cy="2225548"/>
+          </a:xfrm>
+          <a:prstGeom prst="roundRect">
+            <a:avLst/>
+          </a:prstGeom>
+          <a:solidFill>
+            <a:schemeClr val="bg1"/>
+          </a:solidFill>
+          <a:ln>
+            <a:solidFill>
+              <a:schemeClr val="accent2"/>
+            </a:solidFill>
+          </a:ln>
+        </p:spPr>
+        <p:style>
+          <a:lnRef idx="2">
+            <a:schemeClr val="accent2">
+              <a:shade val="50000"/>
+            </a:schemeClr>
+          </a:lnRef>
+          <a:fillRef idx="1">
+            <a:schemeClr val="accent2"/>
+          </a:fillRef>
+          <a:effectRef idx="0">
+            <a:schemeClr val="accent2"/>
+          </a:effectRef>
+          <a:fontRef idx="minor">
+            <a:schemeClr val="lt1"/>
+          </a:fontRef>
+        </p:style>
+        <p:txBody>
+          <a:bodyPr rtlCol="0" anchor="ctr"/>
+          <a:lstStyle/>
+          <a:p>
+            <a:pPr algn="ctr"/>
+            <a:r>
+              <a:rPr lang="ko-KR" altLang="en-US" dirty="0" smtClean="0">
+                <a:solidFill>
+                  <a:schemeClr val="tx1"/>
+                </a:solidFill>
+              </a:rPr>
+              <a:t>발주 내역이 </a:t>
+            </a:r>
+            <a:r>
+              <a:rPr lang="en-US" altLang="ko-KR" dirty="0" smtClean="0">
+                <a:solidFill>
+                  <a:schemeClr val="tx1"/>
+                </a:solidFill>
+              </a:rPr>
+              <a:t>CSV</a:t>
+            </a:r>
+            <a:r>
+              <a:rPr lang="ko-KR" altLang="en-US" dirty="0" smtClean="0">
+                <a:solidFill>
+                  <a:schemeClr val="tx1"/>
+                </a:solidFill>
+              </a:rPr>
+              <a:t>파일로 다운로드 되었습니다</a:t>
+            </a:r>
+            <a:r>
+              <a:rPr lang="en-US" altLang="ko-KR" dirty="0" smtClean="0">
+                <a:solidFill>
+                  <a:schemeClr val="tx1"/>
+                </a:solidFill>
+              </a:rPr>
+              <a:t>.</a:t>
+            </a:r>
+            <a:endParaRPr lang="ko-KR" altLang="en-US" dirty="0">
+              <a:solidFill>
+                <a:schemeClr val="tx1"/>
+              </a:solidFill>
+            </a:endParaRPr>
+          </a:p>
+        </p:txBody>
+      </p:sp>
+      <p:sp>
+        <p:nvSpPr>
+          <p:cNvPr id="5" name="모서리가 둥근 직사각형 4">
+            <a:hlinkClick r:id="rId2" action="ppaction://hlinksldjump"/>
+          </p:cNvPr>
+          <p:cNvSpPr/>
+          <p:nvPr/>
+        </p:nvSpPr>
+        <p:spPr>
+          <a:xfrm>
+            <a:off x="1403648" y="5733256"/>
+            <a:ext cx="1620000" cy="612000"/>
+          </a:xfrm>
+          <a:prstGeom prst="roundRect">
+            <a:avLst/>
+          </a:prstGeom>
+        </p:spPr>
+        <p:style>
+          <a:lnRef idx="2">
+            <a:schemeClr val="accent2">
+              <a:shade val="50000"/>
+            </a:schemeClr>
+          </a:lnRef>
+          <a:fillRef idx="1">
+            <a:schemeClr val="accent2"/>
+          </a:fillRef>
+          <a:effectRef idx="0">
+            <a:schemeClr val="accent2"/>
+          </a:effectRef>
+          <a:fontRef idx="minor">
+            <a:schemeClr val="lt1"/>
+          </a:fontRef>
+        </p:style>
+        <p:txBody>
+          <a:bodyPr rtlCol="0" anchor="ctr"/>
+          <a:lstStyle/>
+          <a:p>
+            <a:pPr algn="ctr"/>
+            <a:r>
+              <a:rPr lang="ko-KR" altLang="en-US" sz="1600" dirty="0" smtClean="0"/>
+              <a:t>전체 발주</a:t>
+            </a:r>
+            <a:endParaRPr lang="en-US" altLang="ko-KR" sz="1600" dirty="0" smtClean="0"/>
+          </a:p>
+          <a:p>
+            <a:pPr algn="ctr"/>
+            <a:r>
+              <a:rPr lang="ko-KR" altLang="en-US" sz="1600" dirty="0" smtClean="0"/>
+              <a:t>리스트</a:t>
+            </a:r>
+            <a:endParaRPr lang="ko-KR" altLang="en-US" sz="1600" dirty="0"/>
+          </a:p>
+        </p:txBody>
+      </p:sp>
+      <p:sp>
+        <p:nvSpPr>
+          <p:cNvPr id="7" name="모서리가 둥근 직사각형 6">
+            <a:hlinkClick r:id="rId3" action="ppaction://hlinksldjump"/>
+          </p:cNvPr>
+          <p:cNvSpPr/>
+          <p:nvPr/>
+        </p:nvSpPr>
+        <p:spPr>
+          <a:xfrm>
+            <a:off x="6840432" y="258520"/>
+            <a:ext cx="1620000" cy="612000"/>
+          </a:xfrm>
+          <a:prstGeom prst="roundRect">
+            <a:avLst/>
+          </a:prstGeom>
+        </p:spPr>
+        <p:style>
+          <a:lnRef idx="2">
+            <a:schemeClr val="accent2">
+              <a:shade val="50000"/>
+            </a:schemeClr>
+          </a:lnRef>
+          <a:fillRef idx="1">
+            <a:schemeClr val="accent2"/>
+          </a:fillRef>
+          <a:effectRef idx="0">
+            <a:schemeClr val="accent2"/>
+          </a:effectRef>
+          <a:fontRef idx="minor">
+            <a:schemeClr val="lt1"/>
+          </a:fontRef>
+        </p:style>
+        <p:txBody>
+          <a:bodyPr rtlCol="0" anchor="ctr"/>
+          <a:lstStyle/>
+          <a:p>
+            <a:pPr algn="ctr"/>
+            <a:r>
+              <a:rPr lang="ko-KR" altLang="en-US" dirty="0" smtClean="0"/>
+              <a:t>로그아웃</a:t>
+            </a:r>
+            <a:endParaRPr lang="ko-KR" altLang="en-US" dirty="0"/>
+          </a:p>
+        </p:txBody>
+      </p:sp>
+      <p:sp>
+        <p:nvSpPr>
+          <p:cNvPr id="8" name="모서리가 둥근 직사각형 7">
+            <a:hlinkClick r:id="rId4" action="ppaction://hlinksldjump"/>
+          </p:cNvPr>
+          <p:cNvSpPr/>
+          <p:nvPr/>
+        </p:nvSpPr>
+        <p:spPr>
+          <a:xfrm>
+            <a:off x="6840432" y="5733257"/>
+            <a:ext cx="1620000" cy="612000"/>
+          </a:xfrm>
+          <a:prstGeom prst="roundRect">
+            <a:avLst/>
+          </a:prstGeom>
+        </p:spPr>
+        <p:style>
+          <a:lnRef idx="2">
+            <a:schemeClr val="accent2">
+              <a:shade val="50000"/>
+            </a:schemeClr>
+          </a:lnRef>
+          <a:fillRef idx="1">
+            <a:schemeClr val="accent2"/>
+          </a:fillRef>
+          <a:effectRef idx="0">
+            <a:schemeClr val="accent2"/>
+          </a:effectRef>
+          <a:fontRef idx="minor">
+            <a:schemeClr val="lt1"/>
+          </a:fontRef>
+        </p:style>
+        <p:txBody>
+          <a:bodyPr rtlCol="0" anchor="ctr"/>
+          <a:lstStyle/>
+          <a:p>
+            <a:pPr algn="ctr"/>
+            <a:r>
+              <a:rPr lang="ko-KR" altLang="en-US" dirty="0" err="1" smtClean="0"/>
+              <a:t>뒤로가기</a:t>
+            </a:r>
+            <a:endParaRPr lang="ko-KR" altLang="en-US" dirty="0"/>
+          </a:p>
+        </p:txBody>
+      </p:sp>
+      <p:sp>
+        <p:nvSpPr>
+          <p:cNvPr id="12" name="모서리가 둥근 직사각형 11"/>
+          <p:cNvSpPr/>
+          <p:nvPr/>
+        </p:nvSpPr>
+        <p:spPr>
+          <a:xfrm>
+            <a:off x="3215909" y="5733256"/>
+            <a:ext cx="1620000" cy="612000"/>
+          </a:xfrm>
+          <a:prstGeom prst="roundRect">
+            <a:avLst/>
+          </a:prstGeom>
+        </p:spPr>
+        <p:style>
+          <a:lnRef idx="2">
+            <a:schemeClr val="accent2">
+              <a:shade val="50000"/>
+            </a:schemeClr>
+          </a:lnRef>
+          <a:fillRef idx="1">
+            <a:schemeClr val="accent2"/>
+          </a:fillRef>
+          <a:effectRef idx="0">
+            <a:schemeClr val="accent2"/>
+          </a:effectRef>
+          <a:fontRef idx="minor">
+            <a:schemeClr val="lt1"/>
+          </a:fontRef>
+        </p:style>
+        <p:txBody>
+          <a:bodyPr rtlCol="0" anchor="ctr"/>
+          <a:lstStyle/>
+          <a:p>
+            <a:pPr algn="ctr"/>
+            <a:r>
+              <a:rPr lang="ko-KR" altLang="en-US" sz="1600" dirty="0" smtClean="0"/>
+              <a:t>발주 </a:t>
+            </a:r>
+            <a:r>
+              <a:rPr lang="en-US" altLang="ko-KR" sz="1600" dirty="0" smtClean="0"/>
+              <a:t>CSV</a:t>
+            </a:r>
+            <a:endParaRPr lang="en-US" altLang="ko-KR" sz="1600" dirty="0"/>
+          </a:p>
+          <a:p>
+            <a:pPr algn="ctr"/>
+            <a:r>
+              <a:rPr lang="ko-KR" altLang="en-US" sz="1600" dirty="0" smtClean="0"/>
+              <a:t>다운로드</a:t>
+            </a:r>
+            <a:endParaRPr lang="en-US" altLang="ko-KR" sz="1600" dirty="0" smtClean="0"/>
+          </a:p>
+        </p:txBody>
+      </p:sp>
+      <p:sp>
+        <p:nvSpPr>
+          <p:cNvPr id="14" name="TextBox 13"/>
+          <p:cNvSpPr txBox="1"/>
+          <p:nvPr/>
+        </p:nvSpPr>
+        <p:spPr>
+          <a:xfrm>
+            <a:off x="971600" y="0"/>
+            <a:ext cx="2736304" cy="369332"/>
+          </a:xfrm>
+          <a:prstGeom prst="rect">
+            <a:avLst/>
+          </a:prstGeom>
+          <a:noFill/>
+        </p:spPr>
+        <p:txBody>
+          <a:bodyPr wrap="square" rtlCol="0">
+            <a:spAutoFit/>
+          </a:bodyPr>
+          <a:lstStyle/>
+          <a:p>
+            <a:r>
+              <a:rPr lang="en-US" altLang="ko-KR" dirty="0" smtClean="0"/>
+              <a:t>Supplier</a:t>
+            </a:r>
+            <a:endParaRPr lang="ko-KR" altLang="en-US" dirty="0"/>
+          </a:p>
+        </p:txBody>
+      </p:sp>
+      <p:sp>
+        <p:nvSpPr>
+          <p:cNvPr id="15" name="모서리가 둥근 직사각형 14">
+            <a:hlinkClick r:id="rId5" action="ppaction://hlinksldjump"/>
+          </p:cNvPr>
+          <p:cNvSpPr/>
+          <p:nvPr/>
+        </p:nvSpPr>
+        <p:spPr>
+          <a:xfrm>
+            <a:off x="5028170" y="5733256"/>
+            <a:ext cx="1620000" cy="612001"/>
+          </a:xfrm>
+          <a:prstGeom prst="roundRect">
+            <a:avLst/>
+          </a:prstGeom>
+        </p:spPr>
+        <p:style>
+          <a:lnRef idx="2">
+            <a:schemeClr val="accent2">
+              <a:shade val="50000"/>
+            </a:schemeClr>
+          </a:lnRef>
+          <a:fillRef idx="1">
+            <a:schemeClr val="accent2"/>
+          </a:fillRef>
+          <a:effectRef idx="0">
+            <a:schemeClr val="accent2"/>
+          </a:effectRef>
+          <a:fontRef idx="minor">
+            <a:schemeClr val="lt1"/>
+          </a:fontRef>
+        </p:style>
+        <p:txBody>
+          <a:bodyPr rtlCol="0" anchor="ctr"/>
+          <a:lstStyle/>
+          <a:p>
+            <a:pPr algn="ctr"/>
+            <a:r>
+              <a:rPr lang="ko-KR" altLang="en-US" dirty="0" smtClean="0"/>
+              <a:t>납품내</a:t>
+            </a:r>
+            <a:r>
+              <a:rPr lang="ko-KR" altLang="en-US" dirty="0"/>
+              <a:t>역</a:t>
+            </a:r>
+          </a:p>
+        </p:txBody>
+      </p:sp>
+      <p:sp>
+        <p:nvSpPr>
+          <p:cNvPr id="16" name="TextBox 15"/>
+          <p:cNvSpPr txBox="1"/>
+          <p:nvPr/>
+        </p:nvSpPr>
+        <p:spPr>
+          <a:xfrm>
+            <a:off x="4644008" y="4981818"/>
+            <a:ext cx="720080" cy="369332"/>
+          </a:xfrm>
+          <a:prstGeom prst="rect">
+            <a:avLst/>
+          </a:prstGeom>
+          <a:noFill/>
+        </p:spPr>
+        <p:txBody>
+          <a:bodyPr wrap="square" rtlCol="0">
+            <a:spAutoFit/>
+          </a:bodyPr>
+          <a:lstStyle/>
+          <a:p>
+            <a:r>
+              <a:rPr lang="en-US" altLang="ko-KR" dirty="0" smtClean="0"/>
+              <a:t>- 1 -</a:t>
+            </a:r>
+            <a:endParaRPr lang="ko-KR" altLang="en-US" dirty="0"/>
+          </a:p>
+        </p:txBody>
+      </p:sp>
+      <p:grpSp>
+        <p:nvGrpSpPr>
+          <p:cNvPr id="18" name="그룹 17"/>
+          <p:cNvGrpSpPr/>
+          <p:nvPr/>
+        </p:nvGrpSpPr>
+        <p:grpSpPr>
+          <a:xfrm>
+            <a:off x="1545988" y="1110094"/>
+            <a:ext cx="6916120" cy="4320480"/>
+            <a:chOff x="1545988" y="1110094"/>
+            <a:chExt cx="6916120" cy="4320480"/>
+          </a:xfrm>
+        </p:grpSpPr>
+        <p:sp>
+          <p:nvSpPr>
+            <p:cNvPr id="19" name="모서리가 둥근 직사각형 18"/>
+            <p:cNvSpPr/>
+            <p:nvPr/>
+          </p:nvSpPr>
+          <p:spPr>
+            <a:xfrm>
+              <a:off x="1545988" y="1110094"/>
+              <a:ext cx="6916120" cy="4320480"/>
+            </a:xfrm>
+            <a:prstGeom prst="roundRect">
+              <a:avLst/>
+            </a:prstGeom>
+          </p:spPr>
+          <p:style>
+            <a:lnRef idx="2">
+              <a:schemeClr val="accent2"/>
+            </a:lnRef>
+            <a:fillRef idx="1">
+              <a:schemeClr val="lt1"/>
+            </a:fillRef>
+            <a:effectRef idx="0">
+              <a:schemeClr val="accent2"/>
+            </a:effectRef>
+            <a:fontRef idx="minor">
+              <a:schemeClr val="dk1"/>
+            </a:fontRef>
+          </p:style>
+          <p:txBody>
+            <a:bodyPr rtlCol="0" anchor="ctr"/>
+            <a:lstStyle/>
+            <a:p>
+              <a:pPr algn="ctr"/>
+              <a:r>
+                <a:rPr lang="ko-KR" altLang="en-US" dirty="0" smtClean="0">
+                  <a:solidFill>
+                    <a:schemeClr val="tx1"/>
+                  </a:solidFill>
+                </a:rPr>
+                <a:t> </a:t>
+              </a:r>
+              <a:endParaRPr lang="ko-KR" altLang="en-US" dirty="0">
+                <a:solidFill>
+                  <a:schemeClr val="tx1"/>
+                </a:solidFill>
+              </a:endParaRPr>
+            </a:p>
+          </p:txBody>
+        </p:sp>
+        <p:sp>
+          <p:nvSpPr>
+            <p:cNvPr id="24" name="TextBox 23"/>
+            <p:cNvSpPr txBox="1"/>
+            <p:nvPr/>
+          </p:nvSpPr>
+          <p:spPr>
+            <a:xfrm>
+              <a:off x="1691680" y="1669450"/>
+              <a:ext cx="6768752" cy="369332"/>
+            </a:xfrm>
+            <a:prstGeom prst="rect">
+              <a:avLst/>
+            </a:prstGeom>
+            <a:noFill/>
+          </p:spPr>
+          <p:txBody>
+            <a:bodyPr wrap="square" rtlCol="0">
+              <a:spAutoFit/>
+            </a:bodyPr>
+            <a:lstStyle/>
+            <a:p>
+              <a:r>
+                <a:rPr lang="ko-KR" altLang="en-US" dirty="0" smtClean="0"/>
+                <a:t>        상품코드             상품명             개수           단가</a:t>
+              </a:r>
+              <a:r>
+                <a:rPr lang="en-US" altLang="ko-KR" dirty="0" smtClean="0"/>
+                <a:t>      </a:t>
+              </a:r>
+              <a:r>
+                <a:rPr lang="ko-KR" altLang="en-US" dirty="0" smtClean="0"/>
+                <a:t>  합계</a:t>
+              </a:r>
+              <a:endParaRPr lang="en-US" altLang="ko-KR" dirty="0" smtClean="0"/>
+            </a:p>
+          </p:txBody>
+        </p:sp>
+      </p:grpSp>
+      <p:sp>
+        <p:nvSpPr>
+          <p:cNvPr id="30" name="TextBox 29"/>
+          <p:cNvSpPr txBox="1"/>
+          <p:nvPr/>
+        </p:nvSpPr>
+        <p:spPr>
+          <a:xfrm>
+            <a:off x="1763688" y="2204864"/>
+            <a:ext cx="1656184" cy="2031325"/>
+          </a:xfrm>
+          <a:prstGeom prst="rect">
+            <a:avLst/>
+          </a:prstGeom>
+          <a:noFill/>
+        </p:spPr>
+        <p:txBody>
+          <a:bodyPr wrap="square" rtlCol="0">
+            <a:spAutoFit/>
+          </a:bodyPr>
+          <a:lstStyle/>
+          <a:p>
+            <a:pPr marL="342900" indent="-342900">
+              <a:buAutoNum type="arabicPeriod"/>
+            </a:pPr>
+            <a:r>
+              <a:rPr lang="en-US" altLang="ko-KR" dirty="0" smtClean="0"/>
+              <a:t>    A1002</a:t>
+            </a:r>
+          </a:p>
+          <a:p>
+            <a:pPr marL="342900" indent="-342900">
+              <a:buAutoNum type="arabicPeriod"/>
+            </a:pPr>
+            <a:r>
+              <a:rPr lang="en-US" altLang="ko-KR" dirty="0" smtClean="0"/>
+              <a:t>    A1004</a:t>
+            </a:r>
+          </a:p>
+          <a:p>
+            <a:pPr marL="342900" indent="-342900">
+              <a:buAutoNum type="arabicPeriod"/>
+            </a:pPr>
+            <a:r>
+              <a:rPr lang="en-US" altLang="ko-KR" dirty="0"/>
+              <a:t> </a:t>
+            </a:r>
+            <a:r>
+              <a:rPr lang="en-US" altLang="ko-KR" dirty="0" smtClean="0"/>
+              <a:t>   A1012</a:t>
+            </a:r>
+          </a:p>
+          <a:p>
+            <a:pPr marL="342900" indent="-342900">
+              <a:buAutoNum type="arabicPeriod"/>
+            </a:pPr>
+            <a:r>
+              <a:rPr lang="en-US" altLang="ko-KR" dirty="0"/>
+              <a:t> </a:t>
+            </a:r>
+            <a:r>
+              <a:rPr lang="en-US" altLang="ko-KR" dirty="0" smtClean="0"/>
+              <a:t>   B1001</a:t>
+            </a:r>
+          </a:p>
+          <a:p>
+            <a:pPr marL="342900" indent="-342900">
+              <a:buAutoNum type="arabicPeriod"/>
+            </a:pPr>
+            <a:r>
+              <a:rPr lang="en-US" altLang="ko-KR" dirty="0"/>
+              <a:t> </a:t>
+            </a:r>
+            <a:r>
+              <a:rPr lang="en-US" altLang="ko-KR" dirty="0" smtClean="0"/>
+              <a:t>   C1011</a:t>
+            </a:r>
+          </a:p>
+          <a:p>
+            <a:pPr marL="342900" indent="-342900">
+              <a:buAutoNum type="arabicPeriod"/>
+            </a:pPr>
+            <a:r>
+              <a:rPr lang="en-US" altLang="ko-KR" dirty="0"/>
+              <a:t> </a:t>
+            </a:r>
+            <a:r>
+              <a:rPr lang="en-US" altLang="ko-KR" dirty="0" smtClean="0"/>
+              <a:t>   D1001</a:t>
+            </a:r>
+          </a:p>
+          <a:p>
+            <a:pPr marL="342900" indent="-342900">
+              <a:buAutoNum type="arabicPeriod"/>
+            </a:pPr>
+            <a:r>
+              <a:rPr lang="en-US" altLang="ko-KR" dirty="0"/>
+              <a:t> </a:t>
+            </a:r>
+            <a:r>
+              <a:rPr lang="en-US" altLang="ko-KR" dirty="0" smtClean="0"/>
+              <a:t>   D1010</a:t>
+            </a:r>
+          </a:p>
+        </p:txBody>
+      </p:sp>
+      <p:sp>
+        <p:nvSpPr>
+          <p:cNvPr id="31" name="TextBox 30"/>
+          <p:cNvSpPr txBox="1"/>
+          <p:nvPr/>
+        </p:nvSpPr>
+        <p:spPr>
+          <a:xfrm>
+            <a:off x="3419872" y="2204864"/>
+            <a:ext cx="2304256" cy="2031325"/>
+          </a:xfrm>
+          <a:prstGeom prst="rect">
+            <a:avLst/>
+          </a:prstGeom>
+          <a:noFill/>
+        </p:spPr>
+        <p:txBody>
+          <a:bodyPr wrap="square" rtlCol="0">
+            <a:spAutoFit/>
+          </a:bodyPr>
+          <a:lstStyle/>
+          <a:p>
+            <a:r>
+              <a:rPr lang="ko-KR" altLang="en-US" dirty="0" smtClean="0"/>
+              <a:t>삼겹살 </a:t>
+            </a:r>
+            <a:r>
+              <a:rPr lang="en-US" altLang="ko-KR" dirty="0" smtClean="0"/>
+              <a:t>1kg</a:t>
+            </a:r>
+          </a:p>
+          <a:p>
+            <a:r>
+              <a:rPr lang="ko-KR" altLang="en-US" dirty="0" smtClean="0"/>
+              <a:t>목살 </a:t>
+            </a:r>
+            <a:r>
+              <a:rPr lang="en-US" altLang="ko-KR" dirty="0" smtClean="0"/>
+              <a:t>1kg</a:t>
+            </a:r>
+          </a:p>
+          <a:p>
+            <a:r>
+              <a:rPr lang="ko-KR" altLang="en-US" dirty="0" smtClean="0"/>
+              <a:t>대파 </a:t>
+            </a:r>
+            <a:r>
+              <a:rPr lang="en-US" altLang="ko-KR" dirty="0" smtClean="0"/>
+              <a:t>1</a:t>
+            </a:r>
+            <a:r>
+              <a:rPr lang="ko-KR" altLang="en-US" dirty="0" smtClean="0"/>
+              <a:t>단</a:t>
+            </a:r>
+            <a:endParaRPr lang="en-US" altLang="ko-KR" dirty="0" smtClean="0"/>
+          </a:p>
+          <a:p>
+            <a:r>
+              <a:rPr lang="ko-KR" altLang="en-US" dirty="0" smtClean="0"/>
+              <a:t>쌈장 </a:t>
+            </a:r>
+            <a:r>
+              <a:rPr lang="en-US" altLang="ko-KR" dirty="0" smtClean="0"/>
+              <a:t>150g</a:t>
+            </a:r>
+          </a:p>
+          <a:p>
+            <a:r>
+              <a:rPr lang="ko-KR" altLang="en-US" dirty="0" smtClean="0"/>
+              <a:t>일회용젓가락 </a:t>
+            </a:r>
+            <a:r>
+              <a:rPr lang="en-US" altLang="ko-KR" dirty="0" smtClean="0"/>
+              <a:t>50</a:t>
+            </a:r>
+            <a:r>
+              <a:rPr lang="ko-KR" altLang="en-US" dirty="0" smtClean="0"/>
+              <a:t>개</a:t>
+            </a:r>
+            <a:endParaRPr lang="en-US" altLang="ko-KR" dirty="0" smtClean="0"/>
+          </a:p>
+          <a:p>
+            <a:r>
+              <a:rPr lang="ko-KR" altLang="en-US" dirty="0" smtClean="0"/>
+              <a:t>일회용 용기 </a:t>
+            </a:r>
+            <a:r>
+              <a:rPr lang="en-US" altLang="ko-KR" dirty="0" smtClean="0"/>
+              <a:t>50</a:t>
+            </a:r>
+            <a:r>
+              <a:rPr lang="ko-KR" altLang="en-US" dirty="0" smtClean="0"/>
+              <a:t>개</a:t>
+            </a:r>
+            <a:endParaRPr lang="en-US" altLang="ko-KR" dirty="0" smtClean="0"/>
+          </a:p>
+          <a:p>
+            <a:r>
+              <a:rPr lang="ko-KR" altLang="en-US" dirty="0" smtClean="0"/>
+              <a:t>콜라 </a:t>
+            </a:r>
+            <a:r>
+              <a:rPr lang="en-US" altLang="ko-KR" dirty="0" smtClean="0"/>
+              <a:t>1.5L</a:t>
+            </a:r>
+            <a:endParaRPr lang="ko-KR" altLang="en-US" dirty="0"/>
+          </a:p>
+        </p:txBody>
+      </p:sp>
+      <p:sp>
+        <p:nvSpPr>
+          <p:cNvPr id="32" name="TextBox 31"/>
+          <p:cNvSpPr txBox="1"/>
+          <p:nvPr/>
+        </p:nvSpPr>
+        <p:spPr>
+          <a:xfrm>
+            <a:off x="5580112" y="2204864"/>
+            <a:ext cx="576064" cy="2031325"/>
+          </a:xfrm>
+          <a:prstGeom prst="rect">
+            <a:avLst/>
+          </a:prstGeom>
+          <a:noFill/>
+        </p:spPr>
+        <p:txBody>
+          <a:bodyPr wrap="square" rtlCol="0">
+            <a:spAutoFit/>
+          </a:bodyPr>
+          <a:lstStyle/>
+          <a:p>
+            <a:r>
+              <a:rPr lang="en-US" altLang="ko-KR" dirty="0" smtClean="0"/>
+              <a:t>100</a:t>
+            </a:r>
+          </a:p>
+          <a:p>
+            <a:r>
+              <a:rPr lang="en-US" altLang="ko-KR" dirty="0" smtClean="0"/>
+              <a:t>100</a:t>
+            </a:r>
+          </a:p>
+          <a:p>
+            <a:r>
+              <a:rPr lang="en-US" altLang="ko-KR" dirty="0" smtClean="0"/>
+              <a:t>100</a:t>
+            </a:r>
+          </a:p>
+          <a:p>
+            <a:r>
+              <a:rPr lang="en-US" altLang="ko-KR" dirty="0" smtClean="0"/>
+              <a:t>100</a:t>
+            </a:r>
+          </a:p>
+          <a:p>
+            <a:r>
+              <a:rPr lang="en-US" altLang="ko-KR" dirty="0" smtClean="0"/>
+              <a:t>100</a:t>
+            </a:r>
+          </a:p>
+          <a:p>
+            <a:r>
+              <a:rPr lang="en-US" altLang="ko-KR" dirty="0" smtClean="0"/>
+              <a:t>100</a:t>
+            </a:r>
+          </a:p>
+          <a:p>
+            <a:r>
+              <a:rPr lang="en-US" altLang="ko-KR" dirty="0" smtClean="0"/>
+              <a:t>100</a:t>
+            </a:r>
+            <a:endParaRPr lang="ko-KR" altLang="en-US" dirty="0"/>
+          </a:p>
+        </p:txBody>
+      </p:sp>
+      <p:sp>
+        <p:nvSpPr>
+          <p:cNvPr id="33" name="TextBox 32"/>
+          <p:cNvSpPr txBox="1"/>
+          <p:nvPr/>
+        </p:nvSpPr>
+        <p:spPr>
+          <a:xfrm>
+            <a:off x="6036102" y="2204864"/>
+            <a:ext cx="1224136" cy="2308324"/>
+          </a:xfrm>
+          <a:prstGeom prst="rect">
+            <a:avLst/>
+          </a:prstGeom>
+          <a:noFill/>
+        </p:spPr>
+        <p:txBody>
+          <a:bodyPr wrap="square" rtlCol="0">
+            <a:spAutoFit/>
+          </a:bodyPr>
+          <a:lstStyle/>
+          <a:p>
+            <a:pPr algn="r"/>
+            <a:r>
+              <a:rPr lang="en-US" altLang="ko-KR" dirty="0" smtClean="0"/>
+              <a:t>5,000</a:t>
+            </a:r>
+          </a:p>
+          <a:p>
+            <a:pPr algn="r"/>
+            <a:r>
+              <a:rPr lang="en-US" altLang="ko-KR" dirty="0" smtClean="0"/>
+              <a:t>7,000</a:t>
+            </a:r>
+          </a:p>
+          <a:p>
+            <a:pPr algn="r"/>
+            <a:r>
+              <a:rPr lang="en-US" altLang="ko-KR" dirty="0" smtClean="0"/>
+              <a:t>3,000</a:t>
+            </a:r>
+          </a:p>
+          <a:p>
+            <a:pPr algn="r"/>
+            <a:r>
+              <a:rPr lang="en-US" altLang="ko-KR" dirty="0" smtClean="0"/>
+              <a:t>2,000</a:t>
+            </a:r>
+          </a:p>
+          <a:p>
+            <a:pPr algn="r"/>
+            <a:r>
+              <a:rPr lang="en-US" altLang="ko-KR" dirty="0" smtClean="0"/>
+              <a:t>1,500</a:t>
+            </a:r>
+          </a:p>
+          <a:p>
+            <a:pPr algn="r"/>
+            <a:r>
+              <a:rPr lang="en-US" altLang="ko-KR" dirty="0" smtClean="0"/>
+              <a:t>2,500</a:t>
+            </a:r>
+          </a:p>
+          <a:p>
+            <a:pPr algn="r"/>
+            <a:r>
+              <a:rPr lang="en-US" altLang="ko-KR" dirty="0" smtClean="0"/>
+              <a:t>2,500</a:t>
+            </a:r>
+          </a:p>
+          <a:p>
+            <a:pPr algn="r"/>
+            <a:endParaRPr lang="ko-KR" altLang="en-US" dirty="0"/>
+          </a:p>
+        </p:txBody>
+      </p:sp>
+      <p:sp>
+        <p:nvSpPr>
+          <p:cNvPr id="37" name="TextBox 36"/>
+          <p:cNvSpPr txBox="1"/>
+          <p:nvPr/>
+        </p:nvSpPr>
+        <p:spPr>
+          <a:xfrm>
+            <a:off x="7314868" y="2204864"/>
+            <a:ext cx="954800" cy="2031325"/>
+          </a:xfrm>
+          <a:prstGeom prst="rect">
+            <a:avLst/>
+          </a:prstGeom>
+          <a:noFill/>
+        </p:spPr>
+        <p:txBody>
+          <a:bodyPr wrap="square" rtlCol="0">
+            <a:spAutoFit/>
+          </a:bodyPr>
+          <a:lstStyle/>
+          <a:p>
+            <a:pPr algn="r"/>
+            <a:r>
+              <a:rPr lang="en-US" altLang="ko-KR" dirty="0" smtClean="0"/>
+              <a:t>500000</a:t>
+            </a:r>
+          </a:p>
+          <a:p>
+            <a:pPr algn="r"/>
+            <a:r>
+              <a:rPr lang="en-US" altLang="ko-KR" dirty="0" smtClean="0"/>
+              <a:t>700000</a:t>
+            </a:r>
+          </a:p>
+          <a:p>
+            <a:pPr algn="r"/>
+            <a:r>
+              <a:rPr lang="en-US" altLang="ko-KR" dirty="0" smtClean="0"/>
+              <a:t>300000</a:t>
+            </a:r>
+          </a:p>
+          <a:p>
+            <a:pPr algn="r"/>
+            <a:r>
+              <a:rPr lang="en-US" altLang="ko-KR" dirty="0" smtClean="0"/>
+              <a:t>200000</a:t>
+            </a:r>
+          </a:p>
+          <a:p>
+            <a:pPr algn="r"/>
+            <a:r>
+              <a:rPr lang="en-US" altLang="ko-KR" dirty="0" smtClean="0"/>
+              <a:t>150000</a:t>
+            </a:r>
+          </a:p>
+          <a:p>
+            <a:pPr algn="r"/>
+            <a:r>
+              <a:rPr lang="en-US" altLang="ko-KR" dirty="0" smtClean="0"/>
+              <a:t>250000</a:t>
+            </a:r>
+          </a:p>
+          <a:p>
+            <a:pPr algn="r"/>
+            <a:r>
+              <a:rPr lang="en-US" altLang="ko-KR" dirty="0" smtClean="0"/>
+              <a:t>250000</a:t>
+            </a:r>
+          </a:p>
+        </p:txBody>
+      </p:sp>
+      <p:sp>
+        <p:nvSpPr>
+          <p:cNvPr id="38" name="TextBox 37"/>
+          <p:cNvSpPr txBox="1"/>
+          <p:nvPr/>
+        </p:nvSpPr>
+        <p:spPr>
+          <a:xfrm>
+            <a:off x="5902991" y="4531878"/>
+            <a:ext cx="2629998" cy="369332"/>
+          </a:xfrm>
+          <a:prstGeom prst="rect">
+            <a:avLst/>
+          </a:prstGeom>
+          <a:noFill/>
+        </p:spPr>
+        <p:txBody>
+          <a:bodyPr wrap="square" rtlCol="0">
+            <a:spAutoFit/>
+          </a:bodyPr>
+          <a:lstStyle/>
+          <a:p>
+            <a:r>
+              <a:rPr lang="ko-KR" altLang="en-US" dirty="0" smtClean="0"/>
+              <a:t>       총액</a:t>
+            </a:r>
+            <a:r>
+              <a:rPr lang="en-US" altLang="ko-KR" dirty="0" smtClean="0"/>
+              <a:t>      2,350,000</a:t>
+            </a:r>
+            <a:endParaRPr lang="ko-KR" altLang="en-US" dirty="0"/>
+          </a:p>
+        </p:txBody>
+      </p:sp>
+      <p:sp>
+        <p:nvSpPr>
+          <p:cNvPr id="39" name="TextBox 38"/>
+          <p:cNvSpPr txBox="1"/>
+          <p:nvPr/>
+        </p:nvSpPr>
+        <p:spPr>
+          <a:xfrm>
+            <a:off x="1835696" y="1268760"/>
+            <a:ext cx="2664296" cy="369332"/>
+          </a:xfrm>
+          <a:prstGeom prst="rect">
+            <a:avLst/>
+          </a:prstGeom>
+          <a:noFill/>
+        </p:spPr>
+        <p:txBody>
+          <a:bodyPr wrap="square" rtlCol="0">
+            <a:spAutoFit/>
+          </a:bodyPr>
+          <a:lstStyle/>
+          <a:p>
+            <a:r>
+              <a:rPr lang="ko-KR" altLang="en-US" dirty="0" smtClean="0"/>
+              <a:t>발주 코드   □</a:t>
+            </a:r>
+            <a:r>
+              <a:rPr lang="ko-KR" altLang="en-US" dirty="0"/>
+              <a:t> </a:t>
+            </a:r>
+            <a:r>
+              <a:rPr lang="ko-KR" altLang="en-US" dirty="0" smtClean="0"/>
+              <a:t>□</a:t>
+            </a:r>
+            <a:r>
+              <a:rPr lang="ko-KR" altLang="en-US" dirty="0"/>
+              <a:t> </a:t>
+            </a:r>
+            <a:r>
+              <a:rPr lang="ko-KR" altLang="en-US" dirty="0" smtClean="0"/>
+              <a:t>□</a:t>
+            </a:r>
+            <a:r>
+              <a:rPr lang="ko-KR" altLang="en-US" dirty="0"/>
+              <a:t> □</a:t>
+            </a:r>
+          </a:p>
+        </p:txBody>
+      </p:sp>
+      <p:sp>
+        <p:nvSpPr>
+          <p:cNvPr id="20" name="TextBox 19"/>
+          <p:cNvSpPr txBox="1"/>
+          <p:nvPr/>
+        </p:nvSpPr>
+        <p:spPr>
+          <a:xfrm>
+            <a:off x="4716016" y="4981818"/>
+            <a:ext cx="720080" cy="369332"/>
+          </a:xfrm>
+          <a:prstGeom prst="rect">
+            <a:avLst/>
+          </a:prstGeom>
+          <a:noFill/>
+        </p:spPr>
+        <p:txBody>
+          <a:bodyPr wrap="square" rtlCol="0">
+            <a:spAutoFit/>
+          </a:bodyPr>
+          <a:lstStyle/>
+          <a:p>
+            <a:r>
+              <a:rPr lang="en-US" altLang="ko-KR" dirty="0" smtClean="0"/>
+              <a:t>- 1 -</a:t>
+            </a:r>
+            <a:endParaRPr lang="ko-KR" altLang="en-US" dirty="0"/>
+          </a:p>
+        </p:txBody>
+      </p:sp>
+    </p:spTree>
+    <p:extLst>
+      <p:ext uri="{BB962C8B-B14F-4D97-AF65-F5344CB8AC3E}">
+        <p14:creationId xmlns:p14="http://schemas.microsoft.com/office/powerpoint/2010/main" val="1379266464"/>
+      </p:ext>
+    </p:extLst>
+  </p:cSld>
+  <p:clrMapOvr>
+    <a:masterClrMapping/>
+  </p:clrMapOvr>
+  <mc:AlternateContent xmlns:mc="http://schemas.openxmlformats.org/markup-compatibility/2006" xmlns:p14="http://schemas.microsoft.com/office/powerpoint/2010/main">
+    <mc:Choice Requires="p14">
+      <p:transition spd="slow" p14:dur="2000"/>
+    </mc:Choice>
+    <mc:Fallback xmlns="">
+      <p:transition spd="slow"/>
+    </mc:Fallback>
+  </mc:AlternateContent>
+  <p:timing>
+    <p:tnLst>
+      <p:par>
+        <p:cTn id="1" dur="indefinite" restart="never" nodeType="tmRoot">
+          <p:childTnLst>
+            <p:seq concurrent="1" nextAc="seek">
+              <p:cTn id="2" dur="indefinite" nodeType="mainSeq">
+                <p:childTnLst>
+                  <p:par>
+                    <p:cTn id="3" fill="hold">
+                      <p:stCondLst>
+                        <p:cond delay="indefinite"/>
+                      </p:stCondLst>
+                      <p:childTnLst>
+                        <p:par>
+                          <p:cTn id="4" fill="hold">
+                            <p:stCondLst>
+                              <p:cond delay="0"/>
+                            </p:stCondLst>
+                            <p:childTnLst>
+                              <p:par>
+                                <p:cTn id="5" presetID="2" presetClass="entr" presetSubtype="1" fill="hold" grpId="0" nodeType="clickEffect">
+                                  <p:stCondLst>
+                                    <p:cond delay="0"/>
+                                  </p:stCondLst>
+                                  <p:childTnLst>
+                                    <p:set>
+                                      <p:cBhvr>
+                                        <p:cTn id="6" dur="1" fill="hold">
+                                          <p:stCondLst>
+                                            <p:cond delay="0"/>
+                                          </p:stCondLst>
+                                        </p:cTn>
+                                        <p:tgtEl>
+                                          <p:spTgt spid="13"/>
+                                        </p:tgtEl>
+                                        <p:attrNameLst>
+                                          <p:attrName>style.visibility</p:attrName>
+                                        </p:attrNameLst>
+                                      </p:cBhvr>
+                                      <p:to>
+                                        <p:strVal val="visible"/>
+                                      </p:to>
+                                    </p:set>
+                                    <p:anim calcmode="lin" valueType="num">
+                                      <p:cBhvr additive="base">
+                                        <p:cTn id="7" dur="500" fill="hold"/>
+                                        <p:tgtEl>
+                                          <p:spTgt spid="13"/>
+                                        </p:tgtEl>
+                                        <p:attrNameLst>
+                                          <p:attrName>ppt_x</p:attrName>
+                                        </p:attrNameLst>
+                                      </p:cBhvr>
+                                      <p:tavLst>
+                                        <p:tav tm="0">
+                                          <p:val>
+                                            <p:strVal val="#ppt_x"/>
+                                          </p:val>
+                                        </p:tav>
+                                        <p:tav tm="100000">
+                                          <p:val>
+                                            <p:strVal val="#ppt_x"/>
+                                          </p:val>
+                                        </p:tav>
+                                      </p:tavLst>
+                                    </p:anim>
+                                    <p:anim calcmode="lin" valueType="num">
+                                      <p:cBhvr additive="base">
+                                        <p:cTn id="8" dur="500" fill="hold"/>
+                                        <p:tgtEl>
+                                          <p:spTgt spid="13"/>
+                                        </p:tgtEl>
+                                        <p:attrNameLst>
+                                          <p:attrName>ppt_y</p:attrName>
+                                        </p:attrNameLst>
+                                      </p:cBhvr>
+                                      <p:tavLst>
+                                        <p:tav tm="0">
+                                          <p:val>
+                                            <p:strVal val="0-#ppt_h/2"/>
+                                          </p:val>
+                                        </p:tav>
+                                        <p:tav tm="100000">
+                                          <p:val>
+                                            <p:strVal val="#ppt_y"/>
+                                          </p:val>
+                                        </p:tav>
+                                      </p:tavLst>
+                                    </p:anim>
+                                  </p:childTnLst>
+                                </p:cTn>
+                              </p:par>
+                            </p:childTnLst>
+                          </p:cTn>
+                        </p:par>
+                      </p:childTnLst>
+                    </p:cTn>
+                  </p:par>
+                  <p:par>
+                    <p:cTn id="9" fill="hold">
+                      <p:stCondLst>
+                        <p:cond delay="indefinite"/>
+                      </p:stCondLst>
+                      <p:childTnLst>
+                        <p:par>
+                          <p:cTn id="10" fill="hold">
+                            <p:stCondLst>
+                              <p:cond delay="0"/>
+                            </p:stCondLst>
+                            <p:childTnLst>
+                              <p:par>
+                                <p:cTn id="11" presetID="1" presetClass="exit" presetSubtype="0" fill="hold" grpId="1" nodeType="clickEffect">
+                                  <p:stCondLst>
+                                    <p:cond delay="0"/>
+                                  </p:stCondLst>
+                                  <p:childTnLst>
+                                    <p:set>
+                                      <p:cBhvr>
+                                        <p:cTn id="12" dur="1" fill="hold">
+                                          <p:stCondLst>
+                                            <p:cond delay="0"/>
+                                          </p:stCondLst>
+                                        </p:cTn>
+                                        <p:tgtEl>
+                                          <p:spTgt spid="13"/>
+                                        </p:tgtEl>
+                                        <p:attrNameLst>
+                                          <p:attrName>style.visibility</p:attrName>
+                                        </p:attrNameLst>
+                                      </p:cBhvr>
+                                      <p:to>
+                                        <p:strVal val="hidden"/>
+                                      </p:to>
+                                    </p:set>
+                                  </p:childTnLst>
+                                </p:cTn>
+                              </p:par>
+                            </p:childTnLst>
+                          </p:cTn>
+                        </p:par>
+                      </p:childTnLst>
+                    </p:cTn>
+                  </p:par>
+                </p:childTnLst>
+              </p:cTn>
+              <p:prevCondLst>
+                <p:cond evt="onPrev" delay="0">
+                  <p:tgtEl>
+                    <p:sldTgt/>
+                  </p:tgtEl>
+                </p:cond>
+              </p:prevCondLst>
+              <p:nextCondLst>
+                <p:cond evt="onNext" delay="0">
+                  <p:tgtEl>
+                    <p:sldTgt/>
+                  </p:tgtEl>
+                </p:cond>
+              </p:nextCondLst>
+            </p:seq>
+          </p:childTnLst>
+        </p:cTn>
+      </p:par>
+    </p:tnLst>
+    <p:bldLst>
+      <p:bldP spid="13" grpId="0" animBg="1"/>
+      <p:bldP spid="13" grpId="1" animBg="1"/>
     </p:bldLst>
   </p:timing>
 </p:sld>
@@ -15103,6 +15147,466 @@
       </p:grpSpPr>
       <p:sp>
         <p:nvSpPr>
+          <p:cNvPr id="2" name="모서리가 둥근 직사각형 1"/>
+          <p:cNvSpPr/>
+          <p:nvPr/>
+        </p:nvSpPr>
+        <p:spPr>
+          <a:xfrm>
+            <a:off x="1403648" y="1176427"/>
+            <a:ext cx="7056784" cy="4268797"/>
+          </a:xfrm>
+          <a:prstGeom prst="roundRect">
+            <a:avLst/>
+          </a:prstGeom>
+          <a:noFill/>
+          <a:ln>
+            <a:solidFill>
+              <a:schemeClr val="accent2"/>
+            </a:solidFill>
+          </a:ln>
+        </p:spPr>
+        <p:style>
+          <a:lnRef idx="2">
+            <a:schemeClr val="accent2">
+              <a:shade val="50000"/>
+            </a:schemeClr>
+          </a:lnRef>
+          <a:fillRef idx="1">
+            <a:schemeClr val="accent2"/>
+          </a:fillRef>
+          <a:effectRef idx="0">
+            <a:schemeClr val="accent2"/>
+          </a:effectRef>
+          <a:fontRef idx="minor">
+            <a:schemeClr val="lt1"/>
+          </a:fontRef>
+        </p:style>
+        <p:txBody>
+          <a:bodyPr rtlCol="0" anchor="ctr"/>
+          <a:lstStyle/>
+          <a:p>
+            <a:pPr algn="ctr"/>
+            <a:endParaRPr lang="ko-KR" altLang="en-US" dirty="0">
+              <a:solidFill>
+                <a:schemeClr val="tx1"/>
+              </a:solidFill>
+            </a:endParaRPr>
+          </a:p>
+        </p:txBody>
+      </p:sp>
+      <p:sp>
+        <p:nvSpPr>
+          <p:cNvPr id="5" name="모서리가 둥근 직사각형 4">
+            <a:hlinkClick r:id="rId2" action="ppaction://hlinksldjump"/>
+          </p:cNvPr>
+          <p:cNvSpPr/>
+          <p:nvPr/>
+        </p:nvSpPr>
+        <p:spPr>
+          <a:xfrm>
+            <a:off x="6948264" y="5733256"/>
+            <a:ext cx="1512168" cy="524381"/>
+          </a:xfrm>
+          <a:prstGeom prst="roundRect">
+            <a:avLst/>
+          </a:prstGeom>
+        </p:spPr>
+        <p:style>
+          <a:lnRef idx="2">
+            <a:schemeClr val="accent2">
+              <a:shade val="50000"/>
+            </a:schemeClr>
+          </a:lnRef>
+          <a:fillRef idx="1">
+            <a:schemeClr val="accent2"/>
+          </a:fillRef>
+          <a:effectRef idx="0">
+            <a:schemeClr val="accent2"/>
+          </a:effectRef>
+          <a:fontRef idx="minor">
+            <a:schemeClr val="lt1"/>
+          </a:fontRef>
+        </p:style>
+        <p:txBody>
+          <a:bodyPr rtlCol="0" anchor="ctr"/>
+          <a:lstStyle/>
+          <a:p>
+            <a:pPr algn="ctr"/>
+            <a:r>
+              <a:rPr lang="ko-KR" altLang="en-US" dirty="0" err="1" smtClean="0"/>
+              <a:t>뒤로가기</a:t>
+            </a:r>
+            <a:endParaRPr lang="ko-KR" altLang="en-US" dirty="0"/>
+          </a:p>
+        </p:txBody>
+      </p:sp>
+      <p:sp>
+        <p:nvSpPr>
+          <p:cNvPr id="6" name="TextBox 5"/>
+          <p:cNvSpPr txBox="1"/>
+          <p:nvPr/>
+        </p:nvSpPr>
+        <p:spPr>
+          <a:xfrm>
+            <a:off x="971600" y="0"/>
+            <a:ext cx="2304256" cy="369332"/>
+          </a:xfrm>
+          <a:prstGeom prst="rect">
+            <a:avLst/>
+          </a:prstGeom>
+          <a:noFill/>
+        </p:spPr>
+        <p:txBody>
+          <a:bodyPr wrap="square" rtlCol="0">
+            <a:spAutoFit/>
+          </a:bodyPr>
+          <a:lstStyle/>
+          <a:p>
+            <a:r>
+              <a:rPr lang="en-US" altLang="ko-KR" dirty="0" err="1" smtClean="0"/>
+              <a:t>ShopI</a:t>
+            </a:r>
+            <a:r>
+              <a:rPr lang="en-US" altLang="ko-KR" dirty="0" err="1" smtClean="0">
+                <a:effectLst/>
+              </a:rPr>
+              <a:t>nvoice</a:t>
+            </a:r>
+            <a:endParaRPr lang="ko-KR" altLang="en-US" dirty="0"/>
+          </a:p>
+        </p:txBody>
+      </p:sp>
+      <p:sp>
+        <p:nvSpPr>
+          <p:cNvPr id="4" name="TextBox 3"/>
+          <p:cNvSpPr txBox="1"/>
+          <p:nvPr/>
+        </p:nvSpPr>
+        <p:spPr>
+          <a:xfrm>
+            <a:off x="1886055" y="1556792"/>
+            <a:ext cx="6542082" cy="369332"/>
+          </a:xfrm>
+          <a:prstGeom prst="rect">
+            <a:avLst/>
+          </a:prstGeom>
+          <a:noFill/>
+        </p:spPr>
+        <p:txBody>
+          <a:bodyPr wrap="square" rtlCol="0">
+            <a:spAutoFit/>
+          </a:bodyPr>
+          <a:lstStyle/>
+          <a:p>
+            <a:r>
+              <a:rPr lang="en-US" altLang="ko-KR" dirty="0" smtClean="0"/>
+              <a:t>  </a:t>
+            </a:r>
+            <a:r>
+              <a:rPr lang="ko-KR" altLang="en-US" dirty="0" smtClean="0"/>
+              <a:t>송장번호</a:t>
+            </a:r>
+            <a:r>
+              <a:rPr lang="en-US" altLang="ko-KR" dirty="0"/>
+              <a:t>	</a:t>
+            </a:r>
+            <a:r>
+              <a:rPr lang="en-US" altLang="ko-KR" dirty="0" smtClean="0"/>
+              <a:t>	</a:t>
+            </a:r>
+            <a:r>
+              <a:rPr lang="ko-KR" altLang="en-US" dirty="0" smtClean="0"/>
+              <a:t>날짜</a:t>
+            </a:r>
+            <a:r>
+              <a:rPr lang="en-US" altLang="ko-KR" dirty="0" smtClean="0"/>
+              <a:t>			</a:t>
+            </a:r>
+            <a:r>
+              <a:rPr lang="ko-KR" altLang="en-US" dirty="0" smtClean="0"/>
+              <a:t>합계</a:t>
+            </a:r>
+            <a:endParaRPr lang="ko-KR" altLang="en-US" dirty="0"/>
+          </a:p>
+        </p:txBody>
+      </p:sp>
+      <p:sp>
+        <p:nvSpPr>
+          <p:cNvPr id="7" name="모서리가 둥근 직사각형 6"/>
+          <p:cNvSpPr/>
+          <p:nvPr/>
+        </p:nvSpPr>
+        <p:spPr>
+          <a:xfrm>
+            <a:off x="4925941" y="5733255"/>
+            <a:ext cx="1512168" cy="524381"/>
+          </a:xfrm>
+          <a:prstGeom prst="roundRect">
+            <a:avLst/>
+          </a:prstGeom>
+        </p:spPr>
+        <p:style>
+          <a:lnRef idx="2">
+            <a:schemeClr val="accent2">
+              <a:shade val="50000"/>
+            </a:schemeClr>
+          </a:lnRef>
+          <a:fillRef idx="1">
+            <a:schemeClr val="accent2"/>
+          </a:fillRef>
+          <a:effectRef idx="0">
+            <a:schemeClr val="accent2"/>
+          </a:effectRef>
+          <a:fontRef idx="minor">
+            <a:schemeClr val="lt1"/>
+          </a:fontRef>
+        </p:style>
+        <p:txBody>
+          <a:bodyPr rtlCol="0" anchor="ctr"/>
+          <a:lstStyle/>
+          <a:p>
+            <a:pPr algn="ctr"/>
+            <a:r>
+              <a:rPr lang="ko-KR" altLang="en-US" dirty="0" smtClean="0"/>
+              <a:t>검색</a:t>
+            </a:r>
+            <a:endParaRPr lang="ko-KR" altLang="en-US" dirty="0"/>
+          </a:p>
+        </p:txBody>
+      </p:sp>
+      <p:sp>
+        <p:nvSpPr>
+          <p:cNvPr id="9" name="모서리가 둥근 직사각형 8">
+            <a:hlinkClick r:id="rId3" action="ppaction://hlinksldjump"/>
+          </p:cNvPr>
+          <p:cNvSpPr/>
+          <p:nvPr/>
+        </p:nvSpPr>
+        <p:spPr>
+          <a:xfrm>
+            <a:off x="6808137" y="260648"/>
+            <a:ext cx="1620000" cy="612000"/>
+          </a:xfrm>
+          <a:prstGeom prst="roundRect">
+            <a:avLst/>
+          </a:prstGeom>
+        </p:spPr>
+        <p:style>
+          <a:lnRef idx="2">
+            <a:schemeClr val="accent2">
+              <a:shade val="50000"/>
+            </a:schemeClr>
+          </a:lnRef>
+          <a:fillRef idx="1">
+            <a:schemeClr val="accent2"/>
+          </a:fillRef>
+          <a:effectRef idx="0">
+            <a:schemeClr val="accent2"/>
+          </a:effectRef>
+          <a:fontRef idx="minor">
+            <a:schemeClr val="lt1"/>
+          </a:fontRef>
+        </p:style>
+        <p:txBody>
+          <a:bodyPr rtlCol="0" anchor="ctr"/>
+          <a:lstStyle/>
+          <a:p>
+            <a:pPr algn="ctr"/>
+            <a:r>
+              <a:rPr lang="ko-KR" altLang="en-US" dirty="0" smtClean="0"/>
+              <a:t>로그아웃</a:t>
+            </a:r>
+            <a:endParaRPr lang="ko-KR" altLang="en-US" dirty="0"/>
+          </a:p>
+        </p:txBody>
+      </p:sp>
+      <p:sp>
+        <p:nvSpPr>
+          <p:cNvPr id="10" name="TextBox 9"/>
+          <p:cNvSpPr txBox="1"/>
+          <p:nvPr/>
+        </p:nvSpPr>
+        <p:spPr>
+          <a:xfrm>
+            <a:off x="4644008" y="4981818"/>
+            <a:ext cx="720080" cy="369332"/>
+          </a:xfrm>
+          <a:prstGeom prst="rect">
+            <a:avLst/>
+          </a:prstGeom>
+          <a:noFill/>
+        </p:spPr>
+        <p:txBody>
+          <a:bodyPr wrap="square" rtlCol="0">
+            <a:spAutoFit/>
+          </a:bodyPr>
+          <a:lstStyle/>
+          <a:p>
+            <a:r>
+              <a:rPr lang="en-US" altLang="ko-KR" dirty="0" smtClean="0"/>
+              <a:t>- 1 -</a:t>
+            </a:r>
+            <a:endParaRPr lang="ko-KR" altLang="en-US" dirty="0"/>
+          </a:p>
+        </p:txBody>
+      </p:sp>
+      <p:sp>
+        <p:nvSpPr>
+          <p:cNvPr id="11" name="TextBox 10"/>
+          <p:cNvSpPr txBox="1"/>
+          <p:nvPr/>
+        </p:nvSpPr>
+        <p:spPr>
+          <a:xfrm>
+            <a:off x="1610716" y="2058921"/>
+            <a:ext cx="6912768" cy="646331"/>
+          </a:xfrm>
+          <a:prstGeom prst="rect">
+            <a:avLst/>
+          </a:prstGeom>
+          <a:noFill/>
+        </p:spPr>
+        <p:txBody>
+          <a:bodyPr wrap="square" rtlCol="0">
+            <a:spAutoFit/>
+          </a:bodyPr>
+          <a:lstStyle/>
+          <a:p>
+            <a:pPr marL="342900" indent="-342900">
+              <a:buAutoNum type="arabicPeriod"/>
+            </a:pPr>
+            <a:r>
+              <a:rPr lang="en-US" altLang="ko-KR" dirty="0" smtClean="0"/>
+              <a:t>    a1001		2019-04-15		  21,500</a:t>
+            </a:r>
+          </a:p>
+          <a:p>
+            <a:pPr marL="342900" indent="-342900">
+              <a:buAutoNum type="arabicPeriod"/>
+            </a:pPr>
+            <a:r>
+              <a:rPr lang="en-US" altLang="ko-KR" dirty="0" smtClean="0"/>
+              <a:t>    a1002		2019-05-01		  34,500</a:t>
+            </a:r>
+            <a:endParaRPr lang="ko-KR" altLang="en-US" dirty="0"/>
+          </a:p>
+        </p:txBody>
+      </p:sp>
+    </p:spTree>
+    <p:extLst>
+      <p:ext uri="{BB962C8B-B14F-4D97-AF65-F5344CB8AC3E}">
+        <p14:creationId xmlns:p14="http://schemas.microsoft.com/office/powerpoint/2010/main" val="1514624462"/>
+      </p:ext>
+    </p:extLst>
+  </p:cSld>
+  <p:clrMapOvr>
+    <a:masterClrMapping/>
+  </p:clrMapOvr>
+  <p:timing>
+    <p:tnLst>
+      <p:par>
+        <p:cTn id="1" dur="indefinite" restart="never" nodeType="tmRoot"/>
+      </p:par>
+    </p:tnLst>
+  </p:timing>
+</p:sld>
+</file>
+
+<file path=ppt/slides/slide7.xml><?xml version="1.0" encoding="utf-8"?>
+<p:sld xmlns:a="http://schemas.openxmlformats.org/drawingml/2006/main" xmlns:r="http://schemas.openxmlformats.org/officeDocument/2006/relationships" xmlns:p="http://schemas.openxmlformats.org/presentationml/2006/main">
+  <p:cSld>
+    <p:spTree>
+      <p:nvGrpSpPr>
+        <p:cNvPr id="1" name=""/>
+        <p:cNvGrpSpPr/>
+        <p:nvPr/>
+      </p:nvGrpSpPr>
+      <p:grpSpPr>
+        <a:xfrm>
+          <a:off x="0" y="0"/>
+          <a:ext cx="0" cy="0"/>
+          <a:chOff x="0" y="0"/>
+          <a:chExt cx="0" cy="0"/>
+        </a:xfrm>
+      </p:grpSpPr>
+      <p:sp>
+        <p:nvSpPr>
+          <p:cNvPr id="7" name="모서리가 둥근 직사각형 6"/>
+          <p:cNvSpPr/>
+          <p:nvPr/>
+        </p:nvSpPr>
+        <p:spPr>
+          <a:xfrm>
+            <a:off x="2411760" y="258997"/>
+            <a:ext cx="4680000" cy="2160000"/>
+          </a:xfrm>
+          <a:prstGeom prst="roundRect">
+            <a:avLst/>
+          </a:prstGeom>
+          <a:ln/>
+        </p:spPr>
+        <p:style>
+          <a:lnRef idx="2">
+            <a:schemeClr val="accent2"/>
+          </a:lnRef>
+          <a:fillRef idx="1">
+            <a:schemeClr val="lt1"/>
+          </a:fillRef>
+          <a:effectRef idx="0">
+            <a:schemeClr val="accent2"/>
+          </a:effectRef>
+          <a:fontRef idx="minor">
+            <a:schemeClr val="dk1"/>
+          </a:fontRef>
+        </p:style>
+        <p:txBody>
+          <a:bodyPr rtlCol="0" anchor="ctr"/>
+          <a:lstStyle/>
+          <a:p>
+            <a:pPr algn="ctr"/>
+            <a:r>
+              <a:rPr lang="ko-KR" altLang="en-US" dirty="0" smtClean="0">
+                <a:solidFill>
+                  <a:schemeClr val="tx1"/>
+                </a:solidFill>
+              </a:rPr>
+              <a:t>송장이 </a:t>
+            </a:r>
+            <a:r>
+              <a:rPr lang="en-US" altLang="ko-KR" dirty="0" smtClean="0">
+                <a:solidFill>
+                  <a:schemeClr val="tx1"/>
+                </a:solidFill>
+              </a:rPr>
+              <a:t>CSV</a:t>
+            </a:r>
+            <a:r>
+              <a:rPr lang="ko-KR" altLang="en-US" dirty="0" smtClean="0">
+                <a:solidFill>
+                  <a:schemeClr val="tx1"/>
+                </a:solidFill>
+              </a:rPr>
+              <a:t>파일로 전송되었습니다</a:t>
+            </a:r>
+            <a:r>
+              <a:rPr lang="en-US" altLang="ko-KR" dirty="0" smtClean="0">
+                <a:solidFill>
+                  <a:schemeClr val="tx1"/>
+                </a:solidFill>
+              </a:rPr>
+              <a:t>.</a:t>
+            </a:r>
+            <a:endParaRPr lang="ko-KR" altLang="en-US" dirty="0">
+              <a:solidFill>
+                <a:schemeClr val="tx1"/>
+              </a:solidFill>
+            </a:endParaRPr>
+          </a:p>
+        </p:txBody>
+      </p:sp>
+      <p:sp>
+        <p:nvSpPr>
           <p:cNvPr id="3" name="모서리가 둥근 직사각형 2"/>
           <p:cNvSpPr/>
           <p:nvPr/>
@@ -15919,81 +16423,6 @@
           </p:txBody>
         </p:sp>
       </p:grpSp>
-      <p:sp>
-        <p:nvSpPr>
-          <p:cNvPr id="7" name="모서리가 둥근 직사각형 6"/>
-          <p:cNvSpPr/>
-          <p:nvPr/>
-        </p:nvSpPr>
-        <p:spPr>
-          <a:xfrm>
-            <a:off x="2411760" y="258997"/>
-            <a:ext cx="4680000" cy="2160000"/>
-          </a:xfrm>
-          <a:prstGeom prst="roundRect">
-            <a:avLst/>
-          </a:prstGeom>
-          <a:ln/>
-        </p:spPr>
-        <p:style>
-          <a:lnRef idx="2">
-            <a:schemeClr val="accent2"/>
-          </a:lnRef>
-          <a:fillRef idx="1">
-            <a:schemeClr val="lt1"/>
-          </a:fillRef>
-          <a:effectRef idx="0">
-            <a:schemeClr val="accent2"/>
-          </a:effectRef>
-          <a:fontRef idx="minor">
-            <a:schemeClr val="dk1"/>
-          </a:fontRef>
-        </p:style>
-        <p:txBody>
-          <a:bodyPr rtlCol="0" anchor="ctr"/>
-          <a:lstStyle/>
-          <a:p>
-            <a:pPr algn="ctr"/>
-            <a:r>
-              <a:rPr lang="ko-KR" altLang="en-US" dirty="0" smtClean="0">
-                <a:solidFill>
-                  <a:schemeClr val="tx1"/>
-                </a:solidFill>
-              </a:rPr>
-              <a:t>송장이 </a:t>
-            </a:r>
-            <a:r>
-              <a:rPr lang="en-US" altLang="ko-KR" dirty="0" smtClean="0">
-                <a:solidFill>
-                  <a:schemeClr val="tx1"/>
-                </a:solidFill>
-              </a:rPr>
-              <a:t>CSV</a:t>
-            </a:r>
-            <a:r>
-              <a:rPr lang="ko-KR" altLang="en-US" dirty="0" smtClean="0">
-                <a:solidFill>
-                  <a:schemeClr val="tx1"/>
-                </a:solidFill>
-              </a:rPr>
-              <a:t>파일로 전송되었습니다</a:t>
-            </a:r>
-            <a:r>
-              <a:rPr lang="en-US" altLang="ko-KR" dirty="0" smtClean="0">
-                <a:solidFill>
-                  <a:schemeClr val="tx1"/>
-                </a:solidFill>
-              </a:rPr>
-              <a:t>.</a:t>
-            </a:r>
-            <a:endParaRPr lang="ko-KR" altLang="en-US" dirty="0">
-              <a:solidFill>
-                <a:schemeClr val="tx1"/>
-              </a:solidFill>
-            </a:endParaRPr>
-          </a:p>
-        </p:txBody>
-      </p:sp>
     </p:spTree>
     <p:extLst>
       <p:ext uri="{BB962C8B-B14F-4D97-AF65-F5344CB8AC3E}">
@@ -16212,1354 +16641,7 @@
 </p:sld>
 </file>
 
-<file path=ppt/slides/slide7.xml><?xml version="1.0" encoding="utf-8"?>
-<p:sld xmlns:a="http://schemas.openxmlformats.org/drawingml/2006/main" xmlns:r="http://schemas.openxmlformats.org/officeDocument/2006/relationships" xmlns:p="http://schemas.openxmlformats.org/presentationml/2006/main">
-  <p:cSld>
-    <p:spTree>
-      <p:nvGrpSpPr>
-        <p:cNvPr id="1" name=""/>
-        <p:cNvGrpSpPr/>
-        <p:nvPr/>
-      </p:nvGrpSpPr>
-      <p:grpSpPr>
-        <a:xfrm>
-          <a:off x="0" y="0"/>
-          <a:ext cx="0" cy="0"/>
-          <a:chOff x="0" y="0"/>
-          <a:chExt cx="0" cy="0"/>
-        </a:xfrm>
-      </p:grpSpPr>
-      <p:sp>
-        <p:nvSpPr>
-          <p:cNvPr id="2" name="모서리가 둥근 직사각형 1"/>
-          <p:cNvSpPr/>
-          <p:nvPr/>
-        </p:nvSpPr>
-        <p:spPr>
-          <a:xfrm>
-            <a:off x="1403648" y="1176427"/>
-            <a:ext cx="7056784" cy="4268797"/>
-          </a:xfrm>
-          <a:prstGeom prst="roundRect">
-            <a:avLst/>
-          </a:prstGeom>
-          <a:noFill/>
-          <a:ln>
-            <a:solidFill>
-              <a:schemeClr val="accent2"/>
-            </a:solidFill>
-          </a:ln>
-        </p:spPr>
-        <p:style>
-          <a:lnRef idx="2">
-            <a:schemeClr val="accent2">
-              <a:shade val="50000"/>
-            </a:schemeClr>
-          </a:lnRef>
-          <a:fillRef idx="1">
-            <a:schemeClr val="accent2"/>
-          </a:fillRef>
-          <a:effectRef idx="0">
-            <a:schemeClr val="accent2"/>
-          </a:effectRef>
-          <a:fontRef idx="minor">
-            <a:schemeClr val="lt1"/>
-          </a:fontRef>
-        </p:style>
-        <p:txBody>
-          <a:bodyPr rtlCol="0" anchor="ctr"/>
-          <a:lstStyle/>
-          <a:p>
-            <a:pPr algn="ctr"/>
-            <a:endParaRPr lang="ko-KR" altLang="en-US" dirty="0">
-              <a:solidFill>
-                <a:schemeClr val="tx1"/>
-              </a:solidFill>
-            </a:endParaRPr>
-          </a:p>
-        </p:txBody>
-      </p:sp>
-      <p:sp>
-        <p:nvSpPr>
-          <p:cNvPr id="5" name="모서리가 둥근 직사각형 4">
-            <a:hlinkClick r:id="rId2" action="ppaction://hlinksldjump"/>
-          </p:cNvPr>
-          <p:cNvSpPr/>
-          <p:nvPr/>
-        </p:nvSpPr>
-        <p:spPr>
-          <a:xfrm>
-            <a:off x="6948264" y="5733256"/>
-            <a:ext cx="1512168" cy="524381"/>
-          </a:xfrm>
-          <a:prstGeom prst="roundRect">
-            <a:avLst/>
-          </a:prstGeom>
-        </p:spPr>
-        <p:style>
-          <a:lnRef idx="2">
-            <a:schemeClr val="accent2">
-              <a:shade val="50000"/>
-            </a:schemeClr>
-          </a:lnRef>
-          <a:fillRef idx="1">
-            <a:schemeClr val="accent2"/>
-          </a:fillRef>
-          <a:effectRef idx="0">
-            <a:schemeClr val="accent2"/>
-          </a:effectRef>
-          <a:fontRef idx="minor">
-            <a:schemeClr val="lt1"/>
-          </a:fontRef>
-        </p:style>
-        <p:txBody>
-          <a:bodyPr rtlCol="0" anchor="ctr"/>
-          <a:lstStyle/>
-          <a:p>
-            <a:pPr algn="ctr"/>
-            <a:r>
-              <a:rPr lang="ko-KR" altLang="en-US" dirty="0" err="1" smtClean="0"/>
-              <a:t>뒤로가기</a:t>
-            </a:r>
-            <a:endParaRPr lang="ko-KR" altLang="en-US" dirty="0"/>
-          </a:p>
-        </p:txBody>
-      </p:sp>
-      <p:sp>
-        <p:nvSpPr>
-          <p:cNvPr id="6" name="TextBox 5"/>
-          <p:cNvSpPr txBox="1"/>
-          <p:nvPr/>
-        </p:nvSpPr>
-        <p:spPr>
-          <a:xfrm>
-            <a:off x="971600" y="0"/>
-            <a:ext cx="2304256" cy="369332"/>
-          </a:xfrm>
-          <a:prstGeom prst="rect">
-            <a:avLst/>
-          </a:prstGeom>
-          <a:noFill/>
-        </p:spPr>
-        <p:txBody>
-          <a:bodyPr wrap="square" rtlCol="0">
-            <a:spAutoFit/>
-          </a:bodyPr>
-          <a:lstStyle/>
-          <a:p>
-            <a:r>
-              <a:rPr lang="en-US" altLang="ko-KR" dirty="0" err="1" smtClean="0"/>
-              <a:t>ShopI</a:t>
-            </a:r>
-            <a:r>
-              <a:rPr lang="en-US" altLang="ko-KR" dirty="0" err="1" smtClean="0">
-                <a:effectLst/>
-              </a:rPr>
-              <a:t>nvoice</a:t>
-            </a:r>
-            <a:endParaRPr lang="ko-KR" altLang="en-US" dirty="0"/>
-          </a:p>
-        </p:txBody>
-      </p:sp>
-      <p:sp>
-        <p:nvSpPr>
-          <p:cNvPr id="4" name="TextBox 3"/>
-          <p:cNvSpPr txBox="1"/>
-          <p:nvPr/>
-        </p:nvSpPr>
-        <p:spPr>
-          <a:xfrm>
-            <a:off x="1886055" y="1556792"/>
-            <a:ext cx="6542082" cy="369332"/>
-          </a:xfrm>
-          <a:prstGeom prst="rect">
-            <a:avLst/>
-          </a:prstGeom>
-          <a:noFill/>
-        </p:spPr>
-        <p:txBody>
-          <a:bodyPr wrap="square" rtlCol="0">
-            <a:spAutoFit/>
-          </a:bodyPr>
-          <a:lstStyle/>
-          <a:p>
-            <a:r>
-              <a:rPr lang="en-US" altLang="ko-KR" dirty="0" smtClean="0"/>
-              <a:t>  </a:t>
-            </a:r>
-            <a:r>
-              <a:rPr lang="ko-KR" altLang="en-US" dirty="0" smtClean="0"/>
-              <a:t>송장번호</a:t>
-            </a:r>
-            <a:r>
-              <a:rPr lang="en-US" altLang="ko-KR" dirty="0"/>
-              <a:t>	</a:t>
-            </a:r>
-            <a:r>
-              <a:rPr lang="en-US" altLang="ko-KR" dirty="0" smtClean="0"/>
-              <a:t>	</a:t>
-            </a:r>
-            <a:r>
-              <a:rPr lang="ko-KR" altLang="en-US" dirty="0" smtClean="0"/>
-              <a:t>날짜</a:t>
-            </a:r>
-            <a:r>
-              <a:rPr lang="en-US" altLang="ko-KR" dirty="0" smtClean="0"/>
-              <a:t>			</a:t>
-            </a:r>
-            <a:r>
-              <a:rPr lang="ko-KR" altLang="en-US" dirty="0" smtClean="0"/>
-              <a:t>합계</a:t>
-            </a:r>
-            <a:endParaRPr lang="ko-KR" altLang="en-US" dirty="0"/>
-          </a:p>
-        </p:txBody>
-      </p:sp>
-      <p:sp>
-        <p:nvSpPr>
-          <p:cNvPr id="7" name="모서리가 둥근 직사각형 6"/>
-          <p:cNvSpPr/>
-          <p:nvPr/>
-        </p:nvSpPr>
-        <p:spPr>
-          <a:xfrm>
-            <a:off x="4925941" y="5733255"/>
-            <a:ext cx="1512168" cy="524381"/>
-          </a:xfrm>
-          <a:prstGeom prst="roundRect">
-            <a:avLst/>
-          </a:prstGeom>
-        </p:spPr>
-        <p:style>
-          <a:lnRef idx="2">
-            <a:schemeClr val="accent2">
-              <a:shade val="50000"/>
-            </a:schemeClr>
-          </a:lnRef>
-          <a:fillRef idx="1">
-            <a:schemeClr val="accent2"/>
-          </a:fillRef>
-          <a:effectRef idx="0">
-            <a:schemeClr val="accent2"/>
-          </a:effectRef>
-          <a:fontRef idx="minor">
-            <a:schemeClr val="lt1"/>
-          </a:fontRef>
-        </p:style>
-        <p:txBody>
-          <a:bodyPr rtlCol="0" anchor="ctr"/>
-          <a:lstStyle/>
-          <a:p>
-            <a:pPr algn="ctr"/>
-            <a:r>
-              <a:rPr lang="ko-KR" altLang="en-US" dirty="0" smtClean="0"/>
-              <a:t>검색</a:t>
-            </a:r>
-            <a:endParaRPr lang="ko-KR" altLang="en-US" dirty="0"/>
-          </a:p>
-        </p:txBody>
-      </p:sp>
-      <p:sp>
-        <p:nvSpPr>
-          <p:cNvPr id="8" name="TextBox 7"/>
-          <p:cNvSpPr txBox="1"/>
-          <p:nvPr/>
-        </p:nvSpPr>
-        <p:spPr>
-          <a:xfrm>
-            <a:off x="1607996" y="2058921"/>
-            <a:ext cx="6912768" cy="1200329"/>
-          </a:xfrm>
-          <a:prstGeom prst="rect">
-            <a:avLst/>
-          </a:prstGeom>
-          <a:noFill/>
-        </p:spPr>
-        <p:txBody>
-          <a:bodyPr wrap="square" rtlCol="0">
-            <a:spAutoFit/>
-          </a:bodyPr>
-          <a:lstStyle/>
-          <a:p>
-            <a:pPr marL="342900" indent="-342900">
-              <a:buAutoNum type="arabicPeriod"/>
-            </a:pPr>
-            <a:r>
-              <a:rPr lang="en-US" altLang="ko-KR" dirty="0" smtClean="0"/>
-              <a:t>    b1021</a:t>
-            </a:r>
-            <a:r>
-              <a:rPr lang="en-US" altLang="ko-KR" dirty="0"/>
-              <a:t>	 </a:t>
-            </a:r>
-            <a:r>
-              <a:rPr lang="en-US" altLang="ko-KR" dirty="0" smtClean="0"/>
-              <a:t>             2019-04-02                            11,000</a:t>
-            </a:r>
-          </a:p>
-          <a:p>
-            <a:pPr marL="342900" indent="-342900">
-              <a:buAutoNum type="arabicPeriod"/>
-            </a:pPr>
-            <a:r>
-              <a:rPr lang="en-US" altLang="ko-KR" dirty="0"/>
-              <a:t> </a:t>
-            </a:r>
-            <a:r>
-              <a:rPr lang="en-US" altLang="ko-KR" dirty="0" smtClean="0"/>
-              <a:t>   c1007                         2019-04-14                            27,000</a:t>
-            </a:r>
-            <a:endParaRPr lang="en-US" altLang="ko-KR" dirty="0"/>
-          </a:p>
-          <a:p>
-            <a:pPr marL="342900" indent="-342900">
-              <a:buAutoNum type="arabicPeriod"/>
-            </a:pPr>
-            <a:r>
-              <a:rPr lang="en-US" altLang="ko-KR" dirty="0" smtClean="0"/>
-              <a:t>    a1001		2019-04-15		  21,500</a:t>
-            </a:r>
-          </a:p>
-          <a:p>
-            <a:pPr marL="342900" indent="-342900">
-              <a:buAutoNum type="arabicPeriod"/>
-            </a:pPr>
-            <a:r>
-              <a:rPr lang="en-US" altLang="ko-KR" dirty="0" smtClean="0"/>
-              <a:t>    a1002		2019-05-01		  34,500</a:t>
-            </a:r>
-            <a:endParaRPr lang="ko-KR" altLang="en-US" dirty="0"/>
-          </a:p>
-        </p:txBody>
-      </p:sp>
-      <p:sp>
-        <p:nvSpPr>
-          <p:cNvPr id="9" name="모서리가 둥근 직사각형 8">
-            <a:hlinkClick r:id="rId3" action="ppaction://hlinksldjump"/>
-          </p:cNvPr>
-          <p:cNvSpPr/>
-          <p:nvPr/>
-        </p:nvSpPr>
-        <p:spPr>
-          <a:xfrm>
-            <a:off x="6808137" y="260648"/>
-            <a:ext cx="1620000" cy="612000"/>
-          </a:xfrm>
-          <a:prstGeom prst="roundRect">
-            <a:avLst/>
-          </a:prstGeom>
-        </p:spPr>
-        <p:style>
-          <a:lnRef idx="2">
-            <a:schemeClr val="accent2">
-              <a:shade val="50000"/>
-            </a:schemeClr>
-          </a:lnRef>
-          <a:fillRef idx="1">
-            <a:schemeClr val="accent2"/>
-          </a:fillRef>
-          <a:effectRef idx="0">
-            <a:schemeClr val="accent2"/>
-          </a:effectRef>
-          <a:fontRef idx="minor">
-            <a:schemeClr val="lt1"/>
-          </a:fontRef>
-        </p:style>
-        <p:txBody>
-          <a:bodyPr rtlCol="0" anchor="ctr"/>
-          <a:lstStyle/>
-          <a:p>
-            <a:pPr algn="ctr"/>
-            <a:r>
-              <a:rPr lang="ko-KR" altLang="en-US" dirty="0" smtClean="0"/>
-              <a:t>로그아웃</a:t>
-            </a:r>
-            <a:endParaRPr lang="ko-KR" altLang="en-US" dirty="0"/>
-          </a:p>
-        </p:txBody>
-      </p:sp>
-      <p:sp>
-        <p:nvSpPr>
-          <p:cNvPr id="10" name="TextBox 9"/>
-          <p:cNvSpPr txBox="1"/>
-          <p:nvPr/>
-        </p:nvSpPr>
-        <p:spPr>
-          <a:xfrm>
-            <a:off x="4644008" y="4981818"/>
-            <a:ext cx="720080" cy="369332"/>
-          </a:xfrm>
-          <a:prstGeom prst="rect">
-            <a:avLst/>
-          </a:prstGeom>
-          <a:noFill/>
-        </p:spPr>
-        <p:txBody>
-          <a:bodyPr wrap="square" rtlCol="0">
-            <a:spAutoFit/>
-          </a:bodyPr>
-          <a:lstStyle/>
-          <a:p>
-            <a:r>
-              <a:rPr lang="en-US" altLang="ko-KR" dirty="0" smtClean="0"/>
-              <a:t>- 1 -</a:t>
-            </a:r>
-            <a:endParaRPr lang="ko-KR" altLang="en-US" dirty="0"/>
-          </a:p>
-        </p:txBody>
-      </p:sp>
-      <p:sp>
-        <p:nvSpPr>
-          <p:cNvPr id="11" name="TextBox 10"/>
-          <p:cNvSpPr txBox="1"/>
-          <p:nvPr/>
-        </p:nvSpPr>
-        <p:spPr>
-          <a:xfrm>
-            <a:off x="1610716" y="2058921"/>
-            <a:ext cx="6912768" cy="646331"/>
-          </a:xfrm>
-          <a:prstGeom prst="rect">
-            <a:avLst/>
-          </a:prstGeom>
-          <a:noFill/>
-        </p:spPr>
-        <p:txBody>
-          <a:bodyPr wrap="square" rtlCol="0">
-            <a:spAutoFit/>
-          </a:bodyPr>
-          <a:lstStyle/>
-          <a:p>
-            <a:pPr marL="342900" indent="-342900">
-              <a:buAutoNum type="arabicPeriod"/>
-            </a:pPr>
-            <a:r>
-              <a:rPr lang="en-US" altLang="ko-KR" dirty="0" smtClean="0"/>
-              <a:t>    a1001		2019-04-15		  21,500</a:t>
-            </a:r>
-          </a:p>
-          <a:p>
-            <a:pPr marL="342900" indent="-342900">
-              <a:buAutoNum type="arabicPeriod"/>
-            </a:pPr>
-            <a:r>
-              <a:rPr lang="en-US" altLang="ko-KR" dirty="0" smtClean="0"/>
-              <a:t>    a1002		2019-05-01		  34,500</a:t>
-            </a:r>
-            <a:endParaRPr lang="ko-KR" altLang="en-US" dirty="0"/>
-          </a:p>
-        </p:txBody>
-      </p:sp>
-    </p:spTree>
-    <p:extLst>
-      <p:ext uri="{BB962C8B-B14F-4D97-AF65-F5344CB8AC3E}">
-        <p14:creationId xmlns:p14="http://schemas.microsoft.com/office/powerpoint/2010/main" val="1514624462"/>
-      </p:ext>
-    </p:extLst>
-  </p:cSld>
-  <p:clrMapOvr>
-    <a:masterClrMapping/>
-  </p:clrMapOvr>
-  <p:timing>
-    <p:tnLst>
-      <p:par>
-        <p:cTn id="1" dur="indefinite" restart="never" nodeType="tmRoot">
-          <p:childTnLst>
-            <p:seq concurrent="1" nextAc="seek">
-              <p:cTn id="2" dur="indefinite" nodeType="mainSeq">
-                <p:childTnLst>
-                  <p:par>
-                    <p:cTn id="3" fill="hold">
-                      <p:stCondLst>
-                        <p:cond delay="indefinite"/>
-                      </p:stCondLst>
-                      <p:childTnLst>
-                        <p:par>
-                          <p:cTn id="4" fill="hold">
-                            <p:stCondLst>
-                              <p:cond delay="0"/>
-                            </p:stCondLst>
-                            <p:childTnLst>
-                              <p:par>
-                                <p:cTn id="5" presetID="1" presetClass="exit" presetSubtype="0" fill="hold" grpId="0" nodeType="clickEffect">
-                                  <p:stCondLst>
-                                    <p:cond delay="0"/>
-                                  </p:stCondLst>
-                                  <p:childTnLst>
-                                    <p:set>
-                                      <p:cBhvr>
-                                        <p:cTn id="6" dur="1" fill="hold">
-                                          <p:stCondLst>
-                                            <p:cond delay="0"/>
-                                          </p:stCondLst>
-                                        </p:cTn>
-                                        <p:tgtEl>
-                                          <p:spTgt spid="8"/>
-                                        </p:tgtEl>
-                                        <p:attrNameLst>
-                                          <p:attrName>style.visibility</p:attrName>
-                                        </p:attrNameLst>
-                                      </p:cBhvr>
-                                      <p:to>
-                                        <p:strVal val="hidden"/>
-                                      </p:to>
-                                    </p:set>
-                                  </p:childTnLst>
-                                </p:cTn>
-                              </p:par>
-                              <p:par>
-                                <p:cTn id="7" presetID="10" presetClass="entr" presetSubtype="0" fill="hold" grpId="0" nodeType="withEffect">
-                                  <p:stCondLst>
-                                    <p:cond delay="0"/>
-                                  </p:stCondLst>
-                                  <p:childTnLst>
-                                    <p:set>
-                                      <p:cBhvr>
-                                        <p:cTn id="8" dur="1" fill="hold">
-                                          <p:stCondLst>
-                                            <p:cond delay="0"/>
-                                          </p:stCondLst>
-                                        </p:cTn>
-                                        <p:tgtEl>
-                                          <p:spTgt spid="11"/>
-                                        </p:tgtEl>
-                                        <p:attrNameLst>
-                                          <p:attrName>style.visibility</p:attrName>
-                                        </p:attrNameLst>
-                                      </p:cBhvr>
-                                      <p:to>
-                                        <p:strVal val="visible"/>
-                                      </p:to>
-                                    </p:set>
-                                    <p:animEffect transition="in" filter="fade">
-                                      <p:cBhvr>
-                                        <p:cTn id="9" dur="500"/>
-                                        <p:tgtEl>
-                                          <p:spTgt spid="11"/>
-                                        </p:tgtEl>
-                                      </p:cBhvr>
-                                    </p:animEffect>
-                                  </p:childTnLst>
-                                </p:cTn>
-                              </p:par>
-                            </p:childTnLst>
-                          </p:cTn>
-                        </p:par>
-                      </p:childTnLst>
-                    </p:cTn>
-                  </p:par>
-                </p:childTnLst>
-              </p:cTn>
-              <p:prevCondLst>
-                <p:cond evt="onPrev" delay="0">
-                  <p:tgtEl>
-                    <p:sldTgt/>
-                  </p:tgtEl>
-                </p:cond>
-              </p:prevCondLst>
-              <p:nextCondLst>
-                <p:cond evt="onNext" delay="0">
-                  <p:tgtEl>
-                    <p:sldTgt/>
-                  </p:tgtEl>
-                </p:cond>
-              </p:nextCondLst>
-            </p:seq>
-          </p:childTnLst>
-        </p:cTn>
-      </p:par>
-    </p:tnLst>
-    <p:bldLst>
-      <p:bldP spid="8" grpId="0"/>
-      <p:bldP spid="11" grpId="0"/>
-    </p:bldLst>
-  </p:timing>
-</p:sld>
-</file>
-
 <file path=ppt/slides/slide8.xml><?xml version="1.0" encoding="utf-8"?>
-<p:sld xmlns:a="http://schemas.openxmlformats.org/drawingml/2006/main" xmlns:r="http://schemas.openxmlformats.org/officeDocument/2006/relationships" xmlns:p="http://schemas.openxmlformats.org/presentationml/2006/main">
-  <p:cSld>
-    <p:spTree>
-      <p:nvGrpSpPr>
-        <p:cNvPr id="1" name=""/>
-        <p:cNvGrpSpPr/>
-        <p:nvPr/>
-      </p:nvGrpSpPr>
-      <p:grpSpPr>
-        <a:xfrm>
-          <a:off x="0" y="0"/>
-          <a:ext cx="0" cy="0"/>
-          <a:chOff x="0" y="0"/>
-          <a:chExt cx="0" cy="0"/>
-        </a:xfrm>
-      </p:grpSpPr>
-      <p:sp>
-        <p:nvSpPr>
-          <p:cNvPr id="2" name="모서리가 둥근 직사각형 1"/>
-          <p:cNvSpPr/>
-          <p:nvPr/>
-        </p:nvSpPr>
-        <p:spPr>
-          <a:xfrm>
-            <a:off x="3946513" y="5855619"/>
-            <a:ext cx="1800000" cy="612000"/>
-          </a:xfrm>
-          <a:prstGeom prst="roundRect">
-            <a:avLst/>
-          </a:prstGeom>
-        </p:spPr>
-        <p:style>
-          <a:lnRef idx="2">
-            <a:schemeClr val="accent2">
-              <a:shade val="50000"/>
-            </a:schemeClr>
-          </a:lnRef>
-          <a:fillRef idx="1">
-            <a:schemeClr val="accent2"/>
-          </a:fillRef>
-          <a:effectRef idx="0">
-            <a:schemeClr val="accent2"/>
-          </a:effectRef>
-          <a:fontRef idx="minor">
-            <a:schemeClr val="lt1"/>
-          </a:fontRef>
-        </p:style>
-        <p:txBody>
-          <a:bodyPr rtlCol="0" anchor="ctr"/>
-          <a:lstStyle/>
-          <a:p>
-            <a:pPr algn="ctr"/>
-            <a:r>
-              <a:rPr lang="ko-KR" altLang="en-US" dirty="0" smtClean="0"/>
-              <a:t>송장 </a:t>
-            </a:r>
-            <a:r>
-              <a:rPr lang="en-US" altLang="ko-KR" dirty="0" smtClean="0"/>
-              <a:t>CSV</a:t>
-            </a:r>
-            <a:r>
-              <a:rPr lang="ko-KR" altLang="en-US" dirty="0" smtClean="0"/>
-              <a:t> </a:t>
-            </a:r>
-            <a:endParaRPr lang="en-US" altLang="ko-KR" dirty="0" smtClean="0"/>
-          </a:p>
-          <a:p>
-            <a:pPr algn="ctr"/>
-            <a:r>
-              <a:rPr lang="ko-KR" altLang="en-US" dirty="0" smtClean="0"/>
-              <a:t>다운로드</a:t>
-            </a:r>
-            <a:endParaRPr lang="ko-KR" altLang="en-US" dirty="0"/>
-          </a:p>
-        </p:txBody>
-      </p:sp>
-      <p:sp>
-        <p:nvSpPr>
-          <p:cNvPr id="3" name="모서리가 둥근 직사각형 2">
-            <a:hlinkClick r:id="rId2" action="ppaction://hlinksldjump"/>
-          </p:cNvPr>
-          <p:cNvSpPr/>
-          <p:nvPr/>
-        </p:nvSpPr>
-        <p:spPr>
-          <a:xfrm>
-            <a:off x="6840432" y="260648"/>
-            <a:ext cx="1620000" cy="612000"/>
-          </a:xfrm>
-          <a:prstGeom prst="roundRect">
-            <a:avLst/>
-          </a:prstGeom>
-        </p:spPr>
-        <p:style>
-          <a:lnRef idx="2">
-            <a:schemeClr val="accent2">
-              <a:shade val="50000"/>
-            </a:schemeClr>
-          </a:lnRef>
-          <a:fillRef idx="1">
-            <a:schemeClr val="accent2"/>
-          </a:fillRef>
-          <a:effectRef idx="0">
-            <a:schemeClr val="accent2"/>
-          </a:effectRef>
-          <a:fontRef idx="minor">
-            <a:schemeClr val="lt1"/>
-          </a:fontRef>
-        </p:style>
-        <p:txBody>
-          <a:bodyPr rtlCol="0" anchor="ctr"/>
-          <a:lstStyle/>
-          <a:p>
-            <a:pPr algn="ctr"/>
-            <a:r>
-              <a:rPr lang="ko-KR" altLang="en-US" dirty="0" smtClean="0"/>
-              <a:t>로그아웃</a:t>
-            </a:r>
-            <a:endParaRPr lang="ko-KR" altLang="en-US" dirty="0"/>
-          </a:p>
-        </p:txBody>
-      </p:sp>
-      <p:sp>
-        <p:nvSpPr>
-          <p:cNvPr id="5" name="TextBox 4"/>
-          <p:cNvSpPr txBox="1"/>
-          <p:nvPr/>
-        </p:nvSpPr>
-        <p:spPr>
-          <a:xfrm>
-            <a:off x="971600" y="0"/>
-            <a:ext cx="3096344" cy="369332"/>
-          </a:xfrm>
-          <a:prstGeom prst="rect">
-            <a:avLst/>
-          </a:prstGeom>
-          <a:noFill/>
-        </p:spPr>
-        <p:txBody>
-          <a:bodyPr wrap="square" rtlCol="0">
-            <a:spAutoFit/>
-          </a:bodyPr>
-          <a:lstStyle/>
-          <a:p>
-            <a:r>
-              <a:rPr lang="en-US" altLang="ko-KR" dirty="0"/>
-              <a:t>T</a:t>
-            </a:r>
-            <a:r>
-              <a:rPr lang="en-US" altLang="ko-KR" dirty="0" smtClean="0"/>
-              <a:t>ransport</a:t>
-            </a:r>
-          </a:p>
-        </p:txBody>
-      </p:sp>
-      <p:sp>
-        <p:nvSpPr>
-          <p:cNvPr id="7" name="모서리가 둥근 직사각형 6"/>
-          <p:cNvSpPr/>
-          <p:nvPr/>
-        </p:nvSpPr>
-        <p:spPr>
-          <a:xfrm>
-            <a:off x="1547664" y="5869394"/>
-            <a:ext cx="1800000" cy="612000"/>
-          </a:xfrm>
-          <a:prstGeom prst="roundRect">
-            <a:avLst/>
-          </a:prstGeom>
-        </p:spPr>
-        <p:style>
-          <a:lnRef idx="2">
-            <a:schemeClr val="accent2">
-              <a:shade val="50000"/>
-            </a:schemeClr>
-          </a:lnRef>
-          <a:fillRef idx="1">
-            <a:schemeClr val="accent2"/>
-          </a:fillRef>
-          <a:effectRef idx="0">
-            <a:schemeClr val="accent2"/>
-          </a:effectRef>
-          <a:fontRef idx="minor">
-            <a:schemeClr val="lt1"/>
-          </a:fontRef>
-        </p:style>
-        <p:txBody>
-          <a:bodyPr rtlCol="0" anchor="ctr"/>
-          <a:lstStyle/>
-          <a:p>
-            <a:pPr algn="ctr"/>
-            <a:r>
-              <a:rPr lang="ko-KR" altLang="en-US" dirty="0" smtClean="0"/>
-              <a:t>월별 배송목록</a:t>
-            </a:r>
-            <a:endParaRPr lang="ko-KR" altLang="en-US" dirty="0"/>
-          </a:p>
-        </p:txBody>
-      </p:sp>
-      <p:grpSp>
-        <p:nvGrpSpPr>
-          <p:cNvPr id="8" name="그룹 7"/>
-          <p:cNvGrpSpPr/>
-          <p:nvPr/>
-        </p:nvGrpSpPr>
-        <p:grpSpPr>
-          <a:xfrm>
-            <a:off x="1544312" y="1085542"/>
-            <a:ext cx="6916120" cy="4320480"/>
-            <a:chOff x="1544312" y="1085542"/>
-            <a:chExt cx="6916120" cy="4320480"/>
-          </a:xfrm>
-        </p:grpSpPr>
-        <p:sp>
-          <p:nvSpPr>
-            <p:cNvPr id="9" name="모서리가 둥근 직사각형 8"/>
-            <p:cNvSpPr/>
-            <p:nvPr/>
-          </p:nvSpPr>
-          <p:spPr>
-            <a:xfrm>
-              <a:off x="1544312" y="1085542"/>
-              <a:ext cx="6916120" cy="4320480"/>
-            </a:xfrm>
-            <a:prstGeom prst="roundRect">
-              <a:avLst/>
-            </a:prstGeom>
-          </p:spPr>
-          <p:style>
-            <a:lnRef idx="2">
-              <a:schemeClr val="accent2"/>
-            </a:lnRef>
-            <a:fillRef idx="1">
-              <a:schemeClr val="lt1"/>
-            </a:fillRef>
-            <a:effectRef idx="0">
-              <a:schemeClr val="accent2"/>
-            </a:effectRef>
-            <a:fontRef idx="minor">
-              <a:schemeClr val="dk1"/>
-            </a:fontRef>
-          </p:style>
-          <p:txBody>
-            <a:bodyPr rtlCol="0" anchor="ctr"/>
-            <a:lstStyle/>
-            <a:p>
-              <a:pPr algn="ctr"/>
-              <a:r>
-                <a:rPr lang="ko-KR" altLang="en-US" dirty="0" smtClean="0">
-                  <a:solidFill>
-                    <a:schemeClr val="tx1"/>
-                  </a:solidFill>
-                </a:rPr>
-                <a:t> </a:t>
-              </a:r>
-              <a:endParaRPr lang="ko-KR" altLang="en-US" dirty="0">
-                <a:solidFill>
-                  <a:schemeClr val="tx1"/>
-                </a:solidFill>
-              </a:endParaRPr>
-            </a:p>
-          </p:txBody>
-        </p:sp>
-        <p:grpSp>
-          <p:nvGrpSpPr>
-            <p:cNvPr id="12" name="그룹 11"/>
-            <p:cNvGrpSpPr/>
-            <p:nvPr/>
-          </p:nvGrpSpPr>
-          <p:grpSpPr>
-            <a:xfrm>
-              <a:off x="1547664" y="1669450"/>
-              <a:ext cx="6912768" cy="1762674"/>
-              <a:chOff x="1547664" y="1669450"/>
-              <a:chExt cx="6912768" cy="1762674"/>
-            </a:xfrm>
-          </p:grpSpPr>
-          <p:sp>
-            <p:nvSpPr>
-              <p:cNvPr id="14" name="TextBox 13"/>
-              <p:cNvSpPr txBox="1"/>
-              <p:nvPr/>
-            </p:nvSpPr>
-            <p:spPr>
-              <a:xfrm>
-                <a:off x="1691680" y="1669450"/>
-                <a:ext cx="6768752" cy="369332"/>
-              </a:xfrm>
-              <a:prstGeom prst="rect">
-                <a:avLst/>
-              </a:prstGeom>
-              <a:noFill/>
-            </p:spPr>
-            <p:txBody>
-              <a:bodyPr wrap="square" rtlCol="0">
-                <a:spAutoFit/>
-              </a:bodyPr>
-              <a:lstStyle/>
-              <a:p>
-                <a:r>
-                  <a:rPr lang="ko-KR" altLang="en-US" dirty="0" smtClean="0"/>
-                  <a:t>   고객명                            </a:t>
-                </a:r>
-                <a:r>
-                  <a:rPr lang="en-US" altLang="ko-KR" dirty="0" smtClean="0"/>
-                  <a:t>  </a:t>
-                </a:r>
-                <a:r>
-                  <a:rPr lang="ko-KR" altLang="en-US" dirty="0" smtClean="0"/>
-                  <a:t>주소</a:t>
-                </a:r>
-                <a:r>
-                  <a:rPr lang="en-US" altLang="ko-KR" dirty="0" smtClean="0"/>
-                  <a:t>		                </a:t>
-                </a:r>
-                <a:r>
-                  <a:rPr lang="ko-KR" altLang="en-US" dirty="0" smtClean="0"/>
-                  <a:t>물품</a:t>
-                </a:r>
-                <a:endParaRPr lang="en-US" altLang="ko-KR" dirty="0" smtClean="0"/>
-              </a:p>
-            </p:txBody>
-          </p:sp>
-          <p:sp>
-            <p:nvSpPr>
-              <p:cNvPr id="15" name="TextBox 14"/>
-              <p:cNvSpPr txBox="1"/>
-              <p:nvPr/>
-            </p:nvSpPr>
-            <p:spPr>
-              <a:xfrm>
-                <a:off x="1547664" y="2908904"/>
-                <a:ext cx="5616624" cy="523220"/>
-              </a:xfrm>
-              <a:prstGeom prst="rect">
-                <a:avLst/>
-              </a:prstGeom>
-              <a:noFill/>
-            </p:spPr>
-            <p:txBody>
-              <a:bodyPr wrap="square" rtlCol="0">
-                <a:spAutoFit/>
-              </a:bodyPr>
-              <a:lstStyle/>
-              <a:p>
-                <a:r>
-                  <a:rPr lang="en-US" altLang="ko-KR" sz="1400" dirty="0"/>
-                  <a:t> </a:t>
-                </a:r>
-                <a:r>
-                  <a:rPr lang="en-US" altLang="ko-KR" sz="1400" dirty="0" smtClean="0"/>
-                  <a:t>       </a:t>
-                </a:r>
-                <a:r>
-                  <a:rPr lang="ko-KR" altLang="en-US" sz="1400" dirty="0" err="1" smtClean="0"/>
-                  <a:t>김자바</a:t>
-                </a:r>
-                <a:r>
-                  <a:rPr lang="en-US" altLang="ko-KR" sz="1400" dirty="0" smtClean="0"/>
-                  <a:t>             </a:t>
-                </a:r>
-                <a:r>
-                  <a:rPr lang="ko-KR" altLang="en-US" sz="1400" dirty="0" smtClean="0"/>
-                  <a:t>대전광역시 서구 </a:t>
-                </a:r>
-                <a:r>
-                  <a:rPr lang="ko-KR" altLang="en-US" sz="1400" dirty="0" err="1" smtClean="0"/>
-                  <a:t>월평동</a:t>
-                </a:r>
-                <a:r>
-                  <a:rPr lang="ko-KR" altLang="en-US" sz="1400" dirty="0" smtClean="0"/>
-                  <a:t> </a:t>
-                </a:r>
-                <a:r>
-                  <a:rPr lang="en-US" altLang="ko-KR" sz="1400" dirty="0" smtClean="0"/>
-                  <a:t>243 </a:t>
-                </a:r>
-                <a:r>
-                  <a:rPr lang="ko-KR" altLang="en-US" sz="1400" dirty="0" err="1" smtClean="0"/>
-                  <a:t>스타게이트</a:t>
-                </a:r>
-                <a:r>
-                  <a:rPr lang="ko-KR" altLang="en-US" sz="1400" dirty="0" smtClean="0"/>
-                  <a:t> </a:t>
-                </a:r>
-                <a:r>
-                  <a:rPr lang="en-US" altLang="ko-KR" sz="1400" dirty="0" smtClean="0"/>
-                  <a:t>7</a:t>
-                </a:r>
-                <a:r>
-                  <a:rPr lang="ko-KR" altLang="en-US" sz="1400" dirty="0" smtClean="0"/>
-                  <a:t>층</a:t>
-                </a:r>
-                <a:r>
-                  <a:rPr lang="en-US" altLang="ko-KR" sz="1400" dirty="0" smtClean="0"/>
-                  <a:t>	</a:t>
-                </a:r>
-              </a:p>
-            </p:txBody>
-          </p:sp>
-        </p:grpSp>
-        <p:sp>
-          <p:nvSpPr>
-            <p:cNvPr id="11" name="TextBox 10"/>
-            <p:cNvSpPr txBox="1"/>
-            <p:nvPr/>
-          </p:nvSpPr>
-          <p:spPr>
-            <a:xfrm>
-              <a:off x="2051720" y="1268760"/>
-              <a:ext cx="3384376" cy="369332"/>
-            </a:xfrm>
-            <a:prstGeom prst="rect">
-              <a:avLst/>
-            </a:prstGeom>
-            <a:noFill/>
-          </p:spPr>
-          <p:txBody>
-            <a:bodyPr wrap="square" rtlCol="0">
-              <a:spAutoFit/>
-            </a:bodyPr>
-            <a:lstStyle/>
-            <a:p>
-              <a:r>
-                <a:rPr lang="ko-KR" altLang="en-US" dirty="0" smtClean="0"/>
-                <a:t>송장번호 </a:t>
-              </a:r>
-              <a:r>
-                <a:rPr lang="en-US" altLang="ko-KR" dirty="0" smtClean="0"/>
-                <a:t>a1001</a:t>
-              </a:r>
-              <a:endParaRPr lang="ko-KR" altLang="en-US" dirty="0"/>
-            </a:p>
-          </p:txBody>
-        </p:sp>
-      </p:grpSp>
-      <p:sp>
-        <p:nvSpPr>
-          <p:cNvPr id="21" name="TextBox 20"/>
-          <p:cNvSpPr txBox="1"/>
-          <p:nvPr/>
-        </p:nvSpPr>
-        <p:spPr>
-          <a:xfrm>
-            <a:off x="7164288" y="2240374"/>
-            <a:ext cx="1296144" cy="1815882"/>
-          </a:xfrm>
-          <a:prstGeom prst="rect">
-            <a:avLst/>
-          </a:prstGeom>
-          <a:noFill/>
-        </p:spPr>
-        <p:txBody>
-          <a:bodyPr wrap="square" rtlCol="0">
-            <a:spAutoFit/>
-          </a:bodyPr>
-          <a:lstStyle/>
-          <a:p>
-            <a:r>
-              <a:rPr lang="ko-KR" altLang="en-US" sz="1400" dirty="0" smtClean="0"/>
-              <a:t>삼겹살</a:t>
-            </a:r>
-            <a:endParaRPr lang="en-US" altLang="ko-KR" sz="1400" dirty="0" smtClean="0"/>
-          </a:p>
-          <a:p>
-            <a:r>
-              <a:rPr lang="ko-KR" altLang="en-US" sz="1400" dirty="0" smtClean="0"/>
-              <a:t>목살</a:t>
-            </a:r>
-            <a:endParaRPr lang="en-US" altLang="ko-KR" sz="1400" dirty="0" smtClean="0"/>
-          </a:p>
-          <a:p>
-            <a:r>
-              <a:rPr lang="ko-KR" altLang="en-US" sz="1400" dirty="0" smtClean="0"/>
-              <a:t>대파 </a:t>
-            </a:r>
-            <a:endParaRPr lang="en-US" altLang="ko-KR" sz="1400" dirty="0" smtClean="0"/>
-          </a:p>
-          <a:p>
-            <a:r>
-              <a:rPr lang="ko-KR" altLang="en-US" sz="1400" dirty="0" smtClean="0"/>
-              <a:t>쌈장 </a:t>
-            </a:r>
-            <a:endParaRPr lang="en-US" altLang="ko-KR" sz="1400" dirty="0" smtClean="0"/>
-          </a:p>
-          <a:p>
-            <a:r>
-              <a:rPr lang="ko-KR" altLang="en-US" sz="1400" dirty="0" smtClean="0"/>
-              <a:t>젓가락</a:t>
-            </a:r>
-            <a:endParaRPr lang="en-US" altLang="ko-KR" sz="1400" dirty="0" smtClean="0"/>
-          </a:p>
-          <a:p>
-            <a:r>
-              <a:rPr lang="ko-KR" altLang="en-US" sz="1400" dirty="0" smtClean="0"/>
-              <a:t>일회용용기</a:t>
-            </a:r>
-            <a:endParaRPr lang="en-US" altLang="ko-KR" sz="1400" dirty="0" smtClean="0"/>
-          </a:p>
-          <a:p>
-            <a:r>
-              <a:rPr lang="ko-KR" altLang="en-US" sz="1400" dirty="0" smtClean="0"/>
-              <a:t>콜라</a:t>
-            </a:r>
-            <a:endParaRPr lang="en-US" altLang="ko-KR" sz="1400" dirty="0" smtClean="0"/>
-          </a:p>
-          <a:p>
-            <a:pPr marL="342900" indent="-342900">
-              <a:buAutoNum type="arabicPeriod"/>
-            </a:pPr>
-            <a:endParaRPr lang="ko-KR" altLang="en-US" sz="1400" dirty="0"/>
-          </a:p>
-        </p:txBody>
-      </p:sp>
-      <p:sp>
-        <p:nvSpPr>
-          <p:cNvPr id="25" name="모서리가 둥근 직사각형 24"/>
-          <p:cNvSpPr/>
-          <p:nvPr/>
-        </p:nvSpPr>
-        <p:spPr>
-          <a:xfrm>
-            <a:off x="2575571" y="369332"/>
-            <a:ext cx="4680000" cy="2160000"/>
-          </a:xfrm>
-          <a:prstGeom prst="roundRect">
-            <a:avLst/>
-          </a:prstGeom>
-          <a:solidFill>
-            <a:schemeClr val="bg1"/>
-          </a:solidFill>
-          <a:ln>
-            <a:solidFill>
-              <a:schemeClr val="accent2"/>
-            </a:solidFill>
-          </a:ln>
-        </p:spPr>
-        <p:style>
-          <a:lnRef idx="2">
-            <a:schemeClr val="accent1">
-              <a:shade val="50000"/>
-            </a:schemeClr>
-          </a:lnRef>
-          <a:fillRef idx="1">
-            <a:schemeClr val="accent1"/>
-          </a:fillRef>
-          <a:effectRef idx="0">
-            <a:schemeClr val="accent1"/>
-          </a:effectRef>
-          <a:fontRef idx="minor">
-            <a:schemeClr val="lt1"/>
-          </a:fontRef>
-        </p:style>
-        <p:txBody>
-          <a:bodyPr rtlCol="0" anchor="ctr"/>
-          <a:lstStyle/>
-          <a:p>
-            <a:pPr algn="ctr"/>
-            <a:r>
-              <a:rPr lang="ko-KR" altLang="en-US" dirty="0" smtClean="0">
-                <a:solidFill>
-                  <a:schemeClr val="tx1"/>
-                </a:solidFill>
-              </a:rPr>
-              <a:t>송장이 </a:t>
-            </a:r>
-            <a:r>
-              <a:rPr lang="en-US" altLang="ko-KR" dirty="0" smtClean="0">
-                <a:solidFill>
-                  <a:schemeClr val="tx1"/>
-                </a:solidFill>
-              </a:rPr>
-              <a:t>CSV</a:t>
-            </a:r>
-            <a:r>
-              <a:rPr lang="ko-KR" altLang="en-US" dirty="0" smtClean="0">
-                <a:solidFill>
-                  <a:schemeClr val="tx1"/>
-                </a:solidFill>
-              </a:rPr>
-              <a:t>파일로 다운로드 되었습니다</a:t>
-            </a:r>
-            <a:r>
-              <a:rPr lang="en-US" altLang="ko-KR" dirty="0" smtClean="0">
-                <a:solidFill>
-                  <a:schemeClr val="tx1"/>
-                </a:solidFill>
-              </a:rPr>
-              <a:t>.</a:t>
-            </a:r>
-            <a:endParaRPr lang="ko-KR" altLang="en-US" dirty="0">
-              <a:solidFill>
-                <a:schemeClr val="tx1"/>
-              </a:solidFill>
-            </a:endParaRPr>
-          </a:p>
-        </p:txBody>
-      </p:sp>
-    </p:spTree>
-    <p:extLst>
-      <p:ext uri="{BB962C8B-B14F-4D97-AF65-F5344CB8AC3E}">
-        <p14:creationId xmlns:p14="http://schemas.microsoft.com/office/powerpoint/2010/main" val="1068143714"/>
-      </p:ext>
-    </p:extLst>
-  </p:cSld>
-  <p:clrMapOvr>
-    <a:masterClrMapping/>
-  </p:clrMapOvr>
-  <p:timing>
-    <p:tnLst>
-      <p:par>
-        <p:cTn id="1" dur="indefinite" restart="never" nodeType="tmRoot">
-          <p:childTnLst>
-            <p:seq concurrent="1" nextAc="seek">
-              <p:cTn id="2" dur="indefinite" nodeType="mainSeq">
-                <p:childTnLst>
-                  <p:par>
-                    <p:cTn id="3" fill="hold">
-                      <p:stCondLst>
-                        <p:cond delay="indefinite"/>
-                      </p:stCondLst>
-                      <p:childTnLst>
-                        <p:par>
-                          <p:cTn id="4" fill="hold">
-                            <p:stCondLst>
-                              <p:cond delay="0"/>
-                            </p:stCondLst>
-                            <p:childTnLst>
-                              <p:par>
-                                <p:cTn id="5" presetID="2" presetClass="entr" presetSubtype="1" fill="hold" grpId="0" nodeType="clickEffect">
-                                  <p:stCondLst>
-                                    <p:cond delay="0"/>
-                                  </p:stCondLst>
-                                  <p:childTnLst>
-                                    <p:set>
-                                      <p:cBhvr>
-                                        <p:cTn id="6" dur="1" fill="hold">
-                                          <p:stCondLst>
-                                            <p:cond delay="0"/>
-                                          </p:stCondLst>
-                                        </p:cTn>
-                                        <p:tgtEl>
-                                          <p:spTgt spid="25"/>
-                                        </p:tgtEl>
-                                        <p:attrNameLst>
-                                          <p:attrName>style.visibility</p:attrName>
-                                        </p:attrNameLst>
-                                      </p:cBhvr>
-                                      <p:to>
-                                        <p:strVal val="visible"/>
-                                      </p:to>
-                                    </p:set>
-                                    <p:anim calcmode="lin" valueType="num">
-                                      <p:cBhvr additive="base">
-                                        <p:cTn id="7" dur="500" fill="hold"/>
-                                        <p:tgtEl>
-                                          <p:spTgt spid="25"/>
-                                        </p:tgtEl>
-                                        <p:attrNameLst>
-                                          <p:attrName>ppt_x</p:attrName>
-                                        </p:attrNameLst>
-                                      </p:cBhvr>
-                                      <p:tavLst>
-                                        <p:tav tm="0">
-                                          <p:val>
-                                            <p:strVal val="#ppt_x"/>
-                                          </p:val>
-                                        </p:tav>
-                                        <p:tav tm="100000">
-                                          <p:val>
-                                            <p:strVal val="#ppt_x"/>
-                                          </p:val>
-                                        </p:tav>
-                                      </p:tavLst>
-                                    </p:anim>
-                                    <p:anim calcmode="lin" valueType="num">
-                                      <p:cBhvr additive="base">
-                                        <p:cTn id="8" dur="500" fill="hold"/>
-                                        <p:tgtEl>
-                                          <p:spTgt spid="25"/>
-                                        </p:tgtEl>
-                                        <p:attrNameLst>
-                                          <p:attrName>ppt_y</p:attrName>
-                                        </p:attrNameLst>
-                                      </p:cBhvr>
-                                      <p:tavLst>
-                                        <p:tav tm="0">
-                                          <p:val>
-                                            <p:strVal val="0-#ppt_h/2"/>
-                                          </p:val>
-                                        </p:tav>
-                                        <p:tav tm="100000">
-                                          <p:val>
-                                            <p:strVal val="#ppt_y"/>
-                                          </p:val>
-                                        </p:tav>
-                                      </p:tavLst>
-                                    </p:anim>
-                                  </p:childTnLst>
-                                </p:cTn>
-                              </p:par>
-                            </p:childTnLst>
-                          </p:cTn>
-                        </p:par>
-                      </p:childTnLst>
-                    </p:cTn>
-                  </p:par>
-                  <p:par>
-                    <p:cTn id="9" fill="hold">
-                      <p:stCondLst>
-                        <p:cond delay="indefinite"/>
-                      </p:stCondLst>
-                      <p:childTnLst>
-                        <p:par>
-                          <p:cTn id="10" fill="hold">
-                            <p:stCondLst>
-                              <p:cond delay="0"/>
-                            </p:stCondLst>
-                            <p:childTnLst>
-                              <p:par>
-                                <p:cTn id="11" presetID="1" presetClass="exit" presetSubtype="0" fill="hold" grpId="1" nodeType="clickEffect">
-                                  <p:stCondLst>
-                                    <p:cond delay="0"/>
-                                  </p:stCondLst>
-                                  <p:childTnLst>
-                                    <p:set>
-                                      <p:cBhvr>
-                                        <p:cTn id="12" dur="1" fill="hold">
-                                          <p:stCondLst>
-                                            <p:cond delay="0"/>
-                                          </p:stCondLst>
-                                        </p:cTn>
-                                        <p:tgtEl>
-                                          <p:spTgt spid="25"/>
-                                        </p:tgtEl>
-                                        <p:attrNameLst>
-                                          <p:attrName>style.visibility</p:attrName>
-                                        </p:attrNameLst>
-                                      </p:cBhvr>
-                                      <p:to>
-                                        <p:strVal val="hidden"/>
-                                      </p:to>
-                                    </p:set>
-                                  </p:childTnLst>
-                                </p:cTn>
-                              </p:par>
-                            </p:childTnLst>
-                          </p:cTn>
-                        </p:par>
-                      </p:childTnLst>
-                    </p:cTn>
-                  </p:par>
-                </p:childTnLst>
-              </p:cTn>
-              <p:prevCondLst>
-                <p:cond evt="onPrev" delay="0">
-                  <p:tgtEl>
-                    <p:sldTgt/>
-                  </p:tgtEl>
-                </p:cond>
-              </p:prevCondLst>
-              <p:nextCondLst>
-                <p:cond evt="onNext" delay="0">
-                  <p:tgtEl>
-                    <p:sldTgt/>
-                  </p:tgtEl>
-                </p:cond>
-              </p:nextCondLst>
-            </p:seq>
-          </p:childTnLst>
-        </p:cTn>
-      </p:par>
-    </p:tnLst>
-    <p:bldLst>
-      <p:bldP spid="25" grpId="0" animBg="1"/>
-      <p:bldP spid="25" grpId="1" animBg="1"/>
-    </p:bldLst>
-  </p:timing>
-</p:sld>
-</file>
-
-<file path=ppt/slides/slide9.xml><?xml version="1.0" encoding="utf-8"?>
 <p:sld xmlns:a="http://schemas.openxmlformats.org/drawingml/2006/main" xmlns:r="http://schemas.openxmlformats.org/officeDocument/2006/relationships" xmlns:p="http://schemas.openxmlformats.org/presentationml/2006/main">
   <p:cSld>
     <p:spTree>
@@ -18173,6 +17255,788 @@
         </p:cTn>
       </p:par>
     </p:tnLst>
+  </p:timing>
+</p:sld>
+</file>
+
+<file path=ppt/slides/slide9.xml><?xml version="1.0" encoding="utf-8"?>
+<p:sld xmlns:a="http://schemas.openxmlformats.org/drawingml/2006/main" xmlns:r="http://schemas.openxmlformats.org/officeDocument/2006/relationships" xmlns:p="http://schemas.openxmlformats.org/presentationml/2006/main">
+  <p:cSld>
+    <p:spTree>
+      <p:nvGrpSpPr>
+        <p:cNvPr id="1" name=""/>
+        <p:cNvGrpSpPr/>
+        <p:nvPr/>
+      </p:nvGrpSpPr>
+      <p:grpSpPr>
+        <a:xfrm>
+          <a:off x="0" y="0"/>
+          <a:ext cx="0" cy="0"/>
+          <a:chOff x="0" y="0"/>
+          <a:chExt cx="0" cy="0"/>
+        </a:xfrm>
+      </p:grpSpPr>
+      <p:sp>
+        <p:nvSpPr>
+          <p:cNvPr id="25" name="모서리가 둥근 직사각형 24"/>
+          <p:cNvSpPr/>
+          <p:nvPr/>
+        </p:nvSpPr>
+        <p:spPr>
+          <a:xfrm>
+            <a:off x="2575571" y="369332"/>
+            <a:ext cx="4680000" cy="2160000"/>
+          </a:xfrm>
+          <a:prstGeom prst="roundRect">
+            <a:avLst/>
+          </a:prstGeom>
+          <a:solidFill>
+            <a:schemeClr val="bg1"/>
+          </a:solidFill>
+          <a:ln>
+            <a:solidFill>
+              <a:schemeClr val="accent2"/>
+            </a:solidFill>
+          </a:ln>
+        </p:spPr>
+        <p:style>
+          <a:lnRef idx="2">
+            <a:schemeClr val="accent1">
+              <a:shade val="50000"/>
+            </a:schemeClr>
+          </a:lnRef>
+          <a:fillRef idx="1">
+            <a:schemeClr val="accent1"/>
+          </a:fillRef>
+          <a:effectRef idx="0">
+            <a:schemeClr val="accent1"/>
+          </a:effectRef>
+          <a:fontRef idx="minor">
+            <a:schemeClr val="lt1"/>
+          </a:fontRef>
+        </p:style>
+        <p:txBody>
+          <a:bodyPr rtlCol="0" anchor="ctr"/>
+          <a:lstStyle/>
+          <a:p>
+            <a:pPr algn="ctr"/>
+            <a:r>
+              <a:rPr lang="ko-KR" altLang="en-US" dirty="0" smtClean="0">
+                <a:solidFill>
+                  <a:schemeClr val="tx1"/>
+                </a:solidFill>
+              </a:rPr>
+              <a:t>송장이 </a:t>
+            </a:r>
+            <a:r>
+              <a:rPr lang="en-US" altLang="ko-KR" dirty="0" smtClean="0">
+                <a:solidFill>
+                  <a:schemeClr val="tx1"/>
+                </a:solidFill>
+              </a:rPr>
+              <a:t>CSV</a:t>
+            </a:r>
+            <a:r>
+              <a:rPr lang="ko-KR" altLang="en-US" dirty="0" smtClean="0">
+                <a:solidFill>
+                  <a:schemeClr val="tx1"/>
+                </a:solidFill>
+              </a:rPr>
+              <a:t>파일로 다운로드 되었습니다</a:t>
+            </a:r>
+            <a:r>
+              <a:rPr lang="en-US" altLang="ko-KR" dirty="0" smtClean="0">
+                <a:solidFill>
+                  <a:schemeClr val="tx1"/>
+                </a:solidFill>
+              </a:rPr>
+              <a:t>.</a:t>
+            </a:r>
+            <a:endParaRPr lang="ko-KR" altLang="en-US" dirty="0">
+              <a:solidFill>
+                <a:schemeClr val="tx1"/>
+              </a:solidFill>
+            </a:endParaRPr>
+          </a:p>
+        </p:txBody>
+      </p:sp>
+      <p:sp>
+        <p:nvSpPr>
+          <p:cNvPr id="2" name="모서리가 둥근 직사각형 1"/>
+          <p:cNvSpPr/>
+          <p:nvPr/>
+        </p:nvSpPr>
+        <p:spPr>
+          <a:xfrm>
+            <a:off x="3946513" y="5855619"/>
+            <a:ext cx="1800000" cy="612000"/>
+          </a:xfrm>
+          <a:prstGeom prst="roundRect">
+            <a:avLst/>
+          </a:prstGeom>
+        </p:spPr>
+        <p:style>
+          <a:lnRef idx="2">
+            <a:schemeClr val="accent2">
+              <a:shade val="50000"/>
+            </a:schemeClr>
+          </a:lnRef>
+          <a:fillRef idx="1">
+            <a:schemeClr val="accent2"/>
+          </a:fillRef>
+          <a:effectRef idx="0">
+            <a:schemeClr val="accent2"/>
+          </a:effectRef>
+          <a:fontRef idx="minor">
+            <a:schemeClr val="lt1"/>
+          </a:fontRef>
+        </p:style>
+        <p:txBody>
+          <a:bodyPr rtlCol="0" anchor="ctr"/>
+          <a:lstStyle/>
+          <a:p>
+            <a:pPr algn="ctr"/>
+            <a:r>
+              <a:rPr lang="ko-KR" altLang="en-US" dirty="0" smtClean="0"/>
+              <a:t>송장 </a:t>
+            </a:r>
+            <a:r>
+              <a:rPr lang="en-US" altLang="ko-KR" dirty="0" smtClean="0"/>
+              <a:t>CSV</a:t>
+            </a:r>
+            <a:r>
+              <a:rPr lang="ko-KR" altLang="en-US" dirty="0" smtClean="0"/>
+              <a:t> </a:t>
+            </a:r>
+            <a:endParaRPr lang="en-US" altLang="ko-KR" dirty="0" smtClean="0"/>
+          </a:p>
+          <a:p>
+            <a:pPr algn="ctr"/>
+            <a:r>
+              <a:rPr lang="ko-KR" altLang="en-US" dirty="0" smtClean="0"/>
+              <a:t>다운로드</a:t>
+            </a:r>
+            <a:endParaRPr lang="ko-KR" altLang="en-US" dirty="0"/>
+          </a:p>
+        </p:txBody>
+      </p:sp>
+      <p:sp>
+        <p:nvSpPr>
+          <p:cNvPr id="3" name="모서리가 둥근 직사각형 2">
+            <a:hlinkClick r:id="rId2" action="ppaction://hlinksldjump"/>
+          </p:cNvPr>
+          <p:cNvSpPr/>
+          <p:nvPr/>
+        </p:nvSpPr>
+        <p:spPr>
+          <a:xfrm>
+            <a:off x="6840432" y="260648"/>
+            <a:ext cx="1620000" cy="612000"/>
+          </a:xfrm>
+          <a:prstGeom prst="roundRect">
+            <a:avLst/>
+          </a:prstGeom>
+        </p:spPr>
+        <p:style>
+          <a:lnRef idx="2">
+            <a:schemeClr val="accent2">
+              <a:shade val="50000"/>
+            </a:schemeClr>
+          </a:lnRef>
+          <a:fillRef idx="1">
+            <a:schemeClr val="accent2"/>
+          </a:fillRef>
+          <a:effectRef idx="0">
+            <a:schemeClr val="accent2"/>
+          </a:effectRef>
+          <a:fontRef idx="minor">
+            <a:schemeClr val="lt1"/>
+          </a:fontRef>
+        </p:style>
+        <p:txBody>
+          <a:bodyPr rtlCol="0" anchor="ctr"/>
+          <a:lstStyle/>
+          <a:p>
+            <a:pPr algn="ctr"/>
+            <a:r>
+              <a:rPr lang="ko-KR" altLang="en-US" dirty="0" smtClean="0"/>
+              <a:t>로그아웃</a:t>
+            </a:r>
+            <a:endParaRPr lang="ko-KR" altLang="en-US" dirty="0"/>
+          </a:p>
+        </p:txBody>
+      </p:sp>
+      <p:sp>
+        <p:nvSpPr>
+          <p:cNvPr id="5" name="TextBox 4"/>
+          <p:cNvSpPr txBox="1"/>
+          <p:nvPr/>
+        </p:nvSpPr>
+        <p:spPr>
+          <a:xfrm>
+            <a:off x="971600" y="0"/>
+            <a:ext cx="3096344" cy="369332"/>
+          </a:xfrm>
+          <a:prstGeom prst="rect">
+            <a:avLst/>
+          </a:prstGeom>
+          <a:noFill/>
+        </p:spPr>
+        <p:txBody>
+          <a:bodyPr wrap="square" rtlCol="0">
+            <a:spAutoFit/>
+          </a:bodyPr>
+          <a:lstStyle/>
+          <a:p>
+            <a:r>
+              <a:rPr lang="en-US" altLang="ko-KR" dirty="0"/>
+              <a:t>T</a:t>
+            </a:r>
+            <a:r>
+              <a:rPr lang="en-US" altLang="ko-KR" dirty="0" smtClean="0"/>
+              <a:t>ransport</a:t>
+            </a:r>
+          </a:p>
+        </p:txBody>
+      </p:sp>
+      <p:sp>
+        <p:nvSpPr>
+          <p:cNvPr id="7" name="모서리가 둥근 직사각형 6"/>
+          <p:cNvSpPr/>
+          <p:nvPr/>
+        </p:nvSpPr>
+        <p:spPr>
+          <a:xfrm>
+            <a:off x="1547664" y="5869394"/>
+            <a:ext cx="1800000" cy="612000"/>
+          </a:xfrm>
+          <a:prstGeom prst="roundRect">
+            <a:avLst/>
+          </a:prstGeom>
+        </p:spPr>
+        <p:style>
+          <a:lnRef idx="2">
+            <a:schemeClr val="accent2">
+              <a:shade val="50000"/>
+            </a:schemeClr>
+          </a:lnRef>
+          <a:fillRef idx="1">
+            <a:schemeClr val="accent2"/>
+          </a:fillRef>
+          <a:effectRef idx="0">
+            <a:schemeClr val="accent2"/>
+          </a:effectRef>
+          <a:fontRef idx="minor">
+            <a:schemeClr val="lt1"/>
+          </a:fontRef>
+        </p:style>
+        <p:txBody>
+          <a:bodyPr rtlCol="0" anchor="ctr"/>
+          <a:lstStyle/>
+          <a:p>
+            <a:pPr algn="ctr"/>
+            <a:r>
+              <a:rPr lang="ko-KR" altLang="en-US" dirty="0" smtClean="0"/>
+              <a:t>월별 배송목록</a:t>
+            </a:r>
+            <a:endParaRPr lang="ko-KR" altLang="en-US" dirty="0"/>
+          </a:p>
+        </p:txBody>
+      </p:sp>
+      <p:grpSp>
+        <p:nvGrpSpPr>
+          <p:cNvPr id="8" name="그룹 7"/>
+          <p:cNvGrpSpPr/>
+          <p:nvPr/>
+        </p:nvGrpSpPr>
+        <p:grpSpPr>
+          <a:xfrm>
+            <a:off x="1544312" y="1085542"/>
+            <a:ext cx="6916120" cy="4320480"/>
+            <a:chOff x="1544312" y="1085542"/>
+            <a:chExt cx="6916120" cy="4320480"/>
+          </a:xfrm>
+        </p:grpSpPr>
+        <p:sp>
+          <p:nvSpPr>
+            <p:cNvPr id="9" name="모서리가 둥근 직사각형 8"/>
+            <p:cNvSpPr/>
+            <p:nvPr/>
+          </p:nvSpPr>
+          <p:spPr>
+            <a:xfrm>
+              <a:off x="1544312" y="1085542"/>
+              <a:ext cx="6916120" cy="4320480"/>
+            </a:xfrm>
+            <a:prstGeom prst="roundRect">
+              <a:avLst/>
+            </a:prstGeom>
+          </p:spPr>
+          <p:style>
+            <a:lnRef idx="2">
+              <a:schemeClr val="accent2"/>
+            </a:lnRef>
+            <a:fillRef idx="1">
+              <a:schemeClr val="lt1"/>
+            </a:fillRef>
+            <a:effectRef idx="0">
+              <a:schemeClr val="accent2"/>
+            </a:effectRef>
+            <a:fontRef idx="minor">
+              <a:schemeClr val="dk1"/>
+            </a:fontRef>
+          </p:style>
+          <p:txBody>
+            <a:bodyPr rtlCol="0" anchor="ctr"/>
+            <a:lstStyle/>
+            <a:p>
+              <a:pPr algn="ctr"/>
+              <a:r>
+                <a:rPr lang="ko-KR" altLang="en-US" dirty="0" smtClean="0">
+                  <a:solidFill>
+                    <a:schemeClr val="tx1"/>
+                  </a:solidFill>
+                </a:rPr>
+                <a:t> </a:t>
+              </a:r>
+              <a:endParaRPr lang="ko-KR" altLang="en-US" dirty="0">
+                <a:solidFill>
+                  <a:schemeClr val="tx1"/>
+                </a:solidFill>
+              </a:endParaRPr>
+            </a:p>
+          </p:txBody>
+        </p:sp>
+        <p:grpSp>
+          <p:nvGrpSpPr>
+            <p:cNvPr id="12" name="그룹 11"/>
+            <p:cNvGrpSpPr/>
+            <p:nvPr/>
+          </p:nvGrpSpPr>
+          <p:grpSpPr>
+            <a:xfrm>
+              <a:off x="1547664" y="1669450"/>
+              <a:ext cx="6912768" cy="1762674"/>
+              <a:chOff x="1547664" y="1669450"/>
+              <a:chExt cx="6912768" cy="1762674"/>
+            </a:xfrm>
+          </p:grpSpPr>
+          <p:sp>
+            <p:nvSpPr>
+              <p:cNvPr id="14" name="TextBox 13"/>
+              <p:cNvSpPr txBox="1"/>
+              <p:nvPr/>
+            </p:nvSpPr>
+            <p:spPr>
+              <a:xfrm>
+                <a:off x="1691680" y="1669450"/>
+                <a:ext cx="6768752" cy="369332"/>
+              </a:xfrm>
+              <a:prstGeom prst="rect">
+                <a:avLst/>
+              </a:prstGeom>
+              <a:noFill/>
+            </p:spPr>
+            <p:txBody>
+              <a:bodyPr wrap="square" rtlCol="0">
+                <a:spAutoFit/>
+              </a:bodyPr>
+              <a:lstStyle/>
+              <a:p>
+                <a:r>
+                  <a:rPr lang="ko-KR" altLang="en-US" dirty="0" smtClean="0"/>
+                  <a:t>   고객명                            </a:t>
+                </a:r>
+                <a:r>
+                  <a:rPr lang="en-US" altLang="ko-KR" dirty="0" smtClean="0"/>
+                  <a:t>  </a:t>
+                </a:r>
+                <a:r>
+                  <a:rPr lang="ko-KR" altLang="en-US" dirty="0" smtClean="0"/>
+                  <a:t>주소</a:t>
+                </a:r>
+                <a:r>
+                  <a:rPr lang="en-US" altLang="ko-KR" dirty="0" smtClean="0"/>
+                  <a:t>		                </a:t>
+                </a:r>
+                <a:r>
+                  <a:rPr lang="ko-KR" altLang="en-US" dirty="0" smtClean="0"/>
+                  <a:t>물품</a:t>
+                </a:r>
+                <a:endParaRPr lang="en-US" altLang="ko-KR" dirty="0" smtClean="0"/>
+              </a:p>
+            </p:txBody>
+          </p:sp>
+          <p:sp>
+            <p:nvSpPr>
+              <p:cNvPr id="15" name="TextBox 14"/>
+              <p:cNvSpPr txBox="1"/>
+              <p:nvPr/>
+            </p:nvSpPr>
+            <p:spPr>
+              <a:xfrm>
+                <a:off x="1547664" y="2908904"/>
+                <a:ext cx="5616624" cy="523220"/>
+              </a:xfrm>
+              <a:prstGeom prst="rect">
+                <a:avLst/>
+              </a:prstGeom>
+              <a:noFill/>
+            </p:spPr>
+            <p:txBody>
+              <a:bodyPr wrap="square" rtlCol="0">
+                <a:spAutoFit/>
+              </a:bodyPr>
+              <a:lstStyle/>
+              <a:p>
+                <a:r>
+                  <a:rPr lang="en-US" altLang="ko-KR" sz="1400" dirty="0"/>
+                  <a:t> </a:t>
+                </a:r>
+                <a:r>
+                  <a:rPr lang="en-US" altLang="ko-KR" sz="1400" dirty="0" smtClean="0"/>
+                  <a:t>       </a:t>
+                </a:r>
+                <a:r>
+                  <a:rPr lang="ko-KR" altLang="en-US" sz="1400" dirty="0" err="1" smtClean="0"/>
+                  <a:t>김자바</a:t>
+                </a:r>
+                <a:r>
+                  <a:rPr lang="en-US" altLang="ko-KR" sz="1400" dirty="0" smtClean="0"/>
+                  <a:t>             </a:t>
+                </a:r>
+                <a:r>
+                  <a:rPr lang="ko-KR" altLang="en-US" sz="1400" dirty="0" smtClean="0"/>
+                  <a:t>대전광역시 서구 </a:t>
+                </a:r>
+                <a:r>
+                  <a:rPr lang="ko-KR" altLang="en-US" sz="1400" dirty="0" err="1" smtClean="0"/>
+                  <a:t>월평동</a:t>
+                </a:r>
+                <a:r>
+                  <a:rPr lang="ko-KR" altLang="en-US" sz="1400" dirty="0" smtClean="0"/>
+                  <a:t> </a:t>
+                </a:r>
+                <a:r>
+                  <a:rPr lang="en-US" altLang="ko-KR" sz="1400" dirty="0" smtClean="0"/>
+                  <a:t>243 </a:t>
+                </a:r>
+                <a:r>
+                  <a:rPr lang="ko-KR" altLang="en-US" sz="1400" dirty="0" err="1" smtClean="0"/>
+                  <a:t>스타게이트</a:t>
+                </a:r>
+                <a:r>
+                  <a:rPr lang="ko-KR" altLang="en-US" sz="1400" dirty="0" smtClean="0"/>
+                  <a:t> </a:t>
+                </a:r>
+                <a:r>
+                  <a:rPr lang="en-US" altLang="ko-KR" sz="1400" dirty="0" smtClean="0"/>
+                  <a:t>7</a:t>
+                </a:r>
+                <a:r>
+                  <a:rPr lang="ko-KR" altLang="en-US" sz="1400" dirty="0" smtClean="0"/>
+                  <a:t>층</a:t>
+                </a:r>
+                <a:r>
+                  <a:rPr lang="en-US" altLang="ko-KR" sz="1400" dirty="0" smtClean="0"/>
+                  <a:t>	</a:t>
+                </a:r>
+              </a:p>
+            </p:txBody>
+          </p:sp>
+        </p:grpSp>
+        <p:sp>
+          <p:nvSpPr>
+            <p:cNvPr id="11" name="TextBox 10"/>
+            <p:cNvSpPr txBox="1"/>
+            <p:nvPr/>
+          </p:nvSpPr>
+          <p:spPr>
+            <a:xfrm>
+              <a:off x="2051720" y="1268760"/>
+              <a:ext cx="3384376" cy="369332"/>
+            </a:xfrm>
+            <a:prstGeom prst="rect">
+              <a:avLst/>
+            </a:prstGeom>
+            <a:noFill/>
+          </p:spPr>
+          <p:txBody>
+            <a:bodyPr wrap="square" rtlCol="0">
+              <a:spAutoFit/>
+            </a:bodyPr>
+            <a:lstStyle/>
+            <a:p>
+              <a:r>
+                <a:rPr lang="ko-KR" altLang="en-US" dirty="0" smtClean="0"/>
+                <a:t>송장번호 </a:t>
+              </a:r>
+              <a:r>
+                <a:rPr lang="en-US" altLang="ko-KR" dirty="0" smtClean="0"/>
+                <a:t>a1001</a:t>
+              </a:r>
+              <a:endParaRPr lang="ko-KR" altLang="en-US" dirty="0"/>
+            </a:p>
+          </p:txBody>
+        </p:sp>
+      </p:grpSp>
+      <p:sp>
+        <p:nvSpPr>
+          <p:cNvPr id="21" name="TextBox 20"/>
+          <p:cNvSpPr txBox="1"/>
+          <p:nvPr/>
+        </p:nvSpPr>
+        <p:spPr>
+          <a:xfrm>
+            <a:off x="7164288" y="2240374"/>
+            <a:ext cx="1296144" cy="1815882"/>
+          </a:xfrm>
+          <a:prstGeom prst="rect">
+            <a:avLst/>
+          </a:prstGeom>
+          <a:noFill/>
+        </p:spPr>
+        <p:txBody>
+          <a:bodyPr wrap="square" rtlCol="0">
+            <a:spAutoFit/>
+          </a:bodyPr>
+          <a:lstStyle/>
+          <a:p>
+            <a:r>
+              <a:rPr lang="ko-KR" altLang="en-US" sz="1400" dirty="0" smtClean="0"/>
+              <a:t>삼겹살</a:t>
+            </a:r>
+            <a:endParaRPr lang="en-US" altLang="ko-KR" sz="1400" dirty="0" smtClean="0"/>
+          </a:p>
+          <a:p>
+            <a:r>
+              <a:rPr lang="ko-KR" altLang="en-US" sz="1400" dirty="0" smtClean="0"/>
+              <a:t>목살</a:t>
+            </a:r>
+            <a:endParaRPr lang="en-US" altLang="ko-KR" sz="1400" dirty="0" smtClean="0"/>
+          </a:p>
+          <a:p>
+            <a:r>
+              <a:rPr lang="ko-KR" altLang="en-US" sz="1400" dirty="0" smtClean="0"/>
+              <a:t>대파 </a:t>
+            </a:r>
+            <a:endParaRPr lang="en-US" altLang="ko-KR" sz="1400" dirty="0" smtClean="0"/>
+          </a:p>
+          <a:p>
+            <a:r>
+              <a:rPr lang="ko-KR" altLang="en-US" sz="1400" dirty="0" smtClean="0"/>
+              <a:t>쌈장 </a:t>
+            </a:r>
+            <a:endParaRPr lang="en-US" altLang="ko-KR" sz="1400" dirty="0" smtClean="0"/>
+          </a:p>
+          <a:p>
+            <a:r>
+              <a:rPr lang="ko-KR" altLang="en-US" sz="1400" dirty="0" smtClean="0"/>
+              <a:t>젓가락</a:t>
+            </a:r>
+            <a:endParaRPr lang="en-US" altLang="ko-KR" sz="1400" dirty="0" smtClean="0"/>
+          </a:p>
+          <a:p>
+            <a:r>
+              <a:rPr lang="ko-KR" altLang="en-US" sz="1400" dirty="0" smtClean="0"/>
+              <a:t>일회용용기</a:t>
+            </a:r>
+            <a:endParaRPr lang="en-US" altLang="ko-KR" sz="1400" dirty="0" smtClean="0"/>
+          </a:p>
+          <a:p>
+            <a:r>
+              <a:rPr lang="ko-KR" altLang="en-US" sz="1400" dirty="0" smtClean="0"/>
+              <a:t>콜라</a:t>
+            </a:r>
+            <a:endParaRPr lang="en-US" altLang="ko-KR" sz="1400" dirty="0" smtClean="0"/>
+          </a:p>
+          <a:p>
+            <a:pPr marL="342900" indent="-342900">
+              <a:buAutoNum type="arabicPeriod"/>
+            </a:pPr>
+            <a:endParaRPr lang="ko-KR" altLang="en-US" sz="1400" dirty="0"/>
+          </a:p>
+        </p:txBody>
+      </p:sp>
+    </p:spTree>
+    <p:extLst>
+      <p:ext uri="{BB962C8B-B14F-4D97-AF65-F5344CB8AC3E}">
+        <p14:creationId xmlns:p14="http://schemas.microsoft.com/office/powerpoint/2010/main" val="1068143714"/>
+      </p:ext>
+    </p:extLst>
+  </p:cSld>
+  <p:clrMapOvr>
+    <a:masterClrMapping/>
+  </p:clrMapOvr>
+  <p:timing>
+    <p:tnLst>
+      <p:par>
+        <p:cTn id="1" dur="indefinite" restart="never" nodeType="tmRoot">
+          <p:childTnLst>
+            <p:seq concurrent="1" nextAc="seek">
+              <p:cTn id="2" dur="indefinite" nodeType="mainSeq">
+                <p:childTnLst>
+                  <p:par>
+                    <p:cTn id="3" fill="hold">
+                      <p:stCondLst>
+                        <p:cond delay="indefinite"/>
+                      </p:stCondLst>
+                      <p:childTnLst>
+                        <p:par>
+                          <p:cTn id="4" fill="hold">
+                            <p:stCondLst>
+                              <p:cond delay="0"/>
+                            </p:stCondLst>
+                            <p:childTnLst>
+                              <p:par>
+                                <p:cTn id="5" presetID="2" presetClass="entr" presetSubtype="1" fill="hold" grpId="0" nodeType="clickEffect">
+                                  <p:stCondLst>
+                                    <p:cond delay="0"/>
+                                  </p:stCondLst>
+                                  <p:childTnLst>
+                                    <p:set>
+                                      <p:cBhvr>
+                                        <p:cTn id="6" dur="1" fill="hold">
+                                          <p:stCondLst>
+                                            <p:cond delay="0"/>
+                                          </p:stCondLst>
+                                        </p:cTn>
+                                        <p:tgtEl>
+                                          <p:spTgt spid="25"/>
+                                        </p:tgtEl>
+                                        <p:attrNameLst>
+                                          <p:attrName>style.visibility</p:attrName>
+                                        </p:attrNameLst>
+                                      </p:cBhvr>
+                                      <p:to>
+                                        <p:strVal val="visible"/>
+                                      </p:to>
+                                    </p:set>
+                                    <p:anim calcmode="lin" valueType="num">
+                                      <p:cBhvr additive="base">
+                                        <p:cTn id="7" dur="500" fill="hold"/>
+                                        <p:tgtEl>
+                                          <p:spTgt spid="25"/>
+                                        </p:tgtEl>
+                                        <p:attrNameLst>
+                                          <p:attrName>ppt_x</p:attrName>
+                                        </p:attrNameLst>
+                                      </p:cBhvr>
+                                      <p:tavLst>
+                                        <p:tav tm="0">
+                                          <p:val>
+                                            <p:strVal val="#ppt_x"/>
+                                          </p:val>
+                                        </p:tav>
+                                        <p:tav tm="100000">
+                                          <p:val>
+                                            <p:strVal val="#ppt_x"/>
+                                          </p:val>
+                                        </p:tav>
+                                      </p:tavLst>
+                                    </p:anim>
+                                    <p:anim calcmode="lin" valueType="num">
+                                      <p:cBhvr additive="base">
+                                        <p:cTn id="8" dur="500" fill="hold"/>
+                                        <p:tgtEl>
+                                          <p:spTgt spid="25"/>
+                                        </p:tgtEl>
+                                        <p:attrNameLst>
+                                          <p:attrName>ppt_y</p:attrName>
+                                        </p:attrNameLst>
+                                      </p:cBhvr>
+                                      <p:tavLst>
+                                        <p:tav tm="0">
+                                          <p:val>
+                                            <p:strVal val="0-#ppt_h/2"/>
+                                          </p:val>
+                                        </p:tav>
+                                        <p:tav tm="100000">
+                                          <p:val>
+                                            <p:strVal val="#ppt_y"/>
+                                          </p:val>
+                                        </p:tav>
+                                      </p:tavLst>
+                                    </p:anim>
+                                  </p:childTnLst>
+                                </p:cTn>
+                              </p:par>
+                            </p:childTnLst>
+                          </p:cTn>
+                        </p:par>
+                      </p:childTnLst>
+                    </p:cTn>
+                  </p:par>
+                  <p:par>
+                    <p:cTn id="9" fill="hold">
+                      <p:stCondLst>
+                        <p:cond delay="indefinite"/>
+                      </p:stCondLst>
+                      <p:childTnLst>
+                        <p:par>
+                          <p:cTn id="10" fill="hold">
+                            <p:stCondLst>
+                              <p:cond delay="0"/>
+                            </p:stCondLst>
+                            <p:childTnLst>
+                              <p:par>
+                                <p:cTn id="11" presetID="1" presetClass="exit" presetSubtype="0" fill="hold" grpId="1" nodeType="clickEffect">
+                                  <p:stCondLst>
+                                    <p:cond delay="0"/>
+                                  </p:stCondLst>
+                                  <p:childTnLst>
+                                    <p:set>
+                                      <p:cBhvr>
+                                        <p:cTn id="12" dur="1" fill="hold">
+                                          <p:stCondLst>
+                                            <p:cond delay="0"/>
+                                          </p:stCondLst>
+                                        </p:cTn>
+                                        <p:tgtEl>
+                                          <p:spTgt spid="25"/>
+                                        </p:tgtEl>
+                                        <p:attrNameLst>
+                                          <p:attrName>style.visibility</p:attrName>
+                                        </p:attrNameLst>
+                                      </p:cBhvr>
+                                      <p:to>
+                                        <p:strVal val="hidden"/>
+                                      </p:to>
+                                    </p:set>
+                                  </p:childTnLst>
+                                </p:cTn>
+                              </p:par>
+                            </p:childTnLst>
+                          </p:cTn>
+                        </p:par>
+                      </p:childTnLst>
+                    </p:cTn>
+                  </p:par>
+                </p:childTnLst>
+              </p:cTn>
+              <p:prevCondLst>
+                <p:cond evt="onPrev" delay="0">
+                  <p:tgtEl>
+                    <p:sldTgt/>
+                  </p:tgtEl>
+                </p:cond>
+              </p:prevCondLst>
+              <p:nextCondLst>
+                <p:cond evt="onNext" delay="0">
+                  <p:tgtEl>
+                    <p:sldTgt/>
+                  </p:tgtEl>
+                </p:cond>
+              </p:nextCondLst>
+            </p:seq>
+          </p:childTnLst>
+        </p:cTn>
+      </p:par>
+    </p:tnLst>
+    <p:bldLst>
+      <p:bldP spid="25" grpId="0" animBg="1"/>
+      <p:bldP spid="25" grpId="1" animBg="1"/>
+    </p:bldLst>
   </p:timing>
 </p:sld>
 </file>

--- a/프레젠테이션1.pptx
+++ b/프레젠테이션1.pptx
@@ -237,7 +237,7 @@
           <a:p>
             <a:fld id="{B1AC4F1E-7C5C-4AF3-8078-9105627E20EC}" type="datetimeFigureOut">
               <a:rPr lang="ko-KR" altLang="en-US" smtClean="0"/>
-              <a:t>2019-05-01</a:t>
+              <a:t>2019-05-02</a:t>
             </a:fld>
             <a:endParaRPr lang="ko-KR" altLang="en-US"/>
           </a:p>
@@ -723,7 +723,7 @@
           <a:p>
             <a:fld id="{5461D8C1-8742-4899-8C54-88F14E68CB8A}" type="datetimeFigureOut">
               <a:rPr lang="ko-KR" altLang="en-US" smtClean="0"/>
-              <a:t>2019-05-01</a:t>
+              <a:t>2019-05-02</a:t>
             </a:fld>
             <a:endParaRPr lang="ko-KR" altLang="en-US"/>
           </a:p>
@@ -1036,7 +1036,7 @@
           <a:p>
             <a:fld id="{5461D8C1-8742-4899-8C54-88F14E68CB8A}" type="datetimeFigureOut">
               <a:rPr lang="ko-KR" altLang="en-US" smtClean="0"/>
-              <a:t>2019-05-01</a:t>
+              <a:t>2019-05-02</a:t>
             </a:fld>
             <a:endParaRPr lang="ko-KR" altLang="en-US"/>
           </a:p>
@@ -1221,7 +1221,7 @@
           <a:p>
             <a:fld id="{5461D8C1-8742-4899-8C54-88F14E68CB8A}" type="datetimeFigureOut">
               <a:rPr lang="ko-KR" altLang="en-US" smtClean="0"/>
-              <a:t>2019-05-01</a:t>
+              <a:t>2019-05-02</a:t>
             </a:fld>
             <a:endParaRPr lang="ko-KR" altLang="en-US"/>
           </a:p>
@@ -1396,7 +1396,7 @@
           <a:p>
             <a:fld id="{5461D8C1-8742-4899-8C54-88F14E68CB8A}" type="datetimeFigureOut">
               <a:rPr lang="ko-KR" altLang="en-US" smtClean="0"/>
-              <a:t>2019-05-01</a:t>
+              <a:t>2019-05-02</a:t>
             </a:fld>
             <a:endParaRPr lang="ko-KR" altLang="en-US"/>
           </a:p>
@@ -1664,7 +1664,7 @@
           <a:p>
             <a:fld id="{5461D8C1-8742-4899-8C54-88F14E68CB8A}" type="datetimeFigureOut">
               <a:rPr lang="ko-KR" altLang="en-US" smtClean="0"/>
-              <a:t>2019-05-01</a:t>
+              <a:t>2019-05-02</a:t>
             </a:fld>
             <a:endParaRPr lang="ko-KR" altLang="en-US"/>
           </a:p>
@@ -2132,7 +2132,7 @@
           <a:p>
             <a:fld id="{5461D8C1-8742-4899-8C54-88F14E68CB8A}" type="datetimeFigureOut">
               <a:rPr lang="ko-KR" altLang="en-US" smtClean="0"/>
-              <a:t>2019-05-01</a:t>
+              <a:t>2019-05-02</a:t>
             </a:fld>
             <a:endParaRPr lang="ko-KR" altLang="en-US"/>
           </a:p>
@@ -2621,7 +2621,7 @@
           <a:p>
             <a:fld id="{5461D8C1-8742-4899-8C54-88F14E68CB8A}" type="datetimeFigureOut">
               <a:rPr lang="ko-KR" altLang="en-US" smtClean="0"/>
-              <a:t>2019-05-01</a:t>
+              <a:t>2019-05-02</a:t>
             </a:fld>
             <a:endParaRPr lang="ko-KR" altLang="en-US"/>
           </a:p>
@@ -2747,7 +2747,7 @@
           <a:p>
             <a:fld id="{5461D8C1-8742-4899-8C54-88F14E68CB8A}" type="datetimeFigureOut">
               <a:rPr lang="ko-KR" altLang="en-US" smtClean="0"/>
-              <a:t>2019-05-01</a:t>
+              <a:t>2019-05-02</a:t>
             </a:fld>
             <a:endParaRPr lang="ko-KR" altLang="en-US"/>
           </a:p>
@@ -2891,7 +2891,7 @@
           <a:p>
             <a:fld id="{5461D8C1-8742-4899-8C54-88F14E68CB8A}" type="datetimeFigureOut">
               <a:rPr lang="ko-KR" altLang="en-US" smtClean="0"/>
-              <a:t>2019-05-01</a:t>
+              <a:t>2019-05-02</a:t>
             </a:fld>
             <a:endParaRPr lang="ko-KR" altLang="en-US"/>
           </a:p>
@@ -3213,7 +3213,7 @@
           <a:p>
             <a:fld id="{5461D8C1-8742-4899-8C54-88F14E68CB8A}" type="datetimeFigureOut">
               <a:rPr lang="ko-KR" altLang="en-US" smtClean="0"/>
-              <a:t>2019-05-01</a:t>
+              <a:t>2019-05-02</a:t>
             </a:fld>
             <a:endParaRPr lang="ko-KR" altLang="en-US"/>
           </a:p>
@@ -3347,7 +3347,7 @@
           <a:p>
             <a:fld id="{5461D8C1-8742-4899-8C54-88F14E68CB8A}" type="datetimeFigureOut">
               <a:rPr lang="ko-KR" altLang="en-US" smtClean="0"/>
-              <a:t>2019-05-01</a:t>
+              <a:t>2019-05-02</a:t>
             </a:fld>
             <a:endParaRPr lang="ko-KR" altLang="en-US"/>
           </a:p>
@@ -4128,7 +4128,7 @@
           <a:p>
             <a:fld id="{5461D8C1-8742-4899-8C54-88F14E68CB8A}" type="datetimeFigureOut">
               <a:rPr lang="ko-KR" altLang="en-US" smtClean="0"/>
-              <a:t>2019-05-01</a:t>
+              <a:t>2019-05-02</a:t>
             </a:fld>
             <a:endParaRPr lang="ko-KR" altLang="en-US"/>
           </a:p>
@@ -12895,14 +12895,14 @@
           <p:nvPr>
             <p:extLst>
               <p:ext uri="{D42A27DB-BD31-4B8C-83A1-F6EECF244321}">
-                <p14:modId xmlns:p14="http://schemas.microsoft.com/office/powerpoint/2010/main" val="492738978"/>
+                <p14:modId xmlns:p14="http://schemas.microsoft.com/office/powerpoint/2010/main" val="4219643945"/>
               </p:ext>
             </p:extLst>
           </p:nvPr>
         </p:nvGraphicFramePr>
         <p:xfrm>
           <a:off x="1259632" y="247214"/>
-          <a:ext cx="7632848" cy="6378705"/>
+          <a:ext cx="7632848" cy="6639156"/>
         </p:xfrm>
         <a:graphic>
           <a:graphicData uri="http://schemas.openxmlformats.org/drawingml/2006/table">
@@ -12913,8 +12913,8 @@
               <a:tblGrid>
                 <a:gridCol w="1908212"/>
                 <a:gridCol w="1908212"/>
-                <a:gridCol w="1908212"/>
-                <a:gridCol w="1908212"/>
+                <a:gridCol w="2016224"/>
+                <a:gridCol w="1800200"/>
               </a:tblGrid>
               <a:tr h="928269">
                 <a:tc>
@@ -12953,6 +12953,10 @@
                     <a:lstStyle/>
                     <a:p>
                       <a:pPr algn="ctr" latinLnBrk="1"/>
+                      <a:r>
+                        <a:rPr lang="ko-KR" altLang="en-US" dirty="0" smtClean="0"/>
+                        <a:t>송장</a:t>
+                      </a:r>
                       <a:endParaRPr lang="ko-KR" altLang="en-US" dirty="0"/>
                     </a:p>
                   </a:txBody>
@@ -12964,6 +12968,10 @@
                     <a:lstStyle/>
                     <a:p>
                       <a:pPr algn="ctr" latinLnBrk="1"/>
+                      <a:r>
+                        <a:rPr lang="ko-KR" altLang="en-US" dirty="0" smtClean="0"/>
+                        <a:t>고객정보</a:t>
+                      </a:r>
                       <a:endParaRPr lang="ko-KR" altLang="en-US" dirty="0"/>
                     </a:p>
                   </a:txBody>
@@ -13005,11 +13013,12 @@
                     <a:bodyPr/>
                     <a:lstStyle/>
                     <a:p>
-                      <a:pPr algn="ctr" latinLnBrk="1"/>
+                      <a:pPr algn="ctr"/>
                       <a:r>
                         <a:rPr lang="en-US" altLang="ko-KR" dirty="0" smtClean="0"/>
-                        <a:t>customer</a:t>
+                        <a:t>invoice</a:t>
                       </a:r>
+                      <a:endParaRPr lang="ko-KR" altLang="en-US" dirty="0"/>
                     </a:p>
                   </a:txBody>
                   <a:tcPr anchor="ctr"/>
@@ -13019,11 +13028,12 @@
                     <a:bodyPr/>
                     <a:lstStyle/>
                     <a:p>
-                      <a:pPr algn="ctr" latinLnBrk="1"/>
+                      <a:pPr algn="ctr"/>
                       <a:r>
                         <a:rPr lang="en-US" altLang="ko-KR" dirty="0" smtClean="0"/>
-                        <a:t>invoice</a:t>
+                        <a:t>customer</a:t>
                       </a:r>
+                      <a:endParaRPr lang="ko-KR" altLang="en-US" dirty="0"/>
                     </a:p>
                   </a:txBody>
                   <a:tcPr anchor="ctr"/>
@@ -13037,31 +13047,7 @@
                     <a:p>
                       <a:pPr algn="l" latinLnBrk="1"/>
                       <a:r>
-                        <a:rPr lang="en-US" altLang="ko-KR" dirty="0" smtClean="0">
-                          <a:solidFill>
-                            <a:schemeClr val="tx1"/>
-                          </a:solidFill>
-                        </a:rPr>
-                        <a:t>(S)</a:t>
-                      </a:r>
-                      <a:r>
-                        <a:rPr lang="en-US" altLang="ko-KR" dirty="0" err="1" smtClean="0">
-                          <a:solidFill>
-                            <a:schemeClr val="tx1"/>
-                          </a:solidFill>
-                        </a:rPr>
-                        <a:t>area_code</a:t>
-                      </a:r>
-                      <a:endParaRPr lang="en-US" altLang="ko-KR" dirty="0" smtClean="0">
-                        <a:solidFill>
-                          <a:schemeClr val="tx1"/>
-                        </a:solidFill>
-                      </a:endParaRPr>
-                    </a:p>
-                    <a:p>
-                      <a:pPr algn="l" latinLnBrk="1"/>
-                      <a:r>
-                        <a:rPr lang="en-US" altLang="ko-KR" dirty="0" smtClean="0">
+                        <a:rPr lang="en-US" altLang="ko-KR" b="1" dirty="0" smtClean="0">
                           <a:solidFill>
                             <a:srgbClr val="FF0000"/>
                           </a:solidFill>
@@ -13073,7 +13059,11 @@
                       <a:pPr algn="l" latinLnBrk="1"/>
                       <a:r>
                         <a:rPr lang="en-US" altLang="ko-KR" dirty="0" smtClean="0"/>
-                        <a:t>(S)name</a:t>
+                        <a:t>(</a:t>
+                      </a:r>
+                      <a:r>
+                        <a:rPr lang="en-US" altLang="ko-KR" dirty="0" smtClean="0"/>
+                        <a:t>S)name</a:t>
                       </a:r>
                     </a:p>
                     <a:p>
@@ -13101,7 +13091,7 @@
                     <a:p>
                       <a:pPr algn="l" latinLnBrk="1"/>
                       <a:r>
-                        <a:rPr lang="en-US" altLang="ko-KR" dirty="0" smtClean="0">
+                        <a:rPr lang="en-US" altLang="ko-KR" b="1" dirty="0" smtClean="0">
                           <a:solidFill>
                             <a:srgbClr val="0070C0"/>
                           </a:solidFill>
@@ -13109,14 +13099,14 @@
                         <a:t>(S)</a:t>
                       </a:r>
                       <a:r>
-                        <a:rPr lang="en-US" altLang="ko-KR" dirty="0" err="1" smtClean="0">
+                        <a:rPr lang="en-US" altLang="ko-KR" b="1" dirty="0" err="1" smtClean="0">
                           <a:solidFill>
                             <a:srgbClr val="0070C0"/>
                           </a:solidFill>
                         </a:rPr>
                         <a:t>pCode</a:t>
                       </a:r>
-                      <a:endParaRPr lang="en-US" altLang="ko-KR" dirty="0" smtClean="0">
+                      <a:endParaRPr lang="en-US" altLang="ko-KR" b="1" dirty="0" smtClean="0">
                         <a:solidFill>
                           <a:srgbClr val="0070C0"/>
                         </a:solidFill>
@@ -13178,9 +13168,19 @@
                     <a:bodyPr/>
                     <a:lstStyle/>
                     <a:p>
-                      <a:pPr algn="l" latinLnBrk="1"/>
                       <a:r>
-                        <a:rPr lang="en-US" altLang="ko-KR" dirty="0" smtClean="0">
+                        <a:rPr lang="en-US" altLang="ko-KR" b="1" dirty="0" smtClean="0"/>
+                        <a:t>(S)</a:t>
+                      </a:r>
+                      <a:r>
+                        <a:rPr lang="en-US" altLang="ko-KR" b="1" dirty="0" err="1" smtClean="0"/>
+                        <a:t>iCode</a:t>
+                      </a:r>
+                      <a:endParaRPr lang="en-US" altLang="ko-KR" b="1" dirty="0" smtClean="0"/>
+                    </a:p>
+                    <a:p>
+                      <a:r>
+                        <a:rPr lang="en-US" altLang="ko-KR" b="0" dirty="0" smtClean="0">
                           <a:solidFill>
                             <a:srgbClr val="00B050"/>
                           </a:solidFill>
@@ -13188,57 +13188,54 @@
                         <a:t>(S)</a:t>
                       </a:r>
                       <a:r>
-                        <a:rPr lang="en-US" altLang="ko-KR" dirty="0" err="1" smtClean="0">
+                        <a:rPr lang="en-US" altLang="ko-KR" b="0" dirty="0" err="1" smtClean="0">
                           <a:solidFill>
                             <a:srgbClr val="00B050"/>
                           </a:solidFill>
                         </a:rPr>
-                        <a:t>cCode</a:t>
+                        <a:t>iCustomerCode</a:t>
                       </a:r>
-                      <a:endParaRPr lang="en-US" altLang="ko-KR" dirty="0" smtClean="0">
+                      <a:endParaRPr lang="en-US" altLang="ko-KR" b="0" dirty="0" smtClean="0">
                         <a:solidFill>
                           <a:srgbClr val="00B050"/>
                         </a:solidFill>
                       </a:endParaRPr>
                     </a:p>
                     <a:p>
-                      <a:pPr algn="l" latinLnBrk="1"/>
                       <a:r>
-                        <a:rPr lang="en-US" altLang="ko-KR" dirty="0" smtClean="0"/>
+                        <a:rPr lang="en-US" altLang="ko-KR" dirty="0" smtClean="0">
+                          <a:solidFill>
+                            <a:srgbClr val="0070C0"/>
+                          </a:solidFill>
+                        </a:rPr>
                         <a:t>(S)</a:t>
                       </a:r>
                       <a:r>
+                        <a:rPr lang="en-US" altLang="ko-KR" dirty="0" err="1" smtClean="0">
+                          <a:solidFill>
+                            <a:srgbClr val="0070C0"/>
+                          </a:solidFill>
+                        </a:rPr>
+                        <a:t>iProductCode</a:t>
+                      </a:r>
+                      <a:endParaRPr lang="en-US" altLang="ko-KR" dirty="0" smtClean="0">
+                        <a:solidFill>
+                          <a:srgbClr val="0070C0"/>
+                        </a:solidFill>
+                      </a:endParaRPr>
+                    </a:p>
+                    <a:p>
+                      <a:r>
+                        <a:rPr lang="en-US" altLang="ko-KR" dirty="0" smtClean="0"/>
+                        <a:t>(I)</a:t>
+                      </a:r>
+                      <a:r>
                         <a:rPr lang="en-US" altLang="ko-KR" dirty="0" err="1" smtClean="0"/>
-                        <a:t>cName</a:t>
+                        <a:t>iQuantity</a:t>
                       </a:r>
                       <a:endParaRPr lang="en-US" altLang="ko-KR" dirty="0" smtClean="0"/>
                     </a:p>
                     <a:p>
-                      <a:pPr algn="l" latinLnBrk="1"/>
-                      <a:r>
-                        <a:rPr lang="en-US" altLang="ko-KR" dirty="0" smtClean="0"/>
-                        <a:t>(S)</a:t>
-                      </a:r>
-                      <a:r>
-                        <a:rPr lang="en-US" altLang="ko-KR" dirty="0" err="1" smtClean="0"/>
-                        <a:t>cTel</a:t>
-                      </a:r>
-                      <a:endParaRPr lang="en-US" altLang="ko-KR" dirty="0" smtClean="0"/>
-                    </a:p>
-                    <a:p>
-                      <a:pPr algn="l" latinLnBrk="1"/>
-                      <a:r>
-                        <a:rPr lang="en-US" altLang="ko-KR" dirty="0" smtClean="0"/>
-                        <a:t>(S)</a:t>
-                      </a:r>
-                      <a:r>
-                        <a:rPr lang="en-US" altLang="ko-KR" dirty="0" err="1" smtClean="0"/>
-                        <a:t>cAddress</a:t>
-                      </a:r>
-                      <a:endParaRPr lang="en-US" altLang="ko-KR" dirty="0" smtClean="0"/>
-                    </a:p>
-                    <a:p>
-                      <a:pPr algn="l" latinLnBrk="1"/>
                       <a:r>
                         <a:rPr lang="en-US" altLang="ko-KR" dirty="0" smtClean="0">
                           <a:solidFill>
@@ -13253,7 +13250,7 @@
                             <a:srgbClr val="FF0000"/>
                           </a:solidFill>
                         </a:rPr>
-                        <a:t>cAreaCode</a:t>
+                        <a:t>iAreaCode</a:t>
                       </a:r>
                       <a:endParaRPr lang="en-US" altLang="ko-KR" dirty="0" smtClean="0">
                         <a:solidFill>
@@ -13262,16 +13259,27 @@
                       </a:endParaRPr>
                     </a:p>
                     <a:p>
-                      <a:pPr algn="l" latinLnBrk="1"/>
                       <a:r>
-                        <a:rPr lang="en-US" altLang="ko-KR" dirty="0" smtClean="0"/>
+                        <a:rPr lang="en-US" altLang="ko-KR" dirty="0" smtClean="0">
+                          <a:solidFill>
+                            <a:schemeClr val="tx1"/>
+                          </a:solidFill>
+                        </a:rPr>
                         <a:t>(D)</a:t>
                       </a:r>
                       <a:r>
-                        <a:rPr lang="en-US" altLang="ko-KR" dirty="0" err="1" smtClean="0"/>
-                        <a:t>cDate</a:t>
+                        <a:rPr lang="en-US" altLang="ko-KR" dirty="0" err="1" smtClean="0">
+                          <a:solidFill>
+                            <a:schemeClr val="tx1"/>
+                          </a:solidFill>
+                        </a:rPr>
+                        <a:t>iDate</a:t>
                       </a:r>
-                      <a:endParaRPr lang="ko-KR" altLang="en-US" dirty="0"/>
+                      <a:endParaRPr lang="en-US" altLang="ko-KR" dirty="0" smtClean="0">
+                        <a:solidFill>
+                          <a:schemeClr val="tx1"/>
+                        </a:solidFill>
+                      </a:endParaRPr>
                     </a:p>
                   </a:txBody>
                   <a:tcPr anchor="ctr"/>
@@ -13281,51 +13289,62 @@
                     <a:bodyPr/>
                     <a:lstStyle/>
                     <a:p>
-                      <a:pPr algn="l" latinLnBrk="1"/>
                       <a:r>
-                        <a:rPr lang="en-US" altLang="ko-KR" dirty="0" err="1" smtClean="0">
+                        <a:rPr lang="en-US" altLang="ko-KR" b="1" dirty="0" smtClean="0">
                           <a:solidFill>
                             <a:srgbClr val="00B050"/>
                           </a:solidFill>
                         </a:rPr>
-                        <a:t>vCustomerCode</a:t>
+                        <a:t>(S)</a:t>
                       </a:r>
-                      <a:endParaRPr lang="en-US" altLang="ko-KR" dirty="0" smtClean="0">
+                      <a:r>
+                        <a:rPr lang="en-US" altLang="ko-KR" b="1" dirty="0" err="1" smtClean="0">
+                          <a:solidFill>
+                            <a:srgbClr val="00B050"/>
+                          </a:solidFill>
+                        </a:rPr>
+                        <a:t>cCode</a:t>
+                      </a:r>
+                      <a:endParaRPr lang="en-US" altLang="ko-KR" b="1" dirty="0" smtClean="0">
                         <a:solidFill>
                           <a:srgbClr val="00B050"/>
                         </a:solidFill>
                       </a:endParaRPr>
                     </a:p>
                     <a:p>
-                      <a:pPr algn="l" latinLnBrk="1"/>
                       <a:r>
-                        <a:rPr lang="en-US" altLang="ko-KR" dirty="0" err="1" smtClean="0">
-                          <a:solidFill>
-                            <a:srgbClr val="0070C0"/>
-                          </a:solidFill>
-                        </a:rPr>
-                        <a:t>vProductCode</a:t>
+                        <a:rPr lang="en-US" altLang="ko-KR" dirty="0" smtClean="0"/>
+                        <a:t>(S)</a:t>
                       </a:r>
-                      <a:endParaRPr lang="en-US" altLang="ko-KR" dirty="0" smtClean="0">
-                        <a:solidFill>
-                          <a:srgbClr val="0070C0"/>
-                        </a:solidFill>
-                      </a:endParaRPr>
-                    </a:p>
-                    <a:p>
-                      <a:pPr algn="l" latinLnBrk="1"/>
                       <a:r>
                         <a:rPr lang="en-US" altLang="ko-KR" dirty="0" err="1" smtClean="0"/>
-                        <a:t>vQuantity</a:t>
+                        <a:t>cName</a:t>
                       </a:r>
                       <a:endParaRPr lang="en-US" altLang="ko-KR" dirty="0" smtClean="0"/>
                     </a:p>
                     <a:p>
-                      <a:pPr algn="l" latinLnBrk="1"/>
+                      <a:r>
+                        <a:rPr lang="en-US" altLang="ko-KR" dirty="0" smtClean="0"/>
+                        <a:t>(S)</a:t>
+                      </a:r>
                       <a:r>
                         <a:rPr lang="en-US" altLang="ko-KR" dirty="0" err="1" smtClean="0"/>
-                        <a:t>vCode</a:t>
+                        <a:t>cTel</a:t>
                       </a:r>
+                      <a:endParaRPr lang="en-US" altLang="ko-KR" dirty="0" smtClean="0"/>
+                    </a:p>
+                    <a:p>
+                      <a:r>
+                        <a:rPr lang="en-US" altLang="ko-KR" dirty="0" smtClean="0"/>
+                        <a:t>(S)</a:t>
+                      </a:r>
+                      <a:r>
+                        <a:rPr lang="en-US" altLang="ko-KR" dirty="0" err="1" smtClean="0"/>
+                        <a:t>cAddress</a:t>
+                      </a:r>
+                      <a:endParaRPr lang="en-US" altLang="ko-KR" dirty="0" smtClean="0"/>
+                    </a:p>
+                    <a:p>
                       <a:endParaRPr lang="ko-KR" altLang="en-US" dirty="0"/>
                     </a:p>
                   </a:txBody>
@@ -13339,6 +13358,63 @@
                     <a:lstStyle/>
                     <a:p>
                       <a:pPr algn="ctr" latinLnBrk="1"/>
+                      <a:r>
+                        <a:rPr lang="en-US" altLang="ko-KR" dirty="0" smtClean="0"/>
+                        <a:t>Id (</a:t>
+                      </a:r>
+                      <a:r>
+                        <a:rPr lang="en-US" altLang="ko-KR" dirty="0" err="1" smtClean="0"/>
+                        <a:t>userType</a:t>
+                      </a:r>
+                      <a:r>
+                        <a:rPr lang="en-US" altLang="ko-KR" dirty="0" smtClean="0"/>
+                        <a:t>)</a:t>
+                      </a:r>
+                    </a:p>
+                    <a:p>
+                      <a:pPr algn="ctr" latinLnBrk="1"/>
+                      <a:r>
+                        <a:rPr lang="en-US" altLang="ko-KR" dirty="0" smtClean="0"/>
+                        <a:t>1 : 1(</a:t>
+                      </a:r>
+                      <a:r>
+                        <a:rPr lang="ko-KR" altLang="en-US" dirty="0" smtClean="0"/>
+                        <a:t>운송업체</a:t>
+                      </a:r>
+                      <a:r>
+                        <a:rPr lang="en-US" altLang="ko-KR" dirty="0" smtClean="0"/>
+                        <a:t>)</a:t>
+                      </a:r>
+                    </a:p>
+                    <a:p>
+                      <a:pPr algn="ctr" latinLnBrk="1"/>
+                      <a:r>
+                        <a:rPr lang="en-US" altLang="ko-KR" dirty="0" smtClean="0"/>
+                        <a:t>2 : A(</a:t>
+                      </a:r>
+                      <a:r>
+                        <a:rPr lang="ko-KR" altLang="en-US" dirty="0" smtClean="0"/>
+                        <a:t>구매처</a:t>
+                      </a:r>
+                      <a:r>
+                        <a:rPr lang="en-US" altLang="ko-KR" dirty="0" smtClean="0"/>
+                        <a:t>)</a:t>
+                      </a:r>
+                    </a:p>
+                    <a:p>
+                      <a:pPr algn="ctr" latinLnBrk="1"/>
+                      <a:r>
+                        <a:rPr lang="en-US" altLang="ko-KR" dirty="0" smtClean="0"/>
+                        <a:t>3 : a(</a:t>
+                      </a:r>
+                      <a:r>
+                        <a:rPr lang="ko-KR" altLang="en-US" dirty="0" smtClean="0"/>
+                        <a:t>쇼핑몰</a:t>
+                      </a:r>
+                      <a:r>
+                        <a:rPr lang="en-US" altLang="ko-KR" dirty="0" smtClean="0"/>
+                        <a:t>)</a:t>
+                      </a:r>
                       <a:endParaRPr lang="ko-KR" altLang="en-US" dirty="0"/>
                     </a:p>
                   </a:txBody>
@@ -13361,6 +13437,37 @@
                     <a:lstStyle/>
                     <a:p>
                       <a:pPr algn="ctr" latinLnBrk="1"/>
+                      <a:r>
+                        <a:rPr lang="en-US" altLang="ko-KR" dirty="0" err="1" smtClean="0"/>
+                        <a:t>iCode</a:t>
+                      </a:r>
+                      <a:r>
+                        <a:rPr lang="en-US" altLang="ko-KR" dirty="0" smtClean="0"/>
+                        <a:t>=</a:t>
+                      </a:r>
+                      <a:r>
+                        <a:rPr lang="en-US" altLang="ko-KR" baseline="0" dirty="0" smtClean="0"/>
+                        <a:t>  </a:t>
+                      </a:r>
+                      <a:r>
+                        <a:rPr lang="en-US" altLang="ko-KR" baseline="0" dirty="0" err="1" smtClean="0"/>
+                        <a:t>ShopCode</a:t>
+                      </a:r>
+                      <a:r>
+                        <a:rPr lang="en-US" altLang="ko-KR" baseline="0" dirty="0" smtClean="0"/>
+                        <a:t>(1)</a:t>
+                      </a:r>
+                    </a:p>
+                    <a:p>
+                      <a:pPr algn="ctr" latinLnBrk="1"/>
+                      <a:r>
+                        <a:rPr lang="en-US" altLang="ko-KR" baseline="0" dirty="0" smtClean="0"/>
+                        <a:t>+</a:t>
+                      </a:r>
+                      <a:r>
+                        <a:rPr lang="en-US" altLang="ko-KR" baseline="0" dirty="0" err="1" smtClean="0"/>
+                        <a:t>cCode+iDate+iAreaCode</a:t>
+                      </a:r>
                       <a:endParaRPr lang="ko-KR" altLang="en-US" dirty="0"/>
                     </a:p>
                   </a:txBody>
@@ -13372,6 +13479,18 @@
                     <a:lstStyle/>
                     <a:p>
                       <a:pPr algn="ctr" latinLnBrk="1"/>
+                      <a:r>
+                        <a:rPr lang="en-US" altLang="ko-KR" dirty="0" smtClean="0"/>
+                        <a:t>.</a:t>
+                      </a:r>
+                      <a:r>
+                        <a:rPr lang="en-US" altLang="ko-KR" dirty="0" err="1" smtClean="0"/>
+                        <a:t>csv</a:t>
+                      </a:r>
+                      <a:r>
+                        <a:rPr lang="ko-KR" altLang="en-US" baseline="0" dirty="0" smtClean="0"/>
+                        <a:t>로 받아옴</a:t>
+                      </a:r>
                       <a:endParaRPr lang="ko-KR" altLang="en-US" dirty="0"/>
                     </a:p>
                   </a:txBody>
@@ -13407,7 +13526,22 @@
                     <a:lstStyle/>
                     <a:p>
                       <a:pPr algn="ctr" latinLnBrk="1"/>
-                      <a:endParaRPr lang="ko-KR" altLang="en-US"/>
+                      <a:r>
+                        <a:rPr lang="en-US" altLang="ko-KR" dirty="0" err="1" smtClean="0"/>
+                        <a:t>iCustomerCode</a:t>
+                      </a:r>
+                      <a:r>
+                        <a:rPr lang="en-US" altLang="ko-KR" dirty="0" smtClean="0"/>
+                        <a:t> =</a:t>
+                      </a:r>
+                    </a:p>
+                    <a:p>
+                      <a:pPr algn="ctr" latinLnBrk="1"/>
+                      <a:r>
+                        <a:rPr lang="en-US" altLang="ko-KR" dirty="0" err="1" smtClean="0"/>
+                        <a:t>ShopCode+Num</a:t>
+                      </a:r>
+                      <a:endParaRPr lang="ko-KR" altLang="en-US" dirty="0"/>
                     </a:p>
                   </a:txBody>
                   <a:tcPr anchor="ctr"/>
@@ -13474,121 +13608,6 @@
           </a:graphicData>
         </a:graphic>
       </p:graphicFrame>
-      <p:cxnSp>
-        <p:nvCxnSpPr>
-          <p:cNvPr id="10" name="꺾인 연결선 9"/>
-          <p:cNvCxnSpPr/>
-          <p:nvPr/>
-        </p:nvCxnSpPr>
-        <p:spPr>
-          <a:xfrm>
-            <a:off x="1907704" y="2744924"/>
-            <a:ext cx="3096344" cy="684076"/>
-          </a:xfrm>
-          <a:prstGeom prst="bentConnector3">
-            <a:avLst>
-              <a:gd name="adj1" fmla="val 33989"/>
-            </a:avLst>
-          </a:prstGeom>
-          <a:ln>
-            <a:solidFill>
-              <a:srgbClr val="FF0000"/>
-            </a:solidFill>
-            <a:headEnd type="arrow"/>
-            <a:tailEnd type="arrow"/>
-          </a:ln>
-        </p:spPr>
-        <p:style>
-          <a:lnRef idx="1">
-            <a:schemeClr val="accent1"/>
-          </a:lnRef>
-          <a:fillRef idx="0">
-            <a:schemeClr val="accent1"/>
-          </a:fillRef>
-          <a:effectRef idx="0">
-            <a:schemeClr val="accent1"/>
-          </a:effectRef>
-          <a:fontRef idx="minor">
-            <a:schemeClr val="tx1"/>
-          </a:fontRef>
-        </p:style>
-      </p:cxnSp>
-      <p:cxnSp>
-        <p:nvCxnSpPr>
-          <p:cNvPr id="22" name="꺾인 연결선 21"/>
-          <p:cNvCxnSpPr/>
-          <p:nvPr/>
-        </p:nvCxnSpPr>
-        <p:spPr>
-          <a:xfrm>
-            <a:off x="6156176" y="2276872"/>
-            <a:ext cx="864096" cy="432048"/>
-          </a:xfrm>
-          <a:prstGeom prst="bentConnector3">
-            <a:avLst/>
-          </a:prstGeom>
-          <a:ln>
-            <a:solidFill>
-              <a:srgbClr val="00B050"/>
-            </a:solidFill>
-            <a:headEnd type="arrow"/>
-            <a:tailEnd type="arrow"/>
-          </a:ln>
-        </p:spPr>
-        <p:style>
-          <a:lnRef idx="1">
-            <a:schemeClr val="accent1"/>
-          </a:lnRef>
-          <a:fillRef idx="0">
-            <a:schemeClr val="accent1"/>
-          </a:fillRef>
-          <a:effectRef idx="0">
-            <a:schemeClr val="accent1"/>
-          </a:effectRef>
-          <a:fontRef idx="minor">
-            <a:schemeClr val="tx1"/>
-          </a:fontRef>
-        </p:style>
-      </p:cxnSp>
-      <p:cxnSp>
-        <p:nvCxnSpPr>
-          <p:cNvPr id="24" name="꺾인 연결선 23"/>
-          <p:cNvCxnSpPr/>
-          <p:nvPr/>
-        </p:nvCxnSpPr>
-        <p:spPr>
-          <a:xfrm>
-            <a:off x="4283968" y="2492896"/>
-            <a:ext cx="2664296" cy="504056"/>
-          </a:xfrm>
-          <a:prstGeom prst="bentConnector3">
-            <a:avLst>
-              <a:gd name="adj1" fmla="val 25603"/>
-            </a:avLst>
-          </a:prstGeom>
-          <a:ln>
-            <a:solidFill>
-              <a:srgbClr val="0070C0"/>
-            </a:solidFill>
-            <a:headEnd type="arrow"/>
-            <a:tailEnd type="arrow"/>
-          </a:ln>
-        </p:spPr>
-        <p:style>
-          <a:lnRef idx="1">
-            <a:schemeClr val="accent1"/>
-          </a:lnRef>
-          <a:fillRef idx="0">
-            <a:schemeClr val="accent1"/>
-          </a:fillRef>
-          <a:effectRef idx="0">
-            <a:schemeClr val="accent1"/>
-          </a:effectRef>
-          <a:fontRef idx="minor">
-            <a:schemeClr val="tx1"/>
-          </a:fontRef>
-        </p:style>
-      </p:cxnSp>
     </p:spTree>
     <p:extLst>
       <p:ext uri="{BB962C8B-B14F-4D97-AF65-F5344CB8AC3E}">

--- a/프레젠테이션1.pptx
+++ b/프레젠테이션1.pptx
@@ -4648,12 +4648,8 @@
           <a:p>
             <a:pPr algn="ctr"/>
             <a:r>
-              <a:rPr lang="ko-KR" altLang="en-US" dirty="0" err="1" smtClean="0"/>
-              <a:t>권오인</a:t>
-            </a:r>
-            <a:r>
-              <a:rPr lang="ko-KR" altLang="en-US" dirty="0" smtClean="0"/>
-              <a:t> 컴퍼니</a:t>
+              <a:rPr lang="en-US" altLang="ko-KR" dirty="0" smtClean="0"/>
+              <a:t>Blue Company</a:t>
             </a:r>
             <a:r>
               <a:rPr lang="en-US" altLang="ko-KR" dirty="0" smtClean="0"/>
@@ -4841,10 +4837,18 @@
           <a:p>
             <a:pPr algn="ctr"/>
             <a:r>
-              <a:rPr lang="ko-KR" altLang="en-US" dirty="0" smtClean="0"/>
+              <a:rPr lang="ko-KR" altLang="en-US" dirty="0" smtClean="0">
+                <a:solidFill>
+                  <a:schemeClr val="tx1"/>
+                </a:solidFill>
+              </a:rPr>
               <a:t>로그아웃</a:t>
             </a:r>
-            <a:endParaRPr lang="ko-KR" altLang="en-US" dirty="0"/>
+            <a:endParaRPr lang="ko-KR" altLang="en-US" dirty="0">
+              <a:solidFill>
+                <a:schemeClr val="tx1"/>
+              </a:solidFill>
+            </a:endParaRPr>
           </a:p>
         </p:txBody>
       </p:sp>
@@ -4887,10 +4891,18 @@
           <a:p>
             <a:pPr algn="ctr"/>
             <a:r>
-              <a:rPr lang="ko-KR" altLang="en-US" dirty="0" err="1" smtClean="0"/>
+              <a:rPr lang="ko-KR" altLang="en-US" dirty="0" err="1" smtClean="0">
+                <a:solidFill>
+                  <a:schemeClr val="tx1"/>
+                </a:solidFill>
+              </a:rPr>
               <a:t>뒤로가기</a:t>
             </a:r>
-            <a:endParaRPr lang="ko-KR" altLang="en-US" dirty="0"/>
+            <a:endParaRPr lang="ko-KR" altLang="en-US" dirty="0">
+              <a:solidFill>
+                <a:schemeClr val="tx1"/>
+              </a:solidFill>
+            </a:endParaRPr>
           </a:p>
         </p:txBody>
       </p:sp>
@@ -5377,10 +5389,18 @@
           <a:p>
             <a:pPr algn="ctr"/>
             <a:r>
-              <a:rPr lang="ko-KR" altLang="en-US" dirty="0" smtClean="0"/>
+              <a:rPr lang="ko-KR" altLang="en-US" dirty="0" smtClean="0">
+                <a:solidFill>
+                  <a:schemeClr val="tx1"/>
+                </a:solidFill>
+              </a:rPr>
               <a:t>검색</a:t>
             </a:r>
-            <a:endParaRPr lang="ko-KR" altLang="en-US" dirty="0"/>
+            <a:endParaRPr lang="ko-KR" altLang="en-US" dirty="0">
+              <a:solidFill>
+                <a:schemeClr val="tx1"/>
+              </a:solidFill>
+            </a:endParaRPr>
           </a:p>
         </p:txBody>
       </p:sp>
@@ -5529,90 +5549,6 @@
       </p:grpSpPr>
       <p:sp>
         <p:nvSpPr>
-          <p:cNvPr id="13" name="모서리가 둥근 직사각형 12"/>
-          <p:cNvSpPr/>
-          <p:nvPr/>
-        </p:nvSpPr>
-        <p:spPr>
-          <a:xfrm>
-            <a:off x="2416170" y="525318"/>
-            <a:ext cx="5150536" cy="2225548"/>
-          </a:xfrm>
-          <a:prstGeom prst="roundRect">
-            <a:avLst/>
-          </a:prstGeom>
-          <a:solidFill>
-            <a:schemeClr val="bg1"/>
-          </a:solidFill>
-          <a:ln>
-            <a:solidFill>
-              <a:schemeClr val="accent2"/>
-            </a:solidFill>
-          </a:ln>
-        </p:spPr>
-        <p:style>
-          <a:lnRef idx="2">
-            <a:schemeClr val="accent2">
-              <a:shade val="50000"/>
-            </a:schemeClr>
-          </a:lnRef>
-          <a:fillRef idx="1">
-            <a:schemeClr val="accent2"/>
-          </a:fillRef>
-          <a:effectRef idx="0">
-            <a:schemeClr val="accent2"/>
-          </a:effectRef>
-          <a:fontRef idx="minor">
-            <a:schemeClr val="lt1"/>
-          </a:fontRef>
-        </p:style>
-        <p:txBody>
-          <a:bodyPr rtlCol="0" anchor="ctr"/>
-          <a:lstStyle/>
-          <a:p>
-            <a:pPr algn="ctr"/>
-            <a:r>
-              <a:rPr lang="ko-KR" altLang="en-US" dirty="0" smtClean="0">
-                <a:solidFill>
-                  <a:schemeClr val="tx1"/>
-                </a:solidFill>
-              </a:rPr>
-              <a:t>발주 내역이 </a:t>
-            </a:r>
-            <a:r>
-              <a:rPr lang="en-US" altLang="ko-KR" dirty="0" smtClean="0">
-                <a:solidFill>
-                  <a:schemeClr val="tx1"/>
-                </a:solidFill>
-              </a:rPr>
-              <a:t>CSV</a:t>
-            </a:r>
-            <a:r>
-              <a:rPr lang="ko-KR" altLang="en-US" dirty="0" smtClean="0">
-                <a:solidFill>
-                  <a:schemeClr val="tx1"/>
-                </a:solidFill>
-              </a:rPr>
-              <a:t>파일로 다운로드 되었습니다</a:t>
-            </a:r>
-            <a:r>
-              <a:rPr lang="en-US" altLang="ko-KR" dirty="0" smtClean="0">
-                <a:solidFill>
-                  <a:schemeClr val="tx1"/>
-                </a:solidFill>
-              </a:rPr>
-              <a:t>.</a:t>
-            </a:r>
-            <a:endParaRPr lang="ko-KR" altLang="en-US" dirty="0">
-              <a:solidFill>
-                <a:schemeClr val="tx1"/>
-              </a:solidFill>
-            </a:endParaRPr>
-          </a:p>
-        </p:txBody>
-      </p:sp>
-      <p:sp>
-        <p:nvSpPr>
           <p:cNvPr id="5" name="모서리가 둥근 직사각형 4">
             <a:hlinkClick r:id="rId2" action="ppaction://hlinksldjump"/>
           </p:cNvPr>
@@ -5650,18 +5586,34 @@
           <a:p>
             <a:pPr algn="ctr"/>
             <a:r>
-              <a:rPr lang="ko-KR" altLang="en-US" sz="1600" dirty="0" smtClean="0"/>
+              <a:rPr lang="ko-KR" altLang="en-US" sz="1600" dirty="0" smtClean="0">
+                <a:solidFill>
+                  <a:schemeClr val="tx1"/>
+                </a:solidFill>
+              </a:rPr>
               <a:t>전체 발주</a:t>
             </a:r>
-            <a:endParaRPr lang="en-US" altLang="ko-KR" sz="1600" dirty="0" smtClean="0"/>
+            <a:endParaRPr lang="en-US" altLang="ko-KR" sz="1600" dirty="0" smtClean="0">
+              <a:solidFill>
+                <a:schemeClr val="tx1"/>
+              </a:solidFill>
+            </a:endParaRPr>
           </a:p>
           <a:p>
             <a:pPr algn="ctr"/>
             <a:r>
-              <a:rPr lang="ko-KR" altLang="en-US" sz="1600" dirty="0" smtClean="0"/>
+              <a:rPr lang="ko-KR" altLang="en-US" sz="1600" dirty="0" smtClean="0">
+                <a:solidFill>
+                  <a:schemeClr val="tx1"/>
+                </a:solidFill>
+              </a:rPr>
               <a:t>리스트</a:t>
             </a:r>
-            <a:endParaRPr lang="ko-KR" altLang="en-US" sz="1600" dirty="0"/>
+            <a:endParaRPr lang="ko-KR" altLang="en-US" sz="1600" dirty="0">
+              <a:solidFill>
+                <a:schemeClr val="tx1"/>
+              </a:solidFill>
+            </a:endParaRPr>
           </a:p>
         </p:txBody>
       </p:sp>
@@ -5704,10 +5656,18 @@
           <a:p>
             <a:pPr algn="ctr"/>
             <a:r>
-              <a:rPr lang="ko-KR" altLang="en-US" dirty="0" smtClean="0"/>
+              <a:rPr lang="ko-KR" altLang="en-US" dirty="0" smtClean="0">
+                <a:solidFill>
+                  <a:schemeClr val="tx1"/>
+                </a:solidFill>
+              </a:rPr>
               <a:t>로그아웃</a:t>
             </a:r>
-            <a:endParaRPr lang="ko-KR" altLang="en-US" dirty="0"/>
+            <a:endParaRPr lang="ko-KR" altLang="en-US" dirty="0">
+              <a:solidFill>
+                <a:schemeClr val="tx1"/>
+              </a:solidFill>
+            </a:endParaRPr>
           </a:p>
         </p:txBody>
       </p:sp>
@@ -5750,10 +5710,18 @@
           <a:p>
             <a:pPr algn="ctr"/>
             <a:r>
-              <a:rPr lang="ko-KR" altLang="en-US" dirty="0" err="1" smtClean="0"/>
+              <a:rPr lang="ko-KR" altLang="en-US" dirty="0" err="1" smtClean="0">
+                <a:solidFill>
+                  <a:schemeClr val="tx1"/>
+                </a:solidFill>
+              </a:rPr>
               <a:t>뒤로가기</a:t>
             </a:r>
-            <a:endParaRPr lang="ko-KR" altLang="en-US" dirty="0"/>
+            <a:endParaRPr lang="ko-KR" altLang="en-US" dirty="0">
+              <a:solidFill>
+                <a:schemeClr val="tx1"/>
+              </a:solidFill>
+            </a:endParaRPr>
           </a:p>
         </p:txBody>
       </p:sp>
@@ -5794,22 +5762,42 @@
           <a:p>
             <a:pPr algn="ctr"/>
             <a:r>
-              <a:rPr lang="ko-KR" altLang="en-US" sz="1600" dirty="0" smtClean="0"/>
+              <a:rPr lang="ko-KR" altLang="en-US" sz="1600" dirty="0" smtClean="0">
+                <a:solidFill>
+                  <a:schemeClr val="tx1"/>
+                </a:solidFill>
+              </a:rPr>
               <a:t>발주 </a:t>
             </a:r>
             <a:r>
-              <a:rPr lang="en-US" altLang="ko-KR" sz="1600" dirty="0" smtClean="0"/>
+              <a:rPr lang="en-US" altLang="ko-KR" sz="1600" dirty="0" smtClean="0">
+                <a:solidFill>
+                  <a:schemeClr val="tx1"/>
+                </a:solidFill>
+              </a:rPr>
               <a:t>CSV</a:t>
             </a:r>
-            <a:endParaRPr lang="en-US" altLang="ko-KR" sz="1600" dirty="0"/>
+            <a:endParaRPr lang="en-US" altLang="ko-KR" sz="1600" dirty="0">
+              <a:solidFill>
+                <a:schemeClr val="tx1"/>
+              </a:solidFill>
+            </a:endParaRPr>
           </a:p>
           <a:p>
             <a:pPr algn="ctr"/>
             <a:r>
-              <a:rPr lang="ko-KR" altLang="en-US" sz="1600" dirty="0" smtClean="0"/>
+              <a:rPr lang="ko-KR" altLang="en-US" sz="1600" dirty="0" smtClean="0">
+                <a:solidFill>
+                  <a:schemeClr val="tx1"/>
+                </a:solidFill>
+              </a:rPr>
               <a:t>다운로드</a:t>
             </a:r>
-            <a:endParaRPr lang="en-US" altLang="ko-KR" sz="1600" dirty="0" smtClean="0"/>
+            <a:endParaRPr lang="en-US" altLang="ko-KR" sz="1600" dirty="0" smtClean="0">
+              <a:solidFill>
+                <a:schemeClr val="tx1"/>
+              </a:solidFill>
+            </a:endParaRPr>
           </a:p>
         </p:txBody>
       </p:sp>
@@ -5882,11 +5870,19 @@
           <a:p>
             <a:pPr algn="ctr"/>
             <a:r>
-              <a:rPr lang="ko-KR" altLang="en-US" dirty="0" smtClean="0"/>
+              <a:rPr lang="ko-KR" altLang="en-US" dirty="0" smtClean="0">
+                <a:solidFill>
+                  <a:schemeClr val="tx1"/>
+                </a:solidFill>
+              </a:rPr>
               <a:t>납품내</a:t>
             </a:r>
             <a:r>
-              <a:rPr lang="ko-KR" altLang="en-US" dirty="0"/>
+              <a:rPr lang="ko-KR" altLang="en-US" dirty="0">
+                <a:solidFill>
+                  <a:schemeClr val="tx1"/>
+                </a:solidFill>
+              </a:rPr>
               <a:t>역</a:t>
             </a:r>
           </a:p>
@@ -6564,6 +6560,90 @@
               <a:t>- 1 -</a:t>
             </a:r>
             <a:endParaRPr lang="ko-KR" altLang="en-US" dirty="0"/>
+          </a:p>
+        </p:txBody>
+      </p:sp>
+      <p:sp>
+        <p:nvSpPr>
+          <p:cNvPr id="13" name="모서리가 둥근 직사각형 12"/>
+          <p:cNvSpPr/>
+          <p:nvPr/>
+        </p:nvSpPr>
+        <p:spPr>
+          <a:xfrm>
+            <a:off x="2416170" y="525318"/>
+            <a:ext cx="5150536" cy="2225548"/>
+          </a:xfrm>
+          <a:prstGeom prst="roundRect">
+            <a:avLst/>
+          </a:prstGeom>
+          <a:solidFill>
+            <a:schemeClr val="bg1"/>
+          </a:solidFill>
+          <a:ln>
+            <a:solidFill>
+              <a:schemeClr val="accent2"/>
+            </a:solidFill>
+          </a:ln>
+        </p:spPr>
+        <p:style>
+          <a:lnRef idx="2">
+            <a:schemeClr val="accent2">
+              <a:shade val="50000"/>
+            </a:schemeClr>
+          </a:lnRef>
+          <a:fillRef idx="1">
+            <a:schemeClr val="accent2"/>
+          </a:fillRef>
+          <a:effectRef idx="0">
+            <a:schemeClr val="accent2"/>
+          </a:effectRef>
+          <a:fontRef idx="minor">
+            <a:schemeClr val="lt1"/>
+          </a:fontRef>
+        </p:style>
+        <p:txBody>
+          <a:bodyPr rtlCol="0" anchor="ctr"/>
+          <a:lstStyle/>
+          <a:p>
+            <a:pPr algn="ctr"/>
+            <a:r>
+              <a:rPr lang="ko-KR" altLang="en-US" dirty="0" smtClean="0">
+                <a:solidFill>
+                  <a:schemeClr val="tx1"/>
+                </a:solidFill>
+              </a:rPr>
+              <a:t>발주 내역이 </a:t>
+            </a:r>
+            <a:r>
+              <a:rPr lang="en-US" altLang="ko-KR" dirty="0" smtClean="0">
+                <a:solidFill>
+                  <a:schemeClr val="tx1"/>
+                </a:solidFill>
+              </a:rPr>
+              <a:t>CSV</a:t>
+            </a:r>
+            <a:r>
+              <a:rPr lang="ko-KR" altLang="en-US" dirty="0" smtClean="0">
+                <a:solidFill>
+                  <a:schemeClr val="tx1"/>
+                </a:solidFill>
+              </a:rPr>
+              <a:t>파일로 다운로드 되었습니다</a:t>
+            </a:r>
+            <a:r>
+              <a:rPr lang="en-US" altLang="ko-KR" dirty="0" smtClean="0">
+                <a:solidFill>
+                  <a:schemeClr val="tx1"/>
+                </a:solidFill>
+              </a:rPr>
+              <a:t>.</a:t>
+            </a:r>
+            <a:endParaRPr lang="ko-KR" altLang="en-US" dirty="0">
+              <a:solidFill>
+                <a:schemeClr val="tx1"/>
+              </a:solidFill>
+            </a:endParaRPr>
           </a:p>
         </p:txBody>
       </p:sp>
@@ -6844,10 +6924,18 @@
           <a:p>
             <a:pPr algn="ctr"/>
             <a:r>
-              <a:rPr lang="ko-KR" altLang="en-US" dirty="0" smtClean="0"/>
+              <a:rPr lang="ko-KR" altLang="en-US" dirty="0" smtClean="0">
+                <a:solidFill>
+                  <a:schemeClr val="tx1"/>
+                </a:solidFill>
+              </a:rPr>
               <a:t>로그아웃</a:t>
             </a:r>
-            <a:endParaRPr lang="ko-KR" altLang="en-US" dirty="0"/>
+            <a:endParaRPr lang="ko-KR" altLang="en-US" dirty="0">
+              <a:solidFill>
+                <a:schemeClr val="tx1"/>
+              </a:solidFill>
+            </a:endParaRPr>
           </a:p>
         </p:txBody>
       </p:sp>
@@ -6890,10 +6978,18 @@
           <a:p>
             <a:pPr algn="ctr"/>
             <a:r>
-              <a:rPr lang="ko-KR" altLang="en-US" dirty="0" err="1" smtClean="0"/>
+              <a:rPr lang="ko-KR" altLang="en-US" dirty="0" err="1" smtClean="0">
+                <a:solidFill>
+                  <a:schemeClr val="tx1"/>
+                </a:solidFill>
+              </a:rPr>
               <a:t>뒤로가기</a:t>
             </a:r>
-            <a:endParaRPr lang="ko-KR" altLang="en-US" dirty="0"/>
+            <a:endParaRPr lang="ko-KR" altLang="en-US" dirty="0">
+              <a:solidFill>
+                <a:schemeClr val="tx1"/>
+              </a:solidFill>
+            </a:endParaRPr>
           </a:p>
         </p:txBody>
       </p:sp>
@@ -14306,7 +14402,7 @@
         <p:spPr>
           <a:xfrm>
             <a:off x="1763688" y="5733255"/>
-            <a:ext cx="1260000" cy="612000"/>
+            <a:ext cx="1512000" cy="612000"/>
           </a:xfrm>
           <a:prstGeom prst="roundRect">
             <a:avLst/>
@@ -15197,16 +15293,104 @@
       </p:sp>
       <p:sp>
         <p:nvSpPr>
-          <p:cNvPr id="5" name="모서리가 둥근 직사각형 4">
-            <a:hlinkClick r:id="rId2" action="ppaction://hlinksldjump"/>
-          </p:cNvPr>
+          <p:cNvPr id="6" name="TextBox 5"/>
+          <p:cNvSpPr txBox="1"/>
+          <p:nvPr/>
+        </p:nvSpPr>
+        <p:spPr>
+          <a:xfrm>
+            <a:off x="971600" y="0"/>
+            <a:ext cx="2304256" cy="369332"/>
+          </a:xfrm>
+          <a:prstGeom prst="rect">
+            <a:avLst/>
+          </a:prstGeom>
+          <a:noFill/>
+        </p:spPr>
+        <p:txBody>
+          <a:bodyPr wrap="square" rtlCol="0">
+            <a:spAutoFit/>
+          </a:bodyPr>
+          <a:lstStyle/>
+          <a:p>
+            <a:r>
+              <a:rPr lang="en-US" altLang="ko-KR" dirty="0" err="1" smtClean="0"/>
+              <a:t>ShopI</a:t>
+            </a:r>
+            <a:r>
+              <a:rPr lang="en-US" altLang="ko-KR" dirty="0" err="1" smtClean="0">
+                <a:effectLst/>
+              </a:rPr>
+              <a:t>nvoice</a:t>
+            </a:r>
+            <a:endParaRPr lang="ko-KR" altLang="en-US" dirty="0"/>
+          </a:p>
+        </p:txBody>
+      </p:sp>
+      <p:sp>
+        <p:nvSpPr>
+          <p:cNvPr id="4" name="TextBox 3"/>
+          <p:cNvSpPr txBox="1"/>
+          <p:nvPr/>
+        </p:nvSpPr>
+        <p:spPr>
+          <a:xfrm>
+            <a:off x="1886055" y="1556792"/>
+            <a:ext cx="6542082" cy="369332"/>
+          </a:xfrm>
+          <a:prstGeom prst="rect">
+            <a:avLst/>
+          </a:prstGeom>
+          <a:noFill/>
+        </p:spPr>
+        <p:txBody>
+          <a:bodyPr wrap="square" rtlCol="0">
+            <a:spAutoFit/>
+          </a:bodyPr>
+          <a:lstStyle/>
+          <a:p>
+            <a:r>
+              <a:rPr lang="en-US" altLang="ko-KR" dirty="0" smtClean="0"/>
+              <a:t>  </a:t>
+            </a:r>
+            <a:r>
+              <a:rPr lang="ko-KR" altLang="en-US" dirty="0" smtClean="0"/>
+              <a:t>송장번호</a:t>
+            </a:r>
+            <a:r>
+              <a:rPr lang="en-US" altLang="ko-KR" dirty="0"/>
+              <a:t>	</a:t>
+            </a:r>
+            <a:r>
+              <a:rPr lang="en-US" altLang="ko-KR" dirty="0" smtClean="0"/>
+              <a:t>	</a:t>
+            </a:r>
+            <a:r>
+              <a:rPr lang="ko-KR" altLang="en-US" dirty="0" smtClean="0"/>
+              <a:t>날짜</a:t>
+            </a:r>
+            <a:r>
+              <a:rPr lang="en-US" altLang="ko-KR" dirty="0" smtClean="0"/>
+              <a:t>			</a:t>
+            </a:r>
+            <a:r>
+              <a:rPr lang="ko-KR" altLang="en-US" dirty="0" smtClean="0"/>
+              <a:t>합계</a:t>
+            </a:r>
+            <a:endParaRPr lang="ko-KR" altLang="en-US" dirty="0"/>
+          </a:p>
+        </p:txBody>
+      </p:sp>
+      <p:sp>
+        <p:nvSpPr>
+          <p:cNvPr id="7" name="모서리가 둥근 직사각형 6"/>
           <p:cNvSpPr/>
           <p:nvPr/>
         </p:nvSpPr>
         <p:spPr>
           <a:xfrm>
-            <a:off x="6948264" y="5733256"/>
-            <a:ext cx="1512168" cy="524381"/>
+            <a:off x="1403648" y="5733253"/>
+            <a:ext cx="1512168" cy="612000"/>
           </a:xfrm>
           <a:prstGeom prst="roundRect">
             <a:avLst/>
@@ -15234,151 +15418,25 @@
           <a:p>
             <a:pPr algn="ctr"/>
             <a:r>
-              <a:rPr lang="ko-KR" altLang="en-US" dirty="0" err="1" smtClean="0"/>
-              <a:t>뒤로가기</a:t>
-            </a:r>
-            <a:endParaRPr lang="ko-KR" altLang="en-US" dirty="0"/>
-          </a:p>
-        </p:txBody>
-      </p:sp>
-      <p:sp>
-        <p:nvSpPr>
-          <p:cNvPr id="6" name="TextBox 5"/>
-          <p:cNvSpPr txBox="1"/>
-          <p:nvPr/>
-        </p:nvSpPr>
-        <p:spPr>
-          <a:xfrm>
-            <a:off x="971600" y="0"/>
-            <a:ext cx="2304256" cy="369332"/>
-          </a:xfrm>
-          <a:prstGeom prst="rect">
-            <a:avLst/>
-          </a:prstGeom>
-          <a:noFill/>
-        </p:spPr>
-        <p:txBody>
-          <a:bodyPr wrap="square" rtlCol="0">
-            <a:spAutoFit/>
-          </a:bodyPr>
-          <a:lstStyle/>
-          <a:p>
-            <a:r>
-              <a:rPr lang="en-US" altLang="ko-KR" dirty="0" err="1" smtClean="0"/>
-              <a:t>ShopI</a:t>
-            </a:r>
-            <a:r>
-              <a:rPr lang="en-US" altLang="ko-KR" dirty="0" err="1" smtClean="0">
-                <a:effectLst/>
+              <a:rPr lang="ko-KR" altLang="en-US" dirty="0" smtClean="0">
+                <a:solidFill>
+                  <a:schemeClr val="tx1"/>
+                </a:solidFill>
               </a:rPr>
-              <a:t>nvoice</a:t>
-            </a:r>
-            <a:endParaRPr lang="ko-KR" altLang="en-US" dirty="0"/>
-          </a:p>
-        </p:txBody>
-      </p:sp>
-      <p:sp>
-        <p:nvSpPr>
-          <p:cNvPr id="4" name="TextBox 3"/>
-          <p:cNvSpPr txBox="1"/>
-          <p:nvPr/>
-        </p:nvSpPr>
-        <p:spPr>
-          <a:xfrm>
-            <a:off x="1886055" y="1556792"/>
-            <a:ext cx="6542082" cy="369332"/>
-          </a:xfrm>
-          <a:prstGeom prst="rect">
-            <a:avLst/>
-          </a:prstGeom>
-          <a:noFill/>
-        </p:spPr>
-        <p:txBody>
-          <a:bodyPr wrap="square" rtlCol="0">
-            <a:spAutoFit/>
-          </a:bodyPr>
-          <a:lstStyle/>
-          <a:p>
-            <a:r>
-              <a:rPr lang="en-US" altLang="ko-KR" dirty="0" smtClean="0"/>
-              <a:t>  </a:t>
-            </a:r>
-            <a:r>
-              <a:rPr lang="ko-KR" altLang="en-US" dirty="0" smtClean="0"/>
-              <a:t>송장번호</a:t>
-            </a:r>
-            <a:r>
-              <a:rPr lang="en-US" altLang="ko-KR" dirty="0"/>
-              <a:t>	</a:t>
-            </a:r>
-            <a:r>
-              <a:rPr lang="en-US" altLang="ko-KR" dirty="0" smtClean="0"/>
-              <a:t>	</a:t>
-            </a:r>
-            <a:r>
-              <a:rPr lang="ko-KR" altLang="en-US" dirty="0" smtClean="0"/>
-              <a:t>날짜</a:t>
-            </a:r>
-            <a:r>
-              <a:rPr lang="en-US" altLang="ko-KR" dirty="0" smtClean="0"/>
-              <a:t>			</a:t>
-            </a:r>
-            <a:r>
-              <a:rPr lang="ko-KR" altLang="en-US" dirty="0" smtClean="0"/>
-              <a:t>합계</a:t>
-            </a:r>
-            <a:endParaRPr lang="ko-KR" altLang="en-US" dirty="0"/>
-          </a:p>
-        </p:txBody>
-      </p:sp>
-      <p:sp>
-        <p:nvSpPr>
-          <p:cNvPr id="7" name="모서리가 둥근 직사각형 6"/>
-          <p:cNvSpPr/>
-          <p:nvPr/>
-        </p:nvSpPr>
-        <p:spPr>
-          <a:xfrm>
-            <a:off x="4925941" y="5733255"/>
-            <a:ext cx="1512168" cy="524381"/>
-          </a:xfrm>
-          <a:prstGeom prst="roundRect">
-            <a:avLst/>
-          </a:prstGeom>
-        </p:spPr>
-        <p:style>
-          <a:lnRef idx="2">
-            <a:schemeClr val="accent2">
-              <a:shade val="50000"/>
-            </a:schemeClr>
-          </a:lnRef>
-          <a:fillRef idx="1">
-            <a:schemeClr val="accent2"/>
-          </a:fillRef>
-          <a:effectRef idx="0">
-            <a:schemeClr val="accent2"/>
-          </a:effectRef>
-          <a:fontRef idx="minor">
-            <a:schemeClr val="lt1"/>
-          </a:fontRef>
-        </p:style>
-        <p:txBody>
-          <a:bodyPr rtlCol="0" anchor="ctr"/>
-          <a:lstStyle/>
-          <a:p>
-            <a:pPr algn="ctr"/>
-            <a:r>
-              <a:rPr lang="ko-KR" altLang="en-US" dirty="0" smtClean="0"/>
               <a:t>검색</a:t>
             </a:r>
-            <a:endParaRPr lang="ko-KR" altLang="en-US" dirty="0"/>
+            <a:endParaRPr lang="ko-KR" altLang="en-US" dirty="0">
+              <a:solidFill>
+                <a:schemeClr val="tx1"/>
+              </a:solidFill>
+            </a:endParaRPr>
           </a:p>
         </p:txBody>
       </p:sp>
       <p:sp>
         <p:nvSpPr>
           <p:cNvPr id="9" name="모서리가 둥근 직사각형 8">
-            <a:hlinkClick r:id="rId3" action="ppaction://hlinksldjump"/>
+            <a:hlinkClick r:id="rId2" action="ppaction://hlinksldjump"/>
           </p:cNvPr>
           <p:cNvSpPr/>
           <p:nvPr/>
@@ -15414,10 +15472,18 @@
           <a:p>
             <a:pPr algn="ctr"/>
             <a:r>
-              <a:rPr lang="ko-KR" altLang="en-US" dirty="0" smtClean="0"/>
+              <a:rPr lang="ko-KR" altLang="en-US" dirty="0" smtClean="0">
+                <a:solidFill>
+                  <a:schemeClr val="tx1"/>
+                </a:solidFill>
+              </a:rPr>
               <a:t>로그아웃</a:t>
             </a:r>
-            <a:endParaRPr lang="ko-KR" altLang="en-US" dirty="0"/>
+            <a:endParaRPr lang="ko-KR" altLang="en-US" dirty="0">
+              <a:solidFill>
+                <a:schemeClr val="tx1"/>
+              </a:solidFill>
+            </a:endParaRPr>
           </a:p>
         </p:txBody>
       </p:sp>
@@ -15478,7 +15544,17 @@
             </a:pPr>
             <a:r>
               <a:rPr lang="en-US" altLang="ko-KR" dirty="0" smtClean="0"/>
-              <a:t>    a1001		2019-04-15		  21,500</a:t>
+              <a:t>    </a:t>
+            </a:r>
+            <a:r>
+              <a:rPr lang="en-US" altLang="ko-KR" dirty="0" smtClean="0">
+                <a:hlinkClick r:id="rId3" action="ppaction://hlinksldjump"/>
+              </a:rPr>
+              <a:t>a1001</a:t>
+            </a:r>
+            <a:r>
+              <a:rPr lang="en-US" altLang="ko-KR" dirty="0" smtClean="0"/>
+              <a:t>		2019-04-15		  21,500</a:t>
             </a:r>
           </a:p>
           <a:p>
@@ -15487,7 +15563,17 @@
             </a:pPr>
             <a:r>
               <a:rPr lang="en-US" altLang="ko-KR" dirty="0" smtClean="0"/>
-              <a:t>    a1002		2019-05-01		  34,500</a:t>
+              <a:t>    </a:t>
+            </a:r>
+            <a:r>
+              <a:rPr lang="en-US" altLang="ko-KR" dirty="0" smtClean="0">
+                <a:hlinkClick r:id="rId3" action="ppaction://hlinksldjump"/>
+              </a:rPr>
+              <a:t>a1002</a:t>
+            </a:r>
+            <a:r>
+              <a:rPr lang="en-US" altLang="ko-KR" dirty="0" smtClean="0"/>
+              <a:t>		2019-05-01		  34,500</a:t>
             </a:r>
             <a:endParaRPr lang="ko-KR" altLang="en-US" dirty="0"/>
           </a:p>
@@ -15532,81 +15618,6 @@
       </p:grpSpPr>
       <p:sp>
         <p:nvSpPr>
-          <p:cNvPr id="7" name="모서리가 둥근 직사각형 6"/>
-          <p:cNvSpPr/>
-          <p:nvPr/>
-        </p:nvSpPr>
-        <p:spPr>
-          <a:xfrm>
-            <a:off x="2411760" y="258997"/>
-            <a:ext cx="4680000" cy="2160000"/>
-          </a:xfrm>
-          <a:prstGeom prst="roundRect">
-            <a:avLst/>
-          </a:prstGeom>
-          <a:ln/>
-        </p:spPr>
-        <p:style>
-          <a:lnRef idx="2">
-            <a:schemeClr val="accent2"/>
-          </a:lnRef>
-          <a:fillRef idx="1">
-            <a:schemeClr val="lt1"/>
-          </a:fillRef>
-          <a:effectRef idx="0">
-            <a:schemeClr val="accent2"/>
-          </a:effectRef>
-          <a:fontRef idx="minor">
-            <a:schemeClr val="dk1"/>
-          </a:fontRef>
-        </p:style>
-        <p:txBody>
-          <a:bodyPr rtlCol="0" anchor="ctr"/>
-          <a:lstStyle/>
-          <a:p>
-            <a:pPr algn="ctr"/>
-            <a:r>
-              <a:rPr lang="ko-KR" altLang="en-US" dirty="0" smtClean="0">
-                <a:solidFill>
-                  <a:schemeClr val="tx1"/>
-                </a:solidFill>
-              </a:rPr>
-              <a:t>송장이 </a:t>
-            </a:r>
-            <a:r>
-              <a:rPr lang="en-US" altLang="ko-KR" dirty="0" smtClean="0">
-                <a:solidFill>
-                  <a:schemeClr val="tx1"/>
-                </a:solidFill>
-              </a:rPr>
-              <a:t>CSV</a:t>
-            </a:r>
-            <a:r>
-              <a:rPr lang="ko-KR" altLang="en-US" dirty="0" smtClean="0">
-                <a:solidFill>
-                  <a:schemeClr val="tx1"/>
-                </a:solidFill>
-              </a:rPr>
-              <a:t>파일로 전송되었습니다</a:t>
-            </a:r>
-            <a:r>
-              <a:rPr lang="en-US" altLang="ko-KR" dirty="0" smtClean="0">
-                <a:solidFill>
-                  <a:schemeClr val="tx1"/>
-                </a:solidFill>
-              </a:rPr>
-              <a:t>.</a:t>
-            </a:r>
-            <a:endParaRPr lang="ko-KR" altLang="en-US" dirty="0">
-              <a:solidFill>
-                <a:schemeClr val="tx1"/>
-              </a:solidFill>
-            </a:endParaRPr>
-          </a:p>
-        </p:txBody>
-      </p:sp>
-      <p:sp>
-        <p:nvSpPr>
           <p:cNvPr id="3" name="모서리가 둥근 직사각형 2"/>
           <p:cNvSpPr/>
           <p:nvPr/>
@@ -15694,10 +15705,18 @@
           <a:p>
             <a:pPr algn="ctr"/>
             <a:r>
-              <a:rPr lang="ko-KR" altLang="en-US" dirty="0" smtClean="0"/>
+              <a:rPr lang="ko-KR" altLang="en-US" dirty="0" smtClean="0">
+                <a:solidFill>
+                  <a:schemeClr val="tx1"/>
+                </a:solidFill>
+              </a:rPr>
               <a:t>로그아웃</a:t>
             </a:r>
-            <a:endParaRPr lang="ko-KR" altLang="en-US" dirty="0"/>
+            <a:endParaRPr lang="ko-KR" altLang="en-US" dirty="0">
+              <a:solidFill>
+                <a:schemeClr val="tx1"/>
+              </a:solidFill>
+            </a:endParaRPr>
           </a:p>
         </p:txBody>
       </p:sp>
@@ -15751,60 +15770,6 @@
               <a:t>ShopMain</a:t>
             </a:r>
             <a:endParaRPr lang="en-US" altLang="ko-KR" dirty="0" smtClean="0">
-              <a:solidFill>
-                <a:schemeClr val="tx1"/>
-              </a:solidFill>
-            </a:endParaRPr>
-          </a:p>
-        </p:txBody>
-      </p:sp>
-      <p:sp>
-        <p:nvSpPr>
-          <p:cNvPr id="6" name="모서리가 둥근 직사각형 5">
-            <a:hlinkClick r:id="rId4" action="ppaction://hlinksldjump"/>
-          </p:cNvPr>
-          <p:cNvSpPr/>
-          <p:nvPr/>
-        </p:nvSpPr>
-        <p:spPr>
-          <a:xfrm>
-            <a:off x="1544312" y="5734224"/>
-            <a:ext cx="1980000" cy="612000"/>
-          </a:xfrm>
-          <a:prstGeom prst="roundRect">
-            <a:avLst/>
-          </a:prstGeom>
-        </p:spPr>
-        <p:style>
-          <a:lnRef idx="2">
-            <a:schemeClr val="accent2">
-              <a:shade val="50000"/>
-            </a:schemeClr>
-          </a:lnRef>
-          <a:fillRef idx="1">
-            <a:schemeClr val="accent2"/>
-          </a:fillRef>
-          <a:effectRef idx="0">
-            <a:schemeClr val="accent2"/>
-          </a:effectRef>
-          <a:fontRef idx="minor">
-            <a:schemeClr val="lt1"/>
-          </a:fontRef>
-        </p:style>
-        <p:txBody>
-          <a:bodyPr rtlCol="0" anchor="ctr"/>
-          <a:lstStyle/>
-          <a:p>
-            <a:pPr algn="ctr"/>
-            <a:r>
-              <a:rPr lang="ko-KR" altLang="en-US" dirty="0" smtClean="0">
-                <a:solidFill>
-                  <a:schemeClr val="tx1"/>
-                </a:solidFill>
-              </a:rPr>
-              <a:t>전체 송장 목록</a:t>
-            </a:r>
-            <a:endParaRPr lang="ko-KR" altLang="en-US" dirty="0">
               <a:solidFill>
                 <a:schemeClr val="tx1"/>
               </a:solidFill>
@@ -16423,6 +16388,135 @@
           </p:txBody>
         </p:sp>
       </p:grpSp>
+      <p:sp>
+        <p:nvSpPr>
+          <p:cNvPr id="21" name="모서리가 둥근 직사각형 20">
+            <a:hlinkClick r:id="rId4" action="ppaction://hlinksldjump"/>
+          </p:cNvPr>
+          <p:cNvSpPr/>
+          <p:nvPr/>
+        </p:nvSpPr>
+        <p:spPr>
+          <a:xfrm>
+            <a:off x="6948264" y="5733256"/>
+            <a:ext cx="1512168" cy="524381"/>
+          </a:xfrm>
+          <a:prstGeom prst="roundRect">
+            <a:avLst/>
+          </a:prstGeom>
+        </p:spPr>
+        <p:style>
+          <a:lnRef idx="2">
+            <a:schemeClr val="accent2">
+              <a:shade val="50000"/>
+            </a:schemeClr>
+          </a:lnRef>
+          <a:fillRef idx="1">
+            <a:schemeClr val="accent2"/>
+          </a:fillRef>
+          <a:effectRef idx="0">
+            <a:schemeClr val="accent2"/>
+          </a:effectRef>
+          <a:fontRef idx="minor">
+            <a:schemeClr val="lt1"/>
+          </a:fontRef>
+        </p:style>
+        <p:txBody>
+          <a:bodyPr rtlCol="0" anchor="ctr"/>
+          <a:lstStyle/>
+          <a:p>
+            <a:pPr algn="ctr"/>
+            <a:r>
+              <a:rPr lang="ko-KR" altLang="en-US" dirty="0" err="1" smtClean="0">
+                <a:solidFill>
+                  <a:schemeClr val="tx1"/>
+                </a:solidFill>
+              </a:rPr>
+              <a:t>뒤로가기</a:t>
+            </a:r>
+            <a:endParaRPr lang="ko-KR" altLang="en-US" dirty="0">
+              <a:solidFill>
+                <a:schemeClr val="tx1"/>
+              </a:solidFill>
+            </a:endParaRPr>
+          </a:p>
+        </p:txBody>
+      </p:sp>
+      <p:sp>
+        <p:nvSpPr>
+          <p:cNvPr id="7" name="모서리가 둥근 직사각형 6"/>
+          <p:cNvSpPr/>
+          <p:nvPr/>
+        </p:nvSpPr>
+        <p:spPr>
+          <a:xfrm>
+            <a:off x="2411760" y="258997"/>
+            <a:ext cx="4680000" cy="2160000"/>
+          </a:xfrm>
+          <a:prstGeom prst="roundRect">
+            <a:avLst/>
+          </a:prstGeom>
+          <a:ln/>
+        </p:spPr>
+        <p:style>
+          <a:lnRef idx="2">
+            <a:schemeClr val="accent2"/>
+          </a:lnRef>
+          <a:fillRef idx="1">
+            <a:schemeClr val="lt1"/>
+          </a:fillRef>
+          <a:effectRef idx="0">
+            <a:schemeClr val="accent2"/>
+          </a:effectRef>
+          <a:fontRef idx="minor">
+            <a:schemeClr val="dk1"/>
+          </a:fontRef>
+        </p:style>
+        <p:txBody>
+          <a:bodyPr rtlCol="0" anchor="ctr"/>
+          <a:lstStyle/>
+          <a:p>
+            <a:pPr algn="ctr"/>
+            <a:r>
+              <a:rPr lang="ko-KR" altLang="en-US" dirty="0" smtClean="0">
+                <a:solidFill>
+                  <a:schemeClr val="tx1"/>
+                </a:solidFill>
+              </a:rPr>
+              <a:t>송장이 </a:t>
+            </a:r>
+            <a:r>
+              <a:rPr lang="en-US" altLang="ko-KR" dirty="0" smtClean="0">
+                <a:solidFill>
+                  <a:schemeClr val="tx1"/>
+                </a:solidFill>
+              </a:rPr>
+              <a:t>CSV</a:t>
+            </a:r>
+            <a:r>
+              <a:rPr lang="ko-KR" altLang="en-US" dirty="0" smtClean="0">
+                <a:solidFill>
+                  <a:schemeClr val="tx1"/>
+                </a:solidFill>
+              </a:rPr>
+              <a:t>파일로 전송되었습니다</a:t>
+            </a:r>
+            <a:r>
+              <a:rPr lang="en-US" altLang="ko-KR" dirty="0" smtClean="0">
+                <a:solidFill>
+                  <a:schemeClr val="tx1"/>
+                </a:solidFill>
+              </a:rPr>
+              <a:t>.</a:t>
+            </a:r>
+            <a:endParaRPr lang="ko-KR" altLang="en-US" dirty="0">
+              <a:solidFill>
+                <a:schemeClr val="tx1"/>
+              </a:solidFill>
+            </a:endParaRPr>
+          </a:p>
+        </p:txBody>
+      </p:sp>
     </p:spTree>
     <p:extLst>
       <p:ext uri="{BB962C8B-B14F-4D97-AF65-F5344CB8AC3E}">
@@ -16660,54 +16754,8 @@
       </p:grpSpPr>
       <p:sp>
         <p:nvSpPr>
-          <p:cNvPr id="5" name="모서리가 둥근 직사각형 4">
+          <p:cNvPr id="6" name="모서리가 둥근 직사각형 5">
             <a:hlinkClick r:id="rId2" action="ppaction://hlinksldjump"/>
-          </p:cNvPr>
-          <p:cNvSpPr/>
-          <p:nvPr/>
-        </p:nvSpPr>
-        <p:spPr>
-          <a:xfrm>
-            <a:off x="6840432" y="5744748"/>
-            <a:ext cx="1620000" cy="612000"/>
-          </a:xfrm>
-          <a:prstGeom prst="roundRect">
-            <a:avLst/>
-          </a:prstGeom>
-        </p:spPr>
-        <p:style>
-          <a:lnRef idx="2">
-            <a:schemeClr val="accent2">
-              <a:shade val="50000"/>
-            </a:schemeClr>
-          </a:lnRef>
-          <a:fillRef idx="1">
-            <a:schemeClr val="accent2"/>
-          </a:fillRef>
-          <a:effectRef idx="0">
-            <a:schemeClr val="accent2"/>
-          </a:effectRef>
-          <a:fontRef idx="minor">
-            <a:schemeClr val="lt1"/>
-          </a:fontRef>
-        </p:style>
-        <p:txBody>
-          <a:bodyPr rtlCol="0" anchor="ctr"/>
-          <a:lstStyle/>
-          <a:p>
-            <a:pPr algn="ctr"/>
-            <a:r>
-              <a:rPr lang="ko-KR" altLang="en-US" dirty="0" err="1" smtClean="0"/>
-              <a:t>뒤로가기</a:t>
-            </a:r>
-            <a:endParaRPr lang="ko-KR" altLang="en-US" dirty="0"/>
-          </a:p>
-        </p:txBody>
-      </p:sp>
-      <p:sp>
-        <p:nvSpPr>
-          <p:cNvPr id="6" name="모서리가 둥근 직사각형 5">
-            <a:hlinkClick r:id="rId3" action="ppaction://hlinksldjump"/>
           </p:cNvPr>
           <p:cNvSpPr/>
           <p:nvPr/>
@@ -16743,10 +16791,18 @@
           <a:p>
             <a:pPr algn="ctr"/>
             <a:r>
-              <a:rPr lang="ko-KR" altLang="en-US" dirty="0" smtClean="0"/>
+              <a:rPr lang="ko-KR" altLang="en-US" dirty="0" smtClean="0">
+                <a:solidFill>
+                  <a:schemeClr val="tx1"/>
+                </a:solidFill>
+              </a:rPr>
               <a:t>로그아웃</a:t>
             </a:r>
-            <a:endParaRPr lang="ko-KR" altLang="en-US" dirty="0"/>
+            <a:endParaRPr lang="ko-KR" altLang="en-US" dirty="0">
+              <a:solidFill>
+                <a:schemeClr val="tx1"/>
+              </a:solidFill>
+            </a:endParaRPr>
           </a:p>
         </p:txBody>
       </p:sp>
@@ -16759,7 +16815,7 @@
         <p:spPr>
           <a:xfrm>
             <a:off x="1403648" y="1176427"/>
-            <a:ext cx="7056784" cy="4268797"/>
+            <a:ext cx="7056784" cy="5276909"/>
           </a:xfrm>
           <a:prstGeom prst="roundRect">
             <a:avLst/>
@@ -16887,7 +16943,7 @@
         </p:nvSpPr>
         <p:spPr>
           <a:xfrm>
-            <a:off x="4644008" y="4981818"/>
+            <a:off x="4640491" y="5877272"/>
             <a:ext cx="720080" cy="369332"/>
           </a:xfrm>
           <a:prstGeom prst="rect">
@@ -16918,9 +16974,9 @@
         <p:grpSpPr>
           <a:xfrm>
             <a:off x="1628055" y="2211321"/>
-            <a:ext cx="6712626" cy="1412793"/>
+            <a:ext cx="6472337" cy="1385333"/>
             <a:chOff x="1475655" y="2058921"/>
-            <a:chExt cx="6712626" cy="1412793"/>
+            <a:chExt cx="6472337" cy="1385333"/>
           </a:xfrm>
         </p:grpSpPr>
         <p:sp>
@@ -16932,7 +16988,7 @@
           <p:spPr>
             <a:xfrm>
               <a:off x="1475655" y="2058921"/>
-              <a:ext cx="2968209" cy="1169551"/>
+              <a:ext cx="2968209" cy="954107"/>
             </a:xfrm>
             <a:prstGeom prst="rect">
               <a:avLst/>
@@ -16954,7 +17010,17 @@
               </a:r>
               <a:r>
                 <a:rPr lang="en-US" altLang="ko-KR" sz="1400" dirty="0" smtClean="0"/>
-                <a:t>   b1021	   </a:t>
+                <a:t>   </a:t>
+              </a:r>
+              <a:r>
+                <a:rPr lang="en-US" altLang="ko-KR" sz="1400" dirty="0" smtClean="0">
+                  <a:hlinkClick r:id="rId3" action="ppaction://hlinksldjump"/>
+                </a:rPr>
+                <a:t>b1021</a:t>
+              </a:r>
+              <a:r>
+                <a:rPr lang="en-US" altLang="ko-KR" sz="1400" dirty="0" smtClean="0"/>
+                <a:t>	   </a:t>
               </a:r>
               <a:r>
                 <a:rPr lang="ko-KR" altLang="en-US" sz="1400" dirty="0" err="1" smtClean="0"/>
@@ -16972,67 +17038,80 @@
               </a:r>
               <a:r>
                 <a:rPr lang="en-US" altLang="ko-KR" sz="1400" dirty="0" smtClean="0"/>
-                <a:t>   c1007                    </a:t>
+                <a:t>   </a:t>
               </a:r>
               <a:r>
-                <a:rPr lang="ko-KR" altLang="en-US" sz="1400" dirty="0" err="1"/>
-                <a:t>댕</a:t>
+                <a:rPr lang="en-US" altLang="ko-KR" sz="1400" dirty="0" smtClean="0">
+                  <a:hlinkClick r:id="rId3" action="ppaction://hlinksldjump"/>
+                </a:rPr>
+                <a:t>c1007</a:t>
+              </a:r>
+              <a:r>
+                <a:rPr lang="en-US" altLang="ko-KR" sz="1400" dirty="0" smtClean="0"/>
+                <a:t>                    </a:t>
               </a:r>
               <a:r>
                 <a:rPr lang="ko-KR" altLang="en-US" sz="1400" dirty="0" err="1" smtClean="0"/>
-                <a:t>댕이</a:t>
+                <a:t>댕댕이</a:t>
+              </a:r>
+              <a:endParaRPr lang="en-US" altLang="ko-KR" sz="1400" dirty="0" smtClean="0"/>
+            </a:p>
+            <a:p>
+              <a:pPr marL="342900" indent="-342900">
+                <a:buFontTx/>
+                <a:buAutoNum type="arabicPeriod"/>
+              </a:pPr>
+              <a:r>
+                <a:rPr lang="en-US" altLang="ko-KR" sz="1400" dirty="0" smtClean="0"/>
+                <a:t>    </a:t>
+              </a:r>
+              <a:r>
+                <a:rPr lang="en-US" altLang="ko-KR" sz="1400" dirty="0" smtClean="0">
+                  <a:hlinkClick r:id="rId3" action="ppaction://hlinksldjump"/>
+                </a:rPr>
+                <a:t>a1001</a:t>
+              </a:r>
+              <a:r>
+                <a:rPr lang="en-US" altLang="ko-KR" sz="1400" dirty="0"/>
+                <a:t>	   </a:t>
+              </a:r>
+              <a:r>
+                <a:rPr lang="ko-KR" altLang="en-US" sz="1400" dirty="0"/>
+                <a:t>파이선 </a:t>
+              </a:r>
+              <a:endParaRPr lang="en-US" altLang="ko-KR" sz="1400" dirty="0"/>
+            </a:p>
+            <a:p>
+              <a:pPr marL="342900" indent="-342900">
+                <a:buFontTx/>
+                <a:buAutoNum type="arabicPeriod"/>
+              </a:pPr>
+              <a:r>
+                <a:rPr lang="en-US" altLang="ko-KR" sz="1400" dirty="0" smtClean="0"/>
+                <a:t>    </a:t>
+              </a:r>
+              <a:r>
+                <a:rPr lang="en-US" altLang="ko-KR" sz="1400" dirty="0" smtClean="0">
+                  <a:hlinkClick r:id="rId3" action="ppaction://hlinksldjump"/>
+                </a:rPr>
+                <a:t>a1002</a:t>
+              </a:r>
+              <a:r>
+                <a:rPr lang="en-US" altLang="ko-KR" sz="1400" dirty="0" smtClean="0"/>
+                <a:t>   </a:t>
+              </a:r>
+              <a:r>
+                <a:rPr lang="en-US" altLang="ko-KR" sz="1400" dirty="0"/>
+                <a:t>	   </a:t>
+              </a:r>
+              <a:r>
+                <a:rPr lang="ko-KR" altLang="en-US" sz="1400" dirty="0" err="1" smtClean="0"/>
+                <a:t>김자바</a:t>
               </a:r>
               <a:r>
                 <a:rPr lang="en-US" altLang="ko-KR" sz="1400" dirty="0" smtClean="0"/>
                 <a:t>	 </a:t>
               </a:r>
-            </a:p>
-            <a:p>
-              <a:pPr marL="342900" indent="-342900">
-                <a:buAutoNum type="arabicPeriod"/>
-              </a:pPr>
-              <a:r>
-                <a:rPr lang="en-US" altLang="ko-KR" sz="1400" dirty="0"/>
-                <a:t> </a:t>
-              </a:r>
-              <a:r>
-                <a:rPr lang="en-US" altLang="ko-KR" sz="1400" dirty="0" smtClean="0"/>
-                <a:t>   a1001	   </a:t>
-              </a:r>
-              <a:r>
-                <a:rPr lang="ko-KR" altLang="en-US" sz="1400" dirty="0" smtClean="0"/>
-                <a:t>파이</a:t>
-              </a:r>
-              <a:r>
-                <a:rPr lang="ko-KR" altLang="en-US" sz="1400" dirty="0"/>
-                <a:t>선</a:t>
-              </a:r>
-              <a:r>
-                <a:rPr lang="ko-KR" altLang="en-US" sz="1400" dirty="0" smtClean="0"/>
-                <a:t> </a:t>
-              </a:r>
-              <a:endParaRPr lang="en-US" altLang="ko-KR" sz="1400" dirty="0" smtClean="0"/>
-            </a:p>
-            <a:p>
-              <a:pPr marL="342900" indent="-342900">
-                <a:buAutoNum type="arabicPeriod"/>
-              </a:pPr>
-              <a:r>
-                <a:rPr lang="en-US" altLang="ko-KR" sz="1400" dirty="0"/>
-                <a:t> </a:t>
-              </a:r>
-              <a:r>
-                <a:rPr lang="en-US" altLang="ko-KR" sz="1400" dirty="0" smtClean="0"/>
-                <a:t>   a1002	   </a:t>
-              </a:r>
-              <a:r>
-                <a:rPr lang="ko-KR" altLang="en-US" sz="1400" dirty="0" err="1" smtClean="0"/>
-                <a:t>김자바</a:t>
-              </a:r>
-              <a:endParaRPr lang="en-US" altLang="ko-KR" sz="1400" dirty="0" smtClean="0"/>
-            </a:p>
-            <a:p>
-              <a:endParaRPr lang="ko-KR" altLang="en-US" sz="1400" dirty="0"/>
             </a:p>
           </p:txBody>
         </p:sp>
@@ -17044,7 +17123,7 @@
           </p:nvSpPr>
           <p:spPr>
             <a:xfrm>
-              <a:off x="4443865" y="2086719"/>
+              <a:off x="4203576" y="2059259"/>
               <a:ext cx="3744416" cy="1384995"/>
             </a:xfrm>
             <a:prstGeom prst="rect">
@@ -17278,97 +17357,13 @@
       </p:grpSpPr>
       <p:sp>
         <p:nvSpPr>
-          <p:cNvPr id="25" name="모서리가 둥근 직사각형 24"/>
-          <p:cNvSpPr/>
-          <p:nvPr/>
-        </p:nvSpPr>
-        <p:spPr>
-          <a:xfrm>
-            <a:off x="2575571" y="369332"/>
-            <a:ext cx="4680000" cy="2160000"/>
-          </a:xfrm>
-          <a:prstGeom prst="roundRect">
-            <a:avLst/>
-          </a:prstGeom>
-          <a:solidFill>
-            <a:schemeClr val="bg1"/>
-          </a:solidFill>
-          <a:ln>
-            <a:solidFill>
-              <a:schemeClr val="accent2"/>
-            </a:solidFill>
-          </a:ln>
-        </p:spPr>
-        <p:style>
-          <a:lnRef idx="2">
-            <a:schemeClr val="accent1">
-              <a:shade val="50000"/>
-            </a:schemeClr>
-          </a:lnRef>
-          <a:fillRef idx="1">
-            <a:schemeClr val="accent1"/>
-          </a:fillRef>
-          <a:effectRef idx="0">
-            <a:schemeClr val="accent1"/>
-          </a:effectRef>
-          <a:fontRef idx="minor">
-            <a:schemeClr val="lt1"/>
-          </a:fontRef>
-        </p:style>
-        <p:txBody>
-          <a:bodyPr rtlCol="0" anchor="ctr"/>
-          <a:lstStyle/>
-          <a:p>
-            <a:pPr algn="ctr"/>
-            <a:r>
-              <a:rPr lang="ko-KR" altLang="en-US" dirty="0" smtClean="0">
-                <a:solidFill>
-                  <a:schemeClr val="tx1"/>
-                </a:solidFill>
-              </a:rPr>
-              <a:t>송장이 </a:t>
-            </a:r>
-            <a:r>
-              <a:rPr lang="en-US" altLang="ko-KR" dirty="0" smtClean="0">
-                <a:solidFill>
-                  <a:schemeClr val="tx1"/>
-                </a:solidFill>
-              </a:rPr>
-              <a:t>CSV</a:t>
-            </a:r>
-            <a:r>
-              <a:rPr lang="ko-KR" altLang="en-US" dirty="0" smtClean="0">
-                <a:solidFill>
-                  <a:schemeClr val="tx1"/>
-                </a:solidFill>
-              </a:rPr>
-              <a:t>파일로 다운로드 되었습니다</a:t>
-            </a:r>
-            <a:r>
-              <a:rPr lang="en-US" altLang="ko-KR" dirty="0" smtClean="0">
-                <a:solidFill>
-                  <a:schemeClr val="tx1"/>
-                </a:solidFill>
-              </a:rPr>
-              <a:t>.</a:t>
-            </a:r>
-            <a:endParaRPr lang="ko-KR" altLang="en-US" dirty="0">
-              <a:solidFill>
-                <a:schemeClr val="tx1"/>
-              </a:solidFill>
-            </a:endParaRPr>
-          </a:p>
-        </p:txBody>
-      </p:sp>
-      <p:sp>
-        <p:nvSpPr>
           <p:cNvPr id="2" name="모서리가 둥근 직사각형 1"/>
           <p:cNvSpPr/>
           <p:nvPr/>
         </p:nvSpPr>
         <p:spPr>
           <a:xfrm>
-            <a:off x="3946513" y="5855619"/>
+            <a:off x="4192372" y="5744748"/>
             <a:ext cx="1800000" cy="612000"/>
           </a:xfrm>
           <a:prstGeom prst="roundRect">
@@ -17397,26 +17392,50 @@
           <a:p>
             <a:pPr algn="ctr"/>
             <a:r>
-              <a:rPr lang="ko-KR" altLang="en-US" dirty="0" smtClean="0"/>
+              <a:rPr lang="ko-KR" altLang="en-US" dirty="0" smtClean="0">
+                <a:solidFill>
+                  <a:schemeClr val="tx1"/>
+                </a:solidFill>
+              </a:rPr>
               <a:t>송장 </a:t>
             </a:r>
             <a:r>
-              <a:rPr lang="en-US" altLang="ko-KR" dirty="0" smtClean="0"/>
+              <a:rPr lang="en-US" altLang="ko-KR" dirty="0" smtClean="0">
+                <a:solidFill>
+                  <a:schemeClr val="tx1"/>
+                </a:solidFill>
+              </a:rPr>
               <a:t>CSV</a:t>
             </a:r>
             <a:r>
-              <a:rPr lang="ko-KR" altLang="en-US" dirty="0" smtClean="0"/>
+              <a:rPr lang="ko-KR" altLang="en-US" dirty="0" smtClean="0">
+                <a:solidFill>
+                  <a:schemeClr val="tx1"/>
+                </a:solidFill>
+              </a:rPr>
               <a:t> </a:t>
             </a:r>
-            <a:endParaRPr lang="en-US" altLang="ko-KR" dirty="0" smtClean="0"/>
+            <a:endParaRPr lang="en-US" altLang="ko-KR" dirty="0" smtClean="0">
+              <a:solidFill>
+                <a:schemeClr val="tx1"/>
+              </a:solidFill>
+            </a:endParaRPr>
           </a:p>
           <a:p>
             <a:pPr algn="ctr"/>
             <a:r>
-              <a:rPr lang="ko-KR" altLang="en-US" dirty="0" smtClean="0"/>
+              <a:rPr lang="ko-KR" altLang="en-US" dirty="0" smtClean="0">
+                <a:solidFill>
+                  <a:schemeClr val="tx1"/>
+                </a:solidFill>
+              </a:rPr>
               <a:t>다운로드</a:t>
             </a:r>
-            <a:endParaRPr lang="ko-KR" altLang="en-US" dirty="0"/>
+            <a:endParaRPr lang="ko-KR" altLang="en-US" dirty="0">
+              <a:solidFill>
+                <a:schemeClr val="tx1"/>
+              </a:solidFill>
+            </a:endParaRPr>
           </a:p>
         </p:txBody>
       </p:sp>
@@ -17459,10 +17478,18 @@
           <a:p>
             <a:pPr algn="ctr"/>
             <a:r>
-              <a:rPr lang="ko-KR" altLang="en-US" dirty="0" smtClean="0"/>
+              <a:rPr lang="ko-KR" altLang="en-US" dirty="0" smtClean="0">
+                <a:solidFill>
+                  <a:schemeClr val="tx1"/>
+                </a:solidFill>
+              </a:rPr>
               <a:t>로그아웃</a:t>
             </a:r>
-            <a:endParaRPr lang="ko-KR" altLang="en-US" dirty="0"/>
+            <a:endParaRPr lang="ko-KR" altLang="en-US" dirty="0">
+              <a:solidFill>
+                <a:schemeClr val="tx1"/>
+              </a:solidFill>
+            </a:endParaRPr>
           </a:p>
         </p:txBody>
       </p:sp>
@@ -17496,50 +17523,6 @@
               <a:rPr lang="en-US" altLang="ko-KR" dirty="0" smtClean="0"/>
               <a:t>ransport</a:t>
             </a:r>
-          </a:p>
-        </p:txBody>
-      </p:sp>
-      <p:sp>
-        <p:nvSpPr>
-          <p:cNvPr id="7" name="모서리가 둥근 직사각형 6"/>
-          <p:cNvSpPr/>
-          <p:nvPr/>
-        </p:nvSpPr>
-        <p:spPr>
-          <a:xfrm>
-            <a:off x="1547664" y="5869394"/>
-            <a:ext cx="1800000" cy="612000"/>
-          </a:xfrm>
-          <a:prstGeom prst="roundRect">
-            <a:avLst/>
-          </a:prstGeom>
-        </p:spPr>
-        <p:style>
-          <a:lnRef idx="2">
-            <a:schemeClr val="accent2">
-              <a:shade val="50000"/>
-            </a:schemeClr>
-          </a:lnRef>
-          <a:fillRef idx="1">
-            <a:schemeClr val="accent2"/>
-          </a:fillRef>
-          <a:effectRef idx="0">
-            <a:schemeClr val="accent2"/>
-          </a:effectRef>
-          <a:fontRef idx="minor">
-            <a:schemeClr val="lt1"/>
-          </a:fontRef>
-        </p:style>
-        <p:txBody>
-          <a:bodyPr rtlCol="0" anchor="ctr"/>
-          <a:lstStyle/>
-          <a:p>
-            <a:pPr algn="ctr"/>
-            <a:r>
-              <a:rPr lang="ko-KR" altLang="en-US" dirty="0" smtClean="0"/>
-              <a:t>월별 배송목록</a:t>
-            </a:r>
-            <a:endParaRPr lang="ko-KR" altLang="en-US" dirty="0"/>
           </a:p>
         </p:txBody>
       </p:sp>
@@ -17855,6 +17838,144 @@
               <a:buAutoNum type="arabicPeriod"/>
             </a:pPr>
             <a:endParaRPr lang="ko-KR" altLang="en-US" sz="1400" dirty="0"/>
+          </a:p>
+        </p:txBody>
+      </p:sp>
+      <p:sp>
+        <p:nvSpPr>
+          <p:cNvPr id="16" name="모서리가 둥근 직사각형 15">
+            <a:hlinkClick r:id="rId3" action="ppaction://hlinksldjump"/>
+          </p:cNvPr>
+          <p:cNvSpPr/>
+          <p:nvPr/>
+        </p:nvSpPr>
+        <p:spPr>
+          <a:xfrm>
+            <a:off x="6840432" y="5744748"/>
+            <a:ext cx="1620000" cy="612000"/>
+          </a:xfrm>
+          <a:prstGeom prst="roundRect">
+            <a:avLst/>
+          </a:prstGeom>
+        </p:spPr>
+        <p:style>
+          <a:lnRef idx="2">
+            <a:schemeClr val="accent2">
+              <a:shade val="50000"/>
+            </a:schemeClr>
+          </a:lnRef>
+          <a:fillRef idx="1">
+            <a:schemeClr val="accent2"/>
+          </a:fillRef>
+          <a:effectRef idx="0">
+            <a:schemeClr val="accent2"/>
+          </a:effectRef>
+          <a:fontRef idx="minor">
+            <a:schemeClr val="lt1"/>
+          </a:fontRef>
+        </p:style>
+        <p:txBody>
+          <a:bodyPr rtlCol="0" anchor="ctr"/>
+          <a:lstStyle/>
+          <a:p>
+            <a:pPr algn="ctr"/>
+            <a:r>
+              <a:rPr lang="ko-KR" altLang="en-US" dirty="0" err="1" smtClean="0">
+                <a:solidFill>
+                  <a:schemeClr val="tx1"/>
+                </a:solidFill>
+              </a:rPr>
+              <a:t>뒤로가기</a:t>
+            </a:r>
+            <a:endParaRPr lang="ko-KR" altLang="en-US" dirty="0">
+              <a:solidFill>
+                <a:schemeClr val="tx1"/>
+              </a:solidFill>
+            </a:endParaRPr>
+          </a:p>
+        </p:txBody>
+      </p:sp>
+      <p:sp>
+        <p:nvSpPr>
+          <p:cNvPr id="25" name="모서리가 둥근 직사각형 24"/>
+          <p:cNvSpPr/>
+          <p:nvPr/>
+        </p:nvSpPr>
+        <p:spPr>
+          <a:xfrm>
+            <a:off x="2575571" y="369332"/>
+            <a:ext cx="4680000" cy="2160000"/>
+          </a:xfrm>
+          <a:prstGeom prst="roundRect">
+            <a:avLst/>
+          </a:prstGeom>
+          <a:solidFill>
+            <a:schemeClr val="bg1"/>
+          </a:solidFill>
+          <a:ln>
+            <a:solidFill>
+              <a:schemeClr val="accent2"/>
+            </a:solidFill>
+          </a:ln>
+        </p:spPr>
+        <p:style>
+          <a:lnRef idx="2">
+            <a:schemeClr val="accent1">
+              <a:shade val="50000"/>
+            </a:schemeClr>
+          </a:lnRef>
+          <a:fillRef idx="1">
+            <a:schemeClr val="accent1"/>
+          </a:fillRef>
+          <a:effectRef idx="0">
+            <a:schemeClr val="accent1"/>
+          </a:effectRef>
+          <a:fontRef idx="minor">
+            <a:schemeClr val="lt1"/>
+          </a:fontRef>
+        </p:style>
+        <p:txBody>
+          <a:bodyPr rtlCol="0" anchor="ctr"/>
+          <a:lstStyle/>
+          <a:p>
+            <a:pPr algn="ctr"/>
+            <a:r>
+              <a:rPr lang="ko-KR" altLang="en-US" dirty="0" smtClean="0">
+                <a:solidFill>
+                  <a:schemeClr val="tx1"/>
+                </a:solidFill>
+              </a:rPr>
+              <a:t>송장이 </a:t>
+            </a:r>
+            <a:r>
+              <a:rPr lang="en-US" altLang="ko-KR" dirty="0" smtClean="0">
+                <a:solidFill>
+                  <a:schemeClr val="tx1"/>
+                </a:solidFill>
+              </a:rPr>
+              <a:t>CSV</a:t>
+            </a:r>
+            <a:r>
+              <a:rPr lang="ko-KR" altLang="en-US" dirty="0" smtClean="0">
+                <a:solidFill>
+                  <a:schemeClr val="tx1"/>
+                </a:solidFill>
+              </a:rPr>
+              <a:t>파일로 다운로드 되었습니다</a:t>
+            </a:r>
+            <a:r>
+              <a:rPr lang="en-US" altLang="ko-KR" dirty="0" smtClean="0">
+                <a:solidFill>
+                  <a:schemeClr val="tx1"/>
+                </a:solidFill>
+              </a:rPr>
+              <a:t>.</a:t>
+            </a:r>
+            <a:endParaRPr lang="ko-KR" altLang="en-US" dirty="0">
+              <a:solidFill>
+                <a:schemeClr val="tx1"/>
+              </a:solidFill>
+            </a:endParaRPr>
           </a:p>
         </p:txBody>
       </p:sp>

--- a/프레젠테이션1.pptx
+++ b/프레젠테이션1.pptx
@@ -10,7 +10,7 @@
   <p:sldIdLst>
     <p:sldId id="256" r:id="rId2"/>
     <p:sldId id="257" r:id="rId3"/>
-    <p:sldId id="269" r:id="rId4"/>
+    <p:sldId id="270" r:id="rId4"/>
     <p:sldId id="264" r:id="rId5"/>
     <p:sldId id="267" r:id="rId6"/>
     <p:sldId id="265" r:id="rId7"/>
@@ -125,7 +125,7 @@
           <p14:sldIdLst>
             <p14:sldId id="256"/>
             <p14:sldId id="257"/>
-            <p14:sldId id="269"/>
+            <p14:sldId id="270"/>
             <p14:sldId id="264"/>
             <p14:sldId id="267"/>
           </p14:sldIdLst>
@@ -4651,10 +4651,6 @@
               <a:rPr lang="en-US" altLang="ko-KR" dirty="0" smtClean="0"/>
               <a:t>Blue Company</a:t>
             </a:r>
-            <a:r>
-              <a:rPr lang="en-US" altLang="ko-KR" dirty="0" smtClean="0"/>
-              <a:t/>
-            </a:r>
             <a:br>
               <a:rPr lang="en-US" altLang="ko-KR" dirty="0" smtClean="0"/>
             </a:br>
@@ -13035,14 +13031,14 @@
           <p:nvPr>
             <p:extLst>
               <p:ext uri="{D42A27DB-BD31-4B8C-83A1-F6EECF244321}">
-                <p14:modId xmlns:p14="http://schemas.microsoft.com/office/powerpoint/2010/main" val="492738978"/>
+                <p14:modId xmlns:p14="http://schemas.microsoft.com/office/powerpoint/2010/main" val="1160053351"/>
               </p:ext>
             </p:extLst>
           </p:nvPr>
         </p:nvGraphicFramePr>
         <p:xfrm>
-          <a:off x="1259632" y="247214"/>
-          <a:ext cx="7632848" cy="6378705"/>
+          <a:off x="1115616" y="116632"/>
+          <a:ext cx="7920880" cy="6631092"/>
         </p:xfrm>
         <a:graphic>
           <a:graphicData uri="http://schemas.openxmlformats.org/drawingml/2006/table">
@@ -13051,12 +13047,12 @@
                 <a:tableStyleId>{21E4AEA4-8DFA-4A89-87EB-49C32662AFE0}</a:tableStyleId>
               </a:tblPr>
               <a:tblGrid>
-                <a:gridCol w="1908212"/>
-                <a:gridCol w="1908212"/>
-                <a:gridCol w="1908212"/>
-                <a:gridCol w="1908212"/>
+                <a:gridCol w="1980220"/>
+                <a:gridCol w="1980220"/>
+                <a:gridCol w="2092308"/>
+                <a:gridCol w="1868132"/>
               </a:tblGrid>
-              <a:tr h="928269">
+              <a:tr h="926253">
                 <a:tc>
                   <a:txBody>
                     <a:bodyPr/>
@@ -13093,6 +13089,10 @@
                     <a:lstStyle/>
                     <a:p>
                       <a:pPr algn="ctr" latinLnBrk="1"/>
+                      <a:r>
+                        <a:rPr lang="ko-KR" altLang="en-US" dirty="0" smtClean="0"/>
+                        <a:t>송장</a:t>
+                      </a:r>
                       <a:endParaRPr lang="ko-KR" altLang="en-US" dirty="0"/>
                     </a:p>
                   </a:txBody>
@@ -13104,13 +13104,17 @@
                     <a:lstStyle/>
                     <a:p>
                       <a:pPr algn="ctr" latinLnBrk="1"/>
+                      <a:r>
+                        <a:rPr lang="ko-KR" altLang="en-US" dirty="0" smtClean="0"/>
+                        <a:t>고객정보</a:t>
+                      </a:r>
                       <a:endParaRPr lang="ko-KR" altLang="en-US" dirty="0"/>
                     </a:p>
                   </a:txBody>
                   <a:tcPr anchor="ctr"/>
                 </a:tc>
               </a:tr>
-              <a:tr h="928269">
+              <a:tr h="926253">
                 <a:tc>
                   <a:txBody>
                     <a:bodyPr/>
@@ -13145,11 +13149,12 @@
                     <a:bodyPr/>
                     <a:lstStyle/>
                     <a:p>
-                      <a:pPr algn="ctr" latinLnBrk="1"/>
+                      <a:pPr algn="ctr"/>
                       <a:r>
                         <a:rPr lang="en-US" altLang="ko-KR" dirty="0" smtClean="0"/>
-                        <a:t>customer</a:t>
+                        <a:t>invoice</a:t>
                       </a:r>
+                      <a:endParaRPr lang="ko-KR" altLang="en-US" dirty="0"/>
                     </a:p>
                   </a:txBody>
                   <a:tcPr anchor="ctr"/>
@@ -13159,17 +13164,18 @@
                     <a:bodyPr/>
                     <a:lstStyle/>
                     <a:p>
-                      <a:pPr algn="ctr" latinLnBrk="1"/>
+                      <a:pPr algn="ctr"/>
                       <a:r>
                         <a:rPr lang="en-US" altLang="ko-KR" dirty="0" smtClean="0"/>
-                        <a:t>invoice</a:t>
+                        <a:t>customer</a:t>
                       </a:r>
+                      <a:endParaRPr lang="ko-KR" altLang="en-US" dirty="0"/>
                     </a:p>
                   </a:txBody>
                   <a:tcPr anchor="ctr"/>
                 </a:tc>
               </a:tr>
-              <a:tr h="1708792">
+              <a:tr h="1733587">
                 <a:tc>
                   <a:txBody>
                     <a:bodyPr/>
@@ -13177,31 +13183,7 @@
                     <a:p>
                       <a:pPr algn="l" latinLnBrk="1"/>
                       <a:r>
-                        <a:rPr lang="en-US" altLang="ko-KR" dirty="0" smtClean="0">
-                          <a:solidFill>
-                            <a:schemeClr val="tx1"/>
-                          </a:solidFill>
-                        </a:rPr>
-                        <a:t>(S)</a:t>
-                      </a:r>
-                      <a:r>
-                        <a:rPr lang="en-US" altLang="ko-KR" dirty="0" err="1" smtClean="0">
-                          <a:solidFill>
-                            <a:schemeClr val="tx1"/>
-                          </a:solidFill>
-                        </a:rPr>
-                        <a:t>area_code</a:t>
-                      </a:r>
-                      <a:endParaRPr lang="en-US" altLang="ko-KR" dirty="0" smtClean="0">
-                        <a:solidFill>
-                          <a:schemeClr val="tx1"/>
-                        </a:solidFill>
-                      </a:endParaRPr>
-                    </a:p>
-                    <a:p>
-                      <a:pPr algn="l" latinLnBrk="1"/>
-                      <a:r>
-                        <a:rPr lang="en-US" altLang="ko-KR" dirty="0" smtClean="0">
+                        <a:rPr lang="en-US" altLang="ko-KR" b="1" dirty="0" smtClean="0">
                           <a:solidFill>
                             <a:srgbClr val="FF0000"/>
                           </a:solidFill>
@@ -13241,7 +13223,7 @@
                     <a:p>
                       <a:pPr algn="l" latinLnBrk="1"/>
                       <a:r>
-                        <a:rPr lang="en-US" altLang="ko-KR" dirty="0" smtClean="0">
+                        <a:rPr lang="en-US" altLang="ko-KR" b="1" dirty="0" smtClean="0">
                           <a:solidFill>
                             <a:srgbClr val="0070C0"/>
                           </a:solidFill>
@@ -13249,14 +13231,14 @@
                         <a:t>(S)</a:t>
                       </a:r>
                       <a:r>
-                        <a:rPr lang="en-US" altLang="ko-KR" dirty="0" err="1" smtClean="0">
+                        <a:rPr lang="en-US" altLang="ko-KR" b="1" dirty="0" err="1" smtClean="0">
                           <a:solidFill>
                             <a:srgbClr val="0070C0"/>
                           </a:solidFill>
                         </a:rPr>
                         <a:t>pCode</a:t>
                       </a:r>
-                      <a:endParaRPr lang="en-US" altLang="ko-KR" dirty="0" smtClean="0">
+                      <a:endParaRPr lang="en-US" altLang="ko-KR" b="1" dirty="0" smtClean="0">
                         <a:solidFill>
                           <a:srgbClr val="0070C0"/>
                         </a:solidFill>
@@ -13318,9 +13300,19 @@
                     <a:bodyPr/>
                     <a:lstStyle/>
                     <a:p>
-                      <a:pPr algn="l" latinLnBrk="1"/>
                       <a:r>
-                        <a:rPr lang="en-US" altLang="ko-KR" dirty="0" smtClean="0">
+                        <a:rPr lang="en-US" altLang="ko-KR" b="1" dirty="0" smtClean="0"/>
+                        <a:t>(S)</a:t>
+                      </a:r>
+                      <a:r>
+                        <a:rPr lang="en-US" altLang="ko-KR" b="1" dirty="0" err="1" smtClean="0"/>
+                        <a:t>iCode</a:t>
+                      </a:r>
+                      <a:endParaRPr lang="en-US" altLang="ko-KR" b="1" dirty="0" smtClean="0"/>
+                    </a:p>
+                    <a:p>
+                      <a:r>
+                        <a:rPr lang="en-US" altLang="ko-KR" b="0" dirty="0" smtClean="0">
                           <a:solidFill>
                             <a:srgbClr val="00B050"/>
                           </a:solidFill>
@@ -13328,57 +13320,54 @@
                         <a:t>(S)</a:t>
                       </a:r>
                       <a:r>
-                        <a:rPr lang="en-US" altLang="ko-KR" dirty="0" err="1" smtClean="0">
+                        <a:rPr lang="en-US" altLang="ko-KR" b="0" dirty="0" err="1" smtClean="0">
                           <a:solidFill>
                             <a:srgbClr val="00B050"/>
                           </a:solidFill>
                         </a:rPr>
-                        <a:t>cCode</a:t>
+                        <a:t>iCustomerCode</a:t>
                       </a:r>
-                      <a:endParaRPr lang="en-US" altLang="ko-KR" dirty="0" smtClean="0">
+                      <a:endParaRPr lang="en-US" altLang="ko-KR" b="0" dirty="0" smtClean="0">
                         <a:solidFill>
                           <a:srgbClr val="00B050"/>
                         </a:solidFill>
                       </a:endParaRPr>
                     </a:p>
                     <a:p>
-                      <a:pPr algn="l" latinLnBrk="1"/>
                       <a:r>
-                        <a:rPr lang="en-US" altLang="ko-KR" dirty="0" smtClean="0"/>
+                        <a:rPr lang="en-US" altLang="ko-KR" dirty="0" smtClean="0">
+                          <a:solidFill>
+                            <a:srgbClr val="0070C0"/>
+                          </a:solidFill>
+                        </a:rPr>
                         <a:t>(S)</a:t>
                       </a:r>
                       <a:r>
+                        <a:rPr lang="en-US" altLang="ko-KR" dirty="0" err="1" smtClean="0">
+                          <a:solidFill>
+                            <a:srgbClr val="0070C0"/>
+                          </a:solidFill>
+                        </a:rPr>
+                        <a:t>iProductCode</a:t>
+                      </a:r>
+                      <a:endParaRPr lang="en-US" altLang="ko-KR" dirty="0" smtClean="0">
+                        <a:solidFill>
+                          <a:srgbClr val="0070C0"/>
+                        </a:solidFill>
+                      </a:endParaRPr>
+                    </a:p>
+                    <a:p>
+                      <a:r>
+                        <a:rPr lang="en-US" altLang="ko-KR" dirty="0" smtClean="0"/>
+                        <a:t>(I)</a:t>
+                      </a:r>
+                      <a:r>
                         <a:rPr lang="en-US" altLang="ko-KR" dirty="0" err="1" smtClean="0"/>
-                        <a:t>cName</a:t>
+                        <a:t>iQuantity</a:t>
                       </a:r>
                       <a:endParaRPr lang="en-US" altLang="ko-KR" dirty="0" smtClean="0"/>
                     </a:p>
                     <a:p>
-                      <a:pPr algn="l" latinLnBrk="1"/>
-                      <a:r>
-                        <a:rPr lang="en-US" altLang="ko-KR" dirty="0" smtClean="0"/>
-                        <a:t>(S)</a:t>
-                      </a:r>
-                      <a:r>
-                        <a:rPr lang="en-US" altLang="ko-KR" dirty="0" err="1" smtClean="0"/>
-                        <a:t>cTel</a:t>
-                      </a:r>
-                      <a:endParaRPr lang="en-US" altLang="ko-KR" dirty="0" smtClean="0"/>
-                    </a:p>
-                    <a:p>
-                      <a:pPr algn="l" latinLnBrk="1"/>
-                      <a:r>
-                        <a:rPr lang="en-US" altLang="ko-KR" dirty="0" smtClean="0"/>
-                        <a:t>(S)</a:t>
-                      </a:r>
-                      <a:r>
-                        <a:rPr lang="en-US" altLang="ko-KR" dirty="0" err="1" smtClean="0"/>
-                        <a:t>cAddress</a:t>
-                      </a:r>
-                      <a:endParaRPr lang="en-US" altLang="ko-KR" dirty="0" smtClean="0"/>
-                    </a:p>
-                    <a:p>
-                      <a:pPr algn="l" latinLnBrk="1"/>
                       <a:r>
                         <a:rPr lang="en-US" altLang="ko-KR" dirty="0" smtClean="0">
                           <a:solidFill>
@@ -13393,7 +13382,7 @@
                             <a:srgbClr val="FF0000"/>
                           </a:solidFill>
                         </a:rPr>
-                        <a:t>cAreaCode</a:t>
+                        <a:t>iAreaCode</a:t>
                       </a:r>
                       <a:endParaRPr lang="en-US" altLang="ko-KR" dirty="0" smtClean="0">
                         <a:solidFill>
@@ -13402,16 +13391,27 @@
                       </a:endParaRPr>
                     </a:p>
                     <a:p>
-                      <a:pPr algn="l" latinLnBrk="1"/>
                       <a:r>
-                        <a:rPr lang="en-US" altLang="ko-KR" dirty="0" smtClean="0"/>
+                        <a:rPr lang="en-US" altLang="ko-KR" dirty="0" smtClean="0">
+                          <a:solidFill>
+                            <a:schemeClr val="tx1"/>
+                          </a:solidFill>
+                        </a:rPr>
                         <a:t>(D)</a:t>
                       </a:r>
                       <a:r>
-                        <a:rPr lang="en-US" altLang="ko-KR" dirty="0" err="1" smtClean="0"/>
-                        <a:t>cDate</a:t>
+                        <a:rPr lang="en-US" altLang="ko-KR" dirty="0" err="1" smtClean="0">
+                          <a:solidFill>
+                            <a:schemeClr val="tx1"/>
+                          </a:solidFill>
+                        </a:rPr>
+                        <a:t>iDate</a:t>
                       </a:r>
-                      <a:endParaRPr lang="ko-KR" altLang="en-US" dirty="0"/>
+                      <a:endParaRPr lang="en-US" altLang="ko-KR" dirty="0" smtClean="0">
+                        <a:solidFill>
+                          <a:schemeClr val="tx1"/>
+                        </a:solidFill>
+                      </a:endParaRPr>
                     </a:p>
                   </a:txBody>
                   <a:tcPr anchor="ctr"/>
@@ -13421,64 +13421,132 @@
                     <a:bodyPr/>
                     <a:lstStyle/>
                     <a:p>
-                      <a:pPr algn="l" latinLnBrk="1"/>
                       <a:r>
-                        <a:rPr lang="en-US" altLang="ko-KR" dirty="0" err="1" smtClean="0">
+                        <a:rPr lang="en-US" altLang="ko-KR" b="1" dirty="0" smtClean="0">
                           <a:solidFill>
                             <a:srgbClr val="00B050"/>
                           </a:solidFill>
                         </a:rPr>
-                        <a:t>vCustomerCode</a:t>
+                        <a:t>(S)</a:t>
                       </a:r>
-                      <a:endParaRPr lang="en-US" altLang="ko-KR" dirty="0" smtClean="0">
+                      <a:r>
+                        <a:rPr lang="en-US" altLang="ko-KR" b="1" dirty="0" err="1" smtClean="0">
+                          <a:solidFill>
+                            <a:srgbClr val="00B050"/>
+                          </a:solidFill>
+                        </a:rPr>
+                        <a:t>cCode</a:t>
+                      </a:r>
+                      <a:endParaRPr lang="en-US" altLang="ko-KR" b="1" dirty="0" smtClean="0">
                         <a:solidFill>
                           <a:srgbClr val="00B050"/>
                         </a:solidFill>
                       </a:endParaRPr>
                     </a:p>
                     <a:p>
-                      <a:pPr algn="l" latinLnBrk="1"/>
                       <a:r>
-                        <a:rPr lang="en-US" altLang="ko-KR" dirty="0" err="1" smtClean="0">
-                          <a:solidFill>
-                            <a:srgbClr val="0070C0"/>
-                          </a:solidFill>
-                        </a:rPr>
-                        <a:t>vProductCode</a:t>
+                        <a:rPr lang="en-US" altLang="ko-KR" dirty="0" smtClean="0"/>
+                        <a:t>(S)</a:t>
                       </a:r>
-                      <a:endParaRPr lang="en-US" altLang="ko-KR" dirty="0" smtClean="0">
-                        <a:solidFill>
-                          <a:srgbClr val="0070C0"/>
-                        </a:solidFill>
-                      </a:endParaRPr>
-                    </a:p>
-                    <a:p>
-                      <a:pPr algn="l" latinLnBrk="1"/>
                       <a:r>
                         <a:rPr lang="en-US" altLang="ko-KR" dirty="0" err="1" smtClean="0"/>
-                        <a:t>vQuantity</a:t>
+                        <a:t>cName</a:t>
                       </a:r>
                       <a:endParaRPr lang="en-US" altLang="ko-KR" dirty="0" smtClean="0"/>
                     </a:p>
                     <a:p>
-                      <a:pPr algn="l" latinLnBrk="1"/>
+                      <a:r>
+                        <a:rPr lang="en-US" altLang="ko-KR" dirty="0" smtClean="0"/>
+                        <a:t>(S)</a:t>
+                      </a:r>
                       <a:r>
                         <a:rPr lang="en-US" altLang="ko-KR" dirty="0" err="1" smtClean="0"/>
-                        <a:t>vCode</a:t>
+                        <a:t>cTel</a:t>
                       </a:r>
+                      <a:endParaRPr lang="en-US" altLang="ko-KR" dirty="0" smtClean="0"/>
+                    </a:p>
+                    <a:p>
+                      <a:r>
+                        <a:rPr lang="en-US" altLang="ko-KR" dirty="0" smtClean="0"/>
+                        <a:t>(S)</a:t>
+                      </a:r>
+                      <a:r>
+                        <a:rPr lang="en-US" altLang="ko-KR" dirty="0" err="1" smtClean="0"/>
+                        <a:t>cAddress</a:t>
+                      </a:r>
+                      <a:endParaRPr lang="en-US" altLang="ko-KR" dirty="0" smtClean="0"/>
+                    </a:p>
+                    <a:p>
                       <a:endParaRPr lang="ko-KR" altLang="en-US" dirty="0"/>
                     </a:p>
                   </a:txBody>
                   <a:tcPr anchor="ctr"/>
                 </a:tc>
               </a:tr>
-              <a:tr h="928269">
+              <a:tr h="1186138">
                 <a:tc>
                   <a:txBody>
                     <a:bodyPr/>
                     <a:lstStyle/>
                     <a:p>
                       <a:pPr algn="ctr" latinLnBrk="1"/>
+                      <a:r>
+                        <a:rPr lang="en-US" altLang="ko-KR" dirty="0" smtClean="0"/>
+                        <a:t>Id (</a:t>
+                      </a:r>
+                      <a:r>
+                        <a:rPr lang="en-US" altLang="ko-KR" dirty="0" err="1" smtClean="0"/>
+                        <a:t>userType</a:t>
+                      </a:r>
+                      <a:r>
+                        <a:rPr lang="en-US" altLang="ko-KR" dirty="0" smtClean="0"/>
+                        <a:t>)</a:t>
+                      </a:r>
+                    </a:p>
+                    <a:p>
+                      <a:pPr algn="ctr" latinLnBrk="1"/>
+                      <a:r>
+                        <a:rPr lang="en-US" altLang="ko-KR" dirty="0" smtClean="0"/>
+                        <a:t>1 : 1(</a:t>
+                      </a:r>
+                      <a:r>
+                        <a:rPr lang="ko-KR" altLang="en-US" dirty="0" smtClean="0"/>
+                        <a:t>운송업체</a:t>
+                      </a:r>
+                      <a:r>
+                        <a:rPr lang="en-US" altLang="ko-KR" dirty="0" smtClean="0"/>
+                        <a:t>)</a:t>
+                      </a:r>
+                    </a:p>
+                    <a:p>
+                      <a:pPr algn="ctr" latinLnBrk="1"/>
+                      <a:r>
+                        <a:rPr lang="en-US" altLang="ko-KR" dirty="0" smtClean="0"/>
+                        <a:t>2 : A(</a:t>
+                      </a:r>
+                      <a:r>
+                        <a:rPr lang="ko-KR" altLang="en-US" dirty="0" smtClean="0"/>
+                        <a:t>구매처</a:t>
+                      </a:r>
+                      <a:r>
+                        <a:rPr lang="en-US" altLang="ko-KR" dirty="0" smtClean="0"/>
+                        <a:t>)</a:t>
+                      </a:r>
+                    </a:p>
+                    <a:p>
+                      <a:pPr algn="ctr" latinLnBrk="1"/>
+                      <a:r>
+                        <a:rPr lang="en-US" altLang="ko-KR" dirty="0" smtClean="0"/>
+                        <a:t>3 : a(</a:t>
+                      </a:r>
+                      <a:r>
+                        <a:rPr lang="ko-KR" altLang="en-US" dirty="0" smtClean="0"/>
+                        <a:t>쇼핑몰</a:t>
+                      </a:r>
+                      <a:r>
+                        <a:rPr lang="en-US" altLang="ko-KR" dirty="0" smtClean="0"/>
+                        <a:t>)</a:t>
+                      </a:r>
                       <a:endParaRPr lang="ko-KR" altLang="en-US" dirty="0"/>
                     </a:p>
                   </a:txBody>
@@ -13501,6 +13569,37 @@
                     <a:lstStyle/>
                     <a:p>
                       <a:pPr algn="ctr" latinLnBrk="1"/>
+                      <a:r>
+                        <a:rPr lang="en-US" altLang="ko-KR" dirty="0" err="1" smtClean="0"/>
+                        <a:t>iCode</a:t>
+                      </a:r>
+                      <a:r>
+                        <a:rPr lang="en-US" altLang="ko-KR" dirty="0" smtClean="0"/>
+                        <a:t>=</a:t>
+                      </a:r>
+                      <a:r>
+                        <a:rPr lang="en-US" altLang="ko-KR" baseline="0" dirty="0" smtClean="0"/>
+                        <a:t>  </a:t>
+                      </a:r>
+                      <a:r>
+                        <a:rPr lang="en-US" altLang="ko-KR" baseline="0" dirty="0" err="1" smtClean="0"/>
+                        <a:t>ShopCode</a:t>
+                      </a:r>
+                      <a:r>
+                        <a:rPr lang="en-US" altLang="ko-KR" baseline="0" dirty="0" smtClean="0"/>
+                        <a:t>(1)</a:t>
+                      </a:r>
+                    </a:p>
+                    <a:p>
+                      <a:pPr algn="ctr" latinLnBrk="1"/>
+                      <a:r>
+                        <a:rPr lang="en-US" altLang="ko-KR" baseline="0" dirty="0" smtClean="0"/>
+                        <a:t>+</a:t>
+                      </a:r>
+                      <a:r>
+                        <a:rPr lang="en-US" altLang="ko-KR" baseline="0" dirty="0" err="1" smtClean="0"/>
+                        <a:t>cCode+iDate+iAreaCode</a:t>
+                      </a:r>
                       <a:endParaRPr lang="ko-KR" altLang="en-US" dirty="0"/>
                     </a:p>
                   </a:txBody>
@@ -13512,13 +13611,25 @@
                     <a:lstStyle/>
                     <a:p>
                       <a:pPr algn="ctr" latinLnBrk="1"/>
+                      <a:r>
+                        <a:rPr lang="en-US" altLang="ko-KR" dirty="0" smtClean="0"/>
+                        <a:t>.</a:t>
+                      </a:r>
+                      <a:r>
+                        <a:rPr lang="en-US" altLang="ko-KR" dirty="0" err="1" smtClean="0"/>
+                        <a:t>csv</a:t>
+                      </a:r>
+                      <a:r>
+                        <a:rPr lang="ko-KR" altLang="en-US" baseline="0" dirty="0" smtClean="0"/>
+                        <a:t>로 받아옴</a:t>
+                      </a:r>
                       <a:endParaRPr lang="ko-KR" altLang="en-US" dirty="0"/>
                     </a:p>
                   </a:txBody>
                   <a:tcPr anchor="ctr"/>
                 </a:tc>
               </a:tr>
-              <a:tr h="928269">
+              <a:tr h="926253">
                 <a:tc>
                   <a:txBody>
                     <a:bodyPr/>
@@ -13547,7 +13658,22 @@
                     <a:lstStyle/>
                     <a:p>
                       <a:pPr algn="ctr" latinLnBrk="1"/>
-                      <a:endParaRPr lang="ko-KR" altLang="en-US"/>
+                      <a:r>
+                        <a:rPr lang="en-US" altLang="ko-KR" dirty="0" err="1" smtClean="0"/>
+                        <a:t>iCustomerCode</a:t>
+                      </a:r>
+                      <a:r>
+                        <a:rPr lang="en-US" altLang="ko-KR" dirty="0" smtClean="0"/>
+                        <a:t> =</a:t>
+                      </a:r>
+                    </a:p>
+                    <a:p>
+                      <a:pPr algn="ctr" latinLnBrk="1"/>
+                      <a:r>
+                        <a:rPr lang="en-US" altLang="ko-KR" dirty="0" err="1" smtClean="0"/>
+                        <a:t>ShopCode+Num</a:t>
+                      </a:r>
+                      <a:endParaRPr lang="ko-KR" altLang="en-US" dirty="0"/>
                     </a:p>
                   </a:txBody>
                   <a:tcPr anchor="ctr"/>
@@ -13564,7 +13690,7 @@
                   <a:tcPr anchor="ctr"/>
                 </a:tc>
               </a:tr>
-              <a:tr h="928269">
+              <a:tr h="926253">
                 <a:tc>
                   <a:txBody>
                     <a:bodyPr/>
@@ -13614,138 +13740,16 @@
           </a:graphicData>
         </a:graphic>
       </p:graphicFrame>
-      <p:cxnSp>
-        <p:nvCxnSpPr>
-          <p:cNvPr id="10" name="꺾인 연결선 9"/>
-          <p:cNvCxnSpPr/>
-          <p:nvPr/>
-        </p:nvCxnSpPr>
-        <p:spPr>
-          <a:xfrm>
-            <a:off x="1907704" y="2744924"/>
-            <a:ext cx="3096344" cy="684076"/>
-          </a:xfrm>
-          <a:prstGeom prst="bentConnector3">
-            <a:avLst>
-              <a:gd name="adj1" fmla="val 33989"/>
-            </a:avLst>
-          </a:prstGeom>
-          <a:ln>
-            <a:solidFill>
-              <a:srgbClr val="FF0000"/>
-            </a:solidFill>
-            <a:headEnd type="arrow"/>
-            <a:tailEnd type="arrow"/>
-          </a:ln>
-        </p:spPr>
-        <p:style>
-          <a:lnRef idx="1">
-            <a:schemeClr val="accent1"/>
-          </a:lnRef>
-          <a:fillRef idx="0">
-            <a:schemeClr val="accent1"/>
-          </a:fillRef>
-          <a:effectRef idx="0">
-            <a:schemeClr val="accent1"/>
-          </a:effectRef>
-          <a:fontRef idx="minor">
-            <a:schemeClr val="tx1"/>
-          </a:fontRef>
-        </p:style>
-      </p:cxnSp>
-      <p:cxnSp>
-        <p:nvCxnSpPr>
-          <p:cNvPr id="22" name="꺾인 연결선 21"/>
-          <p:cNvCxnSpPr/>
-          <p:nvPr/>
-        </p:nvCxnSpPr>
-        <p:spPr>
-          <a:xfrm>
-            <a:off x="6156176" y="2276872"/>
-            <a:ext cx="864096" cy="432048"/>
-          </a:xfrm>
-          <a:prstGeom prst="bentConnector3">
-            <a:avLst/>
-          </a:prstGeom>
-          <a:ln>
-            <a:solidFill>
-              <a:srgbClr val="00B050"/>
-            </a:solidFill>
-            <a:headEnd type="arrow"/>
-            <a:tailEnd type="arrow"/>
-          </a:ln>
-        </p:spPr>
-        <p:style>
-          <a:lnRef idx="1">
-            <a:schemeClr val="accent1"/>
-          </a:lnRef>
-          <a:fillRef idx="0">
-            <a:schemeClr val="accent1"/>
-          </a:fillRef>
-          <a:effectRef idx="0">
-            <a:schemeClr val="accent1"/>
-          </a:effectRef>
-          <a:fontRef idx="minor">
-            <a:schemeClr val="tx1"/>
-          </a:fontRef>
-        </p:style>
-      </p:cxnSp>
-      <p:cxnSp>
-        <p:nvCxnSpPr>
-          <p:cNvPr id="24" name="꺾인 연결선 23"/>
-          <p:cNvCxnSpPr/>
-          <p:nvPr/>
-        </p:nvCxnSpPr>
-        <p:spPr>
-          <a:xfrm>
-            <a:off x="4283968" y="2492896"/>
-            <a:ext cx="2664296" cy="504056"/>
-          </a:xfrm>
-          <a:prstGeom prst="bentConnector3">
-            <a:avLst>
-              <a:gd name="adj1" fmla="val 25603"/>
-            </a:avLst>
-          </a:prstGeom>
-          <a:ln>
-            <a:solidFill>
-              <a:srgbClr val="0070C0"/>
-            </a:solidFill>
-            <a:headEnd type="arrow"/>
-            <a:tailEnd type="arrow"/>
-          </a:ln>
-        </p:spPr>
-        <p:style>
-          <a:lnRef idx="1">
-            <a:schemeClr val="accent1"/>
-          </a:lnRef>
-          <a:fillRef idx="0">
-            <a:schemeClr val="accent1"/>
-          </a:fillRef>
-          <a:effectRef idx="0">
-            <a:schemeClr val="accent1"/>
-          </a:effectRef>
-          <a:fontRef idx="minor">
-            <a:schemeClr val="tx1"/>
-          </a:fontRef>
-        </p:style>
-      </p:cxnSp>
     </p:spTree>
     <p:extLst>
       <p:ext uri="{BB962C8B-B14F-4D97-AF65-F5344CB8AC3E}">
-        <p14:creationId xmlns:p14="http://schemas.microsoft.com/office/powerpoint/2010/main" val="3907691454"/>
+        <p14:creationId xmlns:p14="http://schemas.microsoft.com/office/powerpoint/2010/main" val="1610627758"/>
       </p:ext>
     </p:extLst>
   </p:cSld>
   <p:clrMapOvr>
     <a:masterClrMapping/>
   </p:clrMapOvr>
-  <p:timing>
-    <p:tnLst>
-      <p:par>
-        <p:cTn id="1" dur="indefinite" restart="never" nodeType="tmRoot"/>
-      </p:par>
-    </p:tnLst>
-  </p:timing>
 </p:sld>
 </file>
 

--- a/프레젠테이션1.pptx
+++ b/프레젠테이션1.pptx
@@ -5,7 +5,7 @@
     <p:sldMasterId id="2147483744" r:id="rId1"/>
   </p:sldMasterIdLst>
   <p:notesMasterIdLst>
-    <p:notesMasterId r:id="rId14"/>
+    <p:notesMasterId r:id="rId16"/>
   </p:notesMasterIdLst>
   <p:sldIdLst>
     <p:sldId id="256" r:id="rId2"/>
@@ -14,12 +14,14 @@
     <p:sldId id="264" r:id="rId5"/>
     <p:sldId id="267" r:id="rId6"/>
     <p:sldId id="265" r:id="rId7"/>
-    <p:sldId id="258" r:id="rId8"/>
-    <p:sldId id="268" r:id="rId9"/>
-    <p:sldId id="259" r:id="rId10"/>
-    <p:sldId id="266" r:id="rId11"/>
-    <p:sldId id="261" r:id="rId12"/>
-    <p:sldId id="262" r:id="rId13"/>
+    <p:sldId id="271" r:id="rId8"/>
+    <p:sldId id="258" r:id="rId9"/>
+    <p:sldId id="268" r:id="rId10"/>
+    <p:sldId id="272" r:id="rId11"/>
+    <p:sldId id="259" r:id="rId12"/>
+    <p:sldId id="266" r:id="rId13"/>
+    <p:sldId id="261" r:id="rId14"/>
+    <p:sldId id="262" r:id="rId15"/>
   </p:sldIdLst>
   <p:sldSz cx="9144000" cy="6858000" type="screen4x3"/>
   <p:notesSz cx="6858000" cy="9144000"/>
@@ -133,12 +135,14 @@
         <p14:section name="쇼핑몰" id="{A1B3F7CB-75D6-47A4-BB77-A94A7E11D96A}">
           <p14:sldIdLst>
             <p14:sldId id="265"/>
+            <p14:sldId id="271"/>
             <p14:sldId id="258"/>
           </p14:sldIdLst>
         </p14:section>
         <p14:section name="운송사" id="{3FD22FC3-44A4-48F3-A66C-4BDCB94C6E77}">
           <p14:sldIdLst>
             <p14:sldId id="268"/>
+            <p14:sldId id="272"/>
             <p14:sldId id="259"/>
           </p14:sldIdLst>
         </p14:section>
@@ -153,6 +157,278 @@
     </p:ext>
   </p:extLst>
 </p:presentation>
+</file>
+
+<file path=ppt/charts/chart1.xml><?xml version="1.0" encoding="utf-8"?>
+<c:chartSpace xmlns:c="http://schemas.openxmlformats.org/drawingml/2006/chart" xmlns:a="http://schemas.openxmlformats.org/drawingml/2006/main" xmlns:r="http://schemas.openxmlformats.org/officeDocument/2006/relationships">
+  <c:date1904 val="0"/>
+  <c:lang val="ko-KR"/>
+  <c:roundedCorners val="0"/>
+  <mc:AlternateContent xmlns:mc="http://schemas.openxmlformats.org/markup-compatibility/2006">
+    <mc:Choice xmlns:c14="http://schemas.microsoft.com/office/drawing/2007/8/2/chart" Requires="c14">
+      <c14:style val="102"/>
+    </mc:Choice>
+    <mc:Fallback>
+      <c:style val="2"/>
+    </mc:Fallback>
+  </mc:AlternateContent>
+  <c:chart>
+    <c:autoTitleDeleted val="0"/>
+    <c:plotArea>
+      <c:layout/>
+      <c:lineChart>
+        <c:grouping val="stacked"/>
+        <c:varyColors val="0"/>
+        <c:ser>
+          <c:idx val="0"/>
+          <c:order val="0"/>
+          <c:tx>
+            <c:strRef>
+              <c:f>Sheet1!$B$1</c:f>
+              <c:strCache>
+                <c:ptCount val="1"/>
+                <c:pt idx="0">
+                  <c:v>계열 1</c:v>
+                </c:pt>
+              </c:strCache>
+            </c:strRef>
+          </c:tx>
+          <c:marker>
+            <c:symbol val="none"/>
+          </c:marker>
+          <c:cat>
+            <c:strRef>
+              <c:f>Sheet1!$A$2:$A$5</c:f>
+              <c:strCache>
+                <c:ptCount val="4"/>
+                <c:pt idx="0">
+                  <c:v>항목 1</c:v>
+                </c:pt>
+                <c:pt idx="1">
+                  <c:v>항목 2</c:v>
+                </c:pt>
+                <c:pt idx="2">
+                  <c:v>항목 3</c:v>
+                </c:pt>
+                <c:pt idx="3">
+                  <c:v>항목 4</c:v>
+                </c:pt>
+              </c:strCache>
+            </c:strRef>
+          </c:cat>
+          <c:val>
+            <c:numRef>
+              <c:f>Sheet1!$B$2:$B$5</c:f>
+              <c:numCache>
+                <c:formatCode>General</c:formatCode>
+                <c:ptCount val="4"/>
+                <c:pt idx="0">
+                  <c:v>4.3</c:v>
+                </c:pt>
+                <c:pt idx="1">
+                  <c:v>2.5</c:v>
+                </c:pt>
+                <c:pt idx="2">
+                  <c:v>3.5</c:v>
+                </c:pt>
+                <c:pt idx="3">
+                  <c:v>4.5</c:v>
+                </c:pt>
+              </c:numCache>
+            </c:numRef>
+          </c:val>
+          <c:smooth val="0"/>
+        </c:ser>
+        <c:ser>
+          <c:idx val="1"/>
+          <c:order val="1"/>
+          <c:tx>
+            <c:strRef>
+              <c:f>Sheet1!$C$1</c:f>
+              <c:strCache>
+                <c:ptCount val="1"/>
+                <c:pt idx="0">
+                  <c:v>계열 2</c:v>
+                </c:pt>
+              </c:strCache>
+            </c:strRef>
+          </c:tx>
+          <c:marker>
+            <c:symbol val="none"/>
+          </c:marker>
+          <c:cat>
+            <c:strRef>
+              <c:f>Sheet1!$A$2:$A$5</c:f>
+              <c:strCache>
+                <c:ptCount val="4"/>
+                <c:pt idx="0">
+                  <c:v>항목 1</c:v>
+                </c:pt>
+                <c:pt idx="1">
+                  <c:v>항목 2</c:v>
+                </c:pt>
+                <c:pt idx="2">
+                  <c:v>항목 3</c:v>
+                </c:pt>
+                <c:pt idx="3">
+                  <c:v>항목 4</c:v>
+                </c:pt>
+              </c:strCache>
+            </c:strRef>
+          </c:cat>
+          <c:val>
+            <c:numRef>
+              <c:f>Sheet1!$C$2:$C$5</c:f>
+              <c:numCache>
+                <c:formatCode>General</c:formatCode>
+                <c:ptCount val="4"/>
+                <c:pt idx="0">
+                  <c:v>2.4</c:v>
+                </c:pt>
+                <c:pt idx="1">
+                  <c:v>4.4000000000000004</c:v>
+                </c:pt>
+                <c:pt idx="2">
+                  <c:v>1.8</c:v>
+                </c:pt>
+                <c:pt idx="3">
+                  <c:v>2.8</c:v>
+                </c:pt>
+              </c:numCache>
+            </c:numRef>
+          </c:val>
+          <c:smooth val="0"/>
+        </c:ser>
+        <c:ser>
+          <c:idx val="2"/>
+          <c:order val="2"/>
+          <c:tx>
+            <c:strRef>
+              <c:f>Sheet1!$D$1</c:f>
+              <c:strCache>
+                <c:ptCount val="1"/>
+                <c:pt idx="0">
+                  <c:v>계열 3</c:v>
+                </c:pt>
+              </c:strCache>
+            </c:strRef>
+          </c:tx>
+          <c:marker>
+            <c:symbol val="none"/>
+          </c:marker>
+          <c:cat>
+            <c:strRef>
+              <c:f>Sheet1!$A$2:$A$5</c:f>
+              <c:strCache>
+                <c:ptCount val="4"/>
+                <c:pt idx="0">
+                  <c:v>항목 1</c:v>
+                </c:pt>
+                <c:pt idx="1">
+                  <c:v>항목 2</c:v>
+                </c:pt>
+                <c:pt idx="2">
+                  <c:v>항목 3</c:v>
+                </c:pt>
+                <c:pt idx="3">
+                  <c:v>항목 4</c:v>
+                </c:pt>
+              </c:strCache>
+            </c:strRef>
+          </c:cat>
+          <c:val>
+            <c:numRef>
+              <c:f>Sheet1!$D$2:$D$5</c:f>
+              <c:numCache>
+                <c:formatCode>General</c:formatCode>
+                <c:ptCount val="4"/>
+                <c:pt idx="0">
+                  <c:v>2</c:v>
+                </c:pt>
+                <c:pt idx="1">
+                  <c:v>2</c:v>
+                </c:pt>
+                <c:pt idx="2">
+                  <c:v>3</c:v>
+                </c:pt>
+                <c:pt idx="3">
+                  <c:v>5</c:v>
+                </c:pt>
+              </c:numCache>
+            </c:numRef>
+          </c:val>
+          <c:smooth val="0"/>
+        </c:ser>
+        <c:dLbls>
+          <c:showLegendKey val="0"/>
+          <c:showVal val="0"/>
+          <c:showCatName val="0"/>
+          <c:showSerName val="0"/>
+          <c:showPercent val="0"/>
+          <c:showBubbleSize val="0"/>
+        </c:dLbls>
+        <c:marker val="1"/>
+        <c:smooth val="0"/>
+        <c:axId val="32985600"/>
+        <c:axId val="39931840"/>
+      </c:lineChart>
+      <c:catAx>
+        <c:axId val="32985600"/>
+        <c:scaling>
+          <c:orientation val="minMax"/>
+        </c:scaling>
+        <c:delete val="0"/>
+        <c:axPos val="b"/>
+        <c:majorTickMark val="out"/>
+        <c:minorTickMark val="none"/>
+        <c:tickLblPos val="nextTo"/>
+        <c:crossAx val="39931840"/>
+        <c:crosses val="autoZero"/>
+        <c:auto val="1"/>
+        <c:lblAlgn val="ctr"/>
+        <c:lblOffset val="100"/>
+        <c:noMultiLvlLbl val="0"/>
+      </c:catAx>
+      <c:valAx>
+        <c:axId val="39931840"/>
+        <c:scaling>
+          <c:orientation val="minMax"/>
+        </c:scaling>
+        <c:delete val="0"/>
+        <c:axPos val="l"/>
+        <c:majorGridlines/>
+        <c:numFmt formatCode="General" sourceLinked="1"/>
+        <c:majorTickMark val="out"/>
+        <c:minorTickMark val="none"/>
+        <c:tickLblPos val="nextTo"/>
+        <c:crossAx val="32985600"/>
+        <c:crosses val="autoZero"/>
+        <c:crossBetween val="between"/>
+      </c:valAx>
+    </c:plotArea>
+    <c:legend>
+      <c:legendPos val="r"/>
+      <c:layout/>
+      <c:overlay val="0"/>
+    </c:legend>
+    <c:plotVisOnly val="1"/>
+    <c:dispBlanksAs val="zero"/>
+    <c:showDLblsOverMax val="0"/>
+  </c:chart>
+  <c:txPr>
+    <a:bodyPr/>
+    <a:lstStyle/>
+    <a:p>
+      <a:pPr>
+        <a:defRPr sz="1800"/>
+      </a:pPr>
+      <a:endParaRPr lang="ko-KR"/>
+    </a:p>
+  </c:txPr>
+  <c:externalData r:id="rId1">
+    <c:autoUpdate val="0"/>
+  </c:externalData>
+</c:chartSpace>
 </file>
 
 <file path=ppt/notesMasters/notesMaster1.xml><?xml version="1.0" encoding="utf-8"?>
@@ -549,7 +825,7 @@
           <a:bodyPr/>
           <a:lstStyle/>
           <a:p>
-            <a:endParaRPr lang="ko-KR" altLang="en-US"/>
+            <a:endParaRPr lang="ko-KR" altLang="en-US" dirty="0"/>
           </a:p>
         </p:txBody>
       </p:sp>
@@ -570,7 +846,91 @@
           <a:p>
             <a:fld id="{EA4B52D3-C720-4AC2-895A-51F11AF5463E}" type="slidenum">
               <a:rPr lang="ko-KR" altLang="en-US" smtClean="0"/>
-              <a:t>7</a:t>
+              <a:t>3</a:t>
+            </a:fld>
+            <a:endParaRPr lang="ko-KR" altLang="en-US"/>
+          </a:p>
+        </p:txBody>
+      </p:sp>
+    </p:spTree>
+    <p:extLst>
+      <p:ext uri="{BB962C8B-B14F-4D97-AF65-F5344CB8AC3E}">
+        <p14:creationId xmlns:p14="http://schemas.microsoft.com/office/powerpoint/2010/main" val="1914196242"/>
+      </p:ext>
+    </p:extLst>
+  </p:cSld>
+  <p:clrMapOvr>
+    <a:masterClrMapping/>
+  </p:clrMapOvr>
+</p:notes>
+</file>
+
+<file path=ppt/notesSlides/notesSlide2.xml><?xml version="1.0" encoding="utf-8"?>
+<p:notes xmlns:a="http://schemas.openxmlformats.org/drawingml/2006/main" xmlns:r="http://schemas.openxmlformats.org/officeDocument/2006/relationships" xmlns:p="http://schemas.openxmlformats.org/presentationml/2006/main">
+  <p:cSld>
+    <p:spTree>
+      <p:nvGrpSpPr>
+        <p:cNvPr id="1" name=""/>
+        <p:cNvGrpSpPr/>
+        <p:nvPr/>
+      </p:nvGrpSpPr>
+      <p:grpSpPr>
+        <a:xfrm>
+          <a:off x="0" y="0"/>
+          <a:ext cx="0" cy="0"/>
+          <a:chOff x="0" y="0"/>
+          <a:chExt cx="0" cy="0"/>
+        </a:xfrm>
+      </p:grpSpPr>
+      <p:sp>
+        <p:nvSpPr>
+          <p:cNvPr id="2" name="슬라이드 이미지 개체 틀 1"/>
+          <p:cNvSpPr>
+            <a:spLocks noGrp="1" noRot="1" noChangeAspect="1"/>
+          </p:cNvSpPr>
+          <p:nvPr>
+            <p:ph type="sldImg"/>
+          </p:nvPr>
+        </p:nvSpPr>
+        <p:spPr/>
+      </p:sp>
+      <p:sp>
+        <p:nvSpPr>
+          <p:cNvPr id="3" name="슬라이드 노트 개체 틀 2"/>
+          <p:cNvSpPr>
+            <a:spLocks noGrp="1"/>
+          </p:cNvSpPr>
+          <p:nvPr>
+            <p:ph type="body" idx="1"/>
+          </p:nvPr>
+        </p:nvSpPr>
+        <p:spPr/>
+        <p:txBody>
+          <a:bodyPr/>
+          <a:lstStyle/>
+          <a:p>
+            <a:endParaRPr lang="ko-KR" altLang="en-US"/>
+          </a:p>
+        </p:txBody>
+      </p:sp>
+      <p:sp>
+        <p:nvSpPr>
+          <p:cNvPr id="4" name="슬라이드 번호 개체 틀 3"/>
+          <p:cNvSpPr>
+            <a:spLocks noGrp="1"/>
+          </p:cNvSpPr>
+          <p:nvPr>
+            <p:ph type="sldNum" sz="quarter" idx="10"/>
+          </p:nvPr>
+        </p:nvSpPr>
+        <p:spPr/>
+        <p:txBody>
+          <a:bodyPr/>
+          <a:lstStyle/>
+          <a:p>
+            <a:fld id="{EA4B52D3-C720-4AC2-895A-51F11AF5463E}" type="slidenum">
+              <a:rPr lang="ko-KR" altLang="en-US" smtClean="0"/>
+              <a:t>8</a:t>
             </a:fld>
             <a:endParaRPr lang="ko-KR" altLang="en-US"/>
           </a:p>
@@ -4766,6 +5126,1433 @@
       </p:grpSpPr>
       <p:sp>
         <p:nvSpPr>
+          <p:cNvPr id="6" name="모서리가 둥근 직사각형 5">
+            <a:hlinkClick r:id="rId2" action="ppaction://hlinksldjump"/>
+          </p:cNvPr>
+          <p:cNvSpPr/>
+          <p:nvPr/>
+        </p:nvSpPr>
+        <p:spPr>
+          <a:xfrm>
+            <a:off x="6826057" y="260648"/>
+            <a:ext cx="1620000" cy="612000"/>
+          </a:xfrm>
+          <a:prstGeom prst="roundRect">
+            <a:avLst/>
+          </a:prstGeom>
+        </p:spPr>
+        <p:style>
+          <a:lnRef idx="2">
+            <a:schemeClr val="accent2">
+              <a:shade val="50000"/>
+            </a:schemeClr>
+          </a:lnRef>
+          <a:fillRef idx="1">
+            <a:schemeClr val="accent2"/>
+          </a:fillRef>
+          <a:effectRef idx="0">
+            <a:schemeClr val="accent2"/>
+          </a:effectRef>
+          <a:fontRef idx="minor">
+            <a:schemeClr val="lt1"/>
+          </a:fontRef>
+        </p:style>
+        <p:txBody>
+          <a:bodyPr rtlCol="0" anchor="ctr"/>
+          <a:lstStyle/>
+          <a:p>
+            <a:pPr algn="ctr"/>
+            <a:r>
+              <a:rPr lang="ko-KR" altLang="en-US" dirty="0" smtClean="0">
+                <a:solidFill>
+                  <a:schemeClr val="tx1"/>
+                </a:solidFill>
+              </a:rPr>
+              <a:t>로그아웃</a:t>
+            </a:r>
+            <a:endParaRPr lang="ko-KR" altLang="en-US" dirty="0">
+              <a:solidFill>
+                <a:schemeClr val="tx1"/>
+              </a:solidFill>
+            </a:endParaRPr>
+          </a:p>
+        </p:txBody>
+      </p:sp>
+      <p:sp>
+        <p:nvSpPr>
+          <p:cNvPr id="7" name="모서리가 둥근 직사각형 6"/>
+          <p:cNvSpPr/>
+          <p:nvPr/>
+        </p:nvSpPr>
+        <p:spPr>
+          <a:xfrm>
+            <a:off x="1403648" y="1176427"/>
+            <a:ext cx="7056784" cy="5276909"/>
+          </a:xfrm>
+          <a:prstGeom prst="roundRect">
+            <a:avLst/>
+          </a:prstGeom>
+          <a:noFill/>
+          <a:ln>
+            <a:solidFill>
+              <a:schemeClr val="accent2"/>
+            </a:solidFill>
+          </a:ln>
+        </p:spPr>
+        <p:style>
+          <a:lnRef idx="2">
+            <a:schemeClr val="accent2">
+              <a:shade val="50000"/>
+            </a:schemeClr>
+          </a:lnRef>
+          <a:fillRef idx="1">
+            <a:schemeClr val="accent2"/>
+          </a:fillRef>
+          <a:effectRef idx="0">
+            <a:schemeClr val="accent2"/>
+          </a:effectRef>
+          <a:fontRef idx="minor">
+            <a:schemeClr val="lt1"/>
+          </a:fontRef>
+        </p:style>
+        <p:txBody>
+          <a:bodyPr rtlCol="0" anchor="ctr"/>
+          <a:lstStyle/>
+          <a:p>
+            <a:pPr algn="ctr"/>
+            <a:endParaRPr lang="ko-KR" altLang="en-US" sz="1400" dirty="0">
+              <a:solidFill>
+                <a:schemeClr val="tx1"/>
+              </a:solidFill>
+            </a:endParaRPr>
+          </a:p>
+        </p:txBody>
+      </p:sp>
+      <p:sp>
+        <p:nvSpPr>
+          <p:cNvPr id="8" name="TextBox 7"/>
+          <p:cNvSpPr txBox="1"/>
+          <p:nvPr/>
+        </p:nvSpPr>
+        <p:spPr>
+          <a:xfrm>
+            <a:off x="971600" y="0"/>
+            <a:ext cx="3096344" cy="338554"/>
+          </a:xfrm>
+          <a:prstGeom prst="rect">
+            <a:avLst/>
+          </a:prstGeom>
+          <a:noFill/>
+        </p:spPr>
+        <p:txBody>
+          <a:bodyPr wrap="square" rtlCol="0">
+            <a:spAutoFit/>
+          </a:bodyPr>
+          <a:lstStyle/>
+          <a:p>
+            <a:r>
+              <a:rPr lang="en-US" altLang="ko-KR" sz="1600" dirty="0" smtClean="0"/>
+              <a:t>Transport Invoice</a:t>
+            </a:r>
+          </a:p>
+        </p:txBody>
+      </p:sp>
+      <p:sp>
+        <p:nvSpPr>
+          <p:cNvPr id="9" name="TextBox 8"/>
+          <p:cNvSpPr txBox="1"/>
+          <p:nvPr/>
+        </p:nvSpPr>
+        <p:spPr>
+          <a:xfrm>
+            <a:off x="1907704" y="1556792"/>
+            <a:ext cx="6336704" cy="369332"/>
+          </a:xfrm>
+          <a:prstGeom prst="rect">
+            <a:avLst/>
+          </a:prstGeom>
+          <a:noFill/>
+        </p:spPr>
+        <p:txBody>
+          <a:bodyPr wrap="square" rtlCol="0">
+            <a:spAutoFit/>
+          </a:bodyPr>
+          <a:lstStyle/>
+          <a:p>
+            <a:r>
+              <a:rPr lang="ko-KR" altLang="en-US" dirty="0" smtClean="0"/>
+              <a:t>송장번호</a:t>
+            </a:r>
+            <a:r>
+              <a:rPr lang="en-US" altLang="ko-KR" dirty="0"/>
+              <a:t> </a:t>
+            </a:r>
+            <a:r>
+              <a:rPr lang="en-US" altLang="ko-KR" dirty="0" smtClean="0"/>
+              <a:t>       </a:t>
+            </a:r>
+            <a:r>
+              <a:rPr lang="ko-KR" altLang="en-US" dirty="0" smtClean="0"/>
+              <a:t>고객명</a:t>
+            </a:r>
+            <a:r>
+              <a:rPr lang="en-US" altLang="ko-KR" dirty="0" smtClean="0"/>
+              <a:t>		     </a:t>
+            </a:r>
+            <a:r>
+              <a:rPr lang="ko-KR" altLang="en-US" dirty="0" smtClean="0"/>
+              <a:t>주소</a:t>
+            </a:r>
+            <a:endParaRPr lang="ko-KR" altLang="en-US" dirty="0"/>
+          </a:p>
+        </p:txBody>
+      </p:sp>
+      <p:sp>
+        <p:nvSpPr>
+          <p:cNvPr id="12" name="TextBox 11"/>
+          <p:cNvSpPr txBox="1"/>
+          <p:nvPr/>
+        </p:nvSpPr>
+        <p:spPr>
+          <a:xfrm>
+            <a:off x="4640491" y="5877272"/>
+            <a:ext cx="720080" cy="369332"/>
+          </a:xfrm>
+          <a:prstGeom prst="rect">
+            <a:avLst/>
+          </a:prstGeom>
+          <a:noFill/>
+        </p:spPr>
+        <p:txBody>
+          <a:bodyPr wrap="square" rtlCol="0">
+            <a:spAutoFit/>
+          </a:bodyPr>
+          <a:lstStyle/>
+          <a:p>
+            <a:r>
+              <a:rPr lang="en-US" altLang="ko-KR" dirty="0" smtClean="0"/>
+              <a:t>- 1 -</a:t>
+            </a:r>
+            <a:endParaRPr lang="ko-KR" altLang="en-US" dirty="0"/>
+          </a:p>
+        </p:txBody>
+      </p:sp>
+      <p:grpSp>
+        <p:nvGrpSpPr>
+          <p:cNvPr id="13" name="그룹 12"/>
+          <p:cNvGrpSpPr/>
+          <p:nvPr/>
+        </p:nvGrpSpPr>
+        <p:grpSpPr>
+          <a:xfrm>
+            <a:off x="1628055" y="2211321"/>
+            <a:ext cx="6472337" cy="1385333"/>
+            <a:chOff x="1475655" y="2058921"/>
+            <a:chExt cx="6472337" cy="1385333"/>
+          </a:xfrm>
+        </p:grpSpPr>
+        <p:sp>
+          <p:nvSpPr>
+            <p:cNvPr id="14" name="TextBox 13"/>
+            <p:cNvSpPr txBox="1"/>
+            <p:nvPr/>
+          </p:nvSpPr>
+          <p:spPr>
+            <a:xfrm>
+              <a:off x="1475655" y="2058921"/>
+              <a:ext cx="2968209" cy="954107"/>
+            </a:xfrm>
+            <a:prstGeom prst="rect">
+              <a:avLst/>
+            </a:prstGeom>
+            <a:noFill/>
+          </p:spPr>
+          <p:txBody>
+            <a:bodyPr wrap="square" rtlCol="0">
+              <a:spAutoFit/>
+            </a:bodyPr>
+            <a:lstStyle/>
+            <a:p>
+              <a:pPr marL="342900" indent="-342900">
+                <a:buAutoNum type="arabicPeriod"/>
+              </a:pPr>
+              <a:r>
+                <a:rPr lang="en-US" altLang="ko-KR" sz="1400" dirty="0"/>
+                <a:t> </a:t>
+              </a:r>
+              <a:r>
+                <a:rPr lang="en-US" altLang="ko-KR" sz="1400" dirty="0" smtClean="0"/>
+                <a:t>   </a:t>
+              </a:r>
+              <a:r>
+                <a:rPr lang="en-US" altLang="ko-KR" sz="1400" dirty="0" smtClean="0">
+                  <a:hlinkClick r:id="rId3" action="ppaction://hlinksldjump"/>
+                </a:rPr>
+                <a:t>b1021</a:t>
+              </a:r>
+              <a:r>
+                <a:rPr lang="en-US" altLang="ko-KR" sz="1400" dirty="0" smtClean="0"/>
+                <a:t>	   </a:t>
+              </a:r>
+              <a:r>
+                <a:rPr lang="ko-KR" altLang="en-US" sz="1400" dirty="0" err="1" smtClean="0"/>
+                <a:t>냥냥이</a:t>
+              </a:r>
+              <a:endParaRPr lang="en-US" altLang="ko-KR" sz="1400" dirty="0" smtClean="0"/>
+            </a:p>
+            <a:p>
+              <a:pPr marL="342900" indent="-342900">
+                <a:buAutoNum type="arabicPeriod"/>
+              </a:pPr>
+              <a:r>
+                <a:rPr lang="en-US" altLang="ko-KR" sz="1400" dirty="0"/>
+                <a:t> </a:t>
+              </a:r>
+              <a:r>
+                <a:rPr lang="en-US" altLang="ko-KR" sz="1400" dirty="0" smtClean="0"/>
+                <a:t>   </a:t>
+              </a:r>
+              <a:r>
+                <a:rPr lang="en-US" altLang="ko-KR" sz="1400" dirty="0" smtClean="0">
+                  <a:hlinkClick r:id="rId3" action="ppaction://hlinksldjump"/>
+                </a:rPr>
+                <a:t>c1007</a:t>
+              </a:r>
+              <a:r>
+                <a:rPr lang="en-US" altLang="ko-KR" sz="1400" dirty="0" smtClean="0"/>
+                <a:t>                    </a:t>
+              </a:r>
+              <a:r>
+                <a:rPr lang="ko-KR" altLang="en-US" sz="1400" dirty="0" err="1" smtClean="0"/>
+                <a:t>댕댕이</a:t>
+              </a:r>
+              <a:endParaRPr lang="en-US" altLang="ko-KR" sz="1400" dirty="0" smtClean="0"/>
+            </a:p>
+            <a:p>
+              <a:pPr marL="342900" indent="-342900">
+                <a:buFontTx/>
+                <a:buAutoNum type="arabicPeriod"/>
+              </a:pPr>
+              <a:r>
+                <a:rPr lang="en-US" altLang="ko-KR" sz="1400" dirty="0" smtClean="0"/>
+                <a:t>    </a:t>
+              </a:r>
+              <a:r>
+                <a:rPr lang="en-US" altLang="ko-KR" sz="1400" dirty="0" smtClean="0">
+                  <a:hlinkClick r:id="rId3" action="ppaction://hlinksldjump"/>
+                </a:rPr>
+                <a:t>a1001</a:t>
+              </a:r>
+              <a:r>
+                <a:rPr lang="en-US" altLang="ko-KR" sz="1400" dirty="0"/>
+                <a:t>	   </a:t>
+              </a:r>
+              <a:r>
+                <a:rPr lang="ko-KR" altLang="en-US" sz="1400" dirty="0"/>
+                <a:t>파이선 </a:t>
+              </a:r>
+              <a:endParaRPr lang="en-US" altLang="ko-KR" sz="1400" dirty="0"/>
+            </a:p>
+            <a:p>
+              <a:pPr marL="342900" indent="-342900">
+                <a:buFontTx/>
+                <a:buAutoNum type="arabicPeriod"/>
+              </a:pPr>
+              <a:r>
+                <a:rPr lang="en-US" altLang="ko-KR" sz="1400" dirty="0" smtClean="0"/>
+                <a:t>    </a:t>
+              </a:r>
+              <a:r>
+                <a:rPr lang="en-US" altLang="ko-KR" sz="1400" dirty="0" smtClean="0">
+                  <a:hlinkClick r:id="rId3" action="ppaction://hlinksldjump"/>
+                </a:rPr>
+                <a:t>a1002</a:t>
+              </a:r>
+              <a:r>
+                <a:rPr lang="en-US" altLang="ko-KR" sz="1400" dirty="0" smtClean="0"/>
+                <a:t>   </a:t>
+              </a:r>
+              <a:r>
+                <a:rPr lang="en-US" altLang="ko-KR" sz="1400" dirty="0"/>
+                <a:t>	   </a:t>
+              </a:r>
+              <a:r>
+                <a:rPr lang="ko-KR" altLang="en-US" sz="1400" dirty="0" err="1" smtClean="0"/>
+                <a:t>김자바</a:t>
+              </a:r>
+              <a:r>
+                <a:rPr lang="en-US" altLang="ko-KR" sz="1400" dirty="0" smtClean="0"/>
+                <a:t>	 </a:t>
+              </a:r>
+            </a:p>
+          </p:txBody>
+        </p:sp>
+        <p:sp>
+          <p:nvSpPr>
+            <p:cNvPr id="15" name="TextBox 14"/>
+            <p:cNvSpPr txBox="1"/>
+            <p:nvPr/>
+          </p:nvSpPr>
+          <p:spPr>
+            <a:xfrm>
+              <a:off x="4203576" y="2059259"/>
+              <a:ext cx="3744416" cy="1384995"/>
+            </a:xfrm>
+            <a:prstGeom prst="rect">
+              <a:avLst/>
+            </a:prstGeom>
+            <a:noFill/>
+          </p:spPr>
+          <p:txBody>
+            <a:bodyPr wrap="square" rtlCol="0">
+              <a:spAutoFit/>
+            </a:bodyPr>
+            <a:lstStyle/>
+            <a:p>
+              <a:pPr algn="ctr"/>
+              <a:r>
+                <a:rPr lang="ko-KR" altLang="en-US" sz="1400" dirty="0"/>
+                <a:t>서울특별시 강남구 역삼동 </a:t>
+              </a:r>
+              <a:r>
+                <a:rPr lang="en-US" altLang="ko-KR" sz="1400" dirty="0"/>
+                <a:t>333 </a:t>
+              </a:r>
+              <a:endParaRPr lang="en-US" altLang="ko-KR" sz="1400" dirty="0" smtClean="0"/>
+            </a:p>
+            <a:p>
+              <a:pPr algn="ctr"/>
+              <a:r>
+                <a:rPr lang="ko-KR" altLang="en-US" sz="1400" dirty="0" smtClean="0"/>
+                <a:t>부산광역시 중구 </a:t>
+              </a:r>
+              <a:r>
+                <a:rPr lang="ko-KR" altLang="en-US" sz="1400" dirty="0" err="1" smtClean="0"/>
+                <a:t>남포동</a:t>
+              </a:r>
+              <a:r>
+                <a:rPr lang="ko-KR" altLang="en-US" sz="1400" dirty="0" smtClean="0"/>
+                <a:t> </a:t>
+              </a:r>
+              <a:r>
+                <a:rPr lang="en-US" altLang="ko-KR" sz="1400" dirty="0" smtClean="0"/>
+                <a:t>987</a:t>
+              </a:r>
+            </a:p>
+            <a:p>
+              <a:pPr algn="ctr"/>
+              <a:r>
+                <a:rPr lang="ko-KR" altLang="en-US" sz="1400" dirty="0"/>
+                <a:t>대전광역시 서구 </a:t>
+              </a:r>
+              <a:r>
+                <a:rPr lang="ko-KR" altLang="en-US" sz="1400" dirty="0" err="1"/>
+                <a:t>월평동</a:t>
+              </a:r>
+              <a:r>
+                <a:rPr lang="ko-KR" altLang="en-US" sz="1400" dirty="0"/>
+                <a:t> </a:t>
+              </a:r>
+              <a:r>
+                <a:rPr lang="en-US" altLang="ko-KR" sz="1400" dirty="0"/>
+                <a:t>243 </a:t>
+              </a:r>
+              <a:r>
+                <a:rPr lang="ko-KR" altLang="en-US" sz="1400" dirty="0" err="1"/>
+                <a:t>스타게이트</a:t>
+              </a:r>
+              <a:r>
+                <a:rPr lang="ko-KR" altLang="en-US" sz="1400" dirty="0"/>
+                <a:t> </a:t>
+              </a:r>
+              <a:r>
+                <a:rPr lang="en-US" altLang="ko-KR" sz="1400" dirty="0"/>
+                <a:t>7</a:t>
+              </a:r>
+              <a:r>
+                <a:rPr lang="ko-KR" altLang="en-US" sz="1400" dirty="0" smtClean="0"/>
+                <a:t>층</a:t>
+              </a:r>
+              <a:endParaRPr lang="en-US" altLang="ko-KR" sz="1400" dirty="0" smtClean="0"/>
+            </a:p>
+            <a:p>
+              <a:pPr algn="ctr"/>
+              <a:r>
+                <a:rPr lang="ko-KR" altLang="en-US" sz="1400" dirty="0"/>
+                <a:t>대전광역시 서구 </a:t>
+              </a:r>
+              <a:r>
+                <a:rPr lang="ko-KR" altLang="en-US" sz="1400" dirty="0" err="1"/>
+                <a:t>갈마동</a:t>
+              </a:r>
+              <a:r>
+                <a:rPr lang="ko-KR" altLang="en-US" sz="1400" dirty="0"/>
+                <a:t> </a:t>
+              </a:r>
+              <a:r>
+                <a:rPr lang="en-US" altLang="ko-KR" sz="1400" dirty="0"/>
+                <a:t>123 </a:t>
+              </a:r>
+              <a:r>
+                <a:rPr lang="ko-KR" altLang="en-US" sz="1400" dirty="0" err="1"/>
+                <a:t>사오륙빌딩</a:t>
+              </a:r>
+              <a:r>
+                <a:rPr lang="ko-KR" altLang="en-US" sz="1400" dirty="0"/>
+                <a:t> </a:t>
+              </a:r>
+              <a:r>
+                <a:rPr lang="en-US" altLang="ko-KR" sz="1400" dirty="0"/>
+                <a:t>7</a:t>
+              </a:r>
+              <a:r>
+                <a:rPr lang="ko-KR" altLang="en-US" sz="1400" dirty="0" smtClean="0"/>
+                <a:t>층</a:t>
+              </a:r>
+              <a:endParaRPr lang="en-US" altLang="ko-KR" sz="1400" dirty="0"/>
+            </a:p>
+            <a:p>
+              <a:pPr algn="ctr"/>
+              <a:endParaRPr lang="en-US" altLang="ko-KR" sz="1400" dirty="0"/>
+            </a:p>
+            <a:p>
+              <a:pPr algn="ctr"/>
+              <a:endParaRPr lang="ko-KR" altLang="en-US" sz="1400" dirty="0"/>
+            </a:p>
+          </p:txBody>
+        </p:sp>
+      </p:grpSp>
+    </p:spTree>
+    <p:extLst>
+      <p:ext uri="{BB962C8B-B14F-4D97-AF65-F5344CB8AC3E}">
+        <p14:creationId xmlns:p14="http://schemas.microsoft.com/office/powerpoint/2010/main" val="2114327129"/>
+      </p:ext>
+    </p:extLst>
+  </p:cSld>
+  <p:clrMapOvr>
+    <a:masterClrMapping/>
+  </p:clrMapOvr>
+  <p:timing>
+    <p:tnLst>
+      <p:par>
+        <p:cTn id="1" dur="indefinite" restart="never" nodeType="tmRoot">
+          <p:childTnLst>
+            <p:seq concurrent="1" nextAc="seek">
+              <p:cTn id="2" dur="indefinite" nodeType="mainSeq">
+                <p:childTnLst>
+                  <p:par>
+                    <p:cTn id="3" fill="hold">
+                      <p:stCondLst>
+                        <p:cond delay="indefinite"/>
+                      </p:stCondLst>
+                      <p:childTnLst>
+                        <p:par>
+                          <p:cTn id="4" fill="hold">
+                            <p:stCondLst>
+                              <p:cond delay="0"/>
+                            </p:stCondLst>
+                            <p:childTnLst>
+                              <p:par>
+                                <p:cTn id="5" presetID="1" presetClass="exit" presetSubtype="0" fill="hold" nodeType="clickEffect">
+                                  <p:stCondLst>
+                                    <p:cond delay="0"/>
+                                  </p:stCondLst>
+                                  <p:childTnLst>
+                                    <p:set>
+                                      <p:cBhvr>
+                                        <p:cTn id="6" dur="1" fill="hold">
+                                          <p:stCondLst>
+                                            <p:cond delay="0"/>
+                                          </p:stCondLst>
+                                        </p:cTn>
+                                        <p:tgtEl>
+                                          <p:spTgt spid="13"/>
+                                        </p:tgtEl>
+                                        <p:attrNameLst>
+                                          <p:attrName>style.visibility</p:attrName>
+                                        </p:attrNameLst>
+                                      </p:cBhvr>
+                                      <p:to>
+                                        <p:strVal val="hidden"/>
+                                      </p:to>
+                                    </p:set>
+                                  </p:childTnLst>
+                                </p:cTn>
+                              </p:par>
+                            </p:childTnLst>
+                          </p:cTn>
+                        </p:par>
+                      </p:childTnLst>
+                    </p:cTn>
+                  </p:par>
+                </p:childTnLst>
+              </p:cTn>
+              <p:prevCondLst>
+                <p:cond evt="onPrev" delay="0">
+                  <p:tgtEl>
+                    <p:sldTgt/>
+                  </p:tgtEl>
+                </p:cond>
+              </p:prevCondLst>
+              <p:nextCondLst>
+                <p:cond evt="onNext" delay="0">
+                  <p:tgtEl>
+                    <p:sldTgt/>
+                  </p:tgtEl>
+                </p:cond>
+              </p:nextCondLst>
+            </p:seq>
+          </p:childTnLst>
+        </p:cTn>
+      </p:par>
+    </p:tnLst>
+  </p:timing>
+</p:sld>
+</file>
+
+<file path=ppt/slides/slide11.xml><?xml version="1.0" encoding="utf-8"?>
+<p:sld xmlns:a="http://schemas.openxmlformats.org/drawingml/2006/main" xmlns:r="http://schemas.openxmlformats.org/officeDocument/2006/relationships" xmlns:p="http://schemas.openxmlformats.org/presentationml/2006/main">
+  <p:cSld>
+    <p:spTree>
+      <p:nvGrpSpPr>
+        <p:cNvPr id="1" name=""/>
+        <p:cNvGrpSpPr/>
+        <p:nvPr/>
+      </p:nvGrpSpPr>
+      <p:grpSpPr>
+        <a:xfrm>
+          <a:off x="0" y="0"/>
+          <a:ext cx="0" cy="0"/>
+          <a:chOff x="0" y="0"/>
+          <a:chExt cx="0" cy="0"/>
+        </a:xfrm>
+      </p:grpSpPr>
+      <p:sp>
+        <p:nvSpPr>
+          <p:cNvPr id="2" name="모서리가 둥근 직사각형 1"/>
+          <p:cNvSpPr/>
+          <p:nvPr/>
+        </p:nvSpPr>
+        <p:spPr>
+          <a:xfrm>
+            <a:off x="4192372" y="5744748"/>
+            <a:ext cx="1800000" cy="612000"/>
+          </a:xfrm>
+          <a:prstGeom prst="roundRect">
+            <a:avLst/>
+          </a:prstGeom>
+        </p:spPr>
+        <p:style>
+          <a:lnRef idx="2">
+            <a:schemeClr val="accent2">
+              <a:shade val="50000"/>
+            </a:schemeClr>
+          </a:lnRef>
+          <a:fillRef idx="1">
+            <a:schemeClr val="accent2"/>
+          </a:fillRef>
+          <a:effectRef idx="0">
+            <a:schemeClr val="accent2"/>
+          </a:effectRef>
+          <a:fontRef idx="minor">
+            <a:schemeClr val="lt1"/>
+          </a:fontRef>
+        </p:style>
+        <p:txBody>
+          <a:bodyPr rtlCol="0" anchor="ctr"/>
+          <a:lstStyle/>
+          <a:p>
+            <a:pPr algn="ctr"/>
+            <a:r>
+              <a:rPr lang="ko-KR" altLang="en-US" dirty="0" smtClean="0">
+                <a:solidFill>
+                  <a:schemeClr val="tx1"/>
+                </a:solidFill>
+              </a:rPr>
+              <a:t>송장 </a:t>
+            </a:r>
+            <a:r>
+              <a:rPr lang="en-US" altLang="ko-KR" dirty="0" smtClean="0">
+                <a:solidFill>
+                  <a:schemeClr val="tx1"/>
+                </a:solidFill>
+              </a:rPr>
+              <a:t>CSV</a:t>
+            </a:r>
+            <a:r>
+              <a:rPr lang="ko-KR" altLang="en-US" dirty="0" smtClean="0">
+                <a:solidFill>
+                  <a:schemeClr val="tx1"/>
+                </a:solidFill>
+              </a:rPr>
+              <a:t> </a:t>
+            </a:r>
+            <a:endParaRPr lang="en-US" altLang="ko-KR" dirty="0" smtClean="0">
+              <a:solidFill>
+                <a:schemeClr val="tx1"/>
+              </a:solidFill>
+            </a:endParaRPr>
+          </a:p>
+          <a:p>
+            <a:pPr algn="ctr"/>
+            <a:r>
+              <a:rPr lang="ko-KR" altLang="en-US" dirty="0" smtClean="0">
+                <a:solidFill>
+                  <a:schemeClr val="tx1"/>
+                </a:solidFill>
+              </a:rPr>
+              <a:t>다운로드</a:t>
+            </a:r>
+            <a:endParaRPr lang="ko-KR" altLang="en-US" dirty="0">
+              <a:solidFill>
+                <a:schemeClr val="tx1"/>
+              </a:solidFill>
+            </a:endParaRPr>
+          </a:p>
+        </p:txBody>
+      </p:sp>
+      <p:sp>
+        <p:nvSpPr>
+          <p:cNvPr id="3" name="모서리가 둥근 직사각형 2">
+            <a:hlinkClick r:id="rId2" action="ppaction://hlinksldjump"/>
+          </p:cNvPr>
+          <p:cNvSpPr/>
+          <p:nvPr/>
+        </p:nvSpPr>
+        <p:spPr>
+          <a:xfrm>
+            <a:off x="6840432" y="260648"/>
+            <a:ext cx="1620000" cy="612000"/>
+          </a:xfrm>
+          <a:prstGeom prst="roundRect">
+            <a:avLst/>
+          </a:prstGeom>
+        </p:spPr>
+        <p:style>
+          <a:lnRef idx="2">
+            <a:schemeClr val="accent2">
+              <a:shade val="50000"/>
+            </a:schemeClr>
+          </a:lnRef>
+          <a:fillRef idx="1">
+            <a:schemeClr val="accent2"/>
+          </a:fillRef>
+          <a:effectRef idx="0">
+            <a:schemeClr val="accent2"/>
+          </a:effectRef>
+          <a:fontRef idx="minor">
+            <a:schemeClr val="lt1"/>
+          </a:fontRef>
+        </p:style>
+        <p:txBody>
+          <a:bodyPr rtlCol="0" anchor="ctr"/>
+          <a:lstStyle/>
+          <a:p>
+            <a:pPr algn="ctr"/>
+            <a:r>
+              <a:rPr lang="ko-KR" altLang="en-US" dirty="0" smtClean="0">
+                <a:solidFill>
+                  <a:schemeClr val="tx1"/>
+                </a:solidFill>
+              </a:rPr>
+              <a:t>로그아웃</a:t>
+            </a:r>
+            <a:endParaRPr lang="ko-KR" altLang="en-US" dirty="0">
+              <a:solidFill>
+                <a:schemeClr val="tx1"/>
+              </a:solidFill>
+            </a:endParaRPr>
+          </a:p>
+        </p:txBody>
+      </p:sp>
+      <p:sp>
+        <p:nvSpPr>
+          <p:cNvPr id="5" name="TextBox 4"/>
+          <p:cNvSpPr txBox="1"/>
+          <p:nvPr/>
+        </p:nvSpPr>
+        <p:spPr>
+          <a:xfrm>
+            <a:off x="971600" y="0"/>
+            <a:ext cx="3096344" cy="369332"/>
+          </a:xfrm>
+          <a:prstGeom prst="rect">
+            <a:avLst/>
+          </a:prstGeom>
+          <a:noFill/>
+        </p:spPr>
+        <p:txBody>
+          <a:bodyPr wrap="square" rtlCol="0">
+            <a:spAutoFit/>
+          </a:bodyPr>
+          <a:lstStyle/>
+          <a:p>
+            <a:r>
+              <a:rPr lang="en-US" altLang="ko-KR" dirty="0"/>
+              <a:t>T</a:t>
+            </a:r>
+            <a:r>
+              <a:rPr lang="en-US" altLang="ko-KR" dirty="0" smtClean="0"/>
+              <a:t>ransport</a:t>
+            </a:r>
+          </a:p>
+        </p:txBody>
+      </p:sp>
+      <p:grpSp>
+        <p:nvGrpSpPr>
+          <p:cNvPr id="8" name="그룹 7"/>
+          <p:cNvGrpSpPr/>
+          <p:nvPr/>
+        </p:nvGrpSpPr>
+        <p:grpSpPr>
+          <a:xfrm>
+            <a:off x="1544312" y="1085542"/>
+            <a:ext cx="6916120" cy="4320480"/>
+            <a:chOff x="1544312" y="1085542"/>
+            <a:chExt cx="6916120" cy="4320480"/>
+          </a:xfrm>
+        </p:grpSpPr>
+        <p:sp>
+          <p:nvSpPr>
+            <p:cNvPr id="9" name="모서리가 둥근 직사각형 8"/>
+            <p:cNvSpPr/>
+            <p:nvPr/>
+          </p:nvSpPr>
+          <p:spPr>
+            <a:xfrm>
+              <a:off x="1544312" y="1085542"/>
+              <a:ext cx="6916120" cy="4320480"/>
+            </a:xfrm>
+            <a:prstGeom prst="roundRect">
+              <a:avLst/>
+            </a:prstGeom>
+          </p:spPr>
+          <p:style>
+            <a:lnRef idx="2">
+              <a:schemeClr val="accent2"/>
+            </a:lnRef>
+            <a:fillRef idx="1">
+              <a:schemeClr val="lt1"/>
+            </a:fillRef>
+            <a:effectRef idx="0">
+              <a:schemeClr val="accent2"/>
+            </a:effectRef>
+            <a:fontRef idx="minor">
+              <a:schemeClr val="dk1"/>
+            </a:fontRef>
+          </p:style>
+          <p:txBody>
+            <a:bodyPr rtlCol="0" anchor="ctr"/>
+            <a:lstStyle/>
+            <a:p>
+              <a:pPr algn="ctr"/>
+              <a:r>
+                <a:rPr lang="ko-KR" altLang="en-US" dirty="0" smtClean="0">
+                  <a:solidFill>
+                    <a:schemeClr val="tx1"/>
+                  </a:solidFill>
+                </a:rPr>
+                <a:t> </a:t>
+              </a:r>
+              <a:endParaRPr lang="ko-KR" altLang="en-US" dirty="0">
+                <a:solidFill>
+                  <a:schemeClr val="tx1"/>
+                </a:solidFill>
+              </a:endParaRPr>
+            </a:p>
+          </p:txBody>
+        </p:sp>
+        <p:grpSp>
+          <p:nvGrpSpPr>
+            <p:cNvPr id="12" name="그룹 11"/>
+            <p:cNvGrpSpPr/>
+            <p:nvPr/>
+          </p:nvGrpSpPr>
+          <p:grpSpPr>
+            <a:xfrm>
+              <a:off x="1547664" y="1669450"/>
+              <a:ext cx="6912768" cy="1762674"/>
+              <a:chOff x="1547664" y="1669450"/>
+              <a:chExt cx="6912768" cy="1762674"/>
+            </a:xfrm>
+          </p:grpSpPr>
+          <p:sp>
+            <p:nvSpPr>
+              <p:cNvPr id="14" name="TextBox 13"/>
+              <p:cNvSpPr txBox="1"/>
+              <p:nvPr/>
+            </p:nvSpPr>
+            <p:spPr>
+              <a:xfrm>
+                <a:off x="1691680" y="1669450"/>
+                <a:ext cx="6768752" cy="369332"/>
+              </a:xfrm>
+              <a:prstGeom prst="rect">
+                <a:avLst/>
+              </a:prstGeom>
+              <a:noFill/>
+            </p:spPr>
+            <p:txBody>
+              <a:bodyPr wrap="square" rtlCol="0">
+                <a:spAutoFit/>
+              </a:bodyPr>
+              <a:lstStyle/>
+              <a:p>
+                <a:r>
+                  <a:rPr lang="ko-KR" altLang="en-US" dirty="0" smtClean="0"/>
+                  <a:t>   고객명                            </a:t>
+                </a:r>
+                <a:r>
+                  <a:rPr lang="en-US" altLang="ko-KR" dirty="0" smtClean="0"/>
+                  <a:t>  </a:t>
+                </a:r>
+                <a:r>
+                  <a:rPr lang="ko-KR" altLang="en-US" dirty="0" smtClean="0"/>
+                  <a:t>주소</a:t>
+                </a:r>
+                <a:r>
+                  <a:rPr lang="en-US" altLang="ko-KR" dirty="0" smtClean="0"/>
+                  <a:t>		                </a:t>
+                </a:r>
+                <a:r>
+                  <a:rPr lang="ko-KR" altLang="en-US" dirty="0" smtClean="0"/>
+                  <a:t>물품</a:t>
+                </a:r>
+                <a:endParaRPr lang="en-US" altLang="ko-KR" dirty="0" smtClean="0"/>
+              </a:p>
+            </p:txBody>
+          </p:sp>
+          <p:sp>
+            <p:nvSpPr>
+              <p:cNvPr id="15" name="TextBox 14"/>
+              <p:cNvSpPr txBox="1"/>
+              <p:nvPr/>
+            </p:nvSpPr>
+            <p:spPr>
+              <a:xfrm>
+                <a:off x="1547664" y="2908904"/>
+                <a:ext cx="5616624" cy="523220"/>
+              </a:xfrm>
+              <a:prstGeom prst="rect">
+                <a:avLst/>
+              </a:prstGeom>
+              <a:noFill/>
+            </p:spPr>
+            <p:txBody>
+              <a:bodyPr wrap="square" rtlCol="0">
+                <a:spAutoFit/>
+              </a:bodyPr>
+              <a:lstStyle/>
+              <a:p>
+                <a:r>
+                  <a:rPr lang="en-US" altLang="ko-KR" sz="1400" dirty="0"/>
+                  <a:t> </a:t>
+                </a:r>
+                <a:r>
+                  <a:rPr lang="en-US" altLang="ko-KR" sz="1400" dirty="0" smtClean="0"/>
+                  <a:t>       </a:t>
+                </a:r>
+                <a:r>
+                  <a:rPr lang="ko-KR" altLang="en-US" sz="1400" dirty="0" err="1" smtClean="0"/>
+                  <a:t>김자바</a:t>
+                </a:r>
+                <a:r>
+                  <a:rPr lang="en-US" altLang="ko-KR" sz="1400" dirty="0" smtClean="0"/>
+                  <a:t>             </a:t>
+                </a:r>
+                <a:r>
+                  <a:rPr lang="ko-KR" altLang="en-US" sz="1400" dirty="0" smtClean="0"/>
+                  <a:t>대전광역시 서구 </a:t>
+                </a:r>
+                <a:r>
+                  <a:rPr lang="ko-KR" altLang="en-US" sz="1400" dirty="0" err="1" smtClean="0"/>
+                  <a:t>월평동</a:t>
+                </a:r>
+                <a:r>
+                  <a:rPr lang="ko-KR" altLang="en-US" sz="1400" dirty="0" smtClean="0"/>
+                  <a:t> </a:t>
+                </a:r>
+                <a:r>
+                  <a:rPr lang="en-US" altLang="ko-KR" sz="1400" dirty="0" smtClean="0"/>
+                  <a:t>243 </a:t>
+                </a:r>
+                <a:r>
+                  <a:rPr lang="ko-KR" altLang="en-US" sz="1400" dirty="0" err="1" smtClean="0"/>
+                  <a:t>스타게이트</a:t>
+                </a:r>
+                <a:r>
+                  <a:rPr lang="ko-KR" altLang="en-US" sz="1400" dirty="0" smtClean="0"/>
+                  <a:t> </a:t>
+                </a:r>
+                <a:r>
+                  <a:rPr lang="en-US" altLang="ko-KR" sz="1400" dirty="0" smtClean="0"/>
+                  <a:t>7</a:t>
+                </a:r>
+                <a:r>
+                  <a:rPr lang="ko-KR" altLang="en-US" sz="1400" dirty="0" smtClean="0"/>
+                  <a:t>층</a:t>
+                </a:r>
+                <a:r>
+                  <a:rPr lang="en-US" altLang="ko-KR" sz="1400" dirty="0" smtClean="0"/>
+                  <a:t>	</a:t>
+                </a:r>
+              </a:p>
+            </p:txBody>
+          </p:sp>
+        </p:grpSp>
+        <p:sp>
+          <p:nvSpPr>
+            <p:cNvPr id="11" name="TextBox 10"/>
+            <p:cNvSpPr txBox="1"/>
+            <p:nvPr/>
+          </p:nvSpPr>
+          <p:spPr>
+            <a:xfrm>
+              <a:off x="2051720" y="1268760"/>
+              <a:ext cx="3384376" cy="369332"/>
+            </a:xfrm>
+            <a:prstGeom prst="rect">
+              <a:avLst/>
+            </a:prstGeom>
+            <a:noFill/>
+          </p:spPr>
+          <p:txBody>
+            <a:bodyPr wrap="square" rtlCol="0">
+              <a:spAutoFit/>
+            </a:bodyPr>
+            <a:lstStyle/>
+            <a:p>
+              <a:r>
+                <a:rPr lang="ko-KR" altLang="en-US" dirty="0" smtClean="0"/>
+                <a:t>송장번호 </a:t>
+              </a:r>
+              <a:r>
+                <a:rPr lang="en-US" altLang="ko-KR" dirty="0" smtClean="0"/>
+                <a:t>a1001</a:t>
+              </a:r>
+              <a:endParaRPr lang="ko-KR" altLang="en-US" dirty="0"/>
+            </a:p>
+          </p:txBody>
+        </p:sp>
+      </p:grpSp>
+      <p:sp>
+        <p:nvSpPr>
+          <p:cNvPr id="21" name="TextBox 20"/>
+          <p:cNvSpPr txBox="1"/>
+          <p:nvPr/>
+        </p:nvSpPr>
+        <p:spPr>
+          <a:xfrm>
+            <a:off x="7164288" y="2240374"/>
+            <a:ext cx="1296144" cy="1815882"/>
+          </a:xfrm>
+          <a:prstGeom prst="rect">
+            <a:avLst/>
+          </a:prstGeom>
+          <a:noFill/>
+        </p:spPr>
+        <p:txBody>
+          <a:bodyPr wrap="square" rtlCol="0">
+            <a:spAutoFit/>
+          </a:bodyPr>
+          <a:lstStyle/>
+          <a:p>
+            <a:r>
+              <a:rPr lang="ko-KR" altLang="en-US" sz="1400" dirty="0" smtClean="0"/>
+              <a:t>삼겹살</a:t>
+            </a:r>
+            <a:endParaRPr lang="en-US" altLang="ko-KR" sz="1400" dirty="0" smtClean="0"/>
+          </a:p>
+          <a:p>
+            <a:r>
+              <a:rPr lang="ko-KR" altLang="en-US" sz="1400" dirty="0" smtClean="0"/>
+              <a:t>목살</a:t>
+            </a:r>
+            <a:endParaRPr lang="en-US" altLang="ko-KR" sz="1400" dirty="0" smtClean="0"/>
+          </a:p>
+          <a:p>
+            <a:r>
+              <a:rPr lang="ko-KR" altLang="en-US" sz="1400" dirty="0" smtClean="0"/>
+              <a:t>대파 </a:t>
+            </a:r>
+            <a:endParaRPr lang="en-US" altLang="ko-KR" sz="1400" dirty="0" smtClean="0"/>
+          </a:p>
+          <a:p>
+            <a:r>
+              <a:rPr lang="ko-KR" altLang="en-US" sz="1400" dirty="0" smtClean="0"/>
+              <a:t>쌈장 </a:t>
+            </a:r>
+            <a:endParaRPr lang="en-US" altLang="ko-KR" sz="1400" dirty="0" smtClean="0"/>
+          </a:p>
+          <a:p>
+            <a:r>
+              <a:rPr lang="ko-KR" altLang="en-US" sz="1400" dirty="0" smtClean="0"/>
+              <a:t>젓가락</a:t>
+            </a:r>
+            <a:endParaRPr lang="en-US" altLang="ko-KR" sz="1400" dirty="0" smtClean="0"/>
+          </a:p>
+          <a:p>
+            <a:r>
+              <a:rPr lang="ko-KR" altLang="en-US" sz="1400" dirty="0" smtClean="0"/>
+              <a:t>일회용용기</a:t>
+            </a:r>
+            <a:endParaRPr lang="en-US" altLang="ko-KR" sz="1400" dirty="0" smtClean="0"/>
+          </a:p>
+          <a:p>
+            <a:r>
+              <a:rPr lang="ko-KR" altLang="en-US" sz="1400" dirty="0" smtClean="0"/>
+              <a:t>콜라</a:t>
+            </a:r>
+            <a:endParaRPr lang="en-US" altLang="ko-KR" sz="1400" dirty="0" smtClean="0"/>
+          </a:p>
+          <a:p>
+            <a:pPr marL="342900" indent="-342900">
+              <a:buAutoNum type="arabicPeriod"/>
+            </a:pPr>
+            <a:endParaRPr lang="ko-KR" altLang="en-US" sz="1400" dirty="0"/>
+          </a:p>
+        </p:txBody>
+      </p:sp>
+      <p:sp>
+        <p:nvSpPr>
+          <p:cNvPr id="16" name="모서리가 둥근 직사각형 15">
+            <a:hlinkClick r:id="rId3" action="ppaction://hlinksldjump"/>
+          </p:cNvPr>
+          <p:cNvSpPr/>
+          <p:nvPr/>
+        </p:nvSpPr>
+        <p:spPr>
+          <a:xfrm>
+            <a:off x="6840432" y="5744748"/>
+            <a:ext cx="1620000" cy="612000"/>
+          </a:xfrm>
+          <a:prstGeom prst="roundRect">
+            <a:avLst/>
+          </a:prstGeom>
+        </p:spPr>
+        <p:style>
+          <a:lnRef idx="2">
+            <a:schemeClr val="accent2">
+              <a:shade val="50000"/>
+            </a:schemeClr>
+          </a:lnRef>
+          <a:fillRef idx="1">
+            <a:schemeClr val="accent2"/>
+          </a:fillRef>
+          <a:effectRef idx="0">
+            <a:schemeClr val="accent2"/>
+          </a:effectRef>
+          <a:fontRef idx="minor">
+            <a:schemeClr val="lt1"/>
+          </a:fontRef>
+        </p:style>
+        <p:txBody>
+          <a:bodyPr rtlCol="0" anchor="ctr"/>
+          <a:lstStyle/>
+          <a:p>
+            <a:pPr algn="ctr"/>
+            <a:r>
+              <a:rPr lang="ko-KR" altLang="en-US" dirty="0" err="1" smtClean="0">
+                <a:solidFill>
+                  <a:schemeClr val="tx1"/>
+                </a:solidFill>
+              </a:rPr>
+              <a:t>뒤로가기</a:t>
+            </a:r>
+            <a:endParaRPr lang="ko-KR" altLang="en-US" dirty="0">
+              <a:solidFill>
+                <a:schemeClr val="tx1"/>
+              </a:solidFill>
+            </a:endParaRPr>
+          </a:p>
+        </p:txBody>
+      </p:sp>
+      <p:sp>
+        <p:nvSpPr>
+          <p:cNvPr id="25" name="모서리가 둥근 직사각형 24"/>
+          <p:cNvSpPr/>
+          <p:nvPr/>
+        </p:nvSpPr>
+        <p:spPr>
+          <a:xfrm>
+            <a:off x="2575571" y="369332"/>
+            <a:ext cx="4680000" cy="2160000"/>
+          </a:xfrm>
+          <a:prstGeom prst="roundRect">
+            <a:avLst/>
+          </a:prstGeom>
+          <a:solidFill>
+            <a:schemeClr val="bg1"/>
+          </a:solidFill>
+          <a:ln>
+            <a:solidFill>
+              <a:schemeClr val="accent2"/>
+            </a:solidFill>
+          </a:ln>
+        </p:spPr>
+        <p:style>
+          <a:lnRef idx="2">
+            <a:schemeClr val="accent1">
+              <a:shade val="50000"/>
+            </a:schemeClr>
+          </a:lnRef>
+          <a:fillRef idx="1">
+            <a:schemeClr val="accent1"/>
+          </a:fillRef>
+          <a:effectRef idx="0">
+            <a:schemeClr val="accent1"/>
+          </a:effectRef>
+          <a:fontRef idx="minor">
+            <a:schemeClr val="lt1"/>
+          </a:fontRef>
+        </p:style>
+        <p:txBody>
+          <a:bodyPr rtlCol="0" anchor="ctr"/>
+          <a:lstStyle/>
+          <a:p>
+            <a:pPr algn="ctr"/>
+            <a:r>
+              <a:rPr lang="ko-KR" altLang="en-US" dirty="0" smtClean="0">
+                <a:solidFill>
+                  <a:schemeClr val="tx1"/>
+                </a:solidFill>
+              </a:rPr>
+              <a:t>송장이 </a:t>
+            </a:r>
+            <a:r>
+              <a:rPr lang="en-US" altLang="ko-KR" dirty="0" smtClean="0">
+                <a:solidFill>
+                  <a:schemeClr val="tx1"/>
+                </a:solidFill>
+              </a:rPr>
+              <a:t>CSV</a:t>
+            </a:r>
+            <a:r>
+              <a:rPr lang="ko-KR" altLang="en-US" dirty="0" smtClean="0">
+                <a:solidFill>
+                  <a:schemeClr val="tx1"/>
+                </a:solidFill>
+              </a:rPr>
+              <a:t>파일로 다운로드 되었습니다</a:t>
+            </a:r>
+            <a:r>
+              <a:rPr lang="en-US" altLang="ko-KR" dirty="0" smtClean="0">
+                <a:solidFill>
+                  <a:schemeClr val="tx1"/>
+                </a:solidFill>
+              </a:rPr>
+              <a:t>.</a:t>
+            </a:r>
+            <a:endParaRPr lang="ko-KR" altLang="en-US" dirty="0">
+              <a:solidFill>
+                <a:schemeClr val="tx1"/>
+              </a:solidFill>
+            </a:endParaRPr>
+          </a:p>
+        </p:txBody>
+      </p:sp>
+    </p:spTree>
+    <p:extLst>
+      <p:ext uri="{BB962C8B-B14F-4D97-AF65-F5344CB8AC3E}">
+        <p14:creationId xmlns:p14="http://schemas.microsoft.com/office/powerpoint/2010/main" val="1068143714"/>
+      </p:ext>
+    </p:extLst>
+  </p:cSld>
+  <p:clrMapOvr>
+    <a:masterClrMapping/>
+  </p:clrMapOvr>
+  <p:timing>
+    <p:tnLst>
+      <p:par>
+        <p:cTn id="1" dur="indefinite" restart="never" nodeType="tmRoot">
+          <p:childTnLst>
+            <p:seq concurrent="1" nextAc="seek">
+              <p:cTn id="2" dur="indefinite" nodeType="mainSeq">
+                <p:childTnLst>
+                  <p:par>
+                    <p:cTn id="3" fill="hold">
+                      <p:stCondLst>
+                        <p:cond delay="indefinite"/>
+                      </p:stCondLst>
+                      <p:childTnLst>
+                        <p:par>
+                          <p:cTn id="4" fill="hold">
+                            <p:stCondLst>
+                              <p:cond delay="0"/>
+                            </p:stCondLst>
+                            <p:childTnLst>
+                              <p:par>
+                                <p:cTn id="5" presetID="2" presetClass="entr" presetSubtype="1" fill="hold" grpId="0" nodeType="clickEffect">
+                                  <p:stCondLst>
+                                    <p:cond delay="0"/>
+                                  </p:stCondLst>
+                                  <p:childTnLst>
+                                    <p:set>
+                                      <p:cBhvr>
+                                        <p:cTn id="6" dur="1" fill="hold">
+                                          <p:stCondLst>
+                                            <p:cond delay="0"/>
+                                          </p:stCondLst>
+                                        </p:cTn>
+                                        <p:tgtEl>
+                                          <p:spTgt spid="25"/>
+                                        </p:tgtEl>
+                                        <p:attrNameLst>
+                                          <p:attrName>style.visibility</p:attrName>
+                                        </p:attrNameLst>
+                                      </p:cBhvr>
+                                      <p:to>
+                                        <p:strVal val="visible"/>
+                                      </p:to>
+                                    </p:set>
+                                    <p:anim calcmode="lin" valueType="num">
+                                      <p:cBhvr additive="base">
+                                        <p:cTn id="7" dur="500" fill="hold"/>
+                                        <p:tgtEl>
+                                          <p:spTgt spid="25"/>
+                                        </p:tgtEl>
+                                        <p:attrNameLst>
+                                          <p:attrName>ppt_x</p:attrName>
+                                        </p:attrNameLst>
+                                      </p:cBhvr>
+                                      <p:tavLst>
+                                        <p:tav tm="0">
+                                          <p:val>
+                                            <p:strVal val="#ppt_x"/>
+                                          </p:val>
+                                        </p:tav>
+                                        <p:tav tm="100000">
+                                          <p:val>
+                                            <p:strVal val="#ppt_x"/>
+                                          </p:val>
+                                        </p:tav>
+                                      </p:tavLst>
+                                    </p:anim>
+                                    <p:anim calcmode="lin" valueType="num">
+                                      <p:cBhvr additive="base">
+                                        <p:cTn id="8" dur="500" fill="hold"/>
+                                        <p:tgtEl>
+                                          <p:spTgt spid="25"/>
+                                        </p:tgtEl>
+                                        <p:attrNameLst>
+                                          <p:attrName>ppt_y</p:attrName>
+                                        </p:attrNameLst>
+                                      </p:cBhvr>
+                                      <p:tavLst>
+                                        <p:tav tm="0">
+                                          <p:val>
+                                            <p:strVal val="0-#ppt_h/2"/>
+                                          </p:val>
+                                        </p:tav>
+                                        <p:tav tm="100000">
+                                          <p:val>
+                                            <p:strVal val="#ppt_y"/>
+                                          </p:val>
+                                        </p:tav>
+                                      </p:tavLst>
+                                    </p:anim>
+                                  </p:childTnLst>
+                                </p:cTn>
+                              </p:par>
+                            </p:childTnLst>
+                          </p:cTn>
+                        </p:par>
+                      </p:childTnLst>
+                    </p:cTn>
+                  </p:par>
+                  <p:par>
+                    <p:cTn id="9" fill="hold">
+                      <p:stCondLst>
+                        <p:cond delay="indefinite"/>
+                      </p:stCondLst>
+                      <p:childTnLst>
+                        <p:par>
+                          <p:cTn id="10" fill="hold">
+                            <p:stCondLst>
+                              <p:cond delay="0"/>
+                            </p:stCondLst>
+                            <p:childTnLst>
+                              <p:par>
+                                <p:cTn id="11" presetID="1" presetClass="exit" presetSubtype="0" fill="hold" grpId="1" nodeType="clickEffect">
+                                  <p:stCondLst>
+                                    <p:cond delay="0"/>
+                                  </p:stCondLst>
+                                  <p:childTnLst>
+                                    <p:set>
+                                      <p:cBhvr>
+                                        <p:cTn id="12" dur="1" fill="hold">
+                                          <p:stCondLst>
+                                            <p:cond delay="0"/>
+                                          </p:stCondLst>
+                                        </p:cTn>
+                                        <p:tgtEl>
+                                          <p:spTgt spid="25"/>
+                                        </p:tgtEl>
+                                        <p:attrNameLst>
+                                          <p:attrName>style.visibility</p:attrName>
+                                        </p:attrNameLst>
+                                      </p:cBhvr>
+                                      <p:to>
+                                        <p:strVal val="hidden"/>
+                                      </p:to>
+                                    </p:set>
+                                  </p:childTnLst>
+                                </p:cTn>
+                              </p:par>
+                            </p:childTnLst>
+                          </p:cTn>
+                        </p:par>
+                      </p:childTnLst>
+                    </p:cTn>
+                  </p:par>
+                </p:childTnLst>
+              </p:cTn>
+              <p:prevCondLst>
+                <p:cond evt="onPrev" delay="0">
+                  <p:tgtEl>
+                    <p:sldTgt/>
+                  </p:tgtEl>
+                </p:cond>
+              </p:prevCondLst>
+              <p:nextCondLst>
+                <p:cond evt="onNext" delay="0">
+                  <p:tgtEl>
+                    <p:sldTgt/>
+                  </p:tgtEl>
+                </p:cond>
+              </p:nextCondLst>
+            </p:seq>
+          </p:childTnLst>
+        </p:cTn>
+      </p:par>
+    </p:tnLst>
+    <p:bldLst>
+      <p:bldP spid="25" grpId="0" animBg="1"/>
+      <p:bldP spid="25" grpId="1" animBg="1"/>
+    </p:bldLst>
+  </p:timing>
+</p:sld>
+</file>
+
+<file path=ppt/slides/slide12.xml><?xml version="1.0" encoding="utf-8"?>
+<p:sld xmlns:a="http://schemas.openxmlformats.org/drawingml/2006/main" xmlns:r="http://schemas.openxmlformats.org/officeDocument/2006/relationships" xmlns:p="http://schemas.openxmlformats.org/presentationml/2006/main">
+  <p:cSld>
+    <p:spTree>
+      <p:nvGrpSpPr>
+        <p:cNvPr id="1" name=""/>
+        <p:cNvGrpSpPr/>
+        <p:nvPr/>
+      </p:nvGrpSpPr>
+      <p:grpSpPr>
+        <a:xfrm>
+          <a:off x="0" y="0"/>
+          <a:ext cx="0" cy="0"/>
+          <a:chOff x="0" y="0"/>
+          <a:chExt cx="0" cy="0"/>
+        </a:xfrm>
+      </p:grpSpPr>
+      <p:sp>
+        <p:nvSpPr>
           <p:cNvPr id="5" name="TextBox 4"/>
           <p:cNvSpPr txBox="1"/>
           <p:nvPr/>
@@ -5526,7 +7313,7 @@
 </p:sld>
 </file>
 
-<file path=ppt/slides/slide11.xml><?xml version="1.0" encoding="utf-8"?>
+<file path=ppt/slides/slide13.xml><?xml version="1.0" encoding="utf-8"?>
 <p:sld xmlns:a="http://schemas.openxmlformats.org/drawingml/2006/main" xmlns:r="http://schemas.openxmlformats.org/officeDocument/2006/relationships" xmlns:p="http://schemas.openxmlformats.org/presentationml/2006/main">
   <p:cSld>
     <p:spTree>
@@ -6834,7 +8621,7 @@
 </p:sld>
 </file>
 
-<file path=ppt/slides/slide12.xml><?xml version="1.0" encoding="utf-8"?>
+<file path=ppt/slides/slide14.xml><?xml version="1.0" encoding="utf-8"?>
 <p:sld xmlns:a="http://schemas.openxmlformats.org/drawingml/2006/main" xmlns:r="http://schemas.openxmlformats.org/officeDocument/2006/relationships" xmlns:p="http://schemas.openxmlformats.org/presentationml/2006/main">
   <p:cSld>
     <p:spTree>
@@ -13031,14 +14818,14 @@
           <p:nvPr>
             <p:extLst>
               <p:ext uri="{D42A27DB-BD31-4B8C-83A1-F6EECF244321}">
-                <p14:modId xmlns:p14="http://schemas.microsoft.com/office/powerpoint/2010/main" val="1160053351"/>
+                <p14:modId xmlns:p14="http://schemas.microsoft.com/office/powerpoint/2010/main" val="1206724029"/>
               </p:ext>
             </p:extLst>
           </p:nvPr>
         </p:nvGraphicFramePr>
         <p:xfrm>
-          <a:off x="1115616" y="116632"/>
-          <a:ext cx="7920880" cy="6631092"/>
+          <a:off x="0" y="1"/>
+          <a:ext cx="9143999" cy="6857999"/>
         </p:xfrm>
         <a:graphic>
           <a:graphicData uri="http://schemas.openxmlformats.org/drawingml/2006/table">
@@ -13047,12 +14834,12 @@
                 <a:tableStyleId>{21E4AEA4-8DFA-4A89-87EB-49C32662AFE0}</a:tableStyleId>
               </a:tblPr>
               <a:tblGrid>
-                <a:gridCol w="1980220"/>
-                <a:gridCol w="1980220"/>
-                <a:gridCol w="2092308"/>
-                <a:gridCol w="1868132"/>
+                <a:gridCol w="2254491"/>
+                <a:gridCol w="2254491"/>
+                <a:gridCol w="2435981"/>
+                <a:gridCol w="2199036"/>
               </a:tblGrid>
-              <a:tr h="926253">
+              <a:tr h="805181">
                 <a:tc>
                   <a:txBody>
                     <a:bodyPr/>
@@ -13091,7 +14878,7 @@
                       <a:pPr algn="ctr" latinLnBrk="1"/>
                       <a:r>
                         <a:rPr lang="ko-KR" altLang="en-US" dirty="0" smtClean="0"/>
-                        <a:t>송장</a:t>
+                        <a:t>주문</a:t>
                       </a:r>
                       <a:endParaRPr lang="ko-KR" altLang="en-US" dirty="0"/>
                     </a:p>
@@ -13114,7 +14901,7 @@
                   <a:tcPr anchor="ctr"/>
                 </a:tc>
               </a:tr>
-              <a:tr h="926253">
+              <a:tr h="805181">
                 <a:tc>
                   <a:txBody>
                     <a:bodyPr/>
@@ -13149,12 +14936,12 @@
                     <a:bodyPr/>
                     <a:lstStyle/>
                     <a:p>
-                      <a:pPr algn="ctr"/>
+                      <a:pPr algn="ctr" latinLnBrk="1"/>
                       <a:r>
                         <a:rPr lang="en-US" altLang="ko-KR" dirty="0" smtClean="0"/>
-                        <a:t>invoice</a:t>
+                        <a:t>order</a:t>
                       </a:r>
-                      <a:endParaRPr lang="ko-KR" altLang="en-US" dirty="0"/>
+                      <a:endParaRPr lang="en-US" altLang="ko-KR" dirty="0" smtClean="0"/>
                     </a:p>
                   </a:txBody>
                   <a:tcPr anchor="ctr"/>
@@ -13167,7 +14954,7 @@
                       <a:pPr algn="ctr"/>
                       <a:r>
                         <a:rPr lang="en-US" altLang="ko-KR" dirty="0" smtClean="0"/>
-                        <a:t>customer</a:t>
+                        <a:t>invoice</a:t>
                       </a:r>
                       <a:endParaRPr lang="ko-KR" altLang="en-US" dirty="0"/>
                     </a:p>
@@ -13175,7 +14962,7 @@
                   <a:tcPr anchor="ctr"/>
                 </a:tc>
               </a:tr>
-              <a:tr h="1733587">
+              <a:tr h="1997499">
                 <a:tc>
                   <a:txBody>
                     <a:bodyPr/>
@@ -13300,40 +15087,23 @@
                     <a:bodyPr/>
                     <a:lstStyle/>
                     <a:p>
+                      <a:pPr algn="l" latinLnBrk="1"/>
                       <a:r>
                         <a:rPr lang="en-US" altLang="ko-KR" b="1" dirty="0" smtClean="0"/>
                         <a:t>(S)</a:t>
                       </a:r>
                       <a:r>
                         <a:rPr lang="en-US" altLang="ko-KR" b="1" dirty="0" err="1" smtClean="0"/>
-                        <a:t>iCode</a:t>
+                        <a:t>oCode</a:t>
                       </a:r>
-                      <a:endParaRPr lang="en-US" altLang="ko-KR" b="1" dirty="0" smtClean="0"/>
-                    </a:p>
-                    <a:p>
-                      <a:r>
-                        <a:rPr lang="en-US" altLang="ko-KR" b="0" dirty="0" smtClean="0">
-                          <a:solidFill>
-                            <a:srgbClr val="00B050"/>
-                          </a:solidFill>
-                        </a:rPr>
-                        <a:t>(S)</a:t>
-                      </a:r>
-                      <a:r>
-                        <a:rPr lang="en-US" altLang="ko-KR" b="0" dirty="0" err="1" smtClean="0">
-                          <a:solidFill>
-                            <a:srgbClr val="00B050"/>
-                          </a:solidFill>
-                        </a:rPr>
-                        <a:t>iCustomerCode</a:t>
-                      </a:r>
-                      <a:endParaRPr lang="en-US" altLang="ko-KR" b="0" dirty="0" smtClean="0">
+                      <a:endParaRPr lang="en-US" altLang="ko-KR" dirty="0" smtClean="0">
                         <a:solidFill>
                           <a:srgbClr val="00B050"/>
                         </a:solidFill>
                       </a:endParaRPr>
                     </a:p>
                     <a:p>
+                      <a:pPr algn="l" latinLnBrk="1"/>
                       <a:r>
                         <a:rPr lang="en-US" altLang="ko-KR" dirty="0" smtClean="0">
                           <a:solidFill>
@@ -13348,7 +15118,7 @@
                             <a:srgbClr val="0070C0"/>
                           </a:solidFill>
                         </a:rPr>
-                        <a:t>iProductCode</a:t>
+                        <a:t>oProductCode</a:t>
                       </a:r>
                       <a:endParaRPr lang="en-US" altLang="ko-KR" dirty="0" smtClean="0">
                         <a:solidFill>
@@ -13357,17 +15127,142 @@
                       </a:endParaRPr>
                     </a:p>
                     <a:p>
+                      <a:pPr algn="l" latinLnBrk="1"/>
                       <a:r>
                         <a:rPr lang="en-US" altLang="ko-KR" dirty="0" smtClean="0"/>
-                        <a:t>(I)</a:t>
+                        <a:t>(S)</a:t>
                       </a:r>
                       <a:r>
                         <a:rPr lang="en-US" altLang="ko-KR" dirty="0" err="1" smtClean="0"/>
-                        <a:t>iQuantity</a:t>
+                        <a:t>oQuantity</a:t>
                       </a:r>
                       <a:endParaRPr lang="en-US" altLang="ko-KR" dirty="0" smtClean="0"/>
                     </a:p>
                     <a:p>
+                      <a:pPr algn="l" latinLnBrk="1"/>
+                      <a:r>
+                        <a:rPr lang="en-US" altLang="ko-KR" dirty="0" smtClean="0">
+                          <a:solidFill>
+                            <a:srgbClr val="00B050"/>
+                          </a:solidFill>
+                        </a:rPr>
+                        <a:t>(S)</a:t>
+                      </a:r>
+                      <a:r>
+                        <a:rPr lang="en-US" altLang="ko-KR" dirty="0" err="1" smtClean="0">
+                          <a:solidFill>
+                            <a:srgbClr val="00B050"/>
+                          </a:solidFill>
+                        </a:rPr>
+                        <a:t>oInvoiceCode</a:t>
+                      </a:r>
+                      <a:endParaRPr lang="en-US" altLang="ko-KR" dirty="0" smtClean="0">
+                        <a:solidFill>
+                          <a:srgbClr val="00B050"/>
+                        </a:solidFill>
+                      </a:endParaRPr>
+                    </a:p>
+                  </a:txBody>
+                  <a:tcPr anchor="ctr"/>
+                </a:tc>
+                <a:tc>
+                  <a:txBody>
+                    <a:bodyPr/>
+                    <a:lstStyle/>
+                    <a:p>
+                      <a:r>
+                        <a:rPr lang="en-US" altLang="ko-KR" b="1" dirty="0" smtClean="0">
+                          <a:solidFill>
+                            <a:srgbClr val="00B050"/>
+                          </a:solidFill>
+                        </a:rPr>
+                        <a:t>(</a:t>
+                      </a:r>
+                      <a:r>
+                        <a:rPr lang="en-US" altLang="ko-KR" b="1" dirty="0" smtClean="0">
+                          <a:solidFill>
+                            <a:srgbClr val="00B050"/>
+                          </a:solidFill>
+                        </a:rPr>
+                        <a:t>S)</a:t>
+                      </a:r>
+                      <a:r>
+                        <a:rPr lang="en-US" altLang="ko-KR" b="1" dirty="0" err="1" smtClean="0">
+                          <a:solidFill>
+                            <a:srgbClr val="00B050"/>
+                          </a:solidFill>
+                        </a:rPr>
+                        <a:t>iCode</a:t>
+                      </a:r>
+                      <a:endParaRPr lang="en-US" altLang="ko-KR" b="1" dirty="0" smtClean="0">
+                        <a:solidFill>
+                          <a:srgbClr val="00B050"/>
+                        </a:solidFill>
+                      </a:endParaRPr>
+                    </a:p>
+                    <a:p>
+                      <a:r>
+                        <a:rPr lang="en-US" altLang="ko-KR" dirty="0" smtClean="0"/>
+                        <a:t>(</a:t>
+                      </a:r>
+                      <a:r>
+                        <a:rPr lang="en-US" altLang="ko-KR" dirty="0" smtClean="0"/>
+                        <a:t>S)</a:t>
+                      </a:r>
+                      <a:r>
+                        <a:rPr lang="en-US" altLang="ko-KR" dirty="0" err="1" smtClean="0"/>
+                        <a:t>iName</a:t>
+                      </a:r>
+                      <a:endParaRPr lang="en-US" altLang="ko-KR" dirty="0" smtClean="0"/>
+                    </a:p>
+                    <a:p>
+                      <a:r>
+                        <a:rPr lang="en-US" altLang="ko-KR" dirty="0" smtClean="0"/>
+                        <a:t>(</a:t>
+                      </a:r>
+                      <a:r>
+                        <a:rPr lang="en-US" altLang="ko-KR" dirty="0" smtClean="0"/>
+                        <a:t>S)</a:t>
+                      </a:r>
+                      <a:r>
+                        <a:rPr lang="en-US" altLang="ko-KR" dirty="0" err="1" smtClean="0"/>
+                        <a:t>iTel</a:t>
+                      </a:r>
+                      <a:endParaRPr lang="en-US" altLang="ko-KR" dirty="0" smtClean="0"/>
+                    </a:p>
+                    <a:p>
+                      <a:r>
+                        <a:rPr lang="en-US" altLang="ko-KR" dirty="0" smtClean="0"/>
+                        <a:t>(</a:t>
+                      </a:r>
+                      <a:r>
+                        <a:rPr lang="en-US" altLang="ko-KR" dirty="0" smtClean="0"/>
+                        <a:t>S)</a:t>
+                      </a:r>
+                      <a:r>
+                        <a:rPr lang="en-US" altLang="ko-KR" dirty="0" err="1" smtClean="0"/>
+                        <a:t>iAddress</a:t>
+                      </a:r>
+                      <a:endParaRPr lang="en-US" altLang="ko-KR" dirty="0" smtClean="0"/>
+                    </a:p>
+                    <a:p>
+                      <a:pPr marL="0" marR="0" indent="0" algn="l" defTabSz="914400" rtl="0" eaLnBrk="1" fontAlgn="auto" latinLnBrk="1" hangingPunct="1">
+                        <a:lnSpc>
+                          <a:spcPct val="100000"/>
+                        </a:lnSpc>
+                        <a:spcBef>
+                          <a:spcPts val="0"/>
+                        </a:spcBef>
+                        <a:spcAft>
+                          <a:spcPts val="0"/>
+                        </a:spcAft>
+                        <a:buClrTx/>
+                        <a:buSzTx/>
+                        <a:buFontTx/>
+                        <a:buNone/>
+                        <a:tabLst/>
+                        <a:defRPr/>
+                      </a:pPr>
                       <a:r>
                         <a:rPr lang="en-US" altLang="ko-KR" dirty="0" smtClean="0">
                           <a:solidFill>
@@ -13391,6 +15286,23 @@
                       </a:endParaRPr>
                     </a:p>
                     <a:p>
+                      <a:pPr marL="0" marR="0" indent="0" algn="l" defTabSz="914400" rtl="0" eaLnBrk="1" fontAlgn="auto" latinLnBrk="1" hangingPunct="1">
+                        <a:lnSpc>
+                          <a:spcPct val="100000"/>
+                        </a:lnSpc>
+                        <a:spcBef>
+                          <a:spcPts val="0"/>
+                        </a:spcBef>
+                        <a:spcAft>
+                          <a:spcPts val="0"/>
+                        </a:spcAft>
+                        <a:buClrTx/>
+                        <a:buSzTx/>
+                        <a:buFontTx/>
+                        <a:buNone/>
+                        <a:tabLst/>
+                        <a:defRPr/>
+                      </a:pPr>
                       <a:r>
                         <a:rPr lang="en-US" altLang="ko-KR" dirty="0" smtClean="0">
                           <a:solidFill>
@@ -13416,74 +15328,8 @@
                   </a:txBody>
                   <a:tcPr anchor="ctr"/>
                 </a:tc>
-                <a:tc>
-                  <a:txBody>
-                    <a:bodyPr/>
-                    <a:lstStyle/>
-                    <a:p>
-                      <a:r>
-                        <a:rPr lang="en-US" altLang="ko-KR" b="1" dirty="0" smtClean="0">
-                          <a:solidFill>
-                            <a:srgbClr val="00B050"/>
-                          </a:solidFill>
-                        </a:rPr>
-                        <a:t>(S)</a:t>
-                      </a:r>
-                      <a:r>
-                        <a:rPr lang="en-US" altLang="ko-KR" b="1" dirty="0" err="1" smtClean="0">
-                          <a:solidFill>
-                            <a:srgbClr val="00B050"/>
-                          </a:solidFill>
-                        </a:rPr>
-                        <a:t>cCode</a:t>
-                      </a:r>
-                      <a:endParaRPr lang="en-US" altLang="ko-KR" b="1" dirty="0" smtClean="0">
-                        <a:solidFill>
-                          <a:srgbClr val="00B050"/>
-                        </a:solidFill>
-                      </a:endParaRPr>
-                    </a:p>
-                    <a:p>
-                      <a:r>
-                        <a:rPr lang="en-US" altLang="ko-KR" dirty="0" smtClean="0"/>
-                        <a:t>(S)</a:t>
-                      </a:r>
-                      <a:r>
-                        <a:rPr lang="en-US" altLang="ko-KR" dirty="0" err="1" smtClean="0"/>
-                        <a:t>cName</a:t>
-                      </a:r>
-                      <a:endParaRPr lang="en-US" altLang="ko-KR" dirty="0" smtClean="0"/>
-                    </a:p>
-                    <a:p>
-                      <a:r>
-                        <a:rPr lang="en-US" altLang="ko-KR" dirty="0" smtClean="0"/>
-                        <a:t>(S)</a:t>
-                      </a:r>
-                      <a:r>
-                        <a:rPr lang="en-US" altLang="ko-KR" dirty="0" err="1" smtClean="0"/>
-                        <a:t>cTel</a:t>
-                      </a:r>
-                      <a:endParaRPr lang="en-US" altLang="ko-KR" dirty="0" smtClean="0"/>
-                    </a:p>
-                    <a:p>
-                      <a:r>
-                        <a:rPr lang="en-US" altLang="ko-KR" dirty="0" smtClean="0"/>
-                        <a:t>(S)</a:t>
-                      </a:r>
-                      <a:r>
-                        <a:rPr lang="en-US" altLang="ko-KR" dirty="0" err="1" smtClean="0"/>
-                        <a:t>cAddress</a:t>
-                      </a:r>
-                      <a:endParaRPr lang="en-US" altLang="ko-KR" dirty="0" smtClean="0"/>
-                    </a:p>
-                    <a:p>
-                      <a:endParaRPr lang="ko-KR" altLang="en-US" dirty="0"/>
-                    </a:p>
-                  </a:txBody>
-                  <a:tcPr anchor="ctr"/>
-                </a:tc>
               </a:tr>
-              <a:tr h="1186138">
+              <a:tr h="1278399">
                 <a:tc>
                   <a:txBody>
                     <a:bodyPr/>
@@ -13570,48 +15416,6 @@
                     <a:p>
                       <a:pPr algn="ctr" latinLnBrk="1"/>
                       <a:r>
-                        <a:rPr lang="en-US" altLang="ko-KR" dirty="0" err="1" smtClean="0"/>
-                        <a:t>iCode</a:t>
-                      </a:r>
-                      <a:r>
-                        <a:rPr lang="en-US" altLang="ko-KR" dirty="0" smtClean="0"/>
-                        <a:t>=</a:t>
-                      </a:r>
-                      <a:r>
-                        <a:rPr lang="en-US" altLang="ko-KR" baseline="0" dirty="0" smtClean="0"/>
-                        <a:t>  </a:t>
-                      </a:r>
-                      <a:r>
-                        <a:rPr lang="en-US" altLang="ko-KR" baseline="0" dirty="0" err="1" smtClean="0"/>
-                        <a:t>ShopCode</a:t>
-                      </a:r>
-                      <a:r>
-                        <a:rPr lang="en-US" altLang="ko-KR" baseline="0" dirty="0" smtClean="0"/>
-                        <a:t>(1)</a:t>
-                      </a:r>
-                    </a:p>
-                    <a:p>
-                      <a:pPr algn="ctr" latinLnBrk="1"/>
-                      <a:r>
-                        <a:rPr lang="en-US" altLang="ko-KR" baseline="0" dirty="0" smtClean="0"/>
-                        <a:t>+</a:t>
-                      </a:r>
-                      <a:r>
-                        <a:rPr lang="en-US" altLang="ko-KR" baseline="0" dirty="0" err="1" smtClean="0"/>
-                        <a:t>cCode+iDate+iAreaCode</a:t>
-                      </a:r>
-                      <a:endParaRPr lang="ko-KR" altLang="en-US" dirty="0"/>
-                    </a:p>
-                  </a:txBody>
-                  <a:tcPr anchor="ctr"/>
-                </a:tc>
-                <a:tc>
-                  <a:txBody>
-                    <a:bodyPr/>
-                    <a:lstStyle/>
-                    <a:p>
-                      <a:pPr algn="ctr" latinLnBrk="1"/>
-                      <a:r>
                         <a:rPr lang="en-US" altLang="ko-KR" dirty="0" smtClean="0"/>
                         <a:t>.</a:t>
                       </a:r>
@@ -13628,8 +15432,46 @@
                   </a:txBody>
                   <a:tcPr anchor="ctr"/>
                 </a:tc>
+                <a:tc>
+                  <a:txBody>
+                    <a:bodyPr/>
+                    <a:lstStyle/>
+                    <a:p>
+                      <a:pPr algn="ctr" latinLnBrk="1"/>
+                      <a:r>
+                        <a:rPr lang="en-US" altLang="ko-KR" dirty="0" err="1" smtClean="0"/>
+                        <a:t>iCode</a:t>
+                      </a:r>
+                      <a:r>
+                        <a:rPr lang="en-US" altLang="ko-KR" dirty="0" smtClean="0"/>
+                        <a:t>=</a:t>
+                      </a:r>
+                      <a:r>
+                        <a:rPr lang="en-US" altLang="ko-KR" baseline="0" dirty="0" smtClean="0"/>
+                        <a:t>  +</a:t>
+                      </a:r>
+                      <a:r>
+                        <a:rPr lang="en-US" altLang="ko-KR" baseline="0" dirty="0" err="1" smtClean="0"/>
+                        <a:t>cCode+iDate+iAreaCode</a:t>
+                      </a:r>
+                      <a:endParaRPr lang="ko-KR" altLang="en-US" dirty="0"/>
+                    </a:p>
+                  </a:txBody>
+                  <a:tcPr anchor="ctr"/>
+                </a:tc>
               </a:tr>
-              <a:tr h="926253">
+              <a:tr h="1166558">
+                <a:tc>
+                  <a:txBody>
+                    <a:bodyPr/>
+                    <a:lstStyle/>
+                    <a:p>
+                      <a:pPr algn="ctr" latinLnBrk="1"/>
+                      <a:endParaRPr lang="ko-KR" altLang="en-US"/>
+                    </a:p>
+                  </a:txBody>
+                  <a:tcPr anchor="ctr"/>
+                </a:tc>
                 <a:tc>
                   <a:txBody>
                     <a:bodyPr/>
@@ -13678,19 +15520,8 @@
                   </a:txBody>
                   <a:tcPr anchor="ctr"/>
                 </a:tc>
-                <a:tc>
-                  <a:txBody>
-                    <a:bodyPr/>
-                    <a:lstStyle/>
-                    <a:p>
-                      <a:pPr algn="ctr" latinLnBrk="1"/>
-                      <a:endParaRPr lang="ko-KR" altLang="en-US"/>
-                    </a:p>
-                  </a:txBody>
-                  <a:tcPr anchor="ctr"/>
-                </a:tc>
               </a:tr>
-              <a:tr h="926253">
+              <a:tr h="805181">
                 <a:tc>
                   <a:txBody>
                     <a:bodyPr/>
@@ -13708,7 +15539,7 @@
                     <a:lstStyle/>
                     <a:p>
                       <a:pPr algn="ctr" latinLnBrk="1"/>
-                      <a:endParaRPr lang="ko-KR" altLang="en-US"/>
+                      <a:endParaRPr lang="ko-KR" altLang="en-US" dirty="0"/>
                     </a:p>
                   </a:txBody>
                   <a:tcPr anchor="ctr"/>
@@ -15247,6 +17078,433 @@
       </p:grpSpPr>
       <p:sp>
         <p:nvSpPr>
+          <p:cNvPr id="6" name="TextBox 5"/>
+          <p:cNvSpPr txBox="1"/>
+          <p:nvPr/>
+        </p:nvSpPr>
+        <p:spPr>
+          <a:xfrm>
+            <a:off x="971600" y="0"/>
+            <a:ext cx="2304256" cy="369332"/>
+          </a:xfrm>
+          <a:prstGeom prst="rect">
+            <a:avLst/>
+          </a:prstGeom>
+          <a:noFill/>
+        </p:spPr>
+        <p:txBody>
+          <a:bodyPr wrap="square" rtlCol="0">
+            <a:spAutoFit/>
+          </a:bodyPr>
+          <a:lstStyle/>
+          <a:p>
+            <a:r>
+              <a:rPr lang="en-US" altLang="ko-KR" dirty="0" err="1" smtClean="0"/>
+              <a:t>ShopI</a:t>
+            </a:r>
+            <a:r>
+              <a:rPr lang="en-US" altLang="ko-KR" dirty="0" err="1" smtClean="0">
+                <a:effectLst/>
+              </a:rPr>
+              <a:t>nvoice</a:t>
+            </a:r>
+            <a:endParaRPr lang="ko-KR" altLang="en-US" dirty="0"/>
+          </a:p>
+        </p:txBody>
+      </p:sp>
+      <p:sp>
+        <p:nvSpPr>
+          <p:cNvPr id="7" name="모서리가 둥근 직사각형 6"/>
+          <p:cNvSpPr/>
+          <p:nvPr/>
+        </p:nvSpPr>
+        <p:spPr>
+          <a:xfrm>
+            <a:off x="1403648" y="5733253"/>
+            <a:ext cx="1512168" cy="612000"/>
+          </a:xfrm>
+          <a:prstGeom prst="roundRect">
+            <a:avLst/>
+          </a:prstGeom>
+        </p:spPr>
+        <p:style>
+          <a:lnRef idx="2">
+            <a:schemeClr val="accent2">
+              <a:shade val="50000"/>
+            </a:schemeClr>
+          </a:lnRef>
+          <a:fillRef idx="1">
+            <a:schemeClr val="accent2"/>
+          </a:fillRef>
+          <a:effectRef idx="0">
+            <a:schemeClr val="accent2"/>
+          </a:effectRef>
+          <a:fontRef idx="minor">
+            <a:schemeClr val="lt1"/>
+          </a:fontRef>
+        </p:style>
+        <p:txBody>
+          <a:bodyPr rtlCol="0" anchor="ctr"/>
+          <a:lstStyle/>
+          <a:p>
+            <a:pPr algn="ctr"/>
+            <a:r>
+              <a:rPr lang="ko-KR" altLang="en-US" dirty="0" smtClean="0">
+                <a:solidFill>
+                  <a:schemeClr val="tx1"/>
+                </a:solidFill>
+              </a:rPr>
+              <a:t>검색</a:t>
+            </a:r>
+            <a:endParaRPr lang="ko-KR" altLang="en-US" dirty="0">
+              <a:solidFill>
+                <a:schemeClr val="tx1"/>
+              </a:solidFill>
+            </a:endParaRPr>
+          </a:p>
+        </p:txBody>
+      </p:sp>
+      <p:sp>
+        <p:nvSpPr>
+          <p:cNvPr id="9" name="모서리가 둥근 직사각형 8">
+            <a:hlinkClick r:id="rId2" action="ppaction://hlinksldjump"/>
+          </p:cNvPr>
+          <p:cNvSpPr/>
+          <p:nvPr/>
+        </p:nvSpPr>
+        <p:spPr>
+          <a:xfrm>
+            <a:off x="6808137" y="260648"/>
+            <a:ext cx="1620000" cy="612000"/>
+          </a:xfrm>
+          <a:prstGeom prst="roundRect">
+            <a:avLst/>
+          </a:prstGeom>
+        </p:spPr>
+        <p:style>
+          <a:lnRef idx="2">
+            <a:schemeClr val="accent2">
+              <a:shade val="50000"/>
+            </a:schemeClr>
+          </a:lnRef>
+          <a:fillRef idx="1">
+            <a:schemeClr val="accent2"/>
+          </a:fillRef>
+          <a:effectRef idx="0">
+            <a:schemeClr val="accent2"/>
+          </a:effectRef>
+          <a:fontRef idx="minor">
+            <a:schemeClr val="lt1"/>
+          </a:fontRef>
+        </p:style>
+        <p:txBody>
+          <a:bodyPr rtlCol="0" anchor="ctr"/>
+          <a:lstStyle/>
+          <a:p>
+            <a:pPr algn="ctr"/>
+            <a:r>
+              <a:rPr lang="ko-KR" altLang="en-US" dirty="0" smtClean="0">
+                <a:solidFill>
+                  <a:schemeClr val="tx1"/>
+                </a:solidFill>
+              </a:rPr>
+              <a:t>로그아웃</a:t>
+            </a:r>
+            <a:endParaRPr lang="ko-KR" altLang="en-US" dirty="0">
+              <a:solidFill>
+                <a:schemeClr val="tx1"/>
+              </a:solidFill>
+            </a:endParaRPr>
+          </a:p>
+        </p:txBody>
+      </p:sp>
+      <p:grpSp>
+        <p:nvGrpSpPr>
+          <p:cNvPr id="5" name="그룹 4"/>
+          <p:cNvGrpSpPr/>
+          <p:nvPr/>
+        </p:nvGrpSpPr>
+        <p:grpSpPr>
+          <a:xfrm>
+            <a:off x="1403648" y="2996952"/>
+            <a:ext cx="7056784" cy="2448272"/>
+            <a:chOff x="1403648" y="2996952"/>
+            <a:chExt cx="7056784" cy="2448272"/>
+          </a:xfrm>
+        </p:grpSpPr>
+        <p:sp>
+          <p:nvSpPr>
+            <p:cNvPr id="2" name="모서리가 둥근 직사각형 1"/>
+            <p:cNvSpPr/>
+            <p:nvPr/>
+          </p:nvSpPr>
+          <p:spPr>
+            <a:xfrm>
+              <a:off x="1403648" y="2996952"/>
+              <a:ext cx="7056784" cy="2448272"/>
+            </a:xfrm>
+            <a:prstGeom prst="roundRect">
+              <a:avLst/>
+            </a:prstGeom>
+            <a:noFill/>
+            <a:ln>
+              <a:solidFill>
+                <a:schemeClr val="accent2"/>
+              </a:solidFill>
+            </a:ln>
+          </p:spPr>
+          <p:style>
+            <a:lnRef idx="2">
+              <a:schemeClr val="accent2">
+                <a:shade val="50000"/>
+              </a:schemeClr>
+            </a:lnRef>
+            <a:fillRef idx="1">
+              <a:schemeClr val="accent2"/>
+            </a:fillRef>
+            <a:effectRef idx="0">
+              <a:schemeClr val="accent2"/>
+            </a:effectRef>
+            <a:fontRef idx="minor">
+              <a:schemeClr val="lt1"/>
+            </a:fontRef>
+          </p:style>
+          <p:txBody>
+            <a:bodyPr rtlCol="0" anchor="ctr"/>
+            <a:lstStyle/>
+            <a:p>
+              <a:pPr algn="ctr"/>
+              <a:endParaRPr lang="ko-KR" altLang="en-US" dirty="0">
+                <a:solidFill>
+                  <a:schemeClr val="tx1"/>
+                </a:solidFill>
+              </a:endParaRPr>
+            </a:p>
+          </p:txBody>
+        </p:sp>
+        <p:sp>
+          <p:nvSpPr>
+            <p:cNvPr id="10" name="TextBox 9"/>
+            <p:cNvSpPr txBox="1"/>
+            <p:nvPr/>
+          </p:nvSpPr>
+          <p:spPr>
+            <a:xfrm>
+              <a:off x="4644008" y="4981818"/>
+              <a:ext cx="720080" cy="369332"/>
+            </a:xfrm>
+            <a:prstGeom prst="rect">
+              <a:avLst/>
+            </a:prstGeom>
+            <a:noFill/>
+          </p:spPr>
+          <p:txBody>
+            <a:bodyPr wrap="square" rtlCol="0">
+              <a:spAutoFit/>
+            </a:bodyPr>
+            <a:lstStyle/>
+            <a:p>
+              <a:r>
+                <a:rPr lang="en-US" altLang="ko-KR" dirty="0" smtClean="0"/>
+                <a:t>- 1 -</a:t>
+              </a:r>
+              <a:endParaRPr lang="ko-KR" altLang="en-US" dirty="0"/>
+            </a:p>
+          </p:txBody>
+        </p:sp>
+        <p:grpSp>
+          <p:nvGrpSpPr>
+            <p:cNvPr id="3" name="그룹 2"/>
+            <p:cNvGrpSpPr/>
+            <p:nvPr/>
+          </p:nvGrpSpPr>
+          <p:grpSpPr>
+            <a:xfrm>
+              <a:off x="1547664" y="3429000"/>
+              <a:ext cx="6912768" cy="1148460"/>
+              <a:chOff x="1610716" y="1556792"/>
+              <a:chExt cx="6912768" cy="1148460"/>
+            </a:xfrm>
+          </p:grpSpPr>
+          <p:sp>
+            <p:nvSpPr>
+              <p:cNvPr id="4" name="TextBox 3"/>
+              <p:cNvSpPr txBox="1"/>
+              <p:nvPr/>
+            </p:nvSpPr>
+            <p:spPr>
+              <a:xfrm>
+                <a:off x="1886055" y="1556792"/>
+                <a:ext cx="6542082" cy="369332"/>
+              </a:xfrm>
+              <a:prstGeom prst="rect">
+                <a:avLst/>
+              </a:prstGeom>
+              <a:noFill/>
+            </p:spPr>
+            <p:txBody>
+              <a:bodyPr wrap="square" rtlCol="0">
+                <a:spAutoFit/>
+              </a:bodyPr>
+              <a:lstStyle/>
+              <a:p>
+                <a:r>
+                  <a:rPr lang="en-US" altLang="ko-KR" dirty="0" smtClean="0"/>
+                  <a:t>  </a:t>
+                </a:r>
+                <a:r>
+                  <a:rPr lang="ko-KR" altLang="en-US" dirty="0" smtClean="0"/>
+                  <a:t>송장번호</a:t>
+                </a:r>
+                <a:r>
+                  <a:rPr lang="en-US" altLang="ko-KR" dirty="0"/>
+                  <a:t>	</a:t>
+                </a:r>
+                <a:r>
+                  <a:rPr lang="en-US" altLang="ko-KR" dirty="0" smtClean="0"/>
+                  <a:t>	</a:t>
+                </a:r>
+                <a:r>
+                  <a:rPr lang="ko-KR" altLang="en-US" dirty="0" smtClean="0"/>
+                  <a:t>날짜</a:t>
+                </a:r>
+                <a:r>
+                  <a:rPr lang="en-US" altLang="ko-KR" dirty="0" smtClean="0"/>
+                  <a:t>			</a:t>
+                </a:r>
+                <a:r>
+                  <a:rPr lang="ko-KR" altLang="en-US" dirty="0" smtClean="0"/>
+                  <a:t>합계</a:t>
+                </a:r>
+                <a:endParaRPr lang="ko-KR" altLang="en-US" dirty="0"/>
+              </a:p>
+            </p:txBody>
+          </p:sp>
+          <p:sp>
+            <p:nvSpPr>
+              <p:cNvPr id="11" name="TextBox 10"/>
+              <p:cNvSpPr txBox="1"/>
+              <p:nvPr/>
+            </p:nvSpPr>
+            <p:spPr>
+              <a:xfrm>
+                <a:off x="1610716" y="2058921"/>
+                <a:ext cx="6912768" cy="646331"/>
+              </a:xfrm>
+              <a:prstGeom prst="rect">
+                <a:avLst/>
+              </a:prstGeom>
+              <a:noFill/>
+            </p:spPr>
+            <p:txBody>
+              <a:bodyPr wrap="square" rtlCol="0">
+                <a:spAutoFit/>
+              </a:bodyPr>
+              <a:lstStyle/>
+              <a:p>
+                <a:pPr marL="342900" indent="-342900">
+                  <a:buAutoNum type="arabicPeriod"/>
+                </a:pPr>
+                <a:r>
+                  <a:rPr lang="en-US" altLang="ko-KR" dirty="0" smtClean="0"/>
+                  <a:t>    </a:t>
+                </a:r>
+                <a:r>
+                  <a:rPr lang="en-US" altLang="ko-KR" dirty="0" smtClean="0">
+                    <a:hlinkClick r:id="rId3" action="ppaction://hlinksldjump"/>
+                  </a:rPr>
+                  <a:t>a1001</a:t>
+                </a:r>
+                <a:r>
+                  <a:rPr lang="en-US" altLang="ko-KR" dirty="0" smtClean="0"/>
+                  <a:t>		2019-04-15		  21,500</a:t>
+                </a:r>
+              </a:p>
+              <a:p>
+                <a:pPr marL="342900" indent="-342900">
+                  <a:buAutoNum type="arabicPeriod"/>
+                </a:pPr>
+                <a:r>
+                  <a:rPr lang="en-US" altLang="ko-KR" dirty="0" smtClean="0"/>
+                  <a:t>    </a:t>
+                </a:r>
+                <a:r>
+                  <a:rPr lang="en-US" altLang="ko-KR" dirty="0" smtClean="0">
+                    <a:hlinkClick r:id="rId3" action="ppaction://hlinksldjump"/>
+                  </a:rPr>
+                  <a:t>a1002</a:t>
+                </a:r>
+                <a:r>
+                  <a:rPr lang="en-US" altLang="ko-KR" dirty="0" smtClean="0"/>
+                  <a:t>		2019-05-01		  34,500</a:t>
+                </a:r>
+                <a:endParaRPr lang="ko-KR" altLang="en-US" dirty="0"/>
+              </a:p>
+            </p:txBody>
+          </p:sp>
+        </p:grpSp>
+      </p:grpSp>
+      <p:graphicFrame>
+        <p:nvGraphicFramePr>
+          <p:cNvPr id="8" name="차트 7"/>
+          <p:cNvGraphicFramePr/>
+          <p:nvPr>
+            <p:extLst>
+              <p:ext uri="{D42A27DB-BD31-4B8C-83A1-F6EECF244321}">
+                <p14:modId xmlns:p14="http://schemas.microsoft.com/office/powerpoint/2010/main" val="181705031"/>
+              </p:ext>
+            </p:extLst>
+          </p:nvPr>
+        </p:nvGraphicFramePr>
+        <p:xfrm>
+          <a:off x="1524000" y="1397000"/>
+          <a:ext cx="6504384" cy="1599952"/>
+        </p:xfrm>
+        <a:graphic>
+          <a:graphicData uri="http://schemas.openxmlformats.org/drawingml/2006/chart">
+            <c:chart xmlns:c="http://schemas.openxmlformats.org/drawingml/2006/chart" xmlns:r="http://schemas.openxmlformats.org/officeDocument/2006/relationships" r:id="rId4"/>
+          </a:graphicData>
+        </a:graphic>
+      </p:graphicFrame>
+    </p:spTree>
+    <p:extLst>
+      <p:ext uri="{BB962C8B-B14F-4D97-AF65-F5344CB8AC3E}">
+        <p14:creationId xmlns:p14="http://schemas.microsoft.com/office/powerpoint/2010/main" val="1514624462"/>
+      </p:ext>
+    </p:extLst>
+  </p:cSld>
+  <p:clrMapOvr>
+    <a:masterClrMapping/>
+  </p:clrMapOvr>
+  <p:timing>
+    <p:tnLst>
+      <p:par>
+        <p:cTn id="1" dur="indefinite" restart="never" nodeType="tmRoot"/>
+      </p:par>
+    </p:tnLst>
+  </p:timing>
+</p:sld>
+</file>
+
+<file path=ppt/slides/slide7.xml><?xml version="1.0" encoding="utf-8"?>
+<p:sld xmlns:a="http://schemas.openxmlformats.org/drawingml/2006/main" xmlns:r="http://schemas.openxmlformats.org/officeDocument/2006/relationships" xmlns:p="http://schemas.openxmlformats.org/presentationml/2006/main">
+  <p:cSld>
+    <p:spTree>
+      <p:nvGrpSpPr>
+        <p:cNvPr id="1" name=""/>
+        <p:cNvGrpSpPr/>
+        <p:nvPr/>
+      </p:nvGrpSpPr>
+      <p:grpSpPr>
+        <a:xfrm>
+          <a:off x="0" y="0"/>
+          <a:ext cx="0" cy="0"/>
+          <a:chOff x="0" y="0"/>
+          <a:chExt cx="0" cy="0"/>
+        </a:xfrm>
+      </p:grpSpPr>
+      <p:sp>
+        <p:nvSpPr>
           <p:cNvPr id="2" name="모서리가 둥근 직사각형 1"/>
           <p:cNvSpPr/>
           <p:nvPr/>
@@ -15583,10 +17841,43 @@
           </a:p>
         </p:txBody>
       </p:sp>
+      <p:sp>
+        <p:nvSpPr>
+          <p:cNvPr id="3" name="TextBox 2"/>
+          <p:cNvSpPr txBox="1"/>
+          <p:nvPr/>
+        </p:nvSpPr>
+        <p:spPr>
+          <a:xfrm>
+            <a:off x="1187624" y="476672"/>
+            <a:ext cx="2160240" cy="369332"/>
+          </a:xfrm>
+          <a:prstGeom prst="rect">
+            <a:avLst/>
+          </a:prstGeom>
+          <a:noFill/>
+        </p:spPr>
+        <p:txBody>
+          <a:bodyPr wrap="square" rtlCol="0">
+            <a:spAutoFit/>
+          </a:bodyPr>
+          <a:lstStyle/>
+          <a:p>
+            <a:r>
+              <a:rPr lang="ko-KR" altLang="en-US" dirty="0" smtClean="0"/>
+              <a:t>송장 리스</a:t>
+            </a:r>
+            <a:r>
+              <a:rPr lang="ko-KR" altLang="en-US" dirty="0"/>
+              <a:t>트</a:t>
+            </a:r>
+          </a:p>
+        </p:txBody>
+      </p:sp>
     </p:spTree>
     <p:extLst>
       <p:ext uri="{BB962C8B-B14F-4D97-AF65-F5344CB8AC3E}">
-        <p14:creationId xmlns:p14="http://schemas.microsoft.com/office/powerpoint/2010/main" val="1514624462"/>
+        <p14:creationId xmlns:p14="http://schemas.microsoft.com/office/powerpoint/2010/main" val="1900044947"/>
       </p:ext>
     </p:extLst>
   </p:cSld>
@@ -15603,7 +17894,7 @@
 </p:sld>
 </file>
 
-<file path=ppt/slides/slide7.xml><?xml version="1.0" encoding="utf-8"?>
+<file path=ppt/slides/slide8.xml><?xml version="1.0" encoding="utf-8"?>
 <p:sld xmlns:a="http://schemas.openxmlformats.org/drawingml/2006/main" xmlns:r="http://schemas.openxmlformats.org/officeDocument/2006/relationships" xmlns:p="http://schemas.openxmlformats.org/presentationml/2006/main">
   <p:cSld>
     <p:spTree>
@@ -16454,7 +18745,7 @@
         </p:nvSpPr>
         <p:spPr>
           <a:xfrm>
-            <a:off x="2411760" y="258997"/>
+            <a:off x="6066474" y="692696"/>
             <a:ext cx="4680000" cy="2160000"/>
           </a:xfrm>
           <a:prstGeom prst="roundRect">
@@ -16739,7 +19030,7 @@
 </p:sld>
 </file>
 
-<file path=ppt/slides/slide8.xml><?xml version="1.0" encoding="utf-8"?>
+<file path=ppt/slides/slide9.xml><?xml version="1.0" encoding="utf-8"?>
 <p:sld xmlns:a="http://schemas.openxmlformats.org/drawingml/2006/main" xmlns:r="http://schemas.openxmlformats.org/officeDocument/2006/relationships" xmlns:p="http://schemas.openxmlformats.org/presentationml/2006/main">
   <p:cSld>
     <p:spTree>
@@ -17338,830 +19629,6 @@
         </p:cTn>
       </p:par>
     </p:tnLst>
-  </p:timing>
-</p:sld>
-</file>
-
-<file path=ppt/slides/slide9.xml><?xml version="1.0" encoding="utf-8"?>
-<p:sld xmlns:a="http://schemas.openxmlformats.org/drawingml/2006/main" xmlns:r="http://schemas.openxmlformats.org/officeDocument/2006/relationships" xmlns:p="http://schemas.openxmlformats.org/presentationml/2006/main">
-  <p:cSld>
-    <p:spTree>
-      <p:nvGrpSpPr>
-        <p:cNvPr id="1" name=""/>
-        <p:cNvGrpSpPr/>
-        <p:nvPr/>
-      </p:nvGrpSpPr>
-      <p:grpSpPr>
-        <a:xfrm>
-          <a:off x="0" y="0"/>
-          <a:ext cx="0" cy="0"/>
-          <a:chOff x="0" y="0"/>
-          <a:chExt cx="0" cy="0"/>
-        </a:xfrm>
-      </p:grpSpPr>
-      <p:sp>
-        <p:nvSpPr>
-          <p:cNvPr id="2" name="모서리가 둥근 직사각형 1"/>
-          <p:cNvSpPr/>
-          <p:nvPr/>
-        </p:nvSpPr>
-        <p:spPr>
-          <a:xfrm>
-            <a:off x="4192372" y="5744748"/>
-            <a:ext cx="1800000" cy="612000"/>
-          </a:xfrm>
-          <a:prstGeom prst="roundRect">
-            <a:avLst/>
-          </a:prstGeom>
-        </p:spPr>
-        <p:style>
-          <a:lnRef idx="2">
-            <a:schemeClr val="accent2">
-              <a:shade val="50000"/>
-            </a:schemeClr>
-          </a:lnRef>
-          <a:fillRef idx="1">
-            <a:schemeClr val="accent2"/>
-          </a:fillRef>
-          <a:effectRef idx="0">
-            <a:schemeClr val="accent2"/>
-          </a:effectRef>
-          <a:fontRef idx="minor">
-            <a:schemeClr val="lt1"/>
-          </a:fontRef>
-        </p:style>
-        <p:txBody>
-          <a:bodyPr rtlCol="0" anchor="ctr"/>
-          <a:lstStyle/>
-          <a:p>
-            <a:pPr algn="ctr"/>
-            <a:r>
-              <a:rPr lang="ko-KR" altLang="en-US" dirty="0" smtClean="0">
-                <a:solidFill>
-                  <a:schemeClr val="tx1"/>
-                </a:solidFill>
-              </a:rPr>
-              <a:t>송장 </a:t>
-            </a:r>
-            <a:r>
-              <a:rPr lang="en-US" altLang="ko-KR" dirty="0" smtClean="0">
-                <a:solidFill>
-                  <a:schemeClr val="tx1"/>
-                </a:solidFill>
-              </a:rPr>
-              <a:t>CSV</a:t>
-            </a:r>
-            <a:r>
-              <a:rPr lang="ko-KR" altLang="en-US" dirty="0" smtClean="0">
-                <a:solidFill>
-                  <a:schemeClr val="tx1"/>
-                </a:solidFill>
-              </a:rPr>
-              <a:t> </a:t>
-            </a:r>
-            <a:endParaRPr lang="en-US" altLang="ko-KR" dirty="0" smtClean="0">
-              <a:solidFill>
-                <a:schemeClr val="tx1"/>
-              </a:solidFill>
-            </a:endParaRPr>
-          </a:p>
-          <a:p>
-            <a:pPr algn="ctr"/>
-            <a:r>
-              <a:rPr lang="ko-KR" altLang="en-US" dirty="0" smtClean="0">
-                <a:solidFill>
-                  <a:schemeClr val="tx1"/>
-                </a:solidFill>
-              </a:rPr>
-              <a:t>다운로드</a:t>
-            </a:r>
-            <a:endParaRPr lang="ko-KR" altLang="en-US" dirty="0">
-              <a:solidFill>
-                <a:schemeClr val="tx1"/>
-              </a:solidFill>
-            </a:endParaRPr>
-          </a:p>
-        </p:txBody>
-      </p:sp>
-      <p:sp>
-        <p:nvSpPr>
-          <p:cNvPr id="3" name="모서리가 둥근 직사각형 2">
-            <a:hlinkClick r:id="rId2" action="ppaction://hlinksldjump"/>
-          </p:cNvPr>
-          <p:cNvSpPr/>
-          <p:nvPr/>
-        </p:nvSpPr>
-        <p:spPr>
-          <a:xfrm>
-            <a:off x="6840432" y="260648"/>
-            <a:ext cx="1620000" cy="612000"/>
-          </a:xfrm>
-          <a:prstGeom prst="roundRect">
-            <a:avLst/>
-          </a:prstGeom>
-        </p:spPr>
-        <p:style>
-          <a:lnRef idx="2">
-            <a:schemeClr val="accent2">
-              <a:shade val="50000"/>
-            </a:schemeClr>
-          </a:lnRef>
-          <a:fillRef idx="1">
-            <a:schemeClr val="accent2"/>
-          </a:fillRef>
-          <a:effectRef idx="0">
-            <a:schemeClr val="accent2"/>
-          </a:effectRef>
-          <a:fontRef idx="minor">
-            <a:schemeClr val="lt1"/>
-          </a:fontRef>
-        </p:style>
-        <p:txBody>
-          <a:bodyPr rtlCol="0" anchor="ctr"/>
-          <a:lstStyle/>
-          <a:p>
-            <a:pPr algn="ctr"/>
-            <a:r>
-              <a:rPr lang="ko-KR" altLang="en-US" dirty="0" smtClean="0">
-                <a:solidFill>
-                  <a:schemeClr val="tx1"/>
-                </a:solidFill>
-              </a:rPr>
-              <a:t>로그아웃</a:t>
-            </a:r>
-            <a:endParaRPr lang="ko-KR" altLang="en-US" dirty="0">
-              <a:solidFill>
-                <a:schemeClr val="tx1"/>
-              </a:solidFill>
-            </a:endParaRPr>
-          </a:p>
-        </p:txBody>
-      </p:sp>
-      <p:sp>
-        <p:nvSpPr>
-          <p:cNvPr id="5" name="TextBox 4"/>
-          <p:cNvSpPr txBox="1"/>
-          <p:nvPr/>
-        </p:nvSpPr>
-        <p:spPr>
-          <a:xfrm>
-            <a:off x="971600" y="0"/>
-            <a:ext cx="3096344" cy="369332"/>
-          </a:xfrm>
-          <a:prstGeom prst="rect">
-            <a:avLst/>
-          </a:prstGeom>
-          <a:noFill/>
-        </p:spPr>
-        <p:txBody>
-          <a:bodyPr wrap="square" rtlCol="0">
-            <a:spAutoFit/>
-          </a:bodyPr>
-          <a:lstStyle/>
-          <a:p>
-            <a:r>
-              <a:rPr lang="en-US" altLang="ko-KR" dirty="0"/>
-              <a:t>T</a:t>
-            </a:r>
-            <a:r>
-              <a:rPr lang="en-US" altLang="ko-KR" dirty="0" smtClean="0"/>
-              <a:t>ransport</a:t>
-            </a:r>
-          </a:p>
-        </p:txBody>
-      </p:sp>
-      <p:grpSp>
-        <p:nvGrpSpPr>
-          <p:cNvPr id="8" name="그룹 7"/>
-          <p:cNvGrpSpPr/>
-          <p:nvPr/>
-        </p:nvGrpSpPr>
-        <p:grpSpPr>
-          <a:xfrm>
-            <a:off x="1544312" y="1085542"/>
-            <a:ext cx="6916120" cy="4320480"/>
-            <a:chOff x="1544312" y="1085542"/>
-            <a:chExt cx="6916120" cy="4320480"/>
-          </a:xfrm>
-        </p:grpSpPr>
-        <p:sp>
-          <p:nvSpPr>
-            <p:cNvPr id="9" name="모서리가 둥근 직사각형 8"/>
-            <p:cNvSpPr/>
-            <p:nvPr/>
-          </p:nvSpPr>
-          <p:spPr>
-            <a:xfrm>
-              <a:off x="1544312" y="1085542"/>
-              <a:ext cx="6916120" cy="4320480"/>
-            </a:xfrm>
-            <a:prstGeom prst="roundRect">
-              <a:avLst/>
-            </a:prstGeom>
-          </p:spPr>
-          <p:style>
-            <a:lnRef idx="2">
-              <a:schemeClr val="accent2"/>
-            </a:lnRef>
-            <a:fillRef idx="1">
-              <a:schemeClr val="lt1"/>
-            </a:fillRef>
-            <a:effectRef idx="0">
-              <a:schemeClr val="accent2"/>
-            </a:effectRef>
-            <a:fontRef idx="minor">
-              <a:schemeClr val="dk1"/>
-            </a:fontRef>
-          </p:style>
-          <p:txBody>
-            <a:bodyPr rtlCol="0" anchor="ctr"/>
-            <a:lstStyle/>
-            <a:p>
-              <a:pPr algn="ctr"/>
-              <a:r>
-                <a:rPr lang="ko-KR" altLang="en-US" dirty="0" smtClean="0">
-                  <a:solidFill>
-                    <a:schemeClr val="tx1"/>
-                  </a:solidFill>
-                </a:rPr>
-                <a:t> </a:t>
-              </a:r>
-              <a:endParaRPr lang="ko-KR" altLang="en-US" dirty="0">
-                <a:solidFill>
-                  <a:schemeClr val="tx1"/>
-                </a:solidFill>
-              </a:endParaRPr>
-            </a:p>
-          </p:txBody>
-        </p:sp>
-        <p:grpSp>
-          <p:nvGrpSpPr>
-            <p:cNvPr id="12" name="그룹 11"/>
-            <p:cNvGrpSpPr/>
-            <p:nvPr/>
-          </p:nvGrpSpPr>
-          <p:grpSpPr>
-            <a:xfrm>
-              <a:off x="1547664" y="1669450"/>
-              <a:ext cx="6912768" cy="1762674"/>
-              <a:chOff x="1547664" y="1669450"/>
-              <a:chExt cx="6912768" cy="1762674"/>
-            </a:xfrm>
-          </p:grpSpPr>
-          <p:sp>
-            <p:nvSpPr>
-              <p:cNvPr id="14" name="TextBox 13"/>
-              <p:cNvSpPr txBox="1"/>
-              <p:nvPr/>
-            </p:nvSpPr>
-            <p:spPr>
-              <a:xfrm>
-                <a:off x="1691680" y="1669450"/>
-                <a:ext cx="6768752" cy="369332"/>
-              </a:xfrm>
-              <a:prstGeom prst="rect">
-                <a:avLst/>
-              </a:prstGeom>
-              <a:noFill/>
-            </p:spPr>
-            <p:txBody>
-              <a:bodyPr wrap="square" rtlCol="0">
-                <a:spAutoFit/>
-              </a:bodyPr>
-              <a:lstStyle/>
-              <a:p>
-                <a:r>
-                  <a:rPr lang="ko-KR" altLang="en-US" dirty="0" smtClean="0"/>
-                  <a:t>   고객명                            </a:t>
-                </a:r>
-                <a:r>
-                  <a:rPr lang="en-US" altLang="ko-KR" dirty="0" smtClean="0"/>
-                  <a:t>  </a:t>
-                </a:r>
-                <a:r>
-                  <a:rPr lang="ko-KR" altLang="en-US" dirty="0" smtClean="0"/>
-                  <a:t>주소</a:t>
-                </a:r>
-                <a:r>
-                  <a:rPr lang="en-US" altLang="ko-KR" dirty="0" smtClean="0"/>
-                  <a:t>		                </a:t>
-                </a:r>
-                <a:r>
-                  <a:rPr lang="ko-KR" altLang="en-US" dirty="0" smtClean="0"/>
-                  <a:t>물품</a:t>
-                </a:r>
-                <a:endParaRPr lang="en-US" altLang="ko-KR" dirty="0" smtClean="0"/>
-              </a:p>
-            </p:txBody>
-          </p:sp>
-          <p:sp>
-            <p:nvSpPr>
-              <p:cNvPr id="15" name="TextBox 14"/>
-              <p:cNvSpPr txBox="1"/>
-              <p:nvPr/>
-            </p:nvSpPr>
-            <p:spPr>
-              <a:xfrm>
-                <a:off x="1547664" y="2908904"/>
-                <a:ext cx="5616624" cy="523220"/>
-              </a:xfrm>
-              <a:prstGeom prst="rect">
-                <a:avLst/>
-              </a:prstGeom>
-              <a:noFill/>
-            </p:spPr>
-            <p:txBody>
-              <a:bodyPr wrap="square" rtlCol="0">
-                <a:spAutoFit/>
-              </a:bodyPr>
-              <a:lstStyle/>
-              <a:p>
-                <a:r>
-                  <a:rPr lang="en-US" altLang="ko-KR" sz="1400" dirty="0"/>
-                  <a:t> </a:t>
-                </a:r>
-                <a:r>
-                  <a:rPr lang="en-US" altLang="ko-KR" sz="1400" dirty="0" smtClean="0"/>
-                  <a:t>       </a:t>
-                </a:r>
-                <a:r>
-                  <a:rPr lang="ko-KR" altLang="en-US" sz="1400" dirty="0" err="1" smtClean="0"/>
-                  <a:t>김자바</a:t>
-                </a:r>
-                <a:r>
-                  <a:rPr lang="en-US" altLang="ko-KR" sz="1400" dirty="0" smtClean="0"/>
-                  <a:t>             </a:t>
-                </a:r>
-                <a:r>
-                  <a:rPr lang="ko-KR" altLang="en-US" sz="1400" dirty="0" smtClean="0"/>
-                  <a:t>대전광역시 서구 </a:t>
-                </a:r>
-                <a:r>
-                  <a:rPr lang="ko-KR" altLang="en-US" sz="1400" dirty="0" err="1" smtClean="0"/>
-                  <a:t>월평동</a:t>
-                </a:r>
-                <a:r>
-                  <a:rPr lang="ko-KR" altLang="en-US" sz="1400" dirty="0" smtClean="0"/>
-                  <a:t> </a:t>
-                </a:r>
-                <a:r>
-                  <a:rPr lang="en-US" altLang="ko-KR" sz="1400" dirty="0" smtClean="0"/>
-                  <a:t>243 </a:t>
-                </a:r>
-                <a:r>
-                  <a:rPr lang="ko-KR" altLang="en-US" sz="1400" dirty="0" err="1" smtClean="0"/>
-                  <a:t>스타게이트</a:t>
-                </a:r>
-                <a:r>
-                  <a:rPr lang="ko-KR" altLang="en-US" sz="1400" dirty="0" smtClean="0"/>
-                  <a:t> </a:t>
-                </a:r>
-                <a:r>
-                  <a:rPr lang="en-US" altLang="ko-KR" sz="1400" dirty="0" smtClean="0"/>
-                  <a:t>7</a:t>
-                </a:r>
-                <a:r>
-                  <a:rPr lang="ko-KR" altLang="en-US" sz="1400" dirty="0" smtClean="0"/>
-                  <a:t>층</a:t>
-                </a:r>
-                <a:r>
-                  <a:rPr lang="en-US" altLang="ko-KR" sz="1400" dirty="0" smtClean="0"/>
-                  <a:t>	</a:t>
-                </a:r>
-              </a:p>
-            </p:txBody>
-          </p:sp>
-        </p:grpSp>
-        <p:sp>
-          <p:nvSpPr>
-            <p:cNvPr id="11" name="TextBox 10"/>
-            <p:cNvSpPr txBox="1"/>
-            <p:nvPr/>
-          </p:nvSpPr>
-          <p:spPr>
-            <a:xfrm>
-              <a:off x="2051720" y="1268760"/>
-              <a:ext cx="3384376" cy="369332"/>
-            </a:xfrm>
-            <a:prstGeom prst="rect">
-              <a:avLst/>
-            </a:prstGeom>
-            <a:noFill/>
-          </p:spPr>
-          <p:txBody>
-            <a:bodyPr wrap="square" rtlCol="0">
-              <a:spAutoFit/>
-            </a:bodyPr>
-            <a:lstStyle/>
-            <a:p>
-              <a:r>
-                <a:rPr lang="ko-KR" altLang="en-US" dirty="0" smtClean="0"/>
-                <a:t>송장번호 </a:t>
-              </a:r>
-              <a:r>
-                <a:rPr lang="en-US" altLang="ko-KR" dirty="0" smtClean="0"/>
-                <a:t>a1001</a:t>
-              </a:r>
-              <a:endParaRPr lang="ko-KR" altLang="en-US" dirty="0"/>
-            </a:p>
-          </p:txBody>
-        </p:sp>
-      </p:grpSp>
-      <p:sp>
-        <p:nvSpPr>
-          <p:cNvPr id="21" name="TextBox 20"/>
-          <p:cNvSpPr txBox="1"/>
-          <p:nvPr/>
-        </p:nvSpPr>
-        <p:spPr>
-          <a:xfrm>
-            <a:off x="7164288" y="2240374"/>
-            <a:ext cx="1296144" cy="1815882"/>
-          </a:xfrm>
-          <a:prstGeom prst="rect">
-            <a:avLst/>
-          </a:prstGeom>
-          <a:noFill/>
-        </p:spPr>
-        <p:txBody>
-          <a:bodyPr wrap="square" rtlCol="0">
-            <a:spAutoFit/>
-          </a:bodyPr>
-          <a:lstStyle/>
-          <a:p>
-            <a:r>
-              <a:rPr lang="ko-KR" altLang="en-US" sz="1400" dirty="0" smtClean="0"/>
-              <a:t>삼겹살</a:t>
-            </a:r>
-            <a:endParaRPr lang="en-US" altLang="ko-KR" sz="1400" dirty="0" smtClean="0"/>
-          </a:p>
-          <a:p>
-            <a:r>
-              <a:rPr lang="ko-KR" altLang="en-US" sz="1400" dirty="0" smtClean="0"/>
-              <a:t>목살</a:t>
-            </a:r>
-            <a:endParaRPr lang="en-US" altLang="ko-KR" sz="1400" dirty="0" smtClean="0"/>
-          </a:p>
-          <a:p>
-            <a:r>
-              <a:rPr lang="ko-KR" altLang="en-US" sz="1400" dirty="0" smtClean="0"/>
-              <a:t>대파 </a:t>
-            </a:r>
-            <a:endParaRPr lang="en-US" altLang="ko-KR" sz="1400" dirty="0" smtClean="0"/>
-          </a:p>
-          <a:p>
-            <a:r>
-              <a:rPr lang="ko-KR" altLang="en-US" sz="1400" dirty="0" smtClean="0"/>
-              <a:t>쌈장 </a:t>
-            </a:r>
-            <a:endParaRPr lang="en-US" altLang="ko-KR" sz="1400" dirty="0" smtClean="0"/>
-          </a:p>
-          <a:p>
-            <a:r>
-              <a:rPr lang="ko-KR" altLang="en-US" sz="1400" dirty="0" smtClean="0"/>
-              <a:t>젓가락</a:t>
-            </a:r>
-            <a:endParaRPr lang="en-US" altLang="ko-KR" sz="1400" dirty="0" smtClean="0"/>
-          </a:p>
-          <a:p>
-            <a:r>
-              <a:rPr lang="ko-KR" altLang="en-US" sz="1400" dirty="0" smtClean="0"/>
-              <a:t>일회용용기</a:t>
-            </a:r>
-            <a:endParaRPr lang="en-US" altLang="ko-KR" sz="1400" dirty="0" smtClean="0"/>
-          </a:p>
-          <a:p>
-            <a:r>
-              <a:rPr lang="ko-KR" altLang="en-US" sz="1400" dirty="0" smtClean="0"/>
-              <a:t>콜라</a:t>
-            </a:r>
-            <a:endParaRPr lang="en-US" altLang="ko-KR" sz="1400" dirty="0" smtClean="0"/>
-          </a:p>
-          <a:p>
-            <a:pPr marL="342900" indent="-342900">
-              <a:buAutoNum type="arabicPeriod"/>
-            </a:pPr>
-            <a:endParaRPr lang="ko-KR" altLang="en-US" sz="1400" dirty="0"/>
-          </a:p>
-        </p:txBody>
-      </p:sp>
-      <p:sp>
-        <p:nvSpPr>
-          <p:cNvPr id="16" name="모서리가 둥근 직사각형 15">
-            <a:hlinkClick r:id="rId3" action="ppaction://hlinksldjump"/>
-          </p:cNvPr>
-          <p:cNvSpPr/>
-          <p:nvPr/>
-        </p:nvSpPr>
-        <p:spPr>
-          <a:xfrm>
-            <a:off x="6840432" y="5744748"/>
-            <a:ext cx="1620000" cy="612000"/>
-          </a:xfrm>
-          <a:prstGeom prst="roundRect">
-            <a:avLst/>
-          </a:prstGeom>
-        </p:spPr>
-        <p:style>
-          <a:lnRef idx="2">
-            <a:schemeClr val="accent2">
-              <a:shade val="50000"/>
-            </a:schemeClr>
-          </a:lnRef>
-          <a:fillRef idx="1">
-            <a:schemeClr val="accent2"/>
-          </a:fillRef>
-          <a:effectRef idx="0">
-            <a:schemeClr val="accent2"/>
-          </a:effectRef>
-          <a:fontRef idx="minor">
-            <a:schemeClr val="lt1"/>
-          </a:fontRef>
-        </p:style>
-        <p:txBody>
-          <a:bodyPr rtlCol="0" anchor="ctr"/>
-          <a:lstStyle/>
-          <a:p>
-            <a:pPr algn="ctr"/>
-            <a:r>
-              <a:rPr lang="ko-KR" altLang="en-US" dirty="0" err="1" smtClean="0">
-                <a:solidFill>
-                  <a:schemeClr val="tx1"/>
-                </a:solidFill>
-              </a:rPr>
-              <a:t>뒤로가기</a:t>
-            </a:r>
-            <a:endParaRPr lang="ko-KR" altLang="en-US" dirty="0">
-              <a:solidFill>
-                <a:schemeClr val="tx1"/>
-              </a:solidFill>
-            </a:endParaRPr>
-          </a:p>
-        </p:txBody>
-      </p:sp>
-      <p:sp>
-        <p:nvSpPr>
-          <p:cNvPr id="25" name="모서리가 둥근 직사각형 24"/>
-          <p:cNvSpPr/>
-          <p:nvPr/>
-        </p:nvSpPr>
-        <p:spPr>
-          <a:xfrm>
-            <a:off x="2575571" y="369332"/>
-            <a:ext cx="4680000" cy="2160000"/>
-          </a:xfrm>
-          <a:prstGeom prst="roundRect">
-            <a:avLst/>
-          </a:prstGeom>
-          <a:solidFill>
-            <a:schemeClr val="bg1"/>
-          </a:solidFill>
-          <a:ln>
-            <a:solidFill>
-              <a:schemeClr val="accent2"/>
-            </a:solidFill>
-          </a:ln>
-        </p:spPr>
-        <p:style>
-          <a:lnRef idx="2">
-            <a:schemeClr val="accent1">
-              <a:shade val="50000"/>
-            </a:schemeClr>
-          </a:lnRef>
-          <a:fillRef idx="1">
-            <a:schemeClr val="accent1"/>
-          </a:fillRef>
-          <a:effectRef idx="0">
-            <a:schemeClr val="accent1"/>
-          </a:effectRef>
-          <a:fontRef idx="minor">
-            <a:schemeClr val="lt1"/>
-          </a:fontRef>
-        </p:style>
-        <p:txBody>
-          <a:bodyPr rtlCol="0" anchor="ctr"/>
-          <a:lstStyle/>
-          <a:p>
-            <a:pPr algn="ctr"/>
-            <a:r>
-              <a:rPr lang="ko-KR" altLang="en-US" dirty="0" smtClean="0">
-                <a:solidFill>
-                  <a:schemeClr val="tx1"/>
-                </a:solidFill>
-              </a:rPr>
-              <a:t>송장이 </a:t>
-            </a:r>
-            <a:r>
-              <a:rPr lang="en-US" altLang="ko-KR" dirty="0" smtClean="0">
-                <a:solidFill>
-                  <a:schemeClr val="tx1"/>
-                </a:solidFill>
-              </a:rPr>
-              <a:t>CSV</a:t>
-            </a:r>
-            <a:r>
-              <a:rPr lang="ko-KR" altLang="en-US" dirty="0" smtClean="0">
-                <a:solidFill>
-                  <a:schemeClr val="tx1"/>
-                </a:solidFill>
-              </a:rPr>
-              <a:t>파일로 다운로드 되었습니다</a:t>
-            </a:r>
-            <a:r>
-              <a:rPr lang="en-US" altLang="ko-KR" dirty="0" smtClean="0">
-                <a:solidFill>
-                  <a:schemeClr val="tx1"/>
-                </a:solidFill>
-              </a:rPr>
-              <a:t>.</a:t>
-            </a:r>
-            <a:endParaRPr lang="ko-KR" altLang="en-US" dirty="0">
-              <a:solidFill>
-                <a:schemeClr val="tx1"/>
-              </a:solidFill>
-            </a:endParaRPr>
-          </a:p>
-        </p:txBody>
-      </p:sp>
-    </p:spTree>
-    <p:extLst>
-      <p:ext uri="{BB962C8B-B14F-4D97-AF65-F5344CB8AC3E}">
-        <p14:creationId xmlns:p14="http://schemas.microsoft.com/office/powerpoint/2010/main" val="1068143714"/>
-      </p:ext>
-    </p:extLst>
-  </p:cSld>
-  <p:clrMapOvr>
-    <a:masterClrMapping/>
-  </p:clrMapOvr>
-  <p:timing>
-    <p:tnLst>
-      <p:par>
-        <p:cTn id="1" dur="indefinite" restart="never" nodeType="tmRoot">
-          <p:childTnLst>
-            <p:seq concurrent="1" nextAc="seek">
-              <p:cTn id="2" dur="indefinite" nodeType="mainSeq">
-                <p:childTnLst>
-                  <p:par>
-                    <p:cTn id="3" fill="hold">
-                      <p:stCondLst>
-                        <p:cond delay="indefinite"/>
-                      </p:stCondLst>
-                      <p:childTnLst>
-                        <p:par>
-                          <p:cTn id="4" fill="hold">
-                            <p:stCondLst>
-                              <p:cond delay="0"/>
-                            </p:stCondLst>
-                            <p:childTnLst>
-                              <p:par>
-                                <p:cTn id="5" presetID="2" presetClass="entr" presetSubtype="1" fill="hold" grpId="0" nodeType="clickEffect">
-                                  <p:stCondLst>
-                                    <p:cond delay="0"/>
-                                  </p:stCondLst>
-                                  <p:childTnLst>
-                                    <p:set>
-                                      <p:cBhvr>
-                                        <p:cTn id="6" dur="1" fill="hold">
-                                          <p:stCondLst>
-                                            <p:cond delay="0"/>
-                                          </p:stCondLst>
-                                        </p:cTn>
-                                        <p:tgtEl>
-                                          <p:spTgt spid="25"/>
-                                        </p:tgtEl>
-                                        <p:attrNameLst>
-                                          <p:attrName>style.visibility</p:attrName>
-                                        </p:attrNameLst>
-                                      </p:cBhvr>
-                                      <p:to>
-                                        <p:strVal val="visible"/>
-                                      </p:to>
-                                    </p:set>
-                                    <p:anim calcmode="lin" valueType="num">
-                                      <p:cBhvr additive="base">
-                                        <p:cTn id="7" dur="500" fill="hold"/>
-                                        <p:tgtEl>
-                                          <p:spTgt spid="25"/>
-                                        </p:tgtEl>
-                                        <p:attrNameLst>
-                                          <p:attrName>ppt_x</p:attrName>
-                                        </p:attrNameLst>
-                                      </p:cBhvr>
-                                      <p:tavLst>
-                                        <p:tav tm="0">
-                                          <p:val>
-                                            <p:strVal val="#ppt_x"/>
-                                          </p:val>
-                                        </p:tav>
-                                        <p:tav tm="100000">
-                                          <p:val>
-                                            <p:strVal val="#ppt_x"/>
-                                          </p:val>
-                                        </p:tav>
-                                      </p:tavLst>
-                                    </p:anim>
-                                    <p:anim calcmode="lin" valueType="num">
-                                      <p:cBhvr additive="base">
-                                        <p:cTn id="8" dur="500" fill="hold"/>
-                                        <p:tgtEl>
-                                          <p:spTgt spid="25"/>
-                                        </p:tgtEl>
-                                        <p:attrNameLst>
-                                          <p:attrName>ppt_y</p:attrName>
-                                        </p:attrNameLst>
-                                      </p:cBhvr>
-                                      <p:tavLst>
-                                        <p:tav tm="0">
-                                          <p:val>
-                                            <p:strVal val="0-#ppt_h/2"/>
-                                          </p:val>
-                                        </p:tav>
-                                        <p:tav tm="100000">
-                                          <p:val>
-                                            <p:strVal val="#ppt_y"/>
-                                          </p:val>
-                                        </p:tav>
-                                      </p:tavLst>
-                                    </p:anim>
-                                  </p:childTnLst>
-                                </p:cTn>
-                              </p:par>
-                            </p:childTnLst>
-                          </p:cTn>
-                        </p:par>
-                      </p:childTnLst>
-                    </p:cTn>
-                  </p:par>
-                  <p:par>
-                    <p:cTn id="9" fill="hold">
-                      <p:stCondLst>
-                        <p:cond delay="indefinite"/>
-                      </p:stCondLst>
-                      <p:childTnLst>
-                        <p:par>
-                          <p:cTn id="10" fill="hold">
-                            <p:stCondLst>
-                              <p:cond delay="0"/>
-                            </p:stCondLst>
-                            <p:childTnLst>
-                              <p:par>
-                                <p:cTn id="11" presetID="1" presetClass="exit" presetSubtype="0" fill="hold" grpId="1" nodeType="clickEffect">
-                                  <p:stCondLst>
-                                    <p:cond delay="0"/>
-                                  </p:stCondLst>
-                                  <p:childTnLst>
-                                    <p:set>
-                                      <p:cBhvr>
-                                        <p:cTn id="12" dur="1" fill="hold">
-                                          <p:stCondLst>
-                                            <p:cond delay="0"/>
-                                          </p:stCondLst>
-                                        </p:cTn>
-                                        <p:tgtEl>
-                                          <p:spTgt spid="25"/>
-                                        </p:tgtEl>
-                                        <p:attrNameLst>
-                                          <p:attrName>style.visibility</p:attrName>
-                                        </p:attrNameLst>
-                                      </p:cBhvr>
-                                      <p:to>
-                                        <p:strVal val="hidden"/>
-                                      </p:to>
-                                    </p:set>
-                                  </p:childTnLst>
-                                </p:cTn>
-                              </p:par>
-                            </p:childTnLst>
-                          </p:cTn>
-                        </p:par>
-                      </p:childTnLst>
-                    </p:cTn>
-                  </p:par>
-                </p:childTnLst>
-              </p:cTn>
-              <p:prevCondLst>
-                <p:cond evt="onPrev" delay="0">
-                  <p:tgtEl>
-                    <p:sldTgt/>
-                  </p:tgtEl>
-                </p:cond>
-              </p:prevCondLst>
-              <p:nextCondLst>
-                <p:cond evt="onNext" delay="0">
-                  <p:tgtEl>
-                    <p:sldTgt/>
-                  </p:tgtEl>
-                </p:cond>
-              </p:nextCondLst>
-            </p:seq>
-          </p:childTnLst>
-        </p:cTn>
-      </p:par>
-    </p:tnLst>
-    <p:bldLst>
-      <p:bldP spid="25" grpId="0" animBg="1"/>
-      <p:bldP spid="25" grpId="1" animBg="1"/>
-    </p:bldLst>
   </p:timing>
 </p:sld>
 </file>

--- a/프레젠테이션1.pptx
+++ b/프레젠테이션1.pptx
@@ -5,23 +5,24 @@
     <p:sldMasterId id="2147483744" r:id="rId1"/>
   </p:sldMasterIdLst>
   <p:notesMasterIdLst>
-    <p:notesMasterId r:id="rId16"/>
+    <p:notesMasterId r:id="rId17"/>
   </p:notesMasterIdLst>
   <p:sldIdLst>
     <p:sldId id="256" r:id="rId2"/>
-    <p:sldId id="257" r:id="rId3"/>
-    <p:sldId id="270" r:id="rId4"/>
-    <p:sldId id="264" r:id="rId5"/>
-    <p:sldId id="267" r:id="rId6"/>
-    <p:sldId id="265" r:id="rId7"/>
-    <p:sldId id="271" r:id="rId8"/>
-    <p:sldId id="258" r:id="rId9"/>
-    <p:sldId id="268" r:id="rId10"/>
-    <p:sldId id="272" r:id="rId11"/>
-    <p:sldId id="259" r:id="rId12"/>
-    <p:sldId id="266" r:id="rId13"/>
-    <p:sldId id="261" r:id="rId14"/>
-    <p:sldId id="262" r:id="rId15"/>
+    <p:sldId id="273" r:id="rId3"/>
+    <p:sldId id="257" r:id="rId4"/>
+    <p:sldId id="270" r:id="rId5"/>
+    <p:sldId id="264" r:id="rId6"/>
+    <p:sldId id="267" r:id="rId7"/>
+    <p:sldId id="265" r:id="rId8"/>
+    <p:sldId id="271" r:id="rId9"/>
+    <p:sldId id="258" r:id="rId10"/>
+    <p:sldId id="268" r:id="rId11"/>
+    <p:sldId id="272" r:id="rId12"/>
+    <p:sldId id="259" r:id="rId13"/>
+    <p:sldId id="266" r:id="rId14"/>
+    <p:sldId id="261" r:id="rId15"/>
+    <p:sldId id="262" r:id="rId16"/>
   </p:sldIdLst>
   <p:sldSz cx="9144000" cy="6858000" type="screen4x3"/>
   <p:notesSz cx="6858000" cy="9144000"/>
@@ -126,6 +127,7 @@
         <p14:section name="로그인" id="{B30C34A0-3C8A-4120-BED9-CFD46C49B3D9}">
           <p14:sldIdLst>
             <p14:sldId id="256"/>
+            <p14:sldId id="273"/>
             <p14:sldId id="257"/>
             <p14:sldId id="270"/>
             <p14:sldId id="264"/>
@@ -369,11 +371,11 @@
         </c:dLbls>
         <c:marker val="1"/>
         <c:smooth val="0"/>
-        <c:axId val="32985600"/>
-        <c:axId val="39931840"/>
+        <c:axId val="151116288"/>
+        <c:axId val="39931264"/>
       </c:lineChart>
       <c:catAx>
-        <c:axId val="32985600"/>
+        <c:axId val="151116288"/>
         <c:scaling>
           <c:orientation val="minMax"/>
         </c:scaling>
@@ -382,7 +384,7 @@
         <c:majorTickMark val="out"/>
         <c:minorTickMark val="none"/>
         <c:tickLblPos val="nextTo"/>
-        <c:crossAx val="39931840"/>
+        <c:crossAx val="39931264"/>
         <c:crosses val="autoZero"/>
         <c:auto val="1"/>
         <c:lblAlgn val="ctr"/>
@@ -390,7 +392,7 @@
         <c:noMultiLvlLbl val="0"/>
       </c:catAx>
       <c:valAx>
-        <c:axId val="39931840"/>
+        <c:axId val="39931264"/>
         <c:scaling>
           <c:orientation val="minMax"/>
         </c:scaling>
@@ -401,7 +403,7 @@
         <c:majorTickMark val="out"/>
         <c:minorTickMark val="none"/>
         <c:tickLblPos val="nextTo"/>
-        <c:crossAx val="32985600"/>
+        <c:crossAx val="151116288"/>
         <c:crosses val="autoZero"/>
         <c:crossBetween val="between"/>
       </c:valAx>
@@ -846,7 +848,7 @@
           <a:p>
             <a:fld id="{EA4B52D3-C720-4AC2-895A-51F11AF5463E}" type="slidenum">
               <a:rPr lang="ko-KR" altLang="en-US" smtClean="0"/>
-              <a:t>3</a:t>
+              <a:t>4</a:t>
             </a:fld>
             <a:endParaRPr lang="ko-KR" altLang="en-US"/>
           </a:p>
@@ -930,7 +932,7 @@
           <a:p>
             <a:fld id="{EA4B52D3-C720-4AC2-895A-51F11AF5463E}" type="slidenum">
               <a:rPr lang="ko-KR" altLang="en-US" smtClean="0"/>
-              <a:t>8</a:t>
+              <a:t>9</a:t>
             </a:fld>
             <a:endParaRPr lang="ko-KR" altLang="en-US"/>
           </a:p>
@@ -5108,6 +5110,609 @@
 </file>
 
 <file path=ppt/slides/slide10.xml><?xml version="1.0" encoding="utf-8"?>
+<p:sld xmlns:a="http://schemas.openxmlformats.org/drawingml/2006/main" xmlns:r="http://schemas.openxmlformats.org/officeDocument/2006/relationships" xmlns:p="http://schemas.openxmlformats.org/presentationml/2006/main">
+  <p:cSld>
+    <p:spTree>
+      <p:nvGrpSpPr>
+        <p:cNvPr id="1" name=""/>
+        <p:cNvGrpSpPr/>
+        <p:nvPr/>
+      </p:nvGrpSpPr>
+      <p:grpSpPr>
+        <a:xfrm>
+          <a:off x="0" y="0"/>
+          <a:ext cx="0" cy="0"/>
+          <a:chOff x="0" y="0"/>
+          <a:chExt cx="0" cy="0"/>
+        </a:xfrm>
+      </p:grpSpPr>
+      <p:sp>
+        <p:nvSpPr>
+          <p:cNvPr id="6" name="모서리가 둥근 직사각형 5">
+            <a:hlinkClick r:id="rId2" action="ppaction://hlinksldjump"/>
+          </p:cNvPr>
+          <p:cNvSpPr/>
+          <p:nvPr/>
+        </p:nvSpPr>
+        <p:spPr>
+          <a:xfrm>
+            <a:off x="6826057" y="260648"/>
+            <a:ext cx="1620000" cy="612000"/>
+          </a:xfrm>
+          <a:prstGeom prst="roundRect">
+            <a:avLst/>
+          </a:prstGeom>
+        </p:spPr>
+        <p:style>
+          <a:lnRef idx="2">
+            <a:schemeClr val="accent2">
+              <a:shade val="50000"/>
+            </a:schemeClr>
+          </a:lnRef>
+          <a:fillRef idx="1">
+            <a:schemeClr val="accent2"/>
+          </a:fillRef>
+          <a:effectRef idx="0">
+            <a:schemeClr val="accent2"/>
+          </a:effectRef>
+          <a:fontRef idx="minor">
+            <a:schemeClr val="lt1"/>
+          </a:fontRef>
+        </p:style>
+        <p:txBody>
+          <a:bodyPr rtlCol="0" anchor="ctr"/>
+          <a:lstStyle/>
+          <a:p>
+            <a:pPr algn="ctr"/>
+            <a:r>
+              <a:rPr lang="ko-KR" altLang="en-US" dirty="0" smtClean="0">
+                <a:solidFill>
+                  <a:schemeClr val="tx1"/>
+                </a:solidFill>
+              </a:rPr>
+              <a:t>로그아웃</a:t>
+            </a:r>
+            <a:endParaRPr lang="ko-KR" altLang="en-US" dirty="0">
+              <a:solidFill>
+                <a:schemeClr val="tx1"/>
+              </a:solidFill>
+            </a:endParaRPr>
+          </a:p>
+        </p:txBody>
+      </p:sp>
+      <p:sp>
+        <p:nvSpPr>
+          <p:cNvPr id="7" name="모서리가 둥근 직사각형 6"/>
+          <p:cNvSpPr/>
+          <p:nvPr/>
+        </p:nvSpPr>
+        <p:spPr>
+          <a:xfrm>
+            <a:off x="1403648" y="1176427"/>
+            <a:ext cx="7056784" cy="5276909"/>
+          </a:xfrm>
+          <a:prstGeom prst="roundRect">
+            <a:avLst/>
+          </a:prstGeom>
+          <a:noFill/>
+          <a:ln>
+            <a:solidFill>
+              <a:schemeClr val="accent2"/>
+            </a:solidFill>
+          </a:ln>
+        </p:spPr>
+        <p:style>
+          <a:lnRef idx="2">
+            <a:schemeClr val="accent2">
+              <a:shade val="50000"/>
+            </a:schemeClr>
+          </a:lnRef>
+          <a:fillRef idx="1">
+            <a:schemeClr val="accent2"/>
+          </a:fillRef>
+          <a:effectRef idx="0">
+            <a:schemeClr val="accent2"/>
+          </a:effectRef>
+          <a:fontRef idx="minor">
+            <a:schemeClr val="lt1"/>
+          </a:fontRef>
+        </p:style>
+        <p:txBody>
+          <a:bodyPr rtlCol="0" anchor="ctr"/>
+          <a:lstStyle/>
+          <a:p>
+            <a:pPr algn="ctr"/>
+            <a:endParaRPr lang="ko-KR" altLang="en-US" sz="1400" dirty="0">
+              <a:solidFill>
+                <a:schemeClr val="tx1"/>
+              </a:solidFill>
+            </a:endParaRPr>
+          </a:p>
+        </p:txBody>
+      </p:sp>
+      <p:sp>
+        <p:nvSpPr>
+          <p:cNvPr id="8" name="TextBox 7"/>
+          <p:cNvSpPr txBox="1"/>
+          <p:nvPr/>
+        </p:nvSpPr>
+        <p:spPr>
+          <a:xfrm>
+            <a:off x="971600" y="0"/>
+            <a:ext cx="3096344" cy="338554"/>
+          </a:xfrm>
+          <a:prstGeom prst="rect">
+            <a:avLst/>
+          </a:prstGeom>
+          <a:noFill/>
+        </p:spPr>
+        <p:txBody>
+          <a:bodyPr wrap="square" rtlCol="0">
+            <a:spAutoFit/>
+          </a:bodyPr>
+          <a:lstStyle/>
+          <a:p>
+            <a:r>
+              <a:rPr lang="en-US" altLang="ko-KR" sz="1600" dirty="0" smtClean="0"/>
+              <a:t>Transport Invoice</a:t>
+            </a:r>
+          </a:p>
+        </p:txBody>
+      </p:sp>
+      <p:sp>
+        <p:nvSpPr>
+          <p:cNvPr id="9" name="TextBox 8"/>
+          <p:cNvSpPr txBox="1"/>
+          <p:nvPr/>
+        </p:nvSpPr>
+        <p:spPr>
+          <a:xfrm>
+            <a:off x="1907704" y="1556792"/>
+            <a:ext cx="6336704" cy="369332"/>
+          </a:xfrm>
+          <a:prstGeom prst="rect">
+            <a:avLst/>
+          </a:prstGeom>
+          <a:noFill/>
+        </p:spPr>
+        <p:txBody>
+          <a:bodyPr wrap="square" rtlCol="0">
+            <a:spAutoFit/>
+          </a:bodyPr>
+          <a:lstStyle/>
+          <a:p>
+            <a:r>
+              <a:rPr lang="ko-KR" altLang="en-US" dirty="0" smtClean="0"/>
+              <a:t>송장번호</a:t>
+            </a:r>
+            <a:r>
+              <a:rPr lang="en-US" altLang="ko-KR" dirty="0"/>
+              <a:t> </a:t>
+            </a:r>
+            <a:r>
+              <a:rPr lang="en-US" altLang="ko-KR" dirty="0" smtClean="0"/>
+              <a:t>       </a:t>
+            </a:r>
+            <a:r>
+              <a:rPr lang="ko-KR" altLang="en-US" dirty="0" smtClean="0"/>
+              <a:t>고객명</a:t>
+            </a:r>
+            <a:r>
+              <a:rPr lang="en-US" altLang="ko-KR" dirty="0" smtClean="0"/>
+              <a:t>		     </a:t>
+            </a:r>
+            <a:r>
+              <a:rPr lang="ko-KR" altLang="en-US" dirty="0" smtClean="0"/>
+              <a:t>주소</a:t>
+            </a:r>
+            <a:endParaRPr lang="ko-KR" altLang="en-US" dirty="0"/>
+          </a:p>
+        </p:txBody>
+      </p:sp>
+      <p:sp>
+        <p:nvSpPr>
+          <p:cNvPr id="12" name="TextBox 11"/>
+          <p:cNvSpPr txBox="1"/>
+          <p:nvPr/>
+        </p:nvSpPr>
+        <p:spPr>
+          <a:xfrm>
+            <a:off x="4640491" y="5877272"/>
+            <a:ext cx="720080" cy="369332"/>
+          </a:xfrm>
+          <a:prstGeom prst="rect">
+            <a:avLst/>
+          </a:prstGeom>
+          <a:noFill/>
+        </p:spPr>
+        <p:txBody>
+          <a:bodyPr wrap="square" rtlCol="0">
+            <a:spAutoFit/>
+          </a:bodyPr>
+          <a:lstStyle/>
+          <a:p>
+            <a:r>
+              <a:rPr lang="en-US" altLang="ko-KR" dirty="0" smtClean="0"/>
+              <a:t>- 1 -</a:t>
+            </a:r>
+            <a:endParaRPr lang="ko-KR" altLang="en-US" dirty="0"/>
+          </a:p>
+        </p:txBody>
+      </p:sp>
+      <p:grpSp>
+        <p:nvGrpSpPr>
+          <p:cNvPr id="13" name="그룹 12"/>
+          <p:cNvGrpSpPr/>
+          <p:nvPr/>
+        </p:nvGrpSpPr>
+        <p:grpSpPr>
+          <a:xfrm>
+            <a:off x="1628055" y="2211321"/>
+            <a:ext cx="6472337" cy="1385333"/>
+            <a:chOff x="1475655" y="2058921"/>
+            <a:chExt cx="6472337" cy="1385333"/>
+          </a:xfrm>
+        </p:grpSpPr>
+        <p:sp>
+          <p:nvSpPr>
+            <p:cNvPr id="14" name="TextBox 13"/>
+            <p:cNvSpPr txBox="1"/>
+            <p:nvPr/>
+          </p:nvSpPr>
+          <p:spPr>
+            <a:xfrm>
+              <a:off x="1475655" y="2058921"/>
+              <a:ext cx="2968209" cy="954107"/>
+            </a:xfrm>
+            <a:prstGeom prst="rect">
+              <a:avLst/>
+            </a:prstGeom>
+            <a:noFill/>
+          </p:spPr>
+          <p:txBody>
+            <a:bodyPr wrap="square" rtlCol="0">
+              <a:spAutoFit/>
+            </a:bodyPr>
+            <a:lstStyle/>
+            <a:p>
+              <a:pPr marL="342900" indent="-342900">
+                <a:buAutoNum type="arabicPeriod"/>
+              </a:pPr>
+              <a:r>
+                <a:rPr lang="en-US" altLang="ko-KR" sz="1400" dirty="0"/>
+                <a:t> </a:t>
+              </a:r>
+              <a:r>
+                <a:rPr lang="en-US" altLang="ko-KR" sz="1400" dirty="0" smtClean="0"/>
+                <a:t>   </a:t>
+              </a:r>
+              <a:r>
+                <a:rPr lang="en-US" altLang="ko-KR" sz="1400" dirty="0" smtClean="0">
+                  <a:hlinkClick r:id="rId3" action="ppaction://hlinksldjump"/>
+                </a:rPr>
+                <a:t>b1021</a:t>
+              </a:r>
+              <a:r>
+                <a:rPr lang="en-US" altLang="ko-KR" sz="1400" dirty="0" smtClean="0"/>
+                <a:t>	   </a:t>
+              </a:r>
+              <a:r>
+                <a:rPr lang="ko-KR" altLang="en-US" sz="1400" dirty="0" err="1" smtClean="0"/>
+                <a:t>냥냥이</a:t>
+              </a:r>
+              <a:endParaRPr lang="en-US" altLang="ko-KR" sz="1400" dirty="0" smtClean="0"/>
+            </a:p>
+            <a:p>
+              <a:pPr marL="342900" indent="-342900">
+                <a:buAutoNum type="arabicPeriod"/>
+              </a:pPr>
+              <a:r>
+                <a:rPr lang="en-US" altLang="ko-KR" sz="1400" dirty="0"/>
+                <a:t> </a:t>
+              </a:r>
+              <a:r>
+                <a:rPr lang="en-US" altLang="ko-KR" sz="1400" dirty="0" smtClean="0"/>
+                <a:t>   </a:t>
+              </a:r>
+              <a:r>
+                <a:rPr lang="en-US" altLang="ko-KR" sz="1400" dirty="0" smtClean="0">
+                  <a:hlinkClick r:id="rId3" action="ppaction://hlinksldjump"/>
+                </a:rPr>
+                <a:t>c1007</a:t>
+              </a:r>
+              <a:r>
+                <a:rPr lang="en-US" altLang="ko-KR" sz="1400" dirty="0" smtClean="0"/>
+                <a:t>                    </a:t>
+              </a:r>
+              <a:r>
+                <a:rPr lang="ko-KR" altLang="en-US" sz="1400" dirty="0" err="1" smtClean="0"/>
+                <a:t>댕댕이</a:t>
+              </a:r>
+              <a:endParaRPr lang="en-US" altLang="ko-KR" sz="1400" dirty="0" smtClean="0"/>
+            </a:p>
+            <a:p>
+              <a:pPr marL="342900" indent="-342900">
+                <a:buFontTx/>
+                <a:buAutoNum type="arabicPeriod"/>
+              </a:pPr>
+              <a:r>
+                <a:rPr lang="en-US" altLang="ko-KR" sz="1400" dirty="0" smtClean="0"/>
+                <a:t>    </a:t>
+              </a:r>
+              <a:r>
+                <a:rPr lang="en-US" altLang="ko-KR" sz="1400" dirty="0" smtClean="0">
+                  <a:hlinkClick r:id="rId3" action="ppaction://hlinksldjump"/>
+                </a:rPr>
+                <a:t>a1001</a:t>
+              </a:r>
+              <a:r>
+                <a:rPr lang="en-US" altLang="ko-KR" sz="1400" dirty="0"/>
+                <a:t>	   </a:t>
+              </a:r>
+              <a:r>
+                <a:rPr lang="ko-KR" altLang="en-US" sz="1400" dirty="0"/>
+                <a:t>파이선 </a:t>
+              </a:r>
+              <a:endParaRPr lang="en-US" altLang="ko-KR" sz="1400" dirty="0"/>
+            </a:p>
+            <a:p>
+              <a:pPr marL="342900" indent="-342900">
+                <a:buFontTx/>
+                <a:buAutoNum type="arabicPeriod"/>
+              </a:pPr>
+              <a:r>
+                <a:rPr lang="en-US" altLang="ko-KR" sz="1400" dirty="0" smtClean="0"/>
+                <a:t>    </a:t>
+              </a:r>
+              <a:r>
+                <a:rPr lang="en-US" altLang="ko-KR" sz="1400" dirty="0" smtClean="0">
+                  <a:hlinkClick r:id="rId3" action="ppaction://hlinksldjump"/>
+                </a:rPr>
+                <a:t>a1002</a:t>
+              </a:r>
+              <a:r>
+                <a:rPr lang="en-US" altLang="ko-KR" sz="1400" dirty="0" smtClean="0"/>
+                <a:t>   </a:t>
+              </a:r>
+              <a:r>
+                <a:rPr lang="en-US" altLang="ko-KR" sz="1400" dirty="0"/>
+                <a:t>	   </a:t>
+              </a:r>
+              <a:r>
+                <a:rPr lang="ko-KR" altLang="en-US" sz="1400" dirty="0" err="1" smtClean="0"/>
+                <a:t>김자바</a:t>
+              </a:r>
+              <a:r>
+                <a:rPr lang="en-US" altLang="ko-KR" sz="1400" dirty="0" smtClean="0"/>
+                <a:t>	 </a:t>
+              </a:r>
+            </a:p>
+          </p:txBody>
+        </p:sp>
+        <p:sp>
+          <p:nvSpPr>
+            <p:cNvPr id="15" name="TextBox 14"/>
+            <p:cNvSpPr txBox="1"/>
+            <p:nvPr/>
+          </p:nvSpPr>
+          <p:spPr>
+            <a:xfrm>
+              <a:off x="4203576" y="2059259"/>
+              <a:ext cx="3744416" cy="1384995"/>
+            </a:xfrm>
+            <a:prstGeom prst="rect">
+              <a:avLst/>
+            </a:prstGeom>
+            <a:noFill/>
+          </p:spPr>
+          <p:txBody>
+            <a:bodyPr wrap="square" rtlCol="0">
+              <a:spAutoFit/>
+            </a:bodyPr>
+            <a:lstStyle/>
+            <a:p>
+              <a:pPr algn="ctr"/>
+              <a:r>
+                <a:rPr lang="ko-KR" altLang="en-US" sz="1400" dirty="0"/>
+                <a:t>서울특별시 강남구 역삼동 </a:t>
+              </a:r>
+              <a:r>
+                <a:rPr lang="en-US" altLang="ko-KR" sz="1400" dirty="0"/>
+                <a:t>333 </a:t>
+              </a:r>
+              <a:endParaRPr lang="en-US" altLang="ko-KR" sz="1400" dirty="0" smtClean="0"/>
+            </a:p>
+            <a:p>
+              <a:pPr algn="ctr"/>
+              <a:r>
+                <a:rPr lang="ko-KR" altLang="en-US" sz="1400" dirty="0" smtClean="0"/>
+                <a:t>부산광역시 중구 </a:t>
+              </a:r>
+              <a:r>
+                <a:rPr lang="ko-KR" altLang="en-US" sz="1400" dirty="0" err="1" smtClean="0"/>
+                <a:t>남포동</a:t>
+              </a:r>
+              <a:r>
+                <a:rPr lang="ko-KR" altLang="en-US" sz="1400" dirty="0" smtClean="0"/>
+                <a:t> </a:t>
+              </a:r>
+              <a:r>
+                <a:rPr lang="en-US" altLang="ko-KR" sz="1400" dirty="0" smtClean="0"/>
+                <a:t>987</a:t>
+              </a:r>
+            </a:p>
+            <a:p>
+              <a:pPr algn="ctr"/>
+              <a:r>
+                <a:rPr lang="ko-KR" altLang="en-US" sz="1400" dirty="0"/>
+                <a:t>대전광역시 서구 </a:t>
+              </a:r>
+              <a:r>
+                <a:rPr lang="ko-KR" altLang="en-US" sz="1400" dirty="0" err="1"/>
+                <a:t>월평동</a:t>
+              </a:r>
+              <a:r>
+                <a:rPr lang="ko-KR" altLang="en-US" sz="1400" dirty="0"/>
+                <a:t> </a:t>
+              </a:r>
+              <a:r>
+                <a:rPr lang="en-US" altLang="ko-KR" sz="1400" dirty="0"/>
+                <a:t>243 </a:t>
+              </a:r>
+              <a:r>
+                <a:rPr lang="ko-KR" altLang="en-US" sz="1400" dirty="0" err="1"/>
+                <a:t>스타게이트</a:t>
+              </a:r>
+              <a:r>
+                <a:rPr lang="ko-KR" altLang="en-US" sz="1400" dirty="0"/>
+                <a:t> </a:t>
+              </a:r>
+              <a:r>
+                <a:rPr lang="en-US" altLang="ko-KR" sz="1400" dirty="0"/>
+                <a:t>7</a:t>
+              </a:r>
+              <a:r>
+                <a:rPr lang="ko-KR" altLang="en-US" sz="1400" dirty="0" smtClean="0"/>
+                <a:t>층</a:t>
+              </a:r>
+              <a:endParaRPr lang="en-US" altLang="ko-KR" sz="1400" dirty="0" smtClean="0"/>
+            </a:p>
+            <a:p>
+              <a:pPr algn="ctr"/>
+              <a:r>
+                <a:rPr lang="ko-KR" altLang="en-US" sz="1400" dirty="0"/>
+                <a:t>대전광역시 서구 </a:t>
+              </a:r>
+              <a:r>
+                <a:rPr lang="ko-KR" altLang="en-US" sz="1400" dirty="0" err="1"/>
+                <a:t>갈마동</a:t>
+              </a:r>
+              <a:r>
+                <a:rPr lang="ko-KR" altLang="en-US" sz="1400" dirty="0"/>
+                <a:t> </a:t>
+              </a:r>
+              <a:r>
+                <a:rPr lang="en-US" altLang="ko-KR" sz="1400" dirty="0"/>
+                <a:t>123 </a:t>
+              </a:r>
+              <a:r>
+                <a:rPr lang="ko-KR" altLang="en-US" sz="1400" dirty="0" err="1"/>
+                <a:t>사오륙빌딩</a:t>
+              </a:r>
+              <a:r>
+                <a:rPr lang="ko-KR" altLang="en-US" sz="1400" dirty="0"/>
+                <a:t> </a:t>
+              </a:r>
+              <a:r>
+                <a:rPr lang="en-US" altLang="ko-KR" sz="1400" dirty="0"/>
+                <a:t>7</a:t>
+              </a:r>
+              <a:r>
+                <a:rPr lang="ko-KR" altLang="en-US" sz="1400" dirty="0" smtClean="0"/>
+                <a:t>층</a:t>
+              </a:r>
+              <a:endParaRPr lang="en-US" altLang="ko-KR" sz="1400" dirty="0"/>
+            </a:p>
+            <a:p>
+              <a:pPr algn="ctr"/>
+              <a:endParaRPr lang="en-US" altLang="ko-KR" sz="1400" dirty="0"/>
+            </a:p>
+            <a:p>
+              <a:pPr algn="ctr"/>
+              <a:endParaRPr lang="ko-KR" altLang="en-US" sz="1400" dirty="0"/>
+            </a:p>
+          </p:txBody>
+        </p:sp>
+      </p:grpSp>
+    </p:spTree>
+    <p:extLst>
+      <p:ext uri="{BB962C8B-B14F-4D97-AF65-F5344CB8AC3E}">
+        <p14:creationId xmlns:p14="http://schemas.microsoft.com/office/powerpoint/2010/main" val="1622573044"/>
+      </p:ext>
+    </p:extLst>
+  </p:cSld>
+  <p:clrMapOvr>
+    <a:masterClrMapping/>
+  </p:clrMapOvr>
+  <p:timing>
+    <p:tnLst>
+      <p:par>
+        <p:cTn id="1" dur="indefinite" restart="never" nodeType="tmRoot">
+          <p:childTnLst>
+            <p:seq concurrent="1" nextAc="seek">
+              <p:cTn id="2" dur="indefinite" nodeType="mainSeq">
+                <p:childTnLst>
+                  <p:par>
+                    <p:cTn id="3" fill="hold">
+                      <p:stCondLst>
+                        <p:cond delay="indefinite"/>
+                      </p:stCondLst>
+                      <p:childTnLst>
+                        <p:par>
+                          <p:cTn id="4" fill="hold">
+                            <p:stCondLst>
+                              <p:cond delay="0"/>
+                            </p:stCondLst>
+                            <p:childTnLst>
+                              <p:par>
+                                <p:cTn id="5" presetID="1" presetClass="exit" presetSubtype="0" fill="hold" nodeType="clickEffect">
+                                  <p:stCondLst>
+                                    <p:cond delay="0"/>
+                                  </p:stCondLst>
+                                  <p:childTnLst>
+                                    <p:set>
+                                      <p:cBhvr>
+                                        <p:cTn id="6" dur="1" fill="hold">
+                                          <p:stCondLst>
+                                            <p:cond delay="0"/>
+                                          </p:stCondLst>
+                                        </p:cTn>
+                                        <p:tgtEl>
+                                          <p:spTgt spid="13"/>
+                                        </p:tgtEl>
+                                        <p:attrNameLst>
+                                          <p:attrName>style.visibility</p:attrName>
+                                        </p:attrNameLst>
+                                      </p:cBhvr>
+                                      <p:to>
+                                        <p:strVal val="hidden"/>
+                                      </p:to>
+                                    </p:set>
+                                  </p:childTnLst>
+                                </p:cTn>
+                              </p:par>
+                            </p:childTnLst>
+                          </p:cTn>
+                        </p:par>
+                      </p:childTnLst>
+                    </p:cTn>
+                  </p:par>
+                </p:childTnLst>
+              </p:cTn>
+              <p:prevCondLst>
+                <p:cond evt="onPrev" delay="0">
+                  <p:tgtEl>
+                    <p:sldTgt/>
+                  </p:tgtEl>
+                </p:cond>
+              </p:prevCondLst>
+              <p:nextCondLst>
+                <p:cond evt="onNext" delay="0">
+                  <p:tgtEl>
+                    <p:sldTgt/>
+                  </p:tgtEl>
+                </p:cond>
+              </p:nextCondLst>
+            </p:seq>
+          </p:childTnLst>
+        </p:cTn>
+      </p:par>
+    </p:tnLst>
+  </p:timing>
+</p:sld>
+</file>
+
+<file path=ppt/slides/slide11.xml><?xml version="1.0" encoding="utf-8"?>
 <p:sld xmlns:a="http://schemas.openxmlformats.org/drawingml/2006/main" xmlns:r="http://schemas.openxmlformats.org/officeDocument/2006/relationships" xmlns:p="http://schemas.openxmlformats.org/presentationml/2006/main">
   <p:cSld>
     <p:spTree>
@@ -5710,7 +6315,7 @@
 </p:sld>
 </file>
 
-<file path=ppt/slides/slide11.xml><?xml version="1.0" encoding="utf-8"?>
+<file path=ppt/slides/slide12.xml><?xml version="1.0" encoding="utf-8"?>
 <p:sld xmlns:a="http://schemas.openxmlformats.org/drawingml/2006/main" xmlns:r="http://schemas.openxmlformats.org/officeDocument/2006/relationships" xmlns:p="http://schemas.openxmlformats.org/presentationml/2006/main">
   <p:cSld>
     <p:spTree>
@@ -6534,7 +7139,7 @@
 </p:sld>
 </file>
 
-<file path=ppt/slides/slide12.xml><?xml version="1.0" encoding="utf-8"?>
+<file path=ppt/slides/slide13.xml><?xml version="1.0" encoding="utf-8"?>
 <p:sld xmlns:a="http://schemas.openxmlformats.org/drawingml/2006/main" xmlns:r="http://schemas.openxmlformats.org/officeDocument/2006/relationships" xmlns:p="http://schemas.openxmlformats.org/presentationml/2006/main">
   <p:cSld>
     <p:spTree>
@@ -7313,7 +7918,7 @@
 </p:sld>
 </file>
 
-<file path=ppt/slides/slide13.xml><?xml version="1.0" encoding="utf-8"?>
+<file path=ppt/slides/slide14.xml><?xml version="1.0" encoding="utf-8"?>
 <p:sld xmlns:a="http://schemas.openxmlformats.org/drawingml/2006/main" xmlns:r="http://schemas.openxmlformats.org/officeDocument/2006/relationships" xmlns:p="http://schemas.openxmlformats.org/presentationml/2006/main">
   <p:cSld>
     <p:spTree>
@@ -8621,7 +9226,7 @@
 </p:sld>
 </file>
 
-<file path=ppt/slides/slide14.xml><?xml version="1.0" encoding="utf-8"?>
+<file path=ppt/slides/slide15.xml><?xml version="1.0" encoding="utf-8"?>
 <p:sld xmlns:a="http://schemas.openxmlformats.org/drawingml/2006/main" xmlns:r="http://schemas.openxmlformats.org/officeDocument/2006/relationships" xmlns:p="http://schemas.openxmlformats.org/presentationml/2006/main">
   <p:cSld>
     <p:spTree>
@@ -8923,6 +9528,440 @@
 </file>
 
 <file path=ppt/slides/slide2.xml><?xml version="1.0" encoding="utf-8"?>
+<p:sld xmlns:a="http://schemas.openxmlformats.org/drawingml/2006/main" xmlns:r="http://schemas.openxmlformats.org/officeDocument/2006/relationships" xmlns:p="http://schemas.openxmlformats.org/presentationml/2006/main">
+  <p:cSld>
+    <p:spTree>
+      <p:nvGrpSpPr>
+        <p:cNvPr id="1" name=""/>
+        <p:cNvGrpSpPr/>
+        <p:nvPr/>
+      </p:nvGrpSpPr>
+      <p:grpSpPr>
+        <a:xfrm>
+          <a:off x="0" y="0"/>
+          <a:ext cx="0" cy="0"/>
+          <a:chOff x="0" y="0"/>
+          <a:chExt cx="0" cy="0"/>
+        </a:xfrm>
+      </p:grpSpPr>
+      <p:grpSp>
+        <p:nvGrpSpPr>
+          <p:cNvPr id="12" name="그룹 11"/>
+          <p:cNvGrpSpPr/>
+          <p:nvPr/>
+        </p:nvGrpSpPr>
+        <p:grpSpPr>
+          <a:xfrm>
+            <a:off x="1115616" y="116632"/>
+            <a:ext cx="7776864" cy="6624736"/>
+            <a:chOff x="1115616" y="260648"/>
+            <a:chExt cx="7353855" cy="6408712"/>
+          </a:xfrm>
+        </p:grpSpPr>
+        <p:sp>
+          <p:nvSpPr>
+            <p:cNvPr id="4" name="직사각형 3"/>
+            <p:cNvSpPr/>
+            <p:nvPr/>
+          </p:nvSpPr>
+          <p:spPr>
+            <a:xfrm>
+              <a:off x="1115617" y="764704"/>
+              <a:ext cx="7353854" cy="5904656"/>
+            </a:xfrm>
+            <a:prstGeom prst="rect">
+              <a:avLst/>
+            </a:prstGeom>
+          </p:spPr>
+          <p:style>
+            <a:lnRef idx="1">
+              <a:schemeClr val="accent2"/>
+            </a:lnRef>
+            <a:fillRef idx="2">
+              <a:schemeClr val="accent2"/>
+            </a:fillRef>
+            <a:effectRef idx="1">
+              <a:schemeClr val="accent2"/>
+            </a:effectRef>
+            <a:fontRef idx="minor">
+              <a:schemeClr val="dk1"/>
+            </a:fontRef>
+          </p:style>
+          <p:txBody>
+            <a:bodyPr rtlCol="0" anchor="ctr"/>
+            <a:lstStyle/>
+            <a:p>
+              <a:pPr algn="ctr"/>
+              <a:endParaRPr lang="ko-KR" altLang="en-US">
+                <a:solidFill>
+                  <a:schemeClr val="tx1"/>
+                </a:solidFill>
+              </a:endParaRPr>
+            </a:p>
+          </p:txBody>
+        </p:sp>
+        <p:sp>
+          <p:nvSpPr>
+            <p:cNvPr id="7" name="양쪽 모서리가 둥근 사각형 6"/>
+            <p:cNvSpPr/>
+            <p:nvPr/>
+          </p:nvSpPr>
+          <p:spPr>
+            <a:xfrm>
+              <a:off x="1115616" y="260648"/>
+              <a:ext cx="2448271" cy="504056"/>
+            </a:xfrm>
+            <a:prstGeom prst="round2SameRect">
+              <a:avLst>
+                <a:gd name="adj1" fmla="val 50000"/>
+                <a:gd name="adj2" fmla="val 0"/>
+              </a:avLst>
+            </a:prstGeom>
+          </p:spPr>
+          <p:style>
+            <a:lnRef idx="2">
+              <a:schemeClr val="accent2">
+                <a:shade val="50000"/>
+              </a:schemeClr>
+            </a:lnRef>
+            <a:fillRef idx="1">
+              <a:schemeClr val="accent2"/>
+            </a:fillRef>
+            <a:effectRef idx="0">
+              <a:schemeClr val="accent2"/>
+            </a:effectRef>
+            <a:fontRef idx="minor">
+              <a:schemeClr val="lt1"/>
+            </a:fontRef>
+          </p:style>
+          <p:txBody>
+            <a:bodyPr rtlCol="0" anchor="ctr"/>
+            <a:lstStyle/>
+            <a:p>
+              <a:pPr algn="ctr"/>
+              <a:r>
+                <a:rPr lang="en-US" altLang="ko-KR" dirty="0" smtClean="0">
+                  <a:solidFill>
+                    <a:schemeClr val="tx1"/>
+                  </a:solidFill>
+                </a:rPr>
+                <a:t>1~3</a:t>
+              </a:r>
+              <a:r>
+                <a:rPr lang="ko-KR" altLang="en-US" dirty="0" smtClean="0">
+                  <a:solidFill>
+                    <a:schemeClr val="tx1"/>
+                  </a:solidFill>
+                </a:rPr>
+                <a:t>일</a:t>
+              </a:r>
+              <a:endParaRPr lang="ko-KR" altLang="en-US" dirty="0">
+                <a:solidFill>
+                  <a:schemeClr val="tx1"/>
+                </a:solidFill>
+              </a:endParaRPr>
+            </a:p>
+          </p:txBody>
+        </p:sp>
+        <p:sp>
+          <p:nvSpPr>
+            <p:cNvPr id="8" name="양쪽 모서리가 둥근 사각형 7"/>
+            <p:cNvSpPr/>
+            <p:nvPr/>
+          </p:nvSpPr>
+          <p:spPr>
+            <a:xfrm>
+              <a:off x="3556058" y="260648"/>
+              <a:ext cx="2456706" cy="504056"/>
+            </a:xfrm>
+            <a:prstGeom prst="round2SameRect">
+              <a:avLst>
+                <a:gd name="adj1" fmla="val 50000"/>
+                <a:gd name="adj2" fmla="val 0"/>
+              </a:avLst>
+            </a:prstGeom>
+          </p:spPr>
+          <p:style>
+            <a:lnRef idx="2">
+              <a:schemeClr val="accent2">
+                <a:shade val="50000"/>
+              </a:schemeClr>
+            </a:lnRef>
+            <a:fillRef idx="1">
+              <a:schemeClr val="accent2"/>
+            </a:fillRef>
+            <a:effectRef idx="0">
+              <a:schemeClr val="accent2"/>
+            </a:effectRef>
+            <a:fontRef idx="minor">
+              <a:schemeClr val="lt1"/>
+            </a:fontRef>
+          </p:style>
+          <p:txBody>
+            <a:bodyPr rtlCol="0" anchor="ctr"/>
+            <a:lstStyle/>
+            <a:p>
+              <a:pPr algn="ctr"/>
+              <a:r>
+                <a:rPr lang="en-US" altLang="ko-KR" dirty="0" smtClean="0">
+                  <a:solidFill>
+                    <a:schemeClr val="tx1"/>
+                  </a:solidFill>
+                </a:rPr>
+                <a:t>4~10</a:t>
+              </a:r>
+              <a:r>
+                <a:rPr lang="ko-KR" altLang="en-US" dirty="0" smtClean="0">
+                  <a:solidFill>
+                    <a:schemeClr val="tx1"/>
+                  </a:solidFill>
+                </a:rPr>
+                <a:t>일</a:t>
+              </a:r>
+              <a:endParaRPr lang="ko-KR" altLang="en-US" dirty="0">
+                <a:solidFill>
+                  <a:schemeClr val="tx1"/>
+                </a:solidFill>
+              </a:endParaRPr>
+            </a:p>
+          </p:txBody>
+        </p:sp>
+        <p:sp>
+          <p:nvSpPr>
+            <p:cNvPr id="9" name="양쪽 모서리가 둥근 사각형 8"/>
+            <p:cNvSpPr/>
+            <p:nvPr/>
+          </p:nvSpPr>
+          <p:spPr>
+            <a:xfrm>
+              <a:off x="6012764" y="260648"/>
+              <a:ext cx="2456706" cy="504056"/>
+            </a:xfrm>
+            <a:prstGeom prst="round2SameRect">
+              <a:avLst>
+                <a:gd name="adj1" fmla="val 50000"/>
+                <a:gd name="adj2" fmla="val 0"/>
+              </a:avLst>
+            </a:prstGeom>
+          </p:spPr>
+          <p:style>
+            <a:lnRef idx="2">
+              <a:schemeClr val="accent2">
+                <a:shade val="50000"/>
+              </a:schemeClr>
+            </a:lnRef>
+            <a:fillRef idx="1">
+              <a:schemeClr val="accent2"/>
+            </a:fillRef>
+            <a:effectRef idx="0">
+              <a:schemeClr val="accent2"/>
+            </a:effectRef>
+            <a:fontRef idx="minor">
+              <a:schemeClr val="lt1"/>
+            </a:fontRef>
+          </p:style>
+          <p:txBody>
+            <a:bodyPr rtlCol="0" anchor="ctr"/>
+            <a:lstStyle/>
+            <a:p>
+              <a:pPr algn="ctr"/>
+              <a:r>
+                <a:rPr lang="en-US" altLang="ko-KR" dirty="0" smtClean="0">
+                  <a:solidFill>
+                    <a:schemeClr val="tx1"/>
+                  </a:solidFill>
+                </a:rPr>
+                <a:t>11~17</a:t>
+              </a:r>
+              <a:r>
+                <a:rPr lang="ko-KR" altLang="en-US" dirty="0" smtClean="0">
+                  <a:solidFill>
+                    <a:schemeClr val="tx1"/>
+                  </a:solidFill>
+                </a:rPr>
+                <a:t>일</a:t>
+              </a:r>
+              <a:endParaRPr lang="ko-KR" altLang="en-US" dirty="0">
+                <a:solidFill>
+                  <a:schemeClr val="tx1"/>
+                </a:solidFill>
+              </a:endParaRPr>
+            </a:p>
+          </p:txBody>
+        </p:sp>
+      </p:grpSp>
+      <p:sp>
+        <p:nvSpPr>
+          <p:cNvPr id="13" name="직사각형 12"/>
+          <p:cNvSpPr/>
+          <p:nvPr/>
+        </p:nvSpPr>
+        <p:spPr>
+          <a:xfrm>
+            <a:off x="3696437" y="637679"/>
+            <a:ext cx="2598021" cy="6103689"/>
+          </a:xfrm>
+          <a:prstGeom prst="rect">
+            <a:avLst/>
+          </a:prstGeom>
+        </p:spPr>
+        <p:style>
+          <a:lnRef idx="1">
+            <a:schemeClr val="accent2"/>
+          </a:lnRef>
+          <a:fillRef idx="2">
+            <a:schemeClr val="accent2"/>
+          </a:fillRef>
+          <a:effectRef idx="1">
+            <a:schemeClr val="accent2"/>
+          </a:effectRef>
+          <a:fontRef idx="minor">
+            <a:schemeClr val="dk1"/>
+          </a:fontRef>
+        </p:style>
+        <p:txBody>
+          <a:bodyPr rtlCol="0" anchor="ctr"/>
+          <a:lstStyle/>
+          <a:p>
+            <a:pPr algn="ctr"/>
+            <a:endParaRPr lang="ko-KR" altLang="en-US"/>
+          </a:p>
+        </p:txBody>
+      </p:sp>
+      <p:sp>
+        <p:nvSpPr>
+          <p:cNvPr id="14" name="오각형 13"/>
+          <p:cNvSpPr/>
+          <p:nvPr/>
+        </p:nvSpPr>
+        <p:spPr>
+          <a:xfrm>
+            <a:off x="1115617" y="1962025"/>
+            <a:ext cx="2589101" cy="1152128"/>
+          </a:xfrm>
+          <a:prstGeom prst="homePlate">
+            <a:avLst/>
+          </a:prstGeom>
+        </p:spPr>
+        <p:style>
+          <a:lnRef idx="2">
+            <a:schemeClr val="accent1">
+              <a:shade val="50000"/>
+            </a:schemeClr>
+          </a:lnRef>
+          <a:fillRef idx="1">
+            <a:schemeClr val="accent1"/>
+          </a:fillRef>
+          <a:effectRef idx="0">
+            <a:schemeClr val="accent1"/>
+          </a:effectRef>
+          <a:fontRef idx="minor">
+            <a:schemeClr val="lt1"/>
+          </a:fontRef>
+        </p:style>
+        <p:txBody>
+          <a:bodyPr rtlCol="0" anchor="ctr"/>
+          <a:lstStyle/>
+          <a:p>
+            <a:pPr algn="ctr"/>
+            <a:endParaRPr lang="ko-KR" altLang="en-US"/>
+          </a:p>
+        </p:txBody>
+      </p:sp>
+      <p:sp>
+        <p:nvSpPr>
+          <p:cNvPr id="18" name="오각형 17"/>
+          <p:cNvSpPr/>
+          <p:nvPr/>
+        </p:nvSpPr>
+        <p:spPr>
+          <a:xfrm>
+            <a:off x="3696438" y="2537395"/>
+            <a:ext cx="2598020" cy="1152128"/>
+          </a:xfrm>
+          <a:prstGeom prst="homePlate">
+            <a:avLst/>
+          </a:prstGeom>
+        </p:spPr>
+        <p:style>
+          <a:lnRef idx="2">
+            <a:schemeClr val="accent1">
+              <a:shade val="50000"/>
+            </a:schemeClr>
+          </a:lnRef>
+          <a:fillRef idx="1">
+            <a:schemeClr val="accent1"/>
+          </a:fillRef>
+          <a:effectRef idx="0">
+            <a:schemeClr val="accent1"/>
+          </a:effectRef>
+          <a:fontRef idx="minor">
+            <a:schemeClr val="lt1"/>
+          </a:fontRef>
+        </p:style>
+        <p:txBody>
+          <a:bodyPr rtlCol="0" anchor="ctr"/>
+          <a:lstStyle/>
+          <a:p>
+            <a:pPr algn="ctr"/>
+            <a:endParaRPr lang="ko-KR" altLang="en-US"/>
+          </a:p>
+        </p:txBody>
+      </p:sp>
+      <p:sp>
+        <p:nvSpPr>
+          <p:cNvPr id="19" name="오각형 18"/>
+          <p:cNvSpPr/>
+          <p:nvPr/>
+        </p:nvSpPr>
+        <p:spPr>
+          <a:xfrm>
+            <a:off x="6294458" y="3113459"/>
+            <a:ext cx="2598022" cy="1152128"/>
+          </a:xfrm>
+          <a:prstGeom prst="homePlate">
+            <a:avLst/>
+          </a:prstGeom>
+        </p:spPr>
+        <p:style>
+          <a:lnRef idx="2">
+            <a:schemeClr val="accent1">
+              <a:shade val="50000"/>
+            </a:schemeClr>
+          </a:lnRef>
+          <a:fillRef idx="1">
+            <a:schemeClr val="accent1"/>
+          </a:fillRef>
+          <a:effectRef idx="0">
+            <a:schemeClr val="accent1"/>
+          </a:effectRef>
+          <a:fontRef idx="minor">
+            <a:schemeClr val="lt1"/>
+          </a:fontRef>
+        </p:style>
+        <p:txBody>
+          <a:bodyPr rtlCol="0" anchor="ctr"/>
+          <a:lstStyle/>
+          <a:p>
+            <a:pPr algn="ctr"/>
+            <a:endParaRPr lang="ko-KR" altLang="en-US"/>
+          </a:p>
+        </p:txBody>
+      </p:sp>
+    </p:spTree>
+    <p:extLst>
+      <p:ext uri="{BB962C8B-B14F-4D97-AF65-F5344CB8AC3E}">
+        <p14:creationId xmlns:p14="http://schemas.microsoft.com/office/powerpoint/2010/main" val="1958232267"/>
+      </p:ext>
+    </p:extLst>
+  </p:cSld>
+  <p:clrMapOvr>
+    <a:masterClrMapping/>
+  </p:clrMapOvr>
+</p:sld>
+</file>
+
+<file path=ppt/slides/slide3.xml><?xml version="1.0" encoding="utf-8"?>
 <p:sld xmlns:a="http://schemas.openxmlformats.org/drawingml/2006/main" xmlns:r="http://schemas.openxmlformats.org/officeDocument/2006/relationships" xmlns:p="http://schemas.openxmlformats.org/presentationml/2006/main">
   <p:cSld>
     <p:spTree>
@@ -14792,7 +15831,7 @@
 </p:sld>
 </file>
 
-<file path=ppt/slides/slide3.xml><?xml version="1.0" encoding="utf-8"?>
+<file path=ppt/slides/slide4.xml><?xml version="1.0" encoding="utf-8"?>
 <p:sld xmlns:a="http://schemas.openxmlformats.org/drawingml/2006/main" xmlns:r="http://schemas.openxmlformats.org/officeDocument/2006/relationships" xmlns:p="http://schemas.openxmlformats.org/presentationml/2006/main">
   <p:cSld>
     <p:spTree>
@@ -14941,7 +15980,6 @@
                         <a:rPr lang="en-US" altLang="ko-KR" dirty="0" smtClean="0"/>
                         <a:t>order</a:t>
                       </a:r>
-                      <a:endParaRPr lang="en-US" altLang="ko-KR" dirty="0" smtClean="0"/>
                     </a:p>
                   </a:txBody>
                   <a:tcPr anchor="ctr"/>
@@ -15176,15 +16214,7 @@
                             <a:srgbClr val="00B050"/>
                           </a:solidFill>
                         </a:rPr>
-                        <a:t>(</a:t>
-                      </a:r>
-                      <a:r>
-                        <a:rPr lang="en-US" altLang="ko-KR" b="1" dirty="0" smtClean="0">
-                          <a:solidFill>
-                            <a:srgbClr val="00B050"/>
-                          </a:solidFill>
-                        </a:rPr>
-                        <a:t>S)</a:t>
+                        <a:t>(S)</a:t>
                       </a:r>
                       <a:r>
                         <a:rPr lang="en-US" altLang="ko-KR" b="1" dirty="0" err="1" smtClean="0">
@@ -15203,11 +16233,7 @@
                     <a:p>
                       <a:r>
                         <a:rPr lang="en-US" altLang="ko-KR" dirty="0" smtClean="0"/>
-                        <a:t>(</a:t>
-                      </a:r>
-                      <a:r>
-                        <a:rPr lang="en-US" altLang="ko-KR" dirty="0" smtClean="0"/>
-                        <a:t>S)</a:t>
+                        <a:t>(S)</a:t>
                       </a:r>
                       <a:r>
                         <a:rPr lang="en-US" altLang="ko-KR" dirty="0" err="1" smtClean="0"/>
@@ -15218,11 +16244,7 @@
                     <a:p>
                       <a:r>
                         <a:rPr lang="en-US" altLang="ko-KR" dirty="0" smtClean="0"/>
-                        <a:t>(</a:t>
-                      </a:r>
-                      <a:r>
-                        <a:rPr lang="en-US" altLang="ko-KR" dirty="0" smtClean="0"/>
-                        <a:t>S)</a:t>
+                        <a:t>(S)</a:t>
                       </a:r>
                       <a:r>
                         <a:rPr lang="en-US" altLang="ko-KR" dirty="0" err="1" smtClean="0"/>
@@ -15233,11 +16255,7 @@
                     <a:p>
                       <a:r>
                         <a:rPr lang="en-US" altLang="ko-KR" dirty="0" smtClean="0"/>
-                        <a:t>(</a:t>
-                      </a:r>
-                      <a:r>
-                        <a:rPr lang="en-US" altLang="ko-KR" dirty="0" smtClean="0"/>
-                        <a:t>S)</a:t>
+                        <a:t>(S)</a:t>
                       </a:r>
                       <a:r>
                         <a:rPr lang="en-US" altLang="ko-KR" dirty="0" err="1" smtClean="0"/>
@@ -15584,7 +16602,7 @@
 </p:sld>
 </file>
 
-<file path=ppt/slides/slide4.xml><?xml version="1.0" encoding="utf-8"?>
+<file path=ppt/slides/slide5.xml><?xml version="1.0" encoding="utf-8"?>
 <p:sld xmlns:a="http://schemas.openxmlformats.org/drawingml/2006/main" xmlns:r="http://schemas.openxmlformats.org/officeDocument/2006/relationships" xmlns:p="http://schemas.openxmlformats.org/presentationml/2006/main">
   <p:cSld>
     <p:spTree>
@@ -16180,7 +17198,7 @@
 </p:sld>
 </file>
 
-<file path=ppt/slides/slide5.xml><?xml version="1.0" encoding="utf-8"?>
+<file path=ppt/slides/slide6.xml><?xml version="1.0" encoding="utf-8"?>
 <p:sld xmlns:a="http://schemas.openxmlformats.org/drawingml/2006/main" xmlns:r="http://schemas.openxmlformats.org/officeDocument/2006/relationships" xmlns:p="http://schemas.openxmlformats.org/presentationml/2006/main">
   <p:cSld>
     <p:spTree>
@@ -17059,7 +18077,7 @@
 </p:sld>
 </file>
 
-<file path=ppt/slides/slide6.xml><?xml version="1.0" encoding="utf-8"?>
+<file path=ppt/slides/slide7.xml><?xml version="1.0" encoding="utf-8"?>
 <p:sld xmlns:a="http://schemas.openxmlformats.org/drawingml/2006/main" xmlns:r="http://schemas.openxmlformats.org/officeDocument/2006/relationships" xmlns:p="http://schemas.openxmlformats.org/presentationml/2006/main">
   <p:cSld>
     <p:spTree>
@@ -17486,7 +18504,7 @@
 </p:sld>
 </file>
 
-<file path=ppt/slides/slide7.xml><?xml version="1.0" encoding="utf-8"?>
+<file path=ppt/slides/slide8.xml><?xml version="1.0" encoding="utf-8"?>
 <p:sld xmlns:a="http://schemas.openxmlformats.org/drawingml/2006/main" xmlns:r="http://schemas.openxmlformats.org/officeDocument/2006/relationships" xmlns:p="http://schemas.openxmlformats.org/presentationml/2006/main">
   <p:cSld>
     <p:spTree>
@@ -17894,7 +18912,7 @@
 </p:sld>
 </file>
 
-<file path=ppt/slides/slide8.xml><?xml version="1.0" encoding="utf-8"?>
+<file path=ppt/slides/slide9.xml><?xml version="1.0" encoding="utf-8"?>
 <p:sld xmlns:a="http://schemas.openxmlformats.org/drawingml/2006/main" xmlns:r="http://schemas.openxmlformats.org/officeDocument/2006/relationships" xmlns:p="http://schemas.openxmlformats.org/presentationml/2006/main">
   <p:cSld>
     <p:spTree>
@@ -19026,609 +20044,6 @@
       <p:bldP spid="7" grpId="0" animBg="1"/>
       <p:bldP spid="7" grpId="1" animBg="1"/>
     </p:bldLst>
-  </p:timing>
-</p:sld>
-</file>
-
-<file path=ppt/slides/slide9.xml><?xml version="1.0" encoding="utf-8"?>
-<p:sld xmlns:a="http://schemas.openxmlformats.org/drawingml/2006/main" xmlns:r="http://schemas.openxmlformats.org/officeDocument/2006/relationships" xmlns:p="http://schemas.openxmlformats.org/presentationml/2006/main">
-  <p:cSld>
-    <p:spTree>
-      <p:nvGrpSpPr>
-        <p:cNvPr id="1" name=""/>
-        <p:cNvGrpSpPr/>
-        <p:nvPr/>
-      </p:nvGrpSpPr>
-      <p:grpSpPr>
-        <a:xfrm>
-          <a:off x="0" y="0"/>
-          <a:ext cx="0" cy="0"/>
-          <a:chOff x="0" y="0"/>
-          <a:chExt cx="0" cy="0"/>
-        </a:xfrm>
-      </p:grpSpPr>
-      <p:sp>
-        <p:nvSpPr>
-          <p:cNvPr id="6" name="모서리가 둥근 직사각형 5">
-            <a:hlinkClick r:id="rId2" action="ppaction://hlinksldjump"/>
-          </p:cNvPr>
-          <p:cNvSpPr/>
-          <p:nvPr/>
-        </p:nvSpPr>
-        <p:spPr>
-          <a:xfrm>
-            <a:off x="6826057" y="260648"/>
-            <a:ext cx="1620000" cy="612000"/>
-          </a:xfrm>
-          <a:prstGeom prst="roundRect">
-            <a:avLst/>
-          </a:prstGeom>
-        </p:spPr>
-        <p:style>
-          <a:lnRef idx="2">
-            <a:schemeClr val="accent2">
-              <a:shade val="50000"/>
-            </a:schemeClr>
-          </a:lnRef>
-          <a:fillRef idx="1">
-            <a:schemeClr val="accent2"/>
-          </a:fillRef>
-          <a:effectRef idx="0">
-            <a:schemeClr val="accent2"/>
-          </a:effectRef>
-          <a:fontRef idx="minor">
-            <a:schemeClr val="lt1"/>
-          </a:fontRef>
-        </p:style>
-        <p:txBody>
-          <a:bodyPr rtlCol="0" anchor="ctr"/>
-          <a:lstStyle/>
-          <a:p>
-            <a:pPr algn="ctr"/>
-            <a:r>
-              <a:rPr lang="ko-KR" altLang="en-US" dirty="0" smtClean="0">
-                <a:solidFill>
-                  <a:schemeClr val="tx1"/>
-                </a:solidFill>
-              </a:rPr>
-              <a:t>로그아웃</a:t>
-            </a:r>
-            <a:endParaRPr lang="ko-KR" altLang="en-US" dirty="0">
-              <a:solidFill>
-                <a:schemeClr val="tx1"/>
-              </a:solidFill>
-            </a:endParaRPr>
-          </a:p>
-        </p:txBody>
-      </p:sp>
-      <p:sp>
-        <p:nvSpPr>
-          <p:cNvPr id="7" name="모서리가 둥근 직사각형 6"/>
-          <p:cNvSpPr/>
-          <p:nvPr/>
-        </p:nvSpPr>
-        <p:spPr>
-          <a:xfrm>
-            <a:off x="1403648" y="1176427"/>
-            <a:ext cx="7056784" cy="5276909"/>
-          </a:xfrm>
-          <a:prstGeom prst="roundRect">
-            <a:avLst/>
-          </a:prstGeom>
-          <a:noFill/>
-          <a:ln>
-            <a:solidFill>
-              <a:schemeClr val="accent2"/>
-            </a:solidFill>
-          </a:ln>
-        </p:spPr>
-        <p:style>
-          <a:lnRef idx="2">
-            <a:schemeClr val="accent2">
-              <a:shade val="50000"/>
-            </a:schemeClr>
-          </a:lnRef>
-          <a:fillRef idx="1">
-            <a:schemeClr val="accent2"/>
-          </a:fillRef>
-          <a:effectRef idx="0">
-            <a:schemeClr val="accent2"/>
-          </a:effectRef>
-          <a:fontRef idx="minor">
-            <a:schemeClr val="lt1"/>
-          </a:fontRef>
-        </p:style>
-        <p:txBody>
-          <a:bodyPr rtlCol="0" anchor="ctr"/>
-          <a:lstStyle/>
-          <a:p>
-            <a:pPr algn="ctr"/>
-            <a:endParaRPr lang="ko-KR" altLang="en-US" sz="1400" dirty="0">
-              <a:solidFill>
-                <a:schemeClr val="tx1"/>
-              </a:solidFill>
-            </a:endParaRPr>
-          </a:p>
-        </p:txBody>
-      </p:sp>
-      <p:sp>
-        <p:nvSpPr>
-          <p:cNvPr id="8" name="TextBox 7"/>
-          <p:cNvSpPr txBox="1"/>
-          <p:nvPr/>
-        </p:nvSpPr>
-        <p:spPr>
-          <a:xfrm>
-            <a:off x="971600" y="0"/>
-            <a:ext cx="3096344" cy="338554"/>
-          </a:xfrm>
-          <a:prstGeom prst="rect">
-            <a:avLst/>
-          </a:prstGeom>
-          <a:noFill/>
-        </p:spPr>
-        <p:txBody>
-          <a:bodyPr wrap="square" rtlCol="0">
-            <a:spAutoFit/>
-          </a:bodyPr>
-          <a:lstStyle/>
-          <a:p>
-            <a:r>
-              <a:rPr lang="en-US" altLang="ko-KR" sz="1600" dirty="0" smtClean="0"/>
-              <a:t>Transport Invoice</a:t>
-            </a:r>
-          </a:p>
-        </p:txBody>
-      </p:sp>
-      <p:sp>
-        <p:nvSpPr>
-          <p:cNvPr id="9" name="TextBox 8"/>
-          <p:cNvSpPr txBox="1"/>
-          <p:nvPr/>
-        </p:nvSpPr>
-        <p:spPr>
-          <a:xfrm>
-            <a:off x="1907704" y="1556792"/>
-            <a:ext cx="6336704" cy="369332"/>
-          </a:xfrm>
-          <a:prstGeom prst="rect">
-            <a:avLst/>
-          </a:prstGeom>
-          <a:noFill/>
-        </p:spPr>
-        <p:txBody>
-          <a:bodyPr wrap="square" rtlCol="0">
-            <a:spAutoFit/>
-          </a:bodyPr>
-          <a:lstStyle/>
-          <a:p>
-            <a:r>
-              <a:rPr lang="ko-KR" altLang="en-US" dirty="0" smtClean="0"/>
-              <a:t>송장번호</a:t>
-            </a:r>
-            <a:r>
-              <a:rPr lang="en-US" altLang="ko-KR" dirty="0"/>
-              <a:t> </a:t>
-            </a:r>
-            <a:r>
-              <a:rPr lang="en-US" altLang="ko-KR" dirty="0" smtClean="0"/>
-              <a:t>       </a:t>
-            </a:r>
-            <a:r>
-              <a:rPr lang="ko-KR" altLang="en-US" dirty="0" smtClean="0"/>
-              <a:t>고객명</a:t>
-            </a:r>
-            <a:r>
-              <a:rPr lang="en-US" altLang="ko-KR" dirty="0" smtClean="0"/>
-              <a:t>		     </a:t>
-            </a:r>
-            <a:r>
-              <a:rPr lang="ko-KR" altLang="en-US" dirty="0" smtClean="0"/>
-              <a:t>주소</a:t>
-            </a:r>
-            <a:endParaRPr lang="ko-KR" altLang="en-US" dirty="0"/>
-          </a:p>
-        </p:txBody>
-      </p:sp>
-      <p:sp>
-        <p:nvSpPr>
-          <p:cNvPr id="12" name="TextBox 11"/>
-          <p:cNvSpPr txBox="1"/>
-          <p:nvPr/>
-        </p:nvSpPr>
-        <p:spPr>
-          <a:xfrm>
-            <a:off x="4640491" y="5877272"/>
-            <a:ext cx="720080" cy="369332"/>
-          </a:xfrm>
-          <a:prstGeom prst="rect">
-            <a:avLst/>
-          </a:prstGeom>
-          <a:noFill/>
-        </p:spPr>
-        <p:txBody>
-          <a:bodyPr wrap="square" rtlCol="0">
-            <a:spAutoFit/>
-          </a:bodyPr>
-          <a:lstStyle/>
-          <a:p>
-            <a:r>
-              <a:rPr lang="en-US" altLang="ko-KR" dirty="0" smtClean="0"/>
-              <a:t>- 1 -</a:t>
-            </a:r>
-            <a:endParaRPr lang="ko-KR" altLang="en-US" dirty="0"/>
-          </a:p>
-        </p:txBody>
-      </p:sp>
-      <p:grpSp>
-        <p:nvGrpSpPr>
-          <p:cNvPr id="13" name="그룹 12"/>
-          <p:cNvGrpSpPr/>
-          <p:nvPr/>
-        </p:nvGrpSpPr>
-        <p:grpSpPr>
-          <a:xfrm>
-            <a:off x="1628055" y="2211321"/>
-            <a:ext cx="6472337" cy="1385333"/>
-            <a:chOff x="1475655" y="2058921"/>
-            <a:chExt cx="6472337" cy="1385333"/>
-          </a:xfrm>
-        </p:grpSpPr>
-        <p:sp>
-          <p:nvSpPr>
-            <p:cNvPr id="14" name="TextBox 13"/>
-            <p:cNvSpPr txBox="1"/>
-            <p:nvPr/>
-          </p:nvSpPr>
-          <p:spPr>
-            <a:xfrm>
-              <a:off x="1475655" y="2058921"/>
-              <a:ext cx="2968209" cy="954107"/>
-            </a:xfrm>
-            <a:prstGeom prst="rect">
-              <a:avLst/>
-            </a:prstGeom>
-            <a:noFill/>
-          </p:spPr>
-          <p:txBody>
-            <a:bodyPr wrap="square" rtlCol="0">
-              <a:spAutoFit/>
-            </a:bodyPr>
-            <a:lstStyle/>
-            <a:p>
-              <a:pPr marL="342900" indent="-342900">
-                <a:buAutoNum type="arabicPeriod"/>
-              </a:pPr>
-              <a:r>
-                <a:rPr lang="en-US" altLang="ko-KR" sz="1400" dirty="0"/>
-                <a:t> </a:t>
-              </a:r>
-              <a:r>
-                <a:rPr lang="en-US" altLang="ko-KR" sz="1400" dirty="0" smtClean="0"/>
-                <a:t>   </a:t>
-              </a:r>
-              <a:r>
-                <a:rPr lang="en-US" altLang="ko-KR" sz="1400" dirty="0" smtClean="0">
-                  <a:hlinkClick r:id="rId3" action="ppaction://hlinksldjump"/>
-                </a:rPr>
-                <a:t>b1021</a:t>
-              </a:r>
-              <a:r>
-                <a:rPr lang="en-US" altLang="ko-KR" sz="1400" dirty="0" smtClean="0"/>
-                <a:t>	   </a:t>
-              </a:r>
-              <a:r>
-                <a:rPr lang="ko-KR" altLang="en-US" sz="1400" dirty="0" err="1" smtClean="0"/>
-                <a:t>냥냥이</a:t>
-              </a:r>
-              <a:endParaRPr lang="en-US" altLang="ko-KR" sz="1400" dirty="0" smtClean="0"/>
-            </a:p>
-            <a:p>
-              <a:pPr marL="342900" indent="-342900">
-                <a:buAutoNum type="arabicPeriod"/>
-              </a:pPr>
-              <a:r>
-                <a:rPr lang="en-US" altLang="ko-KR" sz="1400" dirty="0"/>
-                <a:t> </a:t>
-              </a:r>
-              <a:r>
-                <a:rPr lang="en-US" altLang="ko-KR" sz="1400" dirty="0" smtClean="0"/>
-                <a:t>   </a:t>
-              </a:r>
-              <a:r>
-                <a:rPr lang="en-US" altLang="ko-KR" sz="1400" dirty="0" smtClean="0">
-                  <a:hlinkClick r:id="rId3" action="ppaction://hlinksldjump"/>
-                </a:rPr>
-                <a:t>c1007</a:t>
-              </a:r>
-              <a:r>
-                <a:rPr lang="en-US" altLang="ko-KR" sz="1400" dirty="0" smtClean="0"/>
-                <a:t>                    </a:t>
-              </a:r>
-              <a:r>
-                <a:rPr lang="ko-KR" altLang="en-US" sz="1400" dirty="0" err="1" smtClean="0"/>
-                <a:t>댕댕이</a:t>
-              </a:r>
-              <a:endParaRPr lang="en-US" altLang="ko-KR" sz="1400" dirty="0" smtClean="0"/>
-            </a:p>
-            <a:p>
-              <a:pPr marL="342900" indent="-342900">
-                <a:buFontTx/>
-                <a:buAutoNum type="arabicPeriod"/>
-              </a:pPr>
-              <a:r>
-                <a:rPr lang="en-US" altLang="ko-KR" sz="1400" dirty="0" smtClean="0"/>
-                <a:t>    </a:t>
-              </a:r>
-              <a:r>
-                <a:rPr lang="en-US" altLang="ko-KR" sz="1400" dirty="0" smtClean="0">
-                  <a:hlinkClick r:id="rId3" action="ppaction://hlinksldjump"/>
-                </a:rPr>
-                <a:t>a1001</a:t>
-              </a:r>
-              <a:r>
-                <a:rPr lang="en-US" altLang="ko-KR" sz="1400" dirty="0"/>
-                <a:t>	   </a:t>
-              </a:r>
-              <a:r>
-                <a:rPr lang="ko-KR" altLang="en-US" sz="1400" dirty="0"/>
-                <a:t>파이선 </a:t>
-              </a:r>
-              <a:endParaRPr lang="en-US" altLang="ko-KR" sz="1400" dirty="0"/>
-            </a:p>
-            <a:p>
-              <a:pPr marL="342900" indent="-342900">
-                <a:buFontTx/>
-                <a:buAutoNum type="arabicPeriod"/>
-              </a:pPr>
-              <a:r>
-                <a:rPr lang="en-US" altLang="ko-KR" sz="1400" dirty="0" smtClean="0"/>
-                <a:t>    </a:t>
-              </a:r>
-              <a:r>
-                <a:rPr lang="en-US" altLang="ko-KR" sz="1400" dirty="0" smtClean="0">
-                  <a:hlinkClick r:id="rId3" action="ppaction://hlinksldjump"/>
-                </a:rPr>
-                <a:t>a1002</a:t>
-              </a:r>
-              <a:r>
-                <a:rPr lang="en-US" altLang="ko-KR" sz="1400" dirty="0" smtClean="0"/>
-                <a:t>   </a:t>
-              </a:r>
-              <a:r>
-                <a:rPr lang="en-US" altLang="ko-KR" sz="1400" dirty="0"/>
-                <a:t>	   </a:t>
-              </a:r>
-              <a:r>
-                <a:rPr lang="ko-KR" altLang="en-US" sz="1400" dirty="0" err="1" smtClean="0"/>
-                <a:t>김자바</a:t>
-              </a:r>
-              <a:r>
-                <a:rPr lang="en-US" altLang="ko-KR" sz="1400" dirty="0" smtClean="0"/>
-                <a:t>	 </a:t>
-              </a:r>
-            </a:p>
-          </p:txBody>
-        </p:sp>
-        <p:sp>
-          <p:nvSpPr>
-            <p:cNvPr id="15" name="TextBox 14"/>
-            <p:cNvSpPr txBox="1"/>
-            <p:nvPr/>
-          </p:nvSpPr>
-          <p:spPr>
-            <a:xfrm>
-              <a:off x="4203576" y="2059259"/>
-              <a:ext cx="3744416" cy="1384995"/>
-            </a:xfrm>
-            <a:prstGeom prst="rect">
-              <a:avLst/>
-            </a:prstGeom>
-            <a:noFill/>
-          </p:spPr>
-          <p:txBody>
-            <a:bodyPr wrap="square" rtlCol="0">
-              <a:spAutoFit/>
-            </a:bodyPr>
-            <a:lstStyle/>
-            <a:p>
-              <a:pPr algn="ctr"/>
-              <a:r>
-                <a:rPr lang="ko-KR" altLang="en-US" sz="1400" dirty="0"/>
-                <a:t>서울특별시 강남구 역삼동 </a:t>
-              </a:r>
-              <a:r>
-                <a:rPr lang="en-US" altLang="ko-KR" sz="1400" dirty="0"/>
-                <a:t>333 </a:t>
-              </a:r>
-              <a:endParaRPr lang="en-US" altLang="ko-KR" sz="1400" dirty="0" smtClean="0"/>
-            </a:p>
-            <a:p>
-              <a:pPr algn="ctr"/>
-              <a:r>
-                <a:rPr lang="ko-KR" altLang="en-US" sz="1400" dirty="0" smtClean="0"/>
-                <a:t>부산광역시 중구 </a:t>
-              </a:r>
-              <a:r>
-                <a:rPr lang="ko-KR" altLang="en-US" sz="1400" dirty="0" err="1" smtClean="0"/>
-                <a:t>남포동</a:t>
-              </a:r>
-              <a:r>
-                <a:rPr lang="ko-KR" altLang="en-US" sz="1400" dirty="0" smtClean="0"/>
-                <a:t> </a:t>
-              </a:r>
-              <a:r>
-                <a:rPr lang="en-US" altLang="ko-KR" sz="1400" dirty="0" smtClean="0"/>
-                <a:t>987</a:t>
-              </a:r>
-            </a:p>
-            <a:p>
-              <a:pPr algn="ctr"/>
-              <a:r>
-                <a:rPr lang="ko-KR" altLang="en-US" sz="1400" dirty="0"/>
-                <a:t>대전광역시 서구 </a:t>
-              </a:r>
-              <a:r>
-                <a:rPr lang="ko-KR" altLang="en-US" sz="1400" dirty="0" err="1"/>
-                <a:t>월평동</a:t>
-              </a:r>
-              <a:r>
-                <a:rPr lang="ko-KR" altLang="en-US" sz="1400" dirty="0"/>
-                <a:t> </a:t>
-              </a:r>
-              <a:r>
-                <a:rPr lang="en-US" altLang="ko-KR" sz="1400" dirty="0"/>
-                <a:t>243 </a:t>
-              </a:r>
-              <a:r>
-                <a:rPr lang="ko-KR" altLang="en-US" sz="1400" dirty="0" err="1"/>
-                <a:t>스타게이트</a:t>
-              </a:r>
-              <a:r>
-                <a:rPr lang="ko-KR" altLang="en-US" sz="1400" dirty="0"/>
-                <a:t> </a:t>
-              </a:r>
-              <a:r>
-                <a:rPr lang="en-US" altLang="ko-KR" sz="1400" dirty="0"/>
-                <a:t>7</a:t>
-              </a:r>
-              <a:r>
-                <a:rPr lang="ko-KR" altLang="en-US" sz="1400" dirty="0" smtClean="0"/>
-                <a:t>층</a:t>
-              </a:r>
-              <a:endParaRPr lang="en-US" altLang="ko-KR" sz="1400" dirty="0" smtClean="0"/>
-            </a:p>
-            <a:p>
-              <a:pPr algn="ctr"/>
-              <a:r>
-                <a:rPr lang="ko-KR" altLang="en-US" sz="1400" dirty="0"/>
-                <a:t>대전광역시 서구 </a:t>
-              </a:r>
-              <a:r>
-                <a:rPr lang="ko-KR" altLang="en-US" sz="1400" dirty="0" err="1"/>
-                <a:t>갈마동</a:t>
-              </a:r>
-              <a:r>
-                <a:rPr lang="ko-KR" altLang="en-US" sz="1400" dirty="0"/>
-                <a:t> </a:t>
-              </a:r>
-              <a:r>
-                <a:rPr lang="en-US" altLang="ko-KR" sz="1400" dirty="0"/>
-                <a:t>123 </a:t>
-              </a:r>
-              <a:r>
-                <a:rPr lang="ko-KR" altLang="en-US" sz="1400" dirty="0" err="1"/>
-                <a:t>사오륙빌딩</a:t>
-              </a:r>
-              <a:r>
-                <a:rPr lang="ko-KR" altLang="en-US" sz="1400" dirty="0"/>
-                <a:t> </a:t>
-              </a:r>
-              <a:r>
-                <a:rPr lang="en-US" altLang="ko-KR" sz="1400" dirty="0"/>
-                <a:t>7</a:t>
-              </a:r>
-              <a:r>
-                <a:rPr lang="ko-KR" altLang="en-US" sz="1400" dirty="0" smtClean="0"/>
-                <a:t>층</a:t>
-              </a:r>
-              <a:endParaRPr lang="en-US" altLang="ko-KR" sz="1400" dirty="0"/>
-            </a:p>
-            <a:p>
-              <a:pPr algn="ctr"/>
-              <a:endParaRPr lang="en-US" altLang="ko-KR" sz="1400" dirty="0"/>
-            </a:p>
-            <a:p>
-              <a:pPr algn="ctr"/>
-              <a:endParaRPr lang="ko-KR" altLang="en-US" sz="1400" dirty="0"/>
-            </a:p>
-          </p:txBody>
-        </p:sp>
-      </p:grpSp>
-    </p:spTree>
-    <p:extLst>
-      <p:ext uri="{BB962C8B-B14F-4D97-AF65-F5344CB8AC3E}">
-        <p14:creationId xmlns:p14="http://schemas.microsoft.com/office/powerpoint/2010/main" val="1622573044"/>
-      </p:ext>
-    </p:extLst>
-  </p:cSld>
-  <p:clrMapOvr>
-    <a:masterClrMapping/>
-  </p:clrMapOvr>
-  <p:timing>
-    <p:tnLst>
-      <p:par>
-        <p:cTn id="1" dur="indefinite" restart="never" nodeType="tmRoot">
-          <p:childTnLst>
-            <p:seq concurrent="1" nextAc="seek">
-              <p:cTn id="2" dur="indefinite" nodeType="mainSeq">
-                <p:childTnLst>
-                  <p:par>
-                    <p:cTn id="3" fill="hold">
-                      <p:stCondLst>
-                        <p:cond delay="indefinite"/>
-                      </p:stCondLst>
-                      <p:childTnLst>
-                        <p:par>
-                          <p:cTn id="4" fill="hold">
-                            <p:stCondLst>
-                              <p:cond delay="0"/>
-                            </p:stCondLst>
-                            <p:childTnLst>
-                              <p:par>
-                                <p:cTn id="5" presetID="1" presetClass="exit" presetSubtype="0" fill="hold" nodeType="clickEffect">
-                                  <p:stCondLst>
-                                    <p:cond delay="0"/>
-                                  </p:stCondLst>
-                                  <p:childTnLst>
-                                    <p:set>
-                                      <p:cBhvr>
-                                        <p:cTn id="6" dur="1" fill="hold">
-                                          <p:stCondLst>
-                                            <p:cond delay="0"/>
-                                          </p:stCondLst>
-                                        </p:cTn>
-                                        <p:tgtEl>
-                                          <p:spTgt spid="13"/>
-                                        </p:tgtEl>
-                                        <p:attrNameLst>
-                                          <p:attrName>style.visibility</p:attrName>
-                                        </p:attrNameLst>
-                                      </p:cBhvr>
-                                      <p:to>
-                                        <p:strVal val="hidden"/>
-                                      </p:to>
-                                    </p:set>
-                                  </p:childTnLst>
-                                </p:cTn>
-                              </p:par>
-                            </p:childTnLst>
-                          </p:cTn>
-                        </p:par>
-                      </p:childTnLst>
-                    </p:cTn>
-                  </p:par>
-                </p:childTnLst>
-              </p:cTn>
-              <p:prevCondLst>
-                <p:cond evt="onPrev" delay="0">
-                  <p:tgtEl>
-                    <p:sldTgt/>
-                  </p:tgtEl>
-                </p:cond>
-              </p:prevCondLst>
-              <p:nextCondLst>
-                <p:cond evt="onNext" delay="0">
-                  <p:tgtEl>
-                    <p:sldTgt/>
-                  </p:tgtEl>
-                </p:cond>
-              </p:nextCondLst>
-            </p:seq>
-          </p:childTnLst>
-        </p:cTn>
-      </p:par>
-    </p:tnLst>
   </p:timing>
 </p:sld>
 </file>
